--- a/tdde-py-pyspark-glue-docker-vscode.pptx
+++ b/tdde-py-pyspark-glue-docker-vscode.pptx
@@ -5,7 +5,7 @@
     <p:sldMasterId id="2147483660" r:id="rId1"/>
   </p:sldMasterIdLst>
   <p:notesMasterIdLst>
-    <p:notesMasterId r:id="rId38"/>
+    <p:notesMasterId r:id="rId39"/>
   </p:notesMasterIdLst>
   <p:sldIdLst>
     <p:sldId id="256" r:id="rId2"/>
@@ -21,29 +21,30 @@
     <p:sldId id="264" r:id="rId12"/>
     <p:sldId id="345" r:id="rId13"/>
     <p:sldId id="265" r:id="rId14"/>
-    <p:sldId id="349" r:id="rId15"/>
-    <p:sldId id="346" r:id="rId16"/>
-    <p:sldId id="347" r:id="rId17"/>
-    <p:sldId id="348" r:id="rId18"/>
-    <p:sldId id="350" r:id="rId19"/>
-    <p:sldId id="351" r:id="rId20"/>
-    <p:sldId id="359" r:id="rId21"/>
-    <p:sldId id="360" r:id="rId22"/>
-    <p:sldId id="357" r:id="rId23"/>
-    <p:sldId id="361" r:id="rId24"/>
-    <p:sldId id="362" r:id="rId25"/>
-    <p:sldId id="363" r:id="rId26"/>
-    <p:sldId id="373" r:id="rId27"/>
-    <p:sldId id="375" r:id="rId28"/>
-    <p:sldId id="374" r:id="rId29"/>
-    <p:sldId id="364" r:id="rId30"/>
-    <p:sldId id="365" r:id="rId31"/>
-    <p:sldId id="376" r:id="rId32"/>
-    <p:sldId id="372" r:id="rId33"/>
-    <p:sldId id="366" r:id="rId34"/>
-    <p:sldId id="370" r:id="rId35"/>
-    <p:sldId id="371" r:id="rId36"/>
-    <p:sldId id="368" r:id="rId37"/>
+    <p:sldId id="377" r:id="rId15"/>
+    <p:sldId id="349" r:id="rId16"/>
+    <p:sldId id="346" r:id="rId17"/>
+    <p:sldId id="347" r:id="rId18"/>
+    <p:sldId id="348" r:id="rId19"/>
+    <p:sldId id="350" r:id="rId20"/>
+    <p:sldId id="351" r:id="rId21"/>
+    <p:sldId id="359" r:id="rId22"/>
+    <p:sldId id="360" r:id="rId23"/>
+    <p:sldId id="357" r:id="rId24"/>
+    <p:sldId id="361" r:id="rId25"/>
+    <p:sldId id="362" r:id="rId26"/>
+    <p:sldId id="363" r:id="rId27"/>
+    <p:sldId id="373" r:id="rId28"/>
+    <p:sldId id="375" r:id="rId29"/>
+    <p:sldId id="374" r:id="rId30"/>
+    <p:sldId id="364" r:id="rId31"/>
+    <p:sldId id="365" r:id="rId32"/>
+    <p:sldId id="376" r:id="rId33"/>
+    <p:sldId id="372" r:id="rId34"/>
+    <p:sldId id="366" r:id="rId35"/>
+    <p:sldId id="370" r:id="rId36"/>
+    <p:sldId id="371" r:id="rId37"/>
+    <p:sldId id="368" r:id="rId38"/>
   </p:sldIdLst>
   <p:sldSz cx="12192000" cy="6858000"/>
   <p:notesSz cx="6858000" cy="9144000"/>
@@ -232,7 +233,7 @@
           <a:p>
             <a:fld id="{E4717DEE-46D0-684B-93A0-8B8798D63DB0}" type="datetimeFigureOut">
               <a:rPr lang="en-US" smtClean="0"/>
-              <a:t>5/18/22</a:t>
+              <a:t>5/23/22</a:t>
             </a:fld>
             <a:endParaRPr lang="en-US"/>
           </a:p>
@@ -545,16 +546,76 @@
           <a:p>
             <a:r>
               <a:rPr lang="en-US" dirty="0"/>
-              <a:t>The holy grail of testing – isolating it.</a:t>
-            </a:r>
-          </a:p>
-          <a:p>
+              <a:t>Read problem statement.</a:t>
+            </a:r>
+          </a:p>
+          <a:p>
+            <a:r>
+              <a:rPr lang="en-US" dirty="0"/>
+              <a:t>(CLICK)</a:t>
+            </a:r>
+          </a:p>
+          <a:p>
+            <a:r>
+              <a:rPr lang="en-US" dirty="0"/>
+              <a:t>I wanted to demonstrate some of these concepts with a demo that addressed</a:t>
+            </a:r>
+          </a:p>
+          <a:p>
+            <a:pPr marL="228600" indent="-228600">
+              <a:buFont typeface="+mj-lt"/>
+              <a:buAutoNum type="arabicPeriod"/>
+            </a:pPr>
+            <a:r>
+              <a:rPr lang="en-US" dirty="0"/>
+              <a:t>Developing pipelines locally with common tech that require distributed frameworks</a:t>
+            </a:r>
+          </a:p>
+          <a:p>
+            <a:pPr marL="228600" indent="-228600">
+              <a:buFont typeface="+mj-lt"/>
+              <a:buAutoNum type="arabicPeriod"/>
+            </a:pPr>
+            <a:r>
+              <a:rPr lang="en-US" dirty="0"/>
+              <a:t>Use docker for as much of the development as possible because it makes CI/CD easier</a:t>
+            </a:r>
+          </a:p>
+          <a:p>
+            <a:pPr marL="228600" indent="-228600">
+              <a:buFont typeface="+mj-lt"/>
+              <a:buAutoNum type="arabicPeriod"/>
+            </a:pPr>
+            <a:r>
+              <a:rPr lang="en-US" dirty="0"/>
+              <a:t>Use an IDE other than PyCharm</a:t>
+            </a:r>
+          </a:p>
+          <a:p>
+            <a:pPr marL="228600" indent="-228600">
+              <a:buFont typeface="+mj-lt"/>
+              <a:buAutoNum type="arabicPeriod"/>
+            </a:pPr>
+            <a:r>
+              <a:rPr lang="en-US" dirty="0"/>
+              <a:t>Show how to design code to separate integration from unit tests</a:t>
+            </a:r>
+          </a:p>
+          <a:p>
+            <a:pPr marL="0" indent="0">
+              <a:buFont typeface="+mj-lt"/>
+              <a:buNone/>
+            </a:pPr>
             <a:endParaRPr lang="en-US" dirty="0"/>
           </a:p>
           <a:p>
+            <a:pPr marL="0" indent="0">
+              <a:buFont typeface="+mj-lt"/>
+              <a:buNone/>
+            </a:pPr>
             <a:r>
               <a:rPr lang="en-US" dirty="0"/>
-              <a:t>Local means you can do it on a build server.</a:t>
+              <a:t>NOTE: these are common situations that come up, even if your stack is not the same as this exact stack. You have to challenge yourself to find novel solutions to your development needs.</a:t>
             </a:r>
           </a:p>
         </p:txBody>
@@ -576,7 +637,7 @@
           <a:p>
             <a:fld id="{B8E637B9-F140-B64D-9222-01A1EC37811D}" type="slidenum">
               <a:rPr lang="en-US" smtClean="0"/>
-              <a:t>4</a:t>
+              <a:t>3</a:t>
             </a:fld>
             <a:endParaRPr lang="en-US"/>
           </a:p>
@@ -585,7 +646,7 @@
     </p:spTree>
     <p:extLst>
       <p:ext uri="{BB962C8B-B14F-4D97-AF65-F5344CB8AC3E}">
-        <p14:creationId xmlns:p14="http://schemas.microsoft.com/office/powerpoint/2010/main" val="183174194"/>
+        <p14:creationId xmlns:p14="http://schemas.microsoft.com/office/powerpoint/2010/main" val="3066641218"/>
       </p:ext>
     </p:extLst>
   </p:cSld>
@@ -641,15 +702,7 @@
           <a:p>
             <a:r>
               <a:rPr lang="en-US" dirty="0"/>
-              <a:t>You now have an initial look into setting up and leveraging a local development environment for python, </a:t>
-            </a:r>
-            <a:r>
-              <a:rPr lang="en-US" dirty="0" err="1"/>
-              <a:t>pyspark</a:t>
-            </a:r>
-            <a:r>
-              <a:rPr lang="en-US" dirty="0"/>
-              <a:t>, and glue development.</a:t>
+              <a:t>Isolate the scalar business logic from the transformation path. This can follow the traditional TDD path because no other frameworks are needed.</a:t>
             </a:r>
           </a:p>
         </p:txBody>
@@ -671,7 +724,7 @@
           <a:p>
             <a:fld id="{B8E637B9-F140-B64D-9222-01A1EC37811D}" type="slidenum">
               <a:rPr lang="en-US" smtClean="0"/>
-              <a:t>30</a:t>
+              <a:t>15</a:t>
             </a:fld>
             <a:endParaRPr lang="en-US"/>
           </a:p>
@@ -680,7 +733,7 @@
     </p:spTree>
     <p:extLst>
       <p:ext uri="{BB962C8B-B14F-4D97-AF65-F5344CB8AC3E}">
-        <p14:creationId xmlns:p14="http://schemas.microsoft.com/office/powerpoint/2010/main" val="448986334"/>
+        <p14:creationId xmlns:p14="http://schemas.microsoft.com/office/powerpoint/2010/main" val="2729762264"/>
       </p:ext>
     </p:extLst>
   </p:cSld>
@@ -734,22 +787,9 @@
           <a:bodyPr/>
           <a:lstStyle/>
           <a:p>
-            <a:r>
-              <a:rPr lang="en-US" dirty="0"/>
-              <a:t>You now have an initial look into setting up and leveraging a local development environment for python, </a:t>
-            </a:r>
-            <a:r>
-              <a:rPr lang="en-US" dirty="0" err="1"/>
-              <a:t>pyspark</a:t>
-            </a:r>
-            <a:r>
-              <a:rPr lang="en-US" dirty="0"/>
-              <a:t>, and </a:t>
-            </a:r>
-            <a:r>
-              <a:rPr lang="en-US"/>
-              <a:t>glue development.</a:t>
-            </a:r>
+            <a:endParaRPr lang="en-US" dirty="0">
+              <a:cs typeface="Calibri"/>
+            </a:endParaRPr>
           </a:p>
         </p:txBody>
       </p:sp>
@@ -768,9 +808,1371 @@
           <a:bodyPr/>
           <a:lstStyle/>
           <a:p>
+            <a:fld id="{172E2218-332F-2046-8919-12C975A973BC}" type="slidenum">
+              <a:rPr lang="en-US" smtClean="0"/>
+              <a:t>16</a:t>
+            </a:fld>
+            <a:endParaRPr lang="en-US"/>
+          </a:p>
+        </p:txBody>
+      </p:sp>
+    </p:spTree>
+    <p:extLst>
+      <p:ext uri="{BB962C8B-B14F-4D97-AF65-F5344CB8AC3E}">
+        <p14:creationId xmlns:p14="http://schemas.microsoft.com/office/powerpoint/2010/main" val="941714137"/>
+      </p:ext>
+    </p:extLst>
+  </p:cSld>
+  <p:clrMapOvr>
+    <a:masterClrMapping/>
+  </p:clrMapOvr>
+</p:notes>
+</file>
+
+<file path=ppt/notesSlides/notesSlide12.xml><?xml version="1.0" encoding="utf-8"?>
+<p:notes xmlns:a="http://schemas.openxmlformats.org/drawingml/2006/main" xmlns:r="http://schemas.openxmlformats.org/officeDocument/2006/relationships" xmlns:p="http://schemas.openxmlformats.org/presentationml/2006/main">
+  <p:cSld>
+    <p:spTree>
+      <p:nvGrpSpPr>
+        <p:cNvPr id="1" name=""/>
+        <p:cNvGrpSpPr/>
+        <p:nvPr/>
+      </p:nvGrpSpPr>
+      <p:grpSpPr>
+        <a:xfrm>
+          <a:off x="0" y="0"/>
+          <a:ext cx="0" cy="0"/>
+          <a:chOff x="0" y="0"/>
+          <a:chExt cx="0" cy="0"/>
+        </a:xfrm>
+      </p:grpSpPr>
+      <p:sp>
+        <p:nvSpPr>
+          <p:cNvPr id="2" name="Slide Image Placeholder 1"/>
+          <p:cNvSpPr>
+            <a:spLocks noGrp="1" noRot="1" noChangeAspect="1"/>
+          </p:cNvSpPr>
+          <p:nvPr>
+            <p:ph type="sldImg"/>
+          </p:nvPr>
+        </p:nvSpPr>
+        <p:spPr/>
+      </p:sp>
+      <p:sp>
+        <p:nvSpPr>
+          <p:cNvPr id="3" name="Notes Placeholder 2"/>
+          <p:cNvSpPr>
+            <a:spLocks noGrp="1"/>
+          </p:cNvSpPr>
+          <p:nvPr>
+            <p:ph type="body" idx="1"/>
+          </p:nvPr>
+        </p:nvSpPr>
+        <p:spPr/>
+        <p:txBody>
+          <a:bodyPr/>
+          <a:lstStyle/>
+          <a:p>
+            <a:endParaRPr lang="en-US" dirty="0">
+              <a:cs typeface="Calibri"/>
+            </a:endParaRPr>
+          </a:p>
+        </p:txBody>
+      </p:sp>
+      <p:sp>
+        <p:nvSpPr>
+          <p:cNvPr id="4" name="Slide Number Placeholder 3"/>
+          <p:cNvSpPr>
+            <a:spLocks noGrp="1"/>
+          </p:cNvSpPr>
+          <p:nvPr>
+            <p:ph type="sldNum" sz="quarter" idx="5"/>
+          </p:nvPr>
+        </p:nvSpPr>
+        <p:spPr/>
+        <p:txBody>
+          <a:bodyPr/>
+          <a:lstStyle/>
+          <a:p>
+            <a:fld id="{172E2218-332F-2046-8919-12C975A973BC}" type="slidenum">
+              <a:rPr lang="en-US" smtClean="0"/>
+              <a:t>18</a:t>
+            </a:fld>
+            <a:endParaRPr lang="en-US"/>
+          </a:p>
+        </p:txBody>
+      </p:sp>
+    </p:spTree>
+    <p:extLst>
+      <p:ext uri="{BB962C8B-B14F-4D97-AF65-F5344CB8AC3E}">
+        <p14:creationId xmlns:p14="http://schemas.microsoft.com/office/powerpoint/2010/main" val="4084167933"/>
+      </p:ext>
+    </p:extLst>
+  </p:cSld>
+  <p:clrMapOvr>
+    <a:masterClrMapping/>
+  </p:clrMapOvr>
+</p:notes>
+</file>
+
+<file path=ppt/notesSlides/notesSlide13.xml><?xml version="1.0" encoding="utf-8"?>
+<p:notes xmlns:a="http://schemas.openxmlformats.org/drawingml/2006/main" xmlns:r="http://schemas.openxmlformats.org/officeDocument/2006/relationships" xmlns:p="http://schemas.openxmlformats.org/presentationml/2006/main">
+  <p:cSld>
+    <p:spTree>
+      <p:nvGrpSpPr>
+        <p:cNvPr id="1" name=""/>
+        <p:cNvGrpSpPr/>
+        <p:nvPr/>
+      </p:nvGrpSpPr>
+      <p:grpSpPr>
+        <a:xfrm>
+          <a:off x="0" y="0"/>
+          <a:ext cx="0" cy="0"/>
+          <a:chOff x="0" y="0"/>
+          <a:chExt cx="0" cy="0"/>
+        </a:xfrm>
+      </p:grpSpPr>
+      <p:sp>
+        <p:nvSpPr>
+          <p:cNvPr id="2" name="Slide Image Placeholder 1"/>
+          <p:cNvSpPr>
+            <a:spLocks noGrp="1" noRot="1" noChangeAspect="1"/>
+          </p:cNvSpPr>
+          <p:nvPr>
+            <p:ph type="sldImg"/>
+          </p:nvPr>
+        </p:nvSpPr>
+        <p:spPr/>
+      </p:sp>
+      <p:sp>
+        <p:nvSpPr>
+          <p:cNvPr id="3" name="Notes Placeholder 2"/>
+          <p:cNvSpPr>
+            <a:spLocks noGrp="1"/>
+          </p:cNvSpPr>
+          <p:nvPr>
+            <p:ph type="body" idx="1"/>
+          </p:nvPr>
+        </p:nvSpPr>
+        <p:spPr/>
+        <p:txBody>
+          <a:bodyPr/>
+          <a:lstStyle/>
+          <a:p>
+            <a:r>
+              <a:rPr lang="en-US" dirty="0"/>
+              <a:t>Next screen shows the methodology.</a:t>
+            </a:r>
+          </a:p>
+        </p:txBody>
+      </p:sp>
+      <p:sp>
+        <p:nvSpPr>
+          <p:cNvPr id="4" name="Slide Number Placeholder 3"/>
+          <p:cNvSpPr>
+            <a:spLocks noGrp="1"/>
+          </p:cNvSpPr>
+          <p:nvPr>
+            <p:ph type="sldNum" sz="quarter" idx="5"/>
+          </p:nvPr>
+        </p:nvSpPr>
+        <p:spPr/>
+        <p:txBody>
+          <a:bodyPr/>
+          <a:lstStyle/>
+          <a:p>
+            <a:fld id="{B8E637B9-F140-B64D-9222-01A1EC37811D}" type="slidenum">
+              <a:rPr lang="en-US" smtClean="0"/>
+              <a:t>20</a:t>
+            </a:fld>
+            <a:endParaRPr lang="en-US"/>
+          </a:p>
+        </p:txBody>
+      </p:sp>
+    </p:spTree>
+    <p:extLst>
+      <p:ext uri="{BB962C8B-B14F-4D97-AF65-F5344CB8AC3E}">
+        <p14:creationId xmlns:p14="http://schemas.microsoft.com/office/powerpoint/2010/main" val="2913080025"/>
+      </p:ext>
+    </p:extLst>
+  </p:cSld>
+  <p:clrMapOvr>
+    <a:masterClrMapping/>
+  </p:clrMapOvr>
+</p:notes>
+</file>
+
+<file path=ppt/notesSlides/notesSlide14.xml><?xml version="1.0" encoding="utf-8"?>
+<p:notes xmlns:a="http://schemas.openxmlformats.org/drawingml/2006/main" xmlns:r="http://schemas.openxmlformats.org/officeDocument/2006/relationships" xmlns:p="http://schemas.openxmlformats.org/presentationml/2006/main">
+  <p:cSld>
+    <p:spTree>
+      <p:nvGrpSpPr>
+        <p:cNvPr id="1" name=""/>
+        <p:cNvGrpSpPr/>
+        <p:nvPr/>
+      </p:nvGrpSpPr>
+      <p:grpSpPr>
+        <a:xfrm>
+          <a:off x="0" y="0"/>
+          <a:ext cx="0" cy="0"/>
+          <a:chOff x="0" y="0"/>
+          <a:chExt cx="0" cy="0"/>
+        </a:xfrm>
+      </p:grpSpPr>
+      <p:sp>
+        <p:nvSpPr>
+          <p:cNvPr id="2" name="Slide Image Placeholder 1"/>
+          <p:cNvSpPr>
+            <a:spLocks noGrp="1" noRot="1" noChangeAspect="1"/>
+          </p:cNvSpPr>
+          <p:nvPr>
+            <p:ph type="sldImg"/>
+          </p:nvPr>
+        </p:nvSpPr>
+        <p:spPr/>
+      </p:sp>
+      <p:sp>
+        <p:nvSpPr>
+          <p:cNvPr id="3" name="Notes Placeholder 2"/>
+          <p:cNvSpPr>
+            <a:spLocks noGrp="1"/>
+          </p:cNvSpPr>
+          <p:nvPr>
+            <p:ph type="body" idx="1"/>
+          </p:nvPr>
+        </p:nvSpPr>
+        <p:spPr/>
+        <p:txBody>
+          <a:bodyPr/>
+          <a:lstStyle/>
+          <a:p>
+            <a:r>
+              <a:rPr lang="en-US" dirty="0"/>
+              <a:t>A UDF is a function that allows for operation on a row in a </a:t>
+            </a:r>
+            <a:r>
+              <a:rPr lang="en-US" dirty="0" err="1"/>
+              <a:t>dataframe</a:t>
+            </a:r>
+            <a:r>
+              <a:rPr lang="en-US" dirty="0"/>
+              <a:t> – in this case, takes a column and computes another.</a:t>
+            </a:r>
+          </a:p>
+          <a:p>
+            <a:r>
+              <a:rPr lang="en-US" dirty="0"/>
+              <a:t>(click)</a:t>
+            </a:r>
+          </a:p>
+          <a:p>
+            <a:r>
+              <a:rPr lang="en-US" dirty="0"/>
+              <a:t>Create a </a:t>
+            </a:r>
+            <a:r>
+              <a:rPr lang="en-US" dirty="0" err="1"/>
+              <a:t>DataFrame</a:t>
+            </a:r>
+            <a:r>
+              <a:rPr lang="en-US" dirty="0"/>
+              <a:t> that has the “input value” and the expected output.</a:t>
+            </a:r>
+          </a:p>
+          <a:p>
+            <a:r>
+              <a:rPr lang="en-US" dirty="0"/>
+              <a:t>(click)</a:t>
+            </a:r>
+          </a:p>
+          <a:p>
+            <a:r>
+              <a:rPr lang="en-US" dirty="0"/>
+              <a:t>Execute the UDF, which will use the previously tested python function.</a:t>
+            </a:r>
+          </a:p>
+          <a:p>
+            <a:r>
+              <a:rPr lang="en-US" dirty="0"/>
+              <a:t>(click)</a:t>
+            </a:r>
+          </a:p>
+          <a:p>
+            <a:r>
+              <a:rPr lang="en-US" dirty="0"/>
+              <a:t>Validate the new column (actual) is equal to “expected”</a:t>
+            </a:r>
+          </a:p>
+          <a:p>
+            <a:endParaRPr lang="en-US" dirty="0"/>
+          </a:p>
+          <a:p>
+            <a:r>
+              <a:rPr lang="en-US" dirty="0"/>
+              <a:t>NOTE: When testing a UDF, you don’t need to use the exact shape of the </a:t>
+            </a:r>
+            <a:r>
+              <a:rPr lang="en-US" dirty="0" err="1"/>
+              <a:t>dataframe</a:t>
+            </a:r>
+            <a:r>
+              <a:rPr lang="en-US" dirty="0"/>
+              <a:t> that you expect in prod because you’re just testing the function operation.</a:t>
+            </a:r>
+          </a:p>
+          <a:p>
+            <a:endParaRPr lang="en-US" dirty="0"/>
+          </a:p>
+          <a:p>
+            <a:r>
+              <a:rPr lang="en-US" dirty="0"/>
+              <a:t>PERFORM DEMO</a:t>
+            </a:r>
+          </a:p>
+          <a:p>
+            <a:r>
+              <a:rPr lang="en-US" dirty="0"/>
+              <a:t> * Show the test case functions (show data, execution, assertion)</a:t>
+            </a:r>
+          </a:p>
+          <a:p>
+            <a:r>
+              <a:rPr lang="en-US" dirty="0"/>
+              <a:t> * Show the fixtures</a:t>
+            </a:r>
+          </a:p>
+          <a:p>
+            <a:r>
+              <a:rPr lang="en-US" dirty="0"/>
+              <a:t> * Show the UDF</a:t>
+            </a:r>
+          </a:p>
+          <a:p>
+            <a:r>
+              <a:rPr lang="en-US" dirty="0"/>
+              <a:t> * execute UDF</a:t>
+            </a:r>
+          </a:p>
+          <a:p>
+            <a:endParaRPr lang="en-US" dirty="0"/>
+          </a:p>
+        </p:txBody>
+      </p:sp>
+      <p:sp>
+        <p:nvSpPr>
+          <p:cNvPr id="4" name="Slide Number Placeholder 3"/>
+          <p:cNvSpPr>
+            <a:spLocks noGrp="1"/>
+          </p:cNvSpPr>
+          <p:nvPr>
+            <p:ph type="sldNum" sz="quarter" idx="5"/>
+          </p:nvPr>
+        </p:nvSpPr>
+        <p:spPr/>
+        <p:txBody>
+          <a:bodyPr/>
+          <a:lstStyle/>
+          <a:p>
+            <a:fld id="{B8E637B9-F140-B64D-9222-01A1EC37811D}" type="slidenum">
+              <a:rPr lang="en-US" smtClean="0"/>
+              <a:t>21</a:t>
+            </a:fld>
+            <a:endParaRPr lang="en-US"/>
+          </a:p>
+        </p:txBody>
+      </p:sp>
+    </p:spTree>
+    <p:extLst>
+      <p:ext uri="{BB962C8B-B14F-4D97-AF65-F5344CB8AC3E}">
+        <p14:creationId xmlns:p14="http://schemas.microsoft.com/office/powerpoint/2010/main" val="2175822475"/>
+      </p:ext>
+    </p:extLst>
+  </p:cSld>
+  <p:clrMapOvr>
+    <a:masterClrMapping/>
+  </p:clrMapOvr>
+</p:notes>
+</file>
+
+<file path=ppt/notesSlides/notesSlide15.xml><?xml version="1.0" encoding="utf-8"?>
+<p:notes xmlns:a="http://schemas.openxmlformats.org/drawingml/2006/main" xmlns:r="http://schemas.openxmlformats.org/officeDocument/2006/relationships" xmlns:p="http://schemas.openxmlformats.org/presentationml/2006/main">
+  <p:cSld>
+    <p:spTree>
+      <p:nvGrpSpPr>
+        <p:cNvPr id="1" name=""/>
+        <p:cNvGrpSpPr/>
+        <p:nvPr/>
+      </p:nvGrpSpPr>
+      <p:grpSpPr>
+        <a:xfrm>
+          <a:off x="0" y="0"/>
+          <a:ext cx="0" cy="0"/>
+          <a:chOff x="0" y="0"/>
+          <a:chExt cx="0" cy="0"/>
+        </a:xfrm>
+      </p:grpSpPr>
+      <p:sp>
+        <p:nvSpPr>
+          <p:cNvPr id="2" name="Slide Image Placeholder 1"/>
+          <p:cNvSpPr>
+            <a:spLocks noGrp="1" noRot="1" noChangeAspect="1"/>
+          </p:cNvSpPr>
+          <p:nvPr>
+            <p:ph type="sldImg"/>
+          </p:nvPr>
+        </p:nvSpPr>
+        <p:spPr/>
+      </p:sp>
+      <p:sp>
+        <p:nvSpPr>
+          <p:cNvPr id="3" name="Notes Placeholder 2"/>
+          <p:cNvSpPr>
+            <a:spLocks noGrp="1"/>
+          </p:cNvSpPr>
+          <p:nvPr>
+            <p:ph type="body" idx="1"/>
+          </p:nvPr>
+        </p:nvSpPr>
+        <p:spPr/>
+        <p:txBody>
+          <a:bodyPr/>
+          <a:lstStyle/>
+          <a:p>
+            <a:r>
+              <a:rPr lang="en-US" dirty="0"/>
+              <a:t>Show that all test cases can be included in the same </a:t>
+            </a:r>
+            <a:r>
+              <a:rPr lang="en-US" dirty="0" err="1"/>
+              <a:t>dataframe</a:t>
+            </a:r>
+            <a:r>
+              <a:rPr lang="en-US" dirty="0"/>
+              <a:t>, but this makes debugging much </a:t>
+            </a:r>
+            <a:r>
+              <a:rPr lang="en-US"/>
+              <a:t>more challenging.</a:t>
+            </a:r>
+            <a:endParaRPr lang="en-US" dirty="0"/>
+          </a:p>
+          <a:p>
+            <a:endParaRPr lang="en-US" dirty="0"/>
+          </a:p>
+          <a:p>
+            <a:r>
+              <a:rPr lang="en-US" dirty="0"/>
+              <a:t>PERFORM DEMO</a:t>
+            </a:r>
+          </a:p>
+          <a:p>
+            <a:r>
+              <a:rPr lang="en-US" dirty="0"/>
+              <a:t> * Show the test case functions (show data, execution, assertion)</a:t>
+            </a:r>
+          </a:p>
+          <a:p>
+            <a:r>
+              <a:rPr lang="en-US" dirty="0"/>
+              <a:t> * Show the UDF</a:t>
+            </a:r>
+          </a:p>
+          <a:p>
+            <a:r>
+              <a:rPr lang="en-US" dirty="0"/>
+              <a:t> * execute UDF</a:t>
+            </a:r>
+          </a:p>
+          <a:p>
+            <a:endParaRPr lang="en-US" dirty="0"/>
+          </a:p>
+        </p:txBody>
+      </p:sp>
+      <p:sp>
+        <p:nvSpPr>
+          <p:cNvPr id="4" name="Slide Number Placeholder 3"/>
+          <p:cNvSpPr>
+            <a:spLocks noGrp="1"/>
+          </p:cNvSpPr>
+          <p:nvPr>
+            <p:ph type="sldNum" sz="quarter" idx="5"/>
+          </p:nvPr>
+        </p:nvSpPr>
+        <p:spPr/>
+        <p:txBody>
+          <a:bodyPr/>
+          <a:lstStyle/>
+          <a:p>
+            <a:fld id="{B8E637B9-F140-B64D-9222-01A1EC37811D}" type="slidenum">
+              <a:rPr lang="en-US" smtClean="0"/>
+              <a:t>22</a:t>
+            </a:fld>
+            <a:endParaRPr lang="en-US"/>
+          </a:p>
+        </p:txBody>
+      </p:sp>
+    </p:spTree>
+    <p:extLst>
+      <p:ext uri="{BB962C8B-B14F-4D97-AF65-F5344CB8AC3E}">
+        <p14:creationId xmlns:p14="http://schemas.microsoft.com/office/powerpoint/2010/main" val="1004873646"/>
+      </p:ext>
+    </p:extLst>
+  </p:cSld>
+  <p:clrMapOvr>
+    <a:masterClrMapping/>
+  </p:clrMapOvr>
+</p:notes>
+</file>
+
+<file path=ppt/notesSlides/notesSlide16.xml><?xml version="1.0" encoding="utf-8"?>
+<p:notes xmlns:a="http://schemas.openxmlformats.org/drawingml/2006/main" xmlns:r="http://schemas.openxmlformats.org/officeDocument/2006/relationships" xmlns:p="http://schemas.openxmlformats.org/presentationml/2006/main">
+  <p:cSld>
+    <p:spTree>
+      <p:nvGrpSpPr>
+        <p:cNvPr id="1" name=""/>
+        <p:cNvGrpSpPr/>
+        <p:nvPr/>
+      </p:nvGrpSpPr>
+      <p:grpSpPr>
+        <a:xfrm>
+          <a:off x="0" y="0"/>
+          <a:ext cx="0" cy="0"/>
+          <a:chOff x="0" y="0"/>
+          <a:chExt cx="0" cy="0"/>
+        </a:xfrm>
+      </p:grpSpPr>
+      <p:sp>
+        <p:nvSpPr>
+          <p:cNvPr id="2" name="Slide Image Placeholder 1"/>
+          <p:cNvSpPr>
+            <a:spLocks noGrp="1" noRot="1" noChangeAspect="1"/>
+          </p:cNvSpPr>
+          <p:nvPr>
+            <p:ph type="sldImg"/>
+          </p:nvPr>
+        </p:nvSpPr>
+        <p:spPr/>
+      </p:sp>
+      <p:sp>
+        <p:nvSpPr>
+          <p:cNvPr id="3" name="Notes Placeholder 2"/>
+          <p:cNvSpPr>
+            <a:spLocks noGrp="1"/>
+          </p:cNvSpPr>
+          <p:nvPr>
+            <p:ph type="body" idx="1"/>
+          </p:nvPr>
+        </p:nvSpPr>
+        <p:spPr/>
+        <p:txBody>
+          <a:bodyPr/>
+          <a:lstStyle/>
+          <a:p>
+            <a:r>
+              <a:rPr lang="en-US" dirty="0"/>
+              <a:t>Now we have a functional parser function, functional UDF transformation function, now let’s use them to compute the new </a:t>
+            </a:r>
+            <a:r>
+              <a:rPr lang="en-US" dirty="0" err="1"/>
+              <a:t>dataframe</a:t>
+            </a:r>
+            <a:r>
+              <a:rPr lang="en-US" dirty="0"/>
+              <a:t>.</a:t>
+            </a:r>
+          </a:p>
+          <a:p>
+            <a:endParaRPr lang="en-US" dirty="0"/>
+          </a:p>
+          <a:p>
+            <a:r>
+              <a:rPr lang="en-US" dirty="0"/>
+              <a:t>Notice that all the functionality before this is tested, so </a:t>
+            </a:r>
+            <a:r>
+              <a:rPr lang="en-US" dirty="0" err="1"/>
+              <a:t>dataframe</a:t>
+            </a:r>
+            <a:r>
+              <a:rPr lang="en-US" dirty="0"/>
+              <a:t> manipulations can reuse the functionality with high confidence.</a:t>
+            </a:r>
+          </a:p>
+          <a:p>
+            <a:endParaRPr lang="en-US" dirty="0"/>
+          </a:p>
+          <a:p>
+            <a:r>
+              <a:rPr lang="en-US" dirty="0"/>
+              <a:t>I’ll go through the process visually before showing the code.</a:t>
+            </a:r>
+          </a:p>
+          <a:p>
+            <a:r>
+              <a:rPr lang="en-US" dirty="0"/>
+              <a:t>(CLICK)</a:t>
+            </a:r>
+          </a:p>
+        </p:txBody>
+      </p:sp>
+      <p:sp>
+        <p:nvSpPr>
+          <p:cNvPr id="4" name="Slide Number Placeholder 3"/>
+          <p:cNvSpPr>
+            <a:spLocks noGrp="1"/>
+          </p:cNvSpPr>
+          <p:nvPr>
+            <p:ph type="sldNum" sz="quarter" idx="5"/>
+          </p:nvPr>
+        </p:nvSpPr>
+        <p:spPr/>
+        <p:txBody>
+          <a:bodyPr/>
+          <a:lstStyle/>
+          <a:p>
+            <a:fld id="{B8E637B9-F140-B64D-9222-01A1EC37811D}" type="slidenum">
+              <a:rPr lang="en-US" smtClean="0"/>
+              <a:t>24</a:t>
+            </a:fld>
+            <a:endParaRPr lang="en-US"/>
+          </a:p>
+        </p:txBody>
+      </p:sp>
+    </p:spTree>
+    <p:extLst>
+      <p:ext uri="{BB962C8B-B14F-4D97-AF65-F5344CB8AC3E}">
+        <p14:creationId xmlns:p14="http://schemas.microsoft.com/office/powerpoint/2010/main" val="2747324035"/>
+      </p:ext>
+    </p:extLst>
+  </p:cSld>
+  <p:clrMapOvr>
+    <a:masterClrMapping/>
+  </p:clrMapOvr>
+</p:notes>
+</file>
+
+<file path=ppt/notesSlides/notesSlide17.xml><?xml version="1.0" encoding="utf-8"?>
+<p:notes xmlns:a="http://schemas.openxmlformats.org/drawingml/2006/main" xmlns:r="http://schemas.openxmlformats.org/officeDocument/2006/relationships" xmlns:p="http://schemas.openxmlformats.org/presentationml/2006/main">
+  <p:cSld>
+    <p:spTree>
+      <p:nvGrpSpPr>
+        <p:cNvPr id="1" name=""/>
+        <p:cNvGrpSpPr/>
+        <p:nvPr/>
+      </p:nvGrpSpPr>
+      <p:grpSpPr>
+        <a:xfrm>
+          <a:off x="0" y="0"/>
+          <a:ext cx="0" cy="0"/>
+          <a:chOff x="0" y="0"/>
+          <a:chExt cx="0" cy="0"/>
+        </a:xfrm>
+      </p:grpSpPr>
+      <p:sp>
+        <p:nvSpPr>
+          <p:cNvPr id="2" name="Slide Image Placeholder 1"/>
+          <p:cNvSpPr>
+            <a:spLocks noGrp="1" noRot="1" noChangeAspect="1"/>
+          </p:cNvSpPr>
+          <p:nvPr>
+            <p:ph type="sldImg"/>
+          </p:nvPr>
+        </p:nvSpPr>
+        <p:spPr/>
+      </p:sp>
+      <p:sp>
+        <p:nvSpPr>
+          <p:cNvPr id="3" name="Notes Placeholder 2"/>
+          <p:cNvSpPr>
+            <a:spLocks noGrp="1"/>
+          </p:cNvSpPr>
+          <p:nvPr>
+            <p:ph type="body" idx="1"/>
+          </p:nvPr>
+        </p:nvSpPr>
+        <p:spPr/>
+        <p:txBody>
+          <a:bodyPr/>
+          <a:lstStyle/>
+          <a:p>
+            <a:r>
+              <a:rPr lang="en-US" dirty="0"/>
+              <a:t>Start with an input </a:t>
+            </a:r>
+            <a:r>
+              <a:rPr lang="en-US" dirty="0" err="1"/>
+              <a:t>dataframe</a:t>
+            </a:r>
+            <a:endParaRPr lang="en-US" dirty="0"/>
+          </a:p>
+          <a:p>
+            <a:r>
+              <a:rPr lang="en-US" dirty="0"/>
+              <a:t>(click)</a:t>
+            </a:r>
+          </a:p>
+          <a:p>
+            <a:r>
+              <a:rPr lang="en-US" dirty="0"/>
+              <a:t>Define the expected output as a </a:t>
+            </a:r>
+            <a:r>
+              <a:rPr lang="en-US" dirty="0" err="1"/>
+              <a:t>dataframe</a:t>
+            </a:r>
+            <a:endParaRPr lang="en-US" dirty="0"/>
+          </a:p>
+          <a:p>
+            <a:r>
+              <a:rPr lang="en-US" dirty="0"/>
+              <a:t>(click)</a:t>
+            </a:r>
+          </a:p>
+          <a:p>
+            <a:r>
+              <a:rPr lang="en-US" dirty="0"/>
+              <a:t>Run the transformation function</a:t>
+            </a:r>
+          </a:p>
+          <a:p>
+            <a:r>
+              <a:rPr lang="en-US" dirty="0"/>
+              <a:t>(click)</a:t>
+            </a:r>
+          </a:p>
+          <a:p>
+            <a:r>
+              <a:rPr lang="en-US" dirty="0"/>
+              <a:t>Compare the actual vs. expected</a:t>
+            </a:r>
+          </a:p>
+          <a:p>
+            <a:endParaRPr lang="en-US" dirty="0"/>
+          </a:p>
+          <a:p>
+            <a:r>
+              <a:rPr lang="en-US" dirty="0"/>
+              <a:t>PERFORM DEMO</a:t>
+            </a:r>
+          </a:p>
+          <a:p>
+            <a:r>
+              <a:rPr lang="en-US" dirty="0"/>
+              <a:t> * Show the test case functions (show data, execution, assertion)</a:t>
+            </a:r>
+          </a:p>
+          <a:p>
+            <a:r>
+              <a:rPr lang="en-US" dirty="0"/>
+              <a:t> * Show the fixtures</a:t>
+            </a:r>
+          </a:p>
+          <a:p>
+            <a:r>
+              <a:rPr lang="en-US" dirty="0"/>
+              <a:t> * Show the </a:t>
+            </a:r>
+            <a:r>
+              <a:rPr lang="en-US" dirty="0" err="1"/>
+              <a:t>dataframe</a:t>
+            </a:r>
+            <a:r>
+              <a:rPr lang="en-US" dirty="0"/>
+              <a:t> comparison</a:t>
+            </a:r>
+          </a:p>
+          <a:p>
+            <a:endParaRPr lang="en-US" dirty="0"/>
+          </a:p>
+        </p:txBody>
+      </p:sp>
+      <p:sp>
+        <p:nvSpPr>
+          <p:cNvPr id="4" name="Slide Number Placeholder 3"/>
+          <p:cNvSpPr>
+            <a:spLocks noGrp="1"/>
+          </p:cNvSpPr>
+          <p:nvPr>
+            <p:ph type="sldNum" sz="quarter" idx="5"/>
+          </p:nvPr>
+        </p:nvSpPr>
+        <p:spPr/>
+        <p:txBody>
+          <a:bodyPr/>
+          <a:lstStyle/>
+          <a:p>
+            <a:fld id="{B8E637B9-F140-B64D-9222-01A1EC37811D}" type="slidenum">
+              <a:rPr lang="en-US" smtClean="0"/>
+              <a:t>25</a:t>
+            </a:fld>
+            <a:endParaRPr lang="en-US"/>
+          </a:p>
+        </p:txBody>
+      </p:sp>
+    </p:spTree>
+    <p:extLst>
+      <p:ext uri="{BB962C8B-B14F-4D97-AF65-F5344CB8AC3E}">
+        <p14:creationId xmlns:p14="http://schemas.microsoft.com/office/powerpoint/2010/main" val="3621176428"/>
+      </p:ext>
+    </p:extLst>
+  </p:cSld>
+  <p:clrMapOvr>
+    <a:masterClrMapping/>
+  </p:clrMapOvr>
+</p:notes>
+</file>
+
+<file path=ppt/notesSlides/notesSlide18.xml><?xml version="1.0" encoding="utf-8"?>
+<p:notes xmlns:a="http://schemas.openxmlformats.org/drawingml/2006/main" xmlns:r="http://schemas.openxmlformats.org/officeDocument/2006/relationships" xmlns:p="http://schemas.openxmlformats.org/presentationml/2006/main">
+  <p:cSld>
+    <p:spTree>
+      <p:nvGrpSpPr>
+        <p:cNvPr id="1" name=""/>
+        <p:cNvGrpSpPr/>
+        <p:nvPr/>
+      </p:nvGrpSpPr>
+      <p:grpSpPr>
+        <a:xfrm>
+          <a:off x="0" y="0"/>
+          <a:ext cx="0" cy="0"/>
+          <a:chOff x="0" y="0"/>
+          <a:chExt cx="0" cy="0"/>
+        </a:xfrm>
+      </p:grpSpPr>
+      <p:sp>
+        <p:nvSpPr>
+          <p:cNvPr id="2" name="Slide Image Placeholder 1"/>
+          <p:cNvSpPr>
+            <a:spLocks noGrp="1" noRot="1" noChangeAspect="1"/>
+          </p:cNvSpPr>
+          <p:nvPr>
+            <p:ph type="sldImg"/>
+          </p:nvPr>
+        </p:nvSpPr>
+        <p:spPr/>
+      </p:sp>
+      <p:sp>
+        <p:nvSpPr>
+          <p:cNvPr id="3" name="Notes Placeholder 2"/>
+          <p:cNvSpPr>
+            <a:spLocks noGrp="1"/>
+          </p:cNvSpPr>
+          <p:nvPr>
+            <p:ph type="body" idx="1"/>
+          </p:nvPr>
+        </p:nvSpPr>
+        <p:spPr/>
+        <p:txBody>
+          <a:bodyPr/>
+          <a:lstStyle/>
+          <a:p>
+            <a:r>
+              <a:rPr lang="en-US" dirty="0"/>
+              <a:t>Create a </a:t>
+            </a:r>
+            <a:r>
+              <a:rPr lang="en-US" dirty="0" err="1"/>
+              <a:t>DataFrame</a:t>
+            </a:r>
+            <a:r>
+              <a:rPr lang="en-US" dirty="0"/>
+              <a:t> that has the “input value” and the expected output</a:t>
+            </a:r>
+          </a:p>
+          <a:p>
+            <a:r>
+              <a:rPr lang="en-US" dirty="0"/>
+              <a:t>(click)</a:t>
+            </a:r>
+          </a:p>
+          <a:p>
+            <a:r>
+              <a:rPr lang="en-US" dirty="0"/>
+              <a:t>Execute the UDF</a:t>
+            </a:r>
+          </a:p>
+          <a:p>
+            <a:r>
+              <a:rPr lang="en-US" dirty="0"/>
+              <a:t>(click)</a:t>
+            </a:r>
+          </a:p>
+          <a:p>
+            <a:r>
+              <a:rPr lang="en-US" dirty="0"/>
+              <a:t>Validate the new column (actual) is equal to “expected”</a:t>
+            </a:r>
+          </a:p>
+          <a:p>
+            <a:endParaRPr lang="en-US" dirty="0"/>
+          </a:p>
+          <a:p>
+            <a:r>
+              <a:rPr lang="en-US" dirty="0"/>
+              <a:t>NOTE: When testing a UDF, you don’t need to use the exact shape of the </a:t>
+            </a:r>
+            <a:r>
+              <a:rPr lang="en-US" dirty="0" err="1"/>
+              <a:t>dataframe</a:t>
+            </a:r>
+            <a:r>
+              <a:rPr lang="en-US" dirty="0"/>
+              <a:t> that you expect in prod because you’re just testing the function operation.</a:t>
+            </a:r>
+          </a:p>
+          <a:p>
+            <a:endParaRPr lang="en-US" dirty="0"/>
+          </a:p>
+          <a:p>
+            <a:r>
+              <a:rPr lang="en-US" dirty="0"/>
+              <a:t>PERFORM DEMO</a:t>
+            </a:r>
+          </a:p>
+          <a:p>
+            <a:r>
+              <a:rPr lang="en-US" dirty="0"/>
+              <a:t> * Show the test case functions (show data, execution, assertion)</a:t>
+            </a:r>
+          </a:p>
+          <a:p>
+            <a:r>
+              <a:rPr lang="en-US" dirty="0"/>
+              <a:t> * Show the fixtures</a:t>
+            </a:r>
+          </a:p>
+          <a:p>
+            <a:r>
+              <a:rPr lang="en-US" dirty="0"/>
+              <a:t> * </a:t>
+            </a:r>
+          </a:p>
+          <a:p>
+            <a:endParaRPr lang="en-US" dirty="0"/>
+          </a:p>
+          <a:p>
+            <a:endParaRPr lang="en-US" dirty="0"/>
+          </a:p>
+        </p:txBody>
+      </p:sp>
+      <p:sp>
+        <p:nvSpPr>
+          <p:cNvPr id="4" name="Slide Number Placeholder 3"/>
+          <p:cNvSpPr>
+            <a:spLocks noGrp="1"/>
+          </p:cNvSpPr>
+          <p:nvPr>
+            <p:ph type="sldNum" sz="quarter" idx="5"/>
+          </p:nvPr>
+        </p:nvSpPr>
+        <p:spPr/>
+        <p:txBody>
+          <a:bodyPr/>
+          <a:lstStyle/>
+          <a:p>
+            <a:fld id="{B8E637B9-F140-B64D-9222-01A1EC37811D}" type="slidenum">
+              <a:rPr lang="en-US" smtClean="0"/>
+              <a:t>30</a:t>
+            </a:fld>
+            <a:endParaRPr lang="en-US"/>
+          </a:p>
+        </p:txBody>
+      </p:sp>
+    </p:spTree>
+    <p:extLst>
+      <p:ext uri="{BB962C8B-B14F-4D97-AF65-F5344CB8AC3E}">
+        <p14:creationId xmlns:p14="http://schemas.microsoft.com/office/powerpoint/2010/main" val="10777986"/>
+      </p:ext>
+    </p:extLst>
+  </p:cSld>
+  <p:clrMapOvr>
+    <a:masterClrMapping/>
+  </p:clrMapOvr>
+</p:notes>
+</file>
+
+<file path=ppt/notesSlides/notesSlide19.xml><?xml version="1.0" encoding="utf-8"?>
+<p:notes xmlns:a="http://schemas.openxmlformats.org/drawingml/2006/main" xmlns:r="http://schemas.openxmlformats.org/officeDocument/2006/relationships" xmlns:p="http://schemas.openxmlformats.org/presentationml/2006/main">
+  <p:cSld>
+    <p:spTree>
+      <p:nvGrpSpPr>
+        <p:cNvPr id="1" name=""/>
+        <p:cNvGrpSpPr/>
+        <p:nvPr/>
+      </p:nvGrpSpPr>
+      <p:grpSpPr>
+        <a:xfrm>
+          <a:off x="0" y="0"/>
+          <a:ext cx="0" cy="0"/>
+          <a:chOff x="0" y="0"/>
+          <a:chExt cx="0" cy="0"/>
+        </a:xfrm>
+      </p:grpSpPr>
+      <p:sp>
+        <p:nvSpPr>
+          <p:cNvPr id="2" name="Slide Image Placeholder 1"/>
+          <p:cNvSpPr>
+            <a:spLocks noGrp="1" noRot="1" noChangeAspect="1"/>
+          </p:cNvSpPr>
+          <p:nvPr>
+            <p:ph type="sldImg"/>
+          </p:nvPr>
+        </p:nvSpPr>
+        <p:spPr/>
+      </p:sp>
+      <p:sp>
+        <p:nvSpPr>
+          <p:cNvPr id="3" name="Notes Placeholder 2"/>
+          <p:cNvSpPr>
+            <a:spLocks noGrp="1"/>
+          </p:cNvSpPr>
+          <p:nvPr>
+            <p:ph type="body" idx="1"/>
+          </p:nvPr>
+        </p:nvSpPr>
+        <p:spPr/>
+        <p:txBody>
+          <a:bodyPr/>
+          <a:lstStyle/>
+          <a:p>
+            <a:r>
+              <a:rPr lang="en-US" dirty="0"/>
+              <a:t>You now have an initial look into setting up and leveraging a local development environment for python, </a:t>
+            </a:r>
+            <a:r>
+              <a:rPr lang="en-US" dirty="0" err="1"/>
+              <a:t>pyspark</a:t>
+            </a:r>
+            <a:r>
+              <a:rPr lang="en-US" dirty="0"/>
+              <a:t>, and glue development.</a:t>
+            </a:r>
+          </a:p>
+        </p:txBody>
+      </p:sp>
+      <p:sp>
+        <p:nvSpPr>
+          <p:cNvPr id="4" name="Slide Number Placeholder 3"/>
+          <p:cNvSpPr>
+            <a:spLocks noGrp="1"/>
+          </p:cNvSpPr>
+          <p:nvPr>
+            <p:ph type="sldNum" sz="quarter" idx="5"/>
+          </p:nvPr>
+        </p:nvSpPr>
+        <p:spPr/>
+        <p:txBody>
+          <a:bodyPr/>
+          <a:lstStyle/>
+          <a:p>
             <a:fld id="{B8E637B9-F140-B64D-9222-01A1EC37811D}" type="slidenum">
               <a:rPr lang="en-US" smtClean="0"/>
               <a:t>31</a:t>
+            </a:fld>
+            <a:endParaRPr lang="en-US"/>
+          </a:p>
+        </p:txBody>
+      </p:sp>
+    </p:spTree>
+    <p:extLst>
+      <p:ext uri="{BB962C8B-B14F-4D97-AF65-F5344CB8AC3E}">
+        <p14:creationId xmlns:p14="http://schemas.microsoft.com/office/powerpoint/2010/main" val="448986334"/>
+      </p:ext>
+    </p:extLst>
+  </p:cSld>
+  <p:clrMapOvr>
+    <a:masterClrMapping/>
+  </p:clrMapOvr>
+</p:notes>
+</file>
+
+<file path=ppt/notesSlides/notesSlide2.xml><?xml version="1.0" encoding="utf-8"?>
+<p:notes xmlns:a="http://schemas.openxmlformats.org/drawingml/2006/main" xmlns:r="http://schemas.openxmlformats.org/officeDocument/2006/relationships" xmlns:p="http://schemas.openxmlformats.org/presentationml/2006/main">
+  <p:cSld>
+    <p:spTree>
+      <p:nvGrpSpPr>
+        <p:cNvPr id="1" name=""/>
+        <p:cNvGrpSpPr/>
+        <p:nvPr/>
+      </p:nvGrpSpPr>
+      <p:grpSpPr>
+        <a:xfrm>
+          <a:off x="0" y="0"/>
+          <a:ext cx="0" cy="0"/>
+          <a:chOff x="0" y="0"/>
+          <a:chExt cx="0" cy="0"/>
+        </a:xfrm>
+      </p:grpSpPr>
+      <p:sp>
+        <p:nvSpPr>
+          <p:cNvPr id="2" name="Slide Image Placeholder 1"/>
+          <p:cNvSpPr>
+            <a:spLocks noGrp="1" noRot="1" noChangeAspect="1"/>
+          </p:cNvSpPr>
+          <p:nvPr>
+            <p:ph type="sldImg"/>
+          </p:nvPr>
+        </p:nvSpPr>
+        <p:spPr/>
+      </p:sp>
+      <p:sp>
+        <p:nvSpPr>
+          <p:cNvPr id="3" name="Notes Placeholder 2"/>
+          <p:cNvSpPr>
+            <a:spLocks noGrp="1"/>
+          </p:cNvSpPr>
+          <p:nvPr>
+            <p:ph type="body" idx="1"/>
+          </p:nvPr>
+        </p:nvSpPr>
+        <p:spPr/>
+        <p:txBody>
+          <a:bodyPr/>
+          <a:lstStyle/>
+          <a:p>
+            <a:pPr marL="0" marR="0" lvl="0" indent="0" algn="l" defTabSz="914400" rtl="0" eaLnBrk="1" fontAlgn="auto" latinLnBrk="0" hangingPunct="1">
+              <a:lnSpc>
+                <a:spcPct val="100000"/>
+              </a:lnSpc>
+              <a:spcBef>
+                <a:spcPts val="0"/>
+              </a:spcBef>
+              <a:spcAft>
+                <a:spcPts val="0"/>
+              </a:spcAft>
+              <a:buClrTx/>
+              <a:buSzTx/>
+              <a:buFontTx/>
+              <a:buNone/>
+              <a:tabLst/>
+              <a:defRPr/>
+            </a:pPr>
+            <a:r>
+              <a:rPr lang="en-US" dirty="0"/>
+              <a:t>The holy grail of testing – isolating it.</a:t>
+            </a:r>
+          </a:p>
+          <a:p>
+            <a:pPr marL="0" marR="0" lvl="0" indent="0" algn="l" defTabSz="914400" rtl="0" eaLnBrk="1" fontAlgn="auto" latinLnBrk="0" hangingPunct="1">
+              <a:lnSpc>
+                <a:spcPct val="100000"/>
+              </a:lnSpc>
+              <a:spcBef>
+                <a:spcPts val="0"/>
+              </a:spcBef>
+              <a:spcAft>
+                <a:spcPts val="0"/>
+              </a:spcAft>
+              <a:buClrTx/>
+              <a:buSzTx/>
+              <a:buFontTx/>
+              <a:buNone/>
+              <a:tabLst/>
+              <a:defRPr/>
+            </a:pPr>
+            <a:endParaRPr lang="en-US" dirty="0"/>
+          </a:p>
+          <a:p>
+            <a:pPr marL="0" marR="0" lvl="0" indent="0" algn="l" defTabSz="914400" rtl="0" eaLnBrk="1" fontAlgn="auto" latinLnBrk="0" hangingPunct="1">
+              <a:lnSpc>
+                <a:spcPct val="100000"/>
+              </a:lnSpc>
+              <a:spcBef>
+                <a:spcPts val="0"/>
+              </a:spcBef>
+              <a:spcAft>
+                <a:spcPts val="0"/>
+              </a:spcAft>
+              <a:buClrTx/>
+              <a:buSzTx/>
+              <a:buFontTx/>
+              <a:buNone/>
+              <a:tabLst/>
+              <a:defRPr/>
+            </a:pPr>
+            <a:r>
+              <a:rPr lang="en-US" dirty="0"/>
+              <a:t>Local means you will be able to do it on a build server. How to get to a local development environment?</a:t>
+            </a:r>
+          </a:p>
+          <a:p>
+            <a:pPr marL="0" marR="0" lvl="0" indent="0" algn="l" defTabSz="914400" rtl="0" eaLnBrk="1" fontAlgn="auto" latinLnBrk="0" hangingPunct="1">
+              <a:lnSpc>
+                <a:spcPct val="100000"/>
+              </a:lnSpc>
+              <a:spcBef>
+                <a:spcPts val="0"/>
+              </a:spcBef>
+              <a:spcAft>
+                <a:spcPts val="0"/>
+              </a:spcAft>
+              <a:buClrTx/>
+              <a:buSzTx/>
+              <a:buFontTx/>
+              <a:buNone/>
+              <a:tabLst/>
+              <a:defRPr/>
+            </a:pPr>
+            <a:endParaRPr lang="en-US" dirty="0"/>
+          </a:p>
+          <a:p>
+            <a:r>
+              <a:rPr lang="en-US" dirty="0"/>
+              <a:t>(CLICK)</a:t>
+            </a:r>
+          </a:p>
+          <a:p>
+            <a:r>
+              <a:rPr lang="en-US" dirty="0"/>
+              <a:t>Option 1: requires build server to be “built”.</a:t>
+            </a:r>
+          </a:p>
+          <a:p>
+            <a:r>
+              <a:rPr lang="en-US" dirty="0"/>
+              <a:t>(CLICK)</a:t>
+            </a:r>
+          </a:p>
+          <a:p>
+            <a:r>
+              <a:rPr lang="en-US" dirty="0"/>
+              <a:t>You have to install the tools and “set up” the machine.</a:t>
+            </a:r>
+          </a:p>
+          <a:p>
+            <a:r>
+              <a:rPr lang="en-US" dirty="0"/>
+              <a:t>(CLICK)</a:t>
+            </a:r>
+          </a:p>
+          <a:p>
+            <a:r>
+              <a:rPr lang="en-US" dirty="0"/>
+              <a:t>Option 2: allows build to be repeatable, isolated, and portable.</a:t>
+            </a:r>
+          </a:p>
+          <a:p>
+            <a:endParaRPr lang="en-US" dirty="0"/>
+          </a:p>
+        </p:txBody>
+      </p:sp>
+      <p:sp>
+        <p:nvSpPr>
+          <p:cNvPr id="4" name="Slide Number Placeholder 3"/>
+          <p:cNvSpPr>
+            <a:spLocks noGrp="1"/>
+          </p:cNvSpPr>
+          <p:nvPr>
+            <p:ph type="sldNum" sz="quarter" idx="5"/>
+          </p:nvPr>
+        </p:nvSpPr>
+        <p:spPr/>
+        <p:txBody>
+          <a:bodyPr/>
+          <a:lstStyle/>
+          <a:p>
+            <a:fld id="{B8E637B9-F140-B64D-9222-01A1EC37811D}" type="slidenum">
+              <a:rPr lang="en-US" smtClean="0"/>
+              <a:t>4</a:t>
+            </a:fld>
+            <a:endParaRPr lang="en-US"/>
+          </a:p>
+        </p:txBody>
+      </p:sp>
+    </p:spTree>
+    <p:extLst>
+      <p:ext uri="{BB962C8B-B14F-4D97-AF65-F5344CB8AC3E}">
+        <p14:creationId xmlns:p14="http://schemas.microsoft.com/office/powerpoint/2010/main" val="183174194"/>
+      </p:ext>
+    </p:extLst>
+  </p:cSld>
+  <p:clrMapOvr>
+    <a:masterClrMapping/>
+  </p:clrMapOvr>
+</p:notes>
+</file>
+
+<file path=ppt/notesSlides/notesSlide20.xml><?xml version="1.0" encoding="utf-8"?>
+<p:notes xmlns:a="http://schemas.openxmlformats.org/drawingml/2006/main" xmlns:r="http://schemas.openxmlformats.org/officeDocument/2006/relationships" xmlns:p="http://schemas.openxmlformats.org/presentationml/2006/main">
+  <p:cSld>
+    <p:spTree>
+      <p:nvGrpSpPr>
+        <p:cNvPr id="1" name=""/>
+        <p:cNvGrpSpPr/>
+        <p:nvPr/>
+      </p:nvGrpSpPr>
+      <p:grpSpPr>
+        <a:xfrm>
+          <a:off x="0" y="0"/>
+          <a:ext cx="0" cy="0"/>
+          <a:chOff x="0" y="0"/>
+          <a:chExt cx="0" cy="0"/>
+        </a:xfrm>
+      </p:grpSpPr>
+      <p:sp>
+        <p:nvSpPr>
+          <p:cNvPr id="2" name="Slide Image Placeholder 1"/>
+          <p:cNvSpPr>
+            <a:spLocks noGrp="1" noRot="1" noChangeAspect="1"/>
+          </p:cNvSpPr>
+          <p:nvPr>
+            <p:ph type="sldImg"/>
+          </p:nvPr>
+        </p:nvSpPr>
+        <p:spPr/>
+      </p:sp>
+      <p:sp>
+        <p:nvSpPr>
+          <p:cNvPr id="3" name="Notes Placeholder 2"/>
+          <p:cNvSpPr>
+            <a:spLocks noGrp="1"/>
+          </p:cNvSpPr>
+          <p:nvPr>
+            <p:ph type="body" idx="1"/>
+          </p:nvPr>
+        </p:nvSpPr>
+        <p:spPr/>
+        <p:txBody>
+          <a:bodyPr/>
+          <a:lstStyle/>
+          <a:p>
+            <a:r>
+              <a:rPr lang="en-US" dirty="0"/>
+              <a:t>You now have an initial look into setting up and leveraging a local development environment for python, </a:t>
+            </a:r>
+            <a:r>
+              <a:rPr lang="en-US" dirty="0" err="1"/>
+              <a:t>pyspark</a:t>
+            </a:r>
+            <a:r>
+              <a:rPr lang="en-US" dirty="0"/>
+              <a:t>, and </a:t>
+            </a:r>
+            <a:r>
+              <a:rPr lang="en-US"/>
+              <a:t>glue development.</a:t>
+            </a:r>
+          </a:p>
+        </p:txBody>
+      </p:sp>
+      <p:sp>
+        <p:nvSpPr>
+          <p:cNvPr id="4" name="Slide Number Placeholder 3"/>
+          <p:cNvSpPr>
+            <a:spLocks noGrp="1"/>
+          </p:cNvSpPr>
+          <p:nvPr>
+            <p:ph type="sldNum" sz="quarter" idx="5"/>
+          </p:nvPr>
+        </p:nvSpPr>
+        <p:spPr/>
+        <p:txBody>
+          <a:bodyPr/>
+          <a:lstStyle/>
+          <a:p>
+            <a:fld id="{B8E637B9-F140-B64D-9222-01A1EC37811D}" type="slidenum">
+              <a:rPr lang="en-US" smtClean="0"/>
+              <a:t>32</a:t>
             </a:fld>
             <a:endParaRPr lang="en-US"/>
           </a:p>
@@ -789,7 +2191,7 @@
 </p:notes>
 </file>
 
-<file path=ppt/notesSlides/notesSlide2.xml><?xml version="1.0" encoding="utf-8"?>
+<file path=ppt/notesSlides/notesSlide3.xml><?xml version="1.0" encoding="utf-8"?>
 <p:notes xmlns:a="http://schemas.openxmlformats.org/drawingml/2006/main" xmlns:r="http://schemas.openxmlformats.org/officeDocument/2006/relationships" xmlns:p="http://schemas.openxmlformats.org/presentationml/2006/main" showMasterSp="0" showMasterPhAnim="0">
   <p:cSld>
     <p:spTree>
@@ -893,207 +2295,6 @@
 </p:notes>
 </file>
 
-<file path=ppt/notesSlides/notesSlide3.xml><?xml version="1.0" encoding="utf-8"?>
-<p:notes xmlns:a="http://schemas.openxmlformats.org/drawingml/2006/main" xmlns:r="http://schemas.openxmlformats.org/officeDocument/2006/relationships" xmlns:p="http://schemas.openxmlformats.org/presentationml/2006/main">
-  <p:cSld>
-    <p:spTree>
-      <p:nvGrpSpPr>
-        <p:cNvPr id="1" name=""/>
-        <p:cNvGrpSpPr/>
-        <p:nvPr/>
-      </p:nvGrpSpPr>
-      <p:grpSpPr>
-        <a:xfrm>
-          <a:off x="0" y="0"/>
-          <a:ext cx="0" cy="0"/>
-          <a:chOff x="0" y="0"/>
-          <a:chExt cx="0" cy="0"/>
-        </a:xfrm>
-      </p:grpSpPr>
-      <p:sp>
-        <p:nvSpPr>
-          <p:cNvPr id="2" name="Slide Image Placeholder 1"/>
-          <p:cNvSpPr>
-            <a:spLocks noGrp="1" noRot="1" noChangeAspect="1"/>
-          </p:cNvSpPr>
-          <p:nvPr>
-            <p:ph type="sldImg"/>
-          </p:nvPr>
-        </p:nvSpPr>
-        <p:spPr/>
-      </p:sp>
-      <p:sp>
-        <p:nvSpPr>
-          <p:cNvPr id="3" name="Notes Placeholder 2"/>
-          <p:cNvSpPr>
-            <a:spLocks noGrp="1"/>
-          </p:cNvSpPr>
-          <p:nvPr>
-            <p:ph type="body" idx="1"/>
-          </p:nvPr>
-        </p:nvSpPr>
-        <p:spPr/>
-        <p:txBody>
-          <a:bodyPr/>
-          <a:lstStyle/>
-          <a:p>
-            <a:r>
-              <a:rPr lang="en-US" dirty="0"/>
-              <a:t>Setup: https://</a:t>
-            </a:r>
-            <a:r>
-              <a:rPr lang="en-US" dirty="0" err="1"/>
-              <a:t>vikassri.in</a:t>
-            </a:r>
-            <a:r>
-              <a:rPr lang="en-US" dirty="0"/>
-              <a:t>/posts/setting-</a:t>
-            </a:r>
-            <a:r>
-              <a:rPr lang="en-US" dirty="0" err="1"/>
-              <a:t>pyspark</a:t>
-            </a:r>
-            <a:r>
-              <a:rPr lang="en-US" dirty="0"/>
-              <a:t>-dev/</a:t>
-            </a:r>
-            <a:br>
-              <a:rPr lang="en-US" dirty="0">
-                <a:cs typeface="+mn-lt"/>
-              </a:rPr>
-            </a:br>
-            <a:endParaRPr lang="en-US" dirty="0">
-              <a:cs typeface="+mn-lt"/>
-            </a:endParaRPr>
-          </a:p>
-          <a:p>
-            <a:r>
-              <a:rPr lang="en-US" dirty="0">
-                <a:cs typeface="+mn-lt"/>
-              </a:rPr>
-              <a:t>Go over how on TDD</a:t>
-            </a:r>
-            <a:br>
-              <a:rPr lang="en-US" dirty="0">
-                <a:cs typeface="+mn-lt"/>
-              </a:rPr>
-            </a:br>
-            <a:br>
-              <a:rPr lang="en-US" dirty="0">
-                <a:cs typeface="+mn-lt"/>
-              </a:rPr>
-            </a:br>
-            <a:r>
-              <a:rPr lang="en-US" dirty="0">
-                <a:cs typeface="+mn-lt"/>
-              </a:rPr>
-              <a:t>Why TDD?</a:t>
-            </a:r>
-          </a:p>
-          <a:p>
-            <a:r>
-              <a:rPr lang="en-US" dirty="0">
-                <a:cs typeface="+mn-lt"/>
-              </a:rPr>
-              <a:t>* Easily integrates with Agile – acceptance criteria can be used to create tests</a:t>
-            </a:r>
-          </a:p>
-          <a:p>
-            <a:r>
-              <a:rPr lang="en-US" dirty="0">
-                <a:cs typeface="+mn-lt"/>
-              </a:rPr>
-              <a:t>* </a:t>
-            </a:r>
-            <a:r>
-              <a:rPr lang="en-US" dirty="0"/>
-              <a:t>Starting with testing makes feature completion easier – no need to go back and add tests once feature is complete</a:t>
-            </a:r>
-            <a:endParaRPr lang="en-US" dirty="0">
-              <a:cs typeface="+mn-lt"/>
-            </a:endParaRPr>
-          </a:p>
-          <a:p>
-            <a:pPr marL="171450" indent="-171450">
-              <a:buFont typeface="Arial" panose="020B0604020202020204" pitchFamily="34" charset="0"/>
-              <a:buChar char="•"/>
-            </a:pPr>
-            <a:r>
-              <a:rPr lang="en-US" dirty="0">
-                <a:cs typeface="Calibri"/>
-              </a:rPr>
-              <a:t>Can be applied to existing features – does not have to come from new additions</a:t>
-            </a:r>
-          </a:p>
-          <a:p>
-            <a:pPr marL="171450" indent="-171450">
-              <a:buFont typeface="Arial" panose="020B0604020202020204" pitchFamily="34" charset="0"/>
-              <a:buChar char="•"/>
-            </a:pPr>
-            <a:r>
-              <a:rPr lang="en-US" dirty="0">
-                <a:cs typeface="Calibri"/>
-              </a:rPr>
-              <a:t>Cost of fixing</a:t>
-            </a:r>
-          </a:p>
-          <a:p>
-            <a:br>
-              <a:rPr lang="en-US" dirty="0">
-                <a:cs typeface="+mn-lt"/>
-              </a:rPr>
-            </a:br>
-            <a:br>
-              <a:rPr lang="en-US" dirty="0">
-                <a:cs typeface="+mn-lt"/>
-              </a:rPr>
-            </a:br>
-            <a:r>
-              <a:rPr lang="en-US" dirty="0"/>
-              <a:t>* Does the test pass AND fail when expected?</a:t>
-            </a:r>
-            <a:endParaRPr lang="en-US" dirty="0">
-              <a:cs typeface="Calibri"/>
-            </a:endParaRPr>
-          </a:p>
-        </p:txBody>
-      </p:sp>
-      <p:sp>
-        <p:nvSpPr>
-          <p:cNvPr id="4" name="Slide Number Placeholder 3"/>
-          <p:cNvSpPr>
-            <a:spLocks noGrp="1"/>
-          </p:cNvSpPr>
-          <p:nvPr>
-            <p:ph type="sldNum" sz="quarter" idx="5"/>
-          </p:nvPr>
-        </p:nvSpPr>
-        <p:spPr/>
-        <p:txBody>
-          <a:bodyPr/>
-          <a:lstStyle/>
-          <a:p>
-            <a:fld id="{172E2218-332F-2046-8919-12C975A973BC}" type="slidenum">
-              <a:rPr lang="en-US" smtClean="0"/>
-              <a:t>12</a:t>
-            </a:fld>
-            <a:endParaRPr lang="en-US"/>
-          </a:p>
-        </p:txBody>
-      </p:sp>
-    </p:spTree>
-    <p:extLst>
-      <p:ext uri="{BB962C8B-B14F-4D97-AF65-F5344CB8AC3E}">
-        <p14:creationId xmlns:p14="http://schemas.microsoft.com/office/powerpoint/2010/main" val="656999697"/>
-      </p:ext>
-    </p:extLst>
-  </p:cSld>
-  <p:clrMapOvr>
-    <a:masterClrMapping/>
-  </p:clrMapOvr>
-</p:notes>
-</file>
-
 <file path=ppt/notesSlides/notesSlide4.xml><?xml version="1.0" encoding="utf-8"?>
 <p:notes xmlns:a="http://schemas.openxmlformats.org/drawingml/2006/main" xmlns:r="http://schemas.openxmlformats.org/officeDocument/2006/relationships" xmlns:p="http://schemas.openxmlformats.org/presentationml/2006/main">
   <p:cSld>
@@ -1138,124 +2339,7 @@
           <a:bodyPr/>
           <a:lstStyle/>
           <a:p>
-            <a:r>
-              <a:rPr lang="en-US" dirty="0"/>
-              <a:t>Setup: https://</a:t>
-            </a:r>
-            <a:r>
-              <a:rPr lang="en-US" dirty="0" err="1"/>
-              <a:t>vikassri.in</a:t>
-            </a:r>
-            <a:r>
-              <a:rPr lang="en-US" dirty="0"/>
-              <a:t>/posts/setting-</a:t>
-            </a:r>
-            <a:r>
-              <a:rPr lang="en-US" dirty="0" err="1"/>
-              <a:t>pyspark</a:t>
-            </a:r>
-            <a:r>
-              <a:rPr lang="en-US" dirty="0"/>
-              <a:t>-dev/</a:t>
-            </a:r>
-            <a:br>
-              <a:rPr lang="en-US" dirty="0">
-                <a:cs typeface="+mn-lt"/>
-              </a:rPr>
-            </a:br>
-            <a:endParaRPr lang="en-US" dirty="0">
-              <a:cs typeface="+mn-lt"/>
-            </a:endParaRPr>
-          </a:p>
-          <a:p>
-            <a:r>
-              <a:rPr lang="en-US" dirty="0">
-                <a:cs typeface="+mn-lt"/>
-              </a:rPr>
-              <a:t>Go over how on TDD</a:t>
-            </a:r>
-            <a:br>
-              <a:rPr lang="en-US" dirty="0">
-                <a:cs typeface="+mn-lt"/>
-              </a:rPr>
-            </a:br>
-            <a:br>
-              <a:rPr lang="en-US" dirty="0">
-                <a:cs typeface="+mn-lt"/>
-              </a:rPr>
-            </a:br>
-            <a:r>
-              <a:rPr lang="en-US" dirty="0">
-                <a:cs typeface="+mn-lt"/>
-              </a:rPr>
-              <a:t>Why TDD?</a:t>
-            </a:r>
-          </a:p>
-          <a:p>
-            <a:r>
-              <a:rPr lang="en-US" dirty="0">
-                <a:cs typeface="+mn-lt"/>
-              </a:rPr>
-              <a:t>* Easily integrates with Agile – acceptance criteria can be used to create tests</a:t>
-            </a:r>
-          </a:p>
-          <a:p>
-            <a:r>
-              <a:rPr lang="en-US" dirty="0">
-                <a:cs typeface="+mn-lt"/>
-              </a:rPr>
-              <a:t>* </a:t>
-            </a:r>
-            <a:r>
-              <a:rPr lang="en-US" dirty="0"/>
-              <a:t>Starting with testing makes feature completion easier – no need to go back and add tests once feature is complete</a:t>
-            </a:r>
-            <a:endParaRPr lang="en-US" dirty="0">
-              <a:cs typeface="+mn-lt"/>
-            </a:endParaRPr>
-          </a:p>
-          <a:p>
-            <a:pPr marL="171450" indent="-171450">
-              <a:buFont typeface="Arial" panose="020B0604020202020204" pitchFamily="34" charset="0"/>
-              <a:buChar char="•"/>
-            </a:pPr>
-            <a:r>
-              <a:rPr lang="en-US" dirty="0">
-                <a:cs typeface="Calibri"/>
-              </a:rPr>
-              <a:t>Can be applied to existing features – does not have to come from new additions</a:t>
-            </a:r>
-          </a:p>
-          <a:p>
-            <a:pPr marL="171450" indent="-171450">
-              <a:buFont typeface="Arial" panose="020B0604020202020204" pitchFamily="34" charset="0"/>
-              <a:buChar char="•"/>
-            </a:pPr>
-            <a:r>
-              <a:rPr lang="en-US" dirty="0">
-                <a:cs typeface="Calibri"/>
-              </a:rPr>
-              <a:t>Cost of fixing</a:t>
-            </a:r>
-          </a:p>
-          <a:p>
-            <a:br>
-              <a:rPr lang="en-US" dirty="0">
-                <a:cs typeface="+mn-lt"/>
-              </a:rPr>
-            </a:br>
-            <a:br>
-              <a:rPr lang="en-US" dirty="0">
-                <a:cs typeface="+mn-lt"/>
-              </a:rPr>
-            </a:br>
-            <a:r>
-              <a:rPr lang="en-US" dirty="0"/>
-              <a:t>* Does the test pass AND fail when expected?</a:t>
-            </a:r>
-            <a:endParaRPr lang="en-US" dirty="0">
-              <a:cs typeface="Calibri"/>
-            </a:endParaRPr>
+            <a:endParaRPr lang="en-US" dirty="0"/>
           </a:p>
         </p:txBody>
       </p:sp>
@@ -1274,9 +2358,9 @@
           <a:bodyPr/>
           <a:lstStyle/>
           <a:p>
-            <a:fld id="{172E2218-332F-2046-8919-12C975A973BC}" type="slidenum">
+            <a:fld id="{B8E637B9-F140-B64D-9222-01A1EC37811D}" type="slidenum">
               <a:rPr lang="en-US" smtClean="0"/>
-              <a:t>15</a:t>
+              <a:t>8</a:t>
             </a:fld>
             <a:endParaRPr lang="en-US"/>
           </a:p>
@@ -1285,7 +2369,7 @@
     </p:spTree>
     <p:extLst>
       <p:ext uri="{BB962C8B-B14F-4D97-AF65-F5344CB8AC3E}">
-        <p14:creationId xmlns:p14="http://schemas.microsoft.com/office/powerpoint/2010/main" val="941714137"/>
+        <p14:creationId xmlns:p14="http://schemas.microsoft.com/office/powerpoint/2010/main" val="3336020681"/>
       </p:ext>
     </p:extLst>
   </p:cSld>
@@ -1341,122 +2425,107 @@
           <a:p>
             <a:r>
               <a:rPr lang="en-US" dirty="0"/>
-              <a:t>Setup: https://</a:t>
+              <a:t>This demo will center around airline carrier data that has two columns: carrier code and a description string.</a:t>
+            </a:r>
+          </a:p>
+          <a:p>
+            <a:r>
+              <a:rPr lang="en-US" dirty="0"/>
+              <a:t>(CLICK)</a:t>
+            </a:r>
+          </a:p>
+          <a:p>
+            <a:r>
+              <a:rPr lang="en-US" dirty="0"/>
+              <a:t>Here are some example values. We want to parse the start/end years as part of the pipeline.</a:t>
+            </a:r>
+          </a:p>
+          <a:p>
+            <a:r>
+              <a:rPr lang="en-US" dirty="0"/>
+              <a:t>(CLICK)</a:t>
+            </a:r>
+          </a:p>
+          <a:p>
+            <a:r>
+              <a:rPr lang="en-US" dirty="0"/>
+              <a:t>So, the process is to </a:t>
+            </a:r>
+          </a:p>
+          <a:p>
+            <a:pPr marL="228600" indent="-228600">
+              <a:buFont typeface="+mj-lt"/>
+              <a:buAutoNum type="arabicPeriod"/>
+            </a:pPr>
+            <a:r>
+              <a:rPr lang="en-US" dirty="0"/>
+              <a:t>Read the carrier csv data and parse the start/end years (CLICK)</a:t>
+            </a:r>
+          </a:p>
+          <a:p>
+            <a:pPr marL="228600" indent="-228600">
+              <a:buFont typeface="+mj-lt"/>
+              <a:buAutoNum type="arabicPeriod"/>
+            </a:pPr>
+            <a:r>
+              <a:rPr lang="en-US" dirty="0"/>
+              <a:t>Add the start/end years as new columns ((CLICK)</a:t>
+            </a:r>
+          </a:p>
+          <a:p>
+            <a:pPr marL="228600" indent="-228600">
+              <a:buFont typeface="+mj-lt"/>
+              <a:buAutoNum type="arabicPeriod"/>
+            </a:pPr>
+            <a:r>
+              <a:rPr lang="en-US" dirty="0"/>
+              <a:t>Replace empty start and end years with 1900 and 9999, respectively (CLICK)</a:t>
+            </a:r>
+          </a:p>
+          <a:p>
+            <a:pPr marL="228600" indent="-228600">
+              <a:buFont typeface="+mj-lt"/>
+              <a:buAutoNum type="arabicPeriod"/>
+            </a:pPr>
+            <a:r>
+              <a:rPr lang="en-US" dirty="0"/>
+              <a:t>Any invalid data should get a -1 for the start and end years</a:t>
+            </a:r>
+          </a:p>
+          <a:p>
+            <a:pPr marL="0" indent="0">
+              <a:buFont typeface="+mj-lt"/>
+              <a:buNone/>
+            </a:pPr>
+            <a:endParaRPr lang="en-US" dirty="0"/>
+          </a:p>
+          <a:p>
+            <a:pPr marL="0" indent="0">
+              <a:buFont typeface="+mj-lt"/>
+              <a:buNone/>
+            </a:pPr>
+            <a:r>
+              <a:rPr lang="en-US" dirty="0"/>
+              <a:t>AT THE END, we’ll have a </a:t>
             </a:r>
             <a:r>
               <a:rPr lang="en-US" dirty="0" err="1"/>
-              <a:t>vikassri.in</a:t>
+              <a:t>dataframe</a:t>
             </a:r>
             <a:r>
               <a:rPr lang="en-US" dirty="0"/>
-              <a:t>/posts/setting-</a:t>
-            </a:r>
-            <a:r>
-              <a:rPr lang="en-US" dirty="0" err="1"/>
-              <a:t>pyspark</a:t>
-            </a:r>
+              <a:t> with two new columns, which can be persisted.</a:t>
+            </a:r>
+          </a:p>
+          <a:p>
+            <a:pPr marL="0" indent="0">
+              <a:buFont typeface="+mj-lt"/>
+              <a:buNone/>
+            </a:pPr>
             <a:r>
               <a:rPr lang="en-US" dirty="0"/>
-              <a:t>-dev/</a:t>
-            </a:r>
-            <a:br>
-              <a:rPr lang="en-US" dirty="0">
-                <a:cs typeface="+mn-lt"/>
-              </a:rPr>
-            </a:br>
-            <a:endParaRPr lang="en-US" dirty="0">
-              <a:cs typeface="+mn-lt"/>
-            </a:endParaRPr>
-          </a:p>
-          <a:p>
-            <a:r>
-              <a:rPr lang="en-US" dirty="0">
-                <a:cs typeface="+mn-lt"/>
-              </a:rPr>
-              <a:t>Go over how on TDD</a:t>
-            </a:r>
-            <a:br>
-              <a:rPr lang="en-US" dirty="0">
-                <a:cs typeface="+mn-lt"/>
-              </a:rPr>
-            </a:br>
-            <a:br>
-              <a:rPr lang="en-US" dirty="0">
-                <a:cs typeface="+mn-lt"/>
-              </a:rPr>
-            </a:br>
-            <a:r>
-              <a:rPr lang="en-US" dirty="0">
-                <a:cs typeface="+mn-lt"/>
-              </a:rPr>
-              <a:t>Why TDD?</a:t>
-            </a:r>
-          </a:p>
-          <a:p>
-            <a:r>
-              <a:rPr lang="en-US" dirty="0">
-                <a:cs typeface="+mn-lt"/>
-              </a:rPr>
-              <a:t>* Easily integrates with Agile – acceptance criteria can be used to create tests</a:t>
-            </a:r>
-          </a:p>
-          <a:p>
-            <a:r>
-              <a:rPr lang="en-US" dirty="0">
-                <a:cs typeface="+mn-lt"/>
-              </a:rPr>
-              <a:t>* </a:t>
-            </a:r>
-            <a:r>
-              <a:rPr lang="en-US" dirty="0"/>
-              <a:t>Starting with testing makes feature completion easier – no need to go back and add tests once feature is complete</a:t>
-            </a:r>
-            <a:endParaRPr lang="en-US" dirty="0">
-              <a:cs typeface="+mn-lt"/>
-            </a:endParaRPr>
-          </a:p>
-          <a:p>
-            <a:pPr marL="171450" indent="-171450">
-              <a:buFont typeface="Arial" panose="020B0604020202020204" pitchFamily="34" charset="0"/>
-              <a:buChar char="•"/>
-            </a:pPr>
-            <a:r>
-              <a:rPr lang="en-US" dirty="0">
-                <a:cs typeface="Calibri"/>
-              </a:rPr>
-              <a:t>Can be applied to existing features – does not have to come from new additions</a:t>
-            </a:r>
-          </a:p>
-          <a:p>
-            <a:pPr marL="171450" indent="-171450">
-              <a:buFont typeface="Arial" panose="020B0604020202020204" pitchFamily="34" charset="0"/>
-              <a:buChar char="•"/>
-            </a:pPr>
-            <a:r>
-              <a:rPr lang="en-US" dirty="0">
-                <a:cs typeface="Calibri"/>
-              </a:rPr>
-              <a:t>Cost of fixing</a:t>
-            </a:r>
-          </a:p>
-          <a:p>
-            <a:br>
-              <a:rPr lang="en-US" dirty="0">
-                <a:cs typeface="+mn-lt"/>
-              </a:rPr>
-            </a:br>
-            <a:br>
-              <a:rPr lang="en-US" dirty="0">
-                <a:cs typeface="+mn-lt"/>
-              </a:rPr>
-            </a:br>
-            <a:r>
-              <a:rPr lang="en-US" dirty="0"/>
-              <a:t>* Does the test pass AND fail when expected?</a:t>
-            </a:r>
-            <a:endParaRPr lang="en-US" dirty="0">
-              <a:cs typeface="Calibri"/>
-            </a:endParaRPr>
+              <a:t>(CLICK)</a:t>
+            </a:r>
           </a:p>
         </p:txBody>
       </p:sp>
@@ -1475,9 +2544,9 @@
           <a:bodyPr/>
           <a:lstStyle/>
           <a:p>
-            <a:fld id="{172E2218-332F-2046-8919-12C975A973BC}" type="slidenum">
+            <a:fld id="{B8E637B9-F140-B64D-9222-01A1EC37811D}" type="slidenum">
               <a:rPr lang="en-US" smtClean="0"/>
-              <a:t>17</a:t>
+              <a:t>9</a:t>
             </a:fld>
             <a:endParaRPr lang="en-US"/>
           </a:p>
@@ -1486,7 +2555,7 @@
     </p:spTree>
     <p:extLst>
       <p:ext uri="{BB962C8B-B14F-4D97-AF65-F5344CB8AC3E}">
-        <p14:creationId xmlns:p14="http://schemas.microsoft.com/office/powerpoint/2010/main" val="4084167933"/>
+        <p14:creationId xmlns:p14="http://schemas.microsoft.com/office/powerpoint/2010/main" val="1404924347"/>
       </p:ext>
     </p:extLst>
   </p:cSld>
@@ -1542,60 +2611,28 @@
           <a:p>
             <a:r>
               <a:rPr lang="en-US" dirty="0"/>
-              <a:t>Describe UDF</a:t>
-            </a:r>
+              <a:t>In order to perform local/unit testing, you’ll need to design your pipeline to separate out the transformation logic from the other integrations, like system I/O.</a:t>
+            </a:r>
+          </a:p>
+          <a:p>
+            <a:endParaRPr lang="en-US" dirty="0"/>
           </a:p>
           <a:p>
             <a:r>
               <a:rPr lang="en-US" dirty="0"/>
-              <a:t>(click)</a:t>
+              <a:t>The I/O is considered integration testing</a:t>
             </a:r>
           </a:p>
           <a:p>
             <a:r>
               <a:rPr lang="en-US" dirty="0"/>
-              <a:t>Create a </a:t>
-            </a:r>
-            <a:r>
-              <a:rPr lang="en-US" dirty="0" err="1"/>
-              <a:t>DataFrame</a:t>
-            </a:r>
+              <a:t>(CLICK)</a:t>
+            </a:r>
+          </a:p>
+          <a:p>
             <a:r>
               <a:rPr lang="en-US" dirty="0"/>
-              <a:t> that has the “input value” and the expected output</a:t>
-            </a:r>
-          </a:p>
-          <a:p>
-            <a:r>
-              <a:rPr lang="en-US" dirty="0"/>
-              <a:t>(click)</a:t>
-            </a:r>
-          </a:p>
-          <a:p>
-            <a:r>
-              <a:rPr lang="en-US" dirty="0"/>
-              <a:t>Execute the UDF</a:t>
-            </a:r>
-          </a:p>
-          <a:p>
-            <a:r>
-              <a:rPr lang="en-US" dirty="0"/>
-              <a:t>(click)</a:t>
-            </a:r>
-          </a:p>
-          <a:p>
-            <a:r>
-              <a:rPr lang="en-US" dirty="0"/>
-              <a:t>Validate the new column (actual) is equal to “expected”</a:t>
-            </a:r>
-          </a:p>
-          <a:p>
-            <a:endParaRPr lang="en-US" dirty="0"/>
-          </a:p>
-          <a:p>
-            <a:r>
-              <a:rPr lang="en-US" dirty="0"/>
-              <a:t>NOTE: When testing a UDF, you don’t need to use the exact shape of the </a:t>
+              <a:t>The transformations are considered unit tests, so isolate the transformation logic by designing the middle portion to start with a </a:t>
             </a:r>
             <a:r>
               <a:rPr lang="en-US" dirty="0" err="1"/>
@@ -1603,44 +2640,8 @@
             </a:r>
             <a:r>
               <a:rPr lang="en-US" dirty="0"/>
-              <a:t> that you expect in prod because you’re just testing the function operation.</a:t>
-            </a:r>
-          </a:p>
-          <a:p>
-            <a:endParaRPr lang="en-US" dirty="0"/>
-          </a:p>
-          <a:p>
-            <a:r>
-              <a:rPr lang="en-US" dirty="0"/>
-              <a:t>PERFORM DEMO</a:t>
-            </a:r>
-          </a:p>
-          <a:p>
-            <a:r>
-              <a:rPr lang="en-US" dirty="0"/>
-              <a:t> * Show the test case functions (show data, execution, assertion)</a:t>
-            </a:r>
-          </a:p>
-          <a:p>
-            <a:r>
-              <a:rPr lang="en-US" dirty="0"/>
-              <a:t> * Show the fixtures</a:t>
-            </a:r>
-          </a:p>
-          <a:p>
-            <a:r>
-              <a:rPr lang="en-US" dirty="0"/>
-              <a:t> * Show the UDF</a:t>
-            </a:r>
-          </a:p>
-          <a:p>
-            <a:r>
-              <a:rPr lang="en-US" dirty="0"/>
-              <a:t> * execute UDF</a:t>
-            </a:r>
-          </a:p>
-          <a:p>
-            <a:endParaRPr lang="en-US" dirty="0"/>
+              <a:t> or other data structure, and end with a similar data structure.</a:t>
+            </a:r>
           </a:p>
         </p:txBody>
       </p:sp>
@@ -1661,7 +2662,7 @@
           <a:p>
             <a:fld id="{B8E637B9-F140-B64D-9222-01A1EC37811D}" type="slidenum">
               <a:rPr lang="en-US" smtClean="0"/>
-              <a:t>20</a:t>
+              <a:t>10</a:t>
             </a:fld>
             <a:endParaRPr lang="en-US"/>
           </a:p>
@@ -1670,7 +2671,7 @@
     </p:spTree>
     <p:extLst>
       <p:ext uri="{BB962C8B-B14F-4D97-AF65-F5344CB8AC3E}">
-        <p14:creationId xmlns:p14="http://schemas.microsoft.com/office/powerpoint/2010/main" val="2175822475"/>
+        <p14:creationId xmlns:p14="http://schemas.microsoft.com/office/powerpoint/2010/main" val="2142744850"/>
       </p:ext>
     </p:extLst>
   </p:cSld>
@@ -1725,83 +2726,30 @@
           <a:lstStyle/>
           <a:p>
             <a:r>
-              <a:rPr lang="en-US" dirty="0"/>
-              <a:t>Describe UDF</a:t>
-            </a:r>
-          </a:p>
-          <a:p>
-            <a:r>
-              <a:rPr lang="en-US" dirty="0"/>
-              <a:t>(click)</a:t>
-            </a:r>
-          </a:p>
-          <a:p>
-            <a:r>
-              <a:rPr lang="en-US" dirty="0"/>
-              <a:t>Create a </a:t>
-            </a:r>
-            <a:r>
-              <a:rPr lang="en-US" dirty="0" err="1"/>
-              <a:t>DataFrame</a:t>
-            </a:r>
-            <a:r>
-              <a:rPr lang="en-US" dirty="0"/>
-              <a:t> that has the “input value” and the expected output</a:t>
-            </a:r>
-          </a:p>
-          <a:p>
-            <a:r>
-              <a:rPr lang="en-US" dirty="0"/>
-              <a:t>(click)</a:t>
-            </a:r>
-          </a:p>
-          <a:p>
-            <a:r>
-              <a:rPr lang="en-US" dirty="0"/>
-              <a:t>Execute the UDF</a:t>
-            </a:r>
-          </a:p>
-          <a:p>
-            <a:r>
-              <a:rPr lang="en-US" dirty="0"/>
-              <a:t>(click)</a:t>
-            </a:r>
-          </a:p>
-          <a:p>
-            <a:r>
-              <a:rPr lang="en-US" dirty="0"/>
-              <a:t>Validate the new column (actual) is equal to “expected”</a:t>
-            </a:r>
-          </a:p>
-          <a:p>
-            <a:endParaRPr lang="en-US" dirty="0"/>
-          </a:p>
-          <a:p>
-            <a:r>
-              <a:rPr lang="en-US" dirty="0"/>
-              <a:t>PERFORM DEMO</a:t>
-            </a:r>
-          </a:p>
-          <a:p>
-            <a:r>
-              <a:rPr lang="en-US" dirty="0"/>
-              <a:t> * Show the test case functions (show data, execution, assertion)</a:t>
-            </a:r>
-          </a:p>
-          <a:p>
-            <a:r>
-              <a:rPr lang="en-US" dirty="0"/>
-              <a:t> * Show the UDF</a:t>
-            </a:r>
-          </a:p>
-          <a:p>
-            <a:r>
-              <a:rPr lang="en-US" dirty="0"/>
-              <a:t> * execute UDF</a:t>
-            </a:r>
-          </a:p>
-          <a:p>
-            <a:endParaRPr lang="en-US" dirty="0"/>
+              <a:rPr lang="en-US" dirty="0">
+                <a:cs typeface="+mn-lt"/>
+              </a:rPr>
+              <a:t>Go over how on TDD</a:t>
+            </a:r>
+            <a:br>
+              <a:rPr lang="en-US" dirty="0">
+                <a:cs typeface="+mn-lt"/>
+              </a:rPr>
+            </a:br>
+            <a:br>
+              <a:rPr lang="en-US" dirty="0">
+                <a:cs typeface="+mn-lt"/>
+              </a:rPr>
+            </a:br>
+            <a:r>
+              <a:rPr lang="en-US" dirty="0">
+                <a:cs typeface="+mn-lt"/>
+              </a:rPr>
+              <a:t>I won’t cover the why’s of the TDD methodology, but this is my preferred method of development and learning new languages.</a:t>
+            </a:r>
+            <a:endParaRPr lang="en-US" dirty="0">
+              <a:cs typeface="Calibri"/>
+            </a:endParaRPr>
           </a:p>
         </p:txBody>
       </p:sp>
@@ -1820,9 +2768,9 @@
           <a:bodyPr/>
           <a:lstStyle/>
           <a:p>
-            <a:fld id="{B8E637B9-F140-B64D-9222-01A1EC37811D}" type="slidenum">
+            <a:fld id="{172E2218-332F-2046-8919-12C975A973BC}" type="slidenum">
               <a:rPr lang="en-US" smtClean="0"/>
-              <a:t>21</a:t>
+              <a:t>12</a:t>
             </a:fld>
             <a:endParaRPr lang="en-US"/>
           </a:p>
@@ -1831,7 +2779,7 @@
     </p:spTree>
     <p:extLst>
       <p:ext uri="{BB962C8B-B14F-4D97-AF65-F5344CB8AC3E}">
-        <p14:creationId xmlns:p14="http://schemas.microsoft.com/office/powerpoint/2010/main" val="1004873646"/>
+        <p14:creationId xmlns:p14="http://schemas.microsoft.com/office/powerpoint/2010/main" val="656999697"/>
       </p:ext>
     </p:extLst>
   </p:cSld>
@@ -1885,93 +2833,6 @@
           <a:bodyPr/>
           <a:lstStyle/>
           <a:p>
-            <a:r>
-              <a:rPr lang="en-US" dirty="0"/>
-              <a:t>Start with an input </a:t>
-            </a:r>
-            <a:r>
-              <a:rPr lang="en-US" dirty="0" err="1"/>
-              <a:t>dataframe</a:t>
-            </a:r>
-            <a:endParaRPr lang="en-US" dirty="0"/>
-          </a:p>
-          <a:p>
-            <a:r>
-              <a:rPr lang="en-US" dirty="0"/>
-              <a:t>(click)</a:t>
-            </a:r>
-          </a:p>
-          <a:p>
-            <a:r>
-              <a:rPr lang="en-US" dirty="0"/>
-              <a:t>Define the expected output as a </a:t>
-            </a:r>
-            <a:r>
-              <a:rPr lang="en-US" dirty="0" err="1"/>
-              <a:t>dataframe</a:t>
-            </a:r>
-            <a:endParaRPr lang="en-US" dirty="0"/>
-          </a:p>
-          <a:p>
-            <a:r>
-              <a:rPr lang="en-US" dirty="0"/>
-              <a:t>(click)</a:t>
-            </a:r>
-          </a:p>
-          <a:p>
-            <a:r>
-              <a:rPr lang="en-US" dirty="0"/>
-              <a:t>Run the transformation function</a:t>
-            </a:r>
-          </a:p>
-          <a:p>
-            <a:r>
-              <a:rPr lang="en-US" dirty="0"/>
-              <a:t>(click)</a:t>
-            </a:r>
-          </a:p>
-          <a:p>
-            <a:r>
-              <a:rPr lang="en-US" dirty="0"/>
-              <a:t>Compare the actual vs. expected</a:t>
-            </a:r>
-          </a:p>
-          <a:p>
-            <a:endParaRPr lang="en-US" dirty="0"/>
-          </a:p>
-          <a:p>
-            <a:r>
-              <a:rPr lang="en-US" dirty="0"/>
-              <a:t>PERFORM DEMO</a:t>
-            </a:r>
-          </a:p>
-          <a:p>
-            <a:r>
-              <a:rPr lang="en-US" dirty="0"/>
-              <a:t> * Show the test case functions (show data, execution, assertion)</a:t>
-            </a:r>
-          </a:p>
-          <a:p>
-            <a:r>
-              <a:rPr lang="en-US" dirty="0"/>
-              <a:t> * Show the fixtures</a:t>
-            </a:r>
-          </a:p>
-          <a:p>
-            <a:r>
-              <a:rPr lang="en-US" dirty="0"/>
-              <a:t> * Show the </a:t>
-            </a:r>
-            <a:r>
-              <a:rPr lang="en-US" dirty="0" err="1"/>
-              <a:t>dataframe</a:t>
-            </a:r>
-            <a:r>
-              <a:rPr lang="en-US" dirty="0"/>
-              <a:t> comparison</a:t>
-            </a:r>
-          </a:p>
-          <a:p>
             <a:endParaRPr lang="en-US" dirty="0"/>
           </a:p>
         </p:txBody>
@@ -1993,7 +2854,7 @@
           <a:p>
             <a:fld id="{B8E637B9-F140-B64D-9222-01A1EC37811D}" type="slidenum">
               <a:rPr lang="en-US" smtClean="0"/>
-              <a:t>24</a:t>
+              <a:t>13</a:t>
             </a:fld>
             <a:endParaRPr lang="en-US"/>
           </a:p>
@@ -2002,7 +2863,7 @@
     </p:spTree>
     <p:extLst>
       <p:ext uri="{BB962C8B-B14F-4D97-AF65-F5344CB8AC3E}">
-        <p14:creationId xmlns:p14="http://schemas.microsoft.com/office/powerpoint/2010/main" val="3621176428"/>
+        <p14:creationId xmlns:p14="http://schemas.microsoft.com/office/powerpoint/2010/main" val="906442768"/>
       </p:ext>
     </p:extLst>
   </p:cSld>
@@ -2056,89 +2917,27 @@
           <a:bodyPr/>
           <a:lstStyle/>
           <a:p>
+            <a:pPr marL="0" marR="0" lvl="0" indent="0" algn="l" defTabSz="914400" rtl="0" eaLnBrk="1" fontAlgn="auto" latinLnBrk="0" hangingPunct="1">
+              <a:lnSpc>
+                <a:spcPct val="100000"/>
+              </a:lnSpc>
+              <a:spcBef>
+                <a:spcPts val="0"/>
+              </a:spcBef>
+              <a:spcAft>
+                <a:spcPts val="0"/>
+              </a:spcAft>
+              <a:buClrTx/>
+              <a:buSzTx/>
+              <a:buFontTx/>
+              <a:buNone/>
+              <a:tabLst/>
+              <a:defRPr/>
+            </a:pPr>
             <a:r>
               <a:rPr lang="en-US" dirty="0"/>
-              <a:t>Create a </a:t>
-            </a:r>
-            <a:r>
-              <a:rPr lang="en-US" dirty="0" err="1"/>
-              <a:t>DataFrame</a:t>
-            </a:r>
-            <a:r>
-              <a:rPr lang="en-US" dirty="0"/>
-              <a:t> that has the “input value” and the expected output</a:t>
-            </a:r>
-          </a:p>
-          <a:p>
-            <a:r>
-              <a:rPr lang="en-US" dirty="0"/>
-              <a:t>(click)</a:t>
-            </a:r>
-          </a:p>
-          <a:p>
-            <a:r>
-              <a:rPr lang="en-US" dirty="0"/>
-              <a:t>Execute the UDF</a:t>
-            </a:r>
-          </a:p>
-          <a:p>
-            <a:r>
-              <a:rPr lang="en-US" dirty="0"/>
-              <a:t>(click)</a:t>
-            </a:r>
-          </a:p>
-          <a:p>
-            <a:r>
-              <a:rPr lang="en-US" dirty="0"/>
-              <a:t>Validate the new column (actual) is equal to “expected”</a:t>
-            </a:r>
-          </a:p>
-          <a:p>
-            <a:endParaRPr lang="en-US" dirty="0"/>
-          </a:p>
-          <a:p>
-            <a:r>
-              <a:rPr lang="en-US" dirty="0"/>
-              <a:t>NOTE: When testing a UDF, you don’t need to use the exact shape of the </a:t>
-            </a:r>
-            <a:r>
-              <a:rPr lang="en-US" dirty="0" err="1"/>
-              <a:t>dataframe</a:t>
-            </a:r>
-            <a:r>
-              <a:rPr lang="en-US" dirty="0"/>
-              <a:t> that you expect in prod because you’re just testing the function operation.</a:t>
-            </a:r>
-          </a:p>
-          <a:p>
-            <a:endParaRPr lang="en-US" dirty="0"/>
-          </a:p>
-          <a:p>
-            <a:r>
-              <a:rPr lang="en-US" dirty="0"/>
-              <a:t>PERFORM DEMO</a:t>
-            </a:r>
-          </a:p>
-          <a:p>
-            <a:r>
-              <a:rPr lang="en-US" dirty="0"/>
-              <a:t> * Show the test case functions (show data, execution, assertion)</a:t>
-            </a:r>
-          </a:p>
-          <a:p>
-            <a:r>
-              <a:rPr lang="en-US" dirty="0"/>
-              <a:t> * Show the fixtures</a:t>
-            </a:r>
-          </a:p>
-          <a:p>
-            <a:r>
-              <a:rPr lang="en-US" dirty="0"/>
-              <a:t> * </a:t>
-            </a:r>
-          </a:p>
-          <a:p>
-            <a:endParaRPr lang="en-US" dirty="0"/>
+              <a:t>BEFORE showing the testing demos, I want to show you how to connect VS Code to the Docker image.</a:t>
+            </a:r>
           </a:p>
           <a:p>
             <a:endParaRPr lang="en-US" dirty="0"/>
@@ -2162,7 +2961,7 @@
           <a:p>
             <a:fld id="{B8E637B9-F140-B64D-9222-01A1EC37811D}" type="slidenum">
               <a:rPr lang="en-US" smtClean="0"/>
-              <a:t>29</a:t>
+              <a:t>14</a:t>
             </a:fld>
             <a:endParaRPr lang="en-US"/>
           </a:p>
@@ -2171,7 +2970,7 @@
     </p:spTree>
     <p:extLst>
       <p:ext uri="{BB962C8B-B14F-4D97-AF65-F5344CB8AC3E}">
-        <p14:creationId xmlns:p14="http://schemas.microsoft.com/office/powerpoint/2010/main" val="10777986"/>
+        <p14:creationId xmlns:p14="http://schemas.microsoft.com/office/powerpoint/2010/main" val="964687084"/>
       </p:ext>
     </p:extLst>
   </p:cSld>
@@ -2707,7 +3506,7 @@
           <a:p>
             <a:fld id="{B6A499C5-BDF4-3F4E-9DE4-A0FD3AB4C7AD}" type="datetimeFigureOut">
               <a:rPr lang="en-US" smtClean="0"/>
-              <a:t>5/18/22</a:t>
+              <a:t>5/23/22</a:t>
             </a:fld>
             <a:endParaRPr lang="en-US"/>
           </a:p>
@@ -2929,7 +3728,7 @@
           <a:p>
             <a:fld id="{B6A499C5-BDF4-3F4E-9DE4-A0FD3AB4C7AD}" type="datetimeFigureOut">
               <a:rPr lang="en-US" smtClean="0"/>
-              <a:t>5/18/22</a:t>
+              <a:t>5/23/22</a:t>
             </a:fld>
             <a:endParaRPr lang="en-US"/>
           </a:p>
@@ -3470,7 +4269,7 @@
           <a:p>
             <a:fld id="{B6A499C5-BDF4-3F4E-9DE4-A0FD3AB4C7AD}" type="datetimeFigureOut">
               <a:rPr lang="en-US" smtClean="0"/>
-              <a:t>5/18/22</a:t>
+              <a:t>5/23/22</a:t>
             </a:fld>
             <a:endParaRPr lang="en-US"/>
           </a:p>
@@ -4436,7 +5235,7 @@
           <a:p>
             <a:fld id="{B6A499C5-BDF4-3F4E-9DE4-A0FD3AB4C7AD}" type="datetimeFigureOut">
               <a:rPr lang="en-US" smtClean="0"/>
-              <a:t>5/18/22</a:t>
+              <a:t>5/23/22</a:t>
             </a:fld>
             <a:endParaRPr lang="en-US"/>
           </a:p>
@@ -5092,7 +5891,7 @@
           <a:p>
             <a:fld id="{B6A499C5-BDF4-3F4E-9DE4-A0FD3AB4C7AD}" type="datetimeFigureOut">
               <a:rPr lang="en-US" smtClean="0"/>
-              <a:t>5/18/22</a:t>
+              <a:t>5/23/22</a:t>
             </a:fld>
             <a:endParaRPr lang="en-US"/>
           </a:p>
@@ -5402,7 +6201,7 @@
           <a:p>
             <a:fld id="{B6A499C5-BDF4-3F4E-9DE4-A0FD3AB4C7AD}" type="datetimeFigureOut">
               <a:rPr lang="en-US" smtClean="0"/>
-              <a:t>5/18/22</a:t>
+              <a:t>5/23/22</a:t>
             </a:fld>
             <a:endParaRPr lang="en-US"/>
           </a:p>
@@ -5653,7 +6452,7 @@
           <a:p>
             <a:fld id="{B6A499C5-BDF4-3F4E-9DE4-A0FD3AB4C7AD}" type="datetimeFigureOut">
               <a:rPr lang="en-US" smtClean="0"/>
-              <a:t>5/18/22</a:t>
+              <a:t>5/23/22</a:t>
             </a:fld>
             <a:endParaRPr lang="en-US"/>
           </a:p>
@@ -8768,7 +9567,7 @@
           <a:p>
             <a:fld id="{B6A499C5-BDF4-3F4E-9DE4-A0FD3AB4C7AD}" type="datetimeFigureOut">
               <a:rPr lang="en-US" smtClean="0"/>
-              <a:t>5/18/22</a:t>
+              <a:t>5/23/22</a:t>
             </a:fld>
             <a:endParaRPr lang="en-US"/>
           </a:p>
@@ -9048,7 +9847,7 @@
           <a:p>
             <a:fld id="{B6A499C5-BDF4-3F4E-9DE4-A0FD3AB4C7AD}" type="datetimeFigureOut">
               <a:rPr lang="en-US" smtClean="0"/>
-              <a:t>5/18/22</a:t>
+              <a:t>5/23/22</a:t>
             </a:fld>
             <a:endParaRPr lang="en-US"/>
           </a:p>
@@ -9645,7 +10444,7 @@
           </p:nvPr>
         </p:nvPicPr>
         <p:blipFill>
-          <a:blip r:embed="rId2"/>
+          <a:blip r:embed="rId3"/>
           <a:srcRect/>
           <a:stretch/>
         </p:blipFill>
@@ -12823,33 +13622,15 @@
                                   </p:childTnLst>
                                 </p:cTn>
                               </p:par>
-                            </p:childTnLst>
-                          </p:cTn>
-                        </p:par>
-                      </p:childTnLst>
-                    </p:cTn>
-                  </p:par>
-                  <p:par>
-                    <p:cTn id="35" fill="hold">
-                      <p:stCondLst>
-                        <p:cond delay="indefinite"/>
-                      </p:stCondLst>
-                      <p:childTnLst>
-                        <p:par>
-                          <p:cTn id="36" fill="hold">
-                            <p:stCondLst>
-                              <p:cond delay="0"/>
-                            </p:stCondLst>
-                            <p:childTnLst>
                               <p:par>
-                                <p:cTn id="37" presetID="10" presetClass="entr" presetSubtype="0" fill="hold" nodeType="clickEffect">
+                                <p:cTn id="35" presetID="10" presetClass="entr" presetSubtype="0" fill="hold" nodeType="withEffect">
                                   <p:stCondLst>
                                     <p:cond delay="0"/>
                                   </p:stCondLst>
                                   <p:childTnLst>
                                     <p:set>
                                       <p:cBhvr>
-                                        <p:cTn id="38" dur="1" fill="hold">
+                                        <p:cTn id="36" dur="1" fill="hold">
                                           <p:stCondLst>
                                             <p:cond delay="0"/>
                                           </p:stCondLst>
@@ -12867,7 +13648,7 @@
                                     </p:set>
                                     <p:animEffect transition="in" filter="fade">
                                       <p:cBhvr>
-                                        <p:cTn id="39" dur="500"/>
+                                        <p:cTn id="37" dur="500"/>
                                         <p:tgtEl>
                                           <p:spTgt spid="22"/>
                                         </p:tgtEl>
@@ -12877,14 +13658,14 @@
                                 </p:cTn>
                               </p:par>
                               <p:par>
-                                <p:cTn id="40" presetID="10" presetClass="entr" presetSubtype="0" fill="hold" grpId="0" nodeType="withEffect">
+                                <p:cTn id="38" presetID="10" presetClass="entr" presetSubtype="0" fill="hold" grpId="0" nodeType="withEffect">
                                   <p:stCondLst>
                                     <p:cond delay="0"/>
                                   </p:stCondLst>
                                   <p:childTnLst>
                                     <p:set>
                                       <p:cBhvr>
-                                        <p:cTn id="41" dur="1" fill="hold">
+                                        <p:cTn id="39" dur="1" fill="hold">
                                           <p:stCondLst>
                                             <p:cond delay="0"/>
                                           </p:stCondLst>
@@ -12902,7 +13683,7 @@
                                     </p:set>
                                     <p:animEffect transition="in" filter="fade">
                                       <p:cBhvr>
-                                        <p:cTn id="42" dur="500"/>
+                                        <p:cTn id="40" dur="500"/>
                                         <p:tgtEl>
                                           <p:spTgt spid="14"/>
                                         </p:tgtEl>
@@ -12918,26 +13699,26 @@
                     </p:cTn>
                   </p:par>
                   <p:par>
-                    <p:cTn id="43" fill="hold">
+                    <p:cTn id="41" fill="hold">
                       <p:stCondLst>
                         <p:cond delay="indefinite"/>
                       </p:stCondLst>
                       <p:childTnLst>
                         <p:par>
-                          <p:cTn id="44" fill="hold">
+                          <p:cTn id="42" fill="hold">
                             <p:stCondLst>
                               <p:cond delay="0"/>
                             </p:stCondLst>
                             <p:childTnLst>
                               <p:par>
-                                <p:cTn id="45" presetID="10" presetClass="entr" presetSubtype="0" fill="hold" nodeType="clickEffect">
+                                <p:cTn id="43" presetID="10" presetClass="entr" presetSubtype="0" fill="hold" nodeType="clickEffect">
                                   <p:stCondLst>
                                     <p:cond delay="0"/>
                                   </p:stCondLst>
                                   <p:childTnLst>
                                     <p:set>
                                       <p:cBhvr>
-                                        <p:cTn id="46" dur="1" fill="hold">
+                                        <p:cTn id="44" dur="1" fill="hold">
                                           <p:stCondLst>
                                             <p:cond delay="0"/>
                                           </p:stCondLst>
@@ -12955,7 +13736,7 @@
                                     </p:set>
                                     <p:animEffect transition="in" filter="fade">
                                       <p:cBhvr>
-                                        <p:cTn id="47" dur="500"/>
+                                        <p:cTn id="45" dur="500"/>
                                         <p:tgtEl>
                                           <p:spTgt spid="27"/>
                                         </p:tgtEl>
@@ -12965,14 +13746,14 @@
                                 </p:cTn>
                               </p:par>
                               <p:par>
-                                <p:cTn id="48" presetID="10" presetClass="entr" presetSubtype="0" fill="hold" grpId="0" nodeType="withEffect">
+                                <p:cTn id="46" presetID="10" presetClass="entr" presetSubtype="0" fill="hold" grpId="0" nodeType="withEffect">
                                   <p:stCondLst>
                                     <p:cond delay="0"/>
                                   </p:stCondLst>
                                   <p:childTnLst>
                                     <p:set>
                                       <p:cBhvr>
-                                        <p:cTn id="49" dur="1" fill="hold">
+                                        <p:cTn id="47" dur="1" fill="hold">
                                           <p:stCondLst>
                                             <p:cond delay="0"/>
                                           </p:stCondLst>
@@ -12990,7 +13771,7 @@
                                     </p:set>
                                     <p:animEffect transition="in" filter="fade">
                                       <p:cBhvr>
-                                        <p:cTn id="50" dur="500"/>
+                                        <p:cTn id="48" dur="500"/>
                                         <p:tgtEl>
                                           <p:spTgt spid="28"/>
                                         </p:tgtEl>
@@ -13006,26 +13787,26 @@
                     </p:cTn>
                   </p:par>
                   <p:par>
-                    <p:cTn id="51" fill="hold">
+                    <p:cTn id="49" fill="hold">
                       <p:stCondLst>
                         <p:cond delay="indefinite"/>
                       </p:stCondLst>
                       <p:childTnLst>
                         <p:par>
-                          <p:cTn id="52" fill="hold">
+                          <p:cTn id="50" fill="hold">
                             <p:stCondLst>
                               <p:cond delay="0"/>
                             </p:stCondLst>
                             <p:childTnLst>
                               <p:par>
-                                <p:cTn id="53" presetID="10" presetClass="entr" presetSubtype="0" fill="hold" grpId="0" nodeType="clickEffect">
+                                <p:cTn id="51" presetID="10" presetClass="entr" presetSubtype="0" fill="hold" grpId="0" nodeType="clickEffect">
                                   <p:stCondLst>
                                     <p:cond delay="0"/>
                                   </p:stCondLst>
                                   <p:childTnLst>
                                     <p:set>
                                       <p:cBhvr>
-                                        <p:cTn id="54" dur="1" fill="hold">
+                                        <p:cTn id="52" dur="1" fill="hold">
                                           <p:stCondLst>
                                             <p:cond delay="0"/>
                                           </p:stCondLst>
@@ -13043,7 +13824,7 @@
                                     </p:set>
                                     <p:animEffect transition="in" filter="fade">
                                       <p:cBhvr>
-                                        <p:cTn id="55" dur="500"/>
+                                        <p:cTn id="53" dur="500"/>
                                         <p:tgtEl>
                                           <p:spTgt spid="20"/>
                                         </p:tgtEl>
@@ -13053,14 +13834,14 @@
                                 </p:cTn>
                               </p:par>
                               <p:par>
-                                <p:cTn id="56" presetID="10" presetClass="entr" presetSubtype="0" fill="hold" nodeType="withEffect">
+                                <p:cTn id="54" presetID="10" presetClass="entr" presetSubtype="0" fill="hold" nodeType="withEffect">
                                   <p:stCondLst>
                                     <p:cond delay="0"/>
                                   </p:stCondLst>
                                   <p:childTnLst>
                                     <p:set>
                                       <p:cBhvr>
-                                        <p:cTn id="57" dur="1" fill="hold">
+                                        <p:cTn id="55" dur="1" fill="hold">
                                           <p:stCondLst>
                                             <p:cond delay="0"/>
                                           </p:stCondLst>
@@ -13078,7 +13859,7 @@
                                     </p:set>
                                     <p:animEffect transition="in" filter="fade">
                                       <p:cBhvr>
-                                        <p:cTn id="58" dur="500"/>
+                                        <p:cTn id="56" dur="500"/>
                                         <p:tgtEl>
                                           <p:spTgt spid="24"/>
                                         </p:tgtEl>
@@ -13088,14 +13869,14 @@
                                 </p:cTn>
                               </p:par>
                               <p:par>
-                                <p:cTn id="59" presetID="10" presetClass="entr" presetSubtype="0" fill="hold" grpId="0" nodeType="withEffect">
+                                <p:cTn id="57" presetID="10" presetClass="entr" presetSubtype="0" fill="hold" grpId="0" nodeType="withEffect">
                                   <p:stCondLst>
                                     <p:cond delay="0"/>
                                   </p:stCondLst>
                                   <p:childTnLst>
                                     <p:set>
                                       <p:cBhvr>
-                                        <p:cTn id="60" dur="1" fill="hold">
+                                        <p:cTn id="58" dur="1" fill="hold">
                                           <p:stCondLst>
                                             <p:cond delay="0"/>
                                           </p:stCondLst>
@@ -13113,7 +13894,7 @@
                                     </p:set>
                                     <p:animEffect transition="in" filter="fade">
                                       <p:cBhvr>
-                                        <p:cTn id="61" dur="500"/>
+                                        <p:cTn id="59" dur="500"/>
                                         <p:tgtEl>
                                           <p:spTgt spid="25"/>
                                         </p:tgtEl>
@@ -13129,26 +13910,26 @@
                     </p:cTn>
                   </p:par>
                   <p:par>
-                    <p:cTn id="62" fill="hold">
+                    <p:cTn id="60" fill="hold">
                       <p:stCondLst>
                         <p:cond delay="indefinite"/>
                       </p:stCondLst>
                       <p:childTnLst>
                         <p:par>
-                          <p:cTn id="63" fill="hold">
+                          <p:cTn id="61" fill="hold">
                             <p:stCondLst>
                               <p:cond delay="0"/>
                             </p:stCondLst>
                             <p:childTnLst>
                               <p:par>
-                                <p:cTn id="64" presetID="10" presetClass="entr" presetSubtype="0" fill="hold" nodeType="clickEffect">
+                                <p:cTn id="62" presetID="10" presetClass="entr" presetSubtype="0" fill="hold" nodeType="clickEffect">
                                   <p:stCondLst>
                                     <p:cond delay="0"/>
                                   </p:stCondLst>
                                   <p:childTnLst>
                                     <p:set>
                                       <p:cBhvr>
-                                        <p:cTn id="65" dur="1" fill="hold">
+                                        <p:cTn id="63" dur="1" fill="hold">
                                           <p:stCondLst>
                                             <p:cond delay="0"/>
                                           </p:stCondLst>
@@ -13166,7 +13947,7 @@
                                     </p:set>
                                     <p:animEffect transition="in" filter="fade">
                                       <p:cBhvr>
-                                        <p:cTn id="66" dur="500"/>
+                                        <p:cTn id="64" dur="500"/>
                                         <p:tgtEl>
                                           <p:spTgt spid="39"/>
                                         </p:tgtEl>
@@ -13176,14 +13957,14 @@
                                 </p:cTn>
                               </p:par>
                               <p:par>
-                                <p:cTn id="67" presetID="10" presetClass="entr" presetSubtype="0" fill="hold" grpId="0" nodeType="withEffect">
+                                <p:cTn id="65" presetID="10" presetClass="entr" presetSubtype="0" fill="hold" grpId="0" nodeType="withEffect">
                                   <p:stCondLst>
                                     <p:cond delay="0"/>
                                   </p:stCondLst>
                                   <p:childTnLst>
                                     <p:set>
                                       <p:cBhvr>
-                                        <p:cTn id="68" dur="1" fill="hold">
+                                        <p:cTn id="66" dur="1" fill="hold">
                                           <p:stCondLst>
                                             <p:cond delay="0"/>
                                           </p:stCondLst>
@@ -13201,7 +13982,7 @@
                                     </p:set>
                                     <p:animEffect transition="in" filter="fade">
                                       <p:cBhvr>
-                                        <p:cTn id="69" dur="500"/>
+                                        <p:cTn id="67" dur="500"/>
                                         <p:tgtEl>
                                           <p:spTgt spid="37"/>
                                         </p:tgtEl>
@@ -13210,33 +13991,15 @@
                                   </p:childTnLst>
                                 </p:cTn>
                               </p:par>
-                            </p:childTnLst>
-                          </p:cTn>
-                        </p:par>
-                      </p:childTnLst>
-                    </p:cTn>
-                  </p:par>
-                  <p:par>
-                    <p:cTn id="70" fill="hold">
-                      <p:stCondLst>
-                        <p:cond delay="indefinite"/>
-                      </p:stCondLst>
-                      <p:childTnLst>
-                        <p:par>
-                          <p:cTn id="71" fill="hold">
-                            <p:stCondLst>
-                              <p:cond delay="0"/>
-                            </p:stCondLst>
-                            <p:childTnLst>
                               <p:par>
-                                <p:cTn id="72" presetID="10" presetClass="entr" presetSubtype="0" fill="hold" nodeType="clickEffect">
+                                <p:cTn id="68" presetID="10" presetClass="entr" presetSubtype="0" fill="hold" nodeType="withEffect">
                                   <p:stCondLst>
                                     <p:cond delay="0"/>
                                   </p:stCondLst>
                                   <p:childTnLst>
                                     <p:set>
                                       <p:cBhvr>
-                                        <p:cTn id="73" dur="1" fill="hold">
+                                        <p:cTn id="69" dur="1" fill="hold">
                                           <p:stCondLst>
                                             <p:cond delay="0"/>
                                           </p:stCondLst>
@@ -13254,7 +14017,7 @@
                                     </p:set>
                                     <p:animEffect transition="in" filter="fade">
                                       <p:cBhvr>
-                                        <p:cTn id="74" dur="500"/>
+                                        <p:cTn id="70" dur="500"/>
                                         <p:tgtEl>
                                           <p:spTgt spid="41"/>
                                         </p:tgtEl>
@@ -13264,14 +14027,14 @@
                                 </p:cTn>
                               </p:par>
                               <p:par>
-                                <p:cTn id="75" presetID="10" presetClass="entr" presetSubtype="0" fill="hold" grpId="0" nodeType="withEffect">
+                                <p:cTn id="71" presetID="10" presetClass="entr" presetSubtype="0" fill="hold" grpId="0" nodeType="withEffect">
                                   <p:stCondLst>
                                     <p:cond delay="0"/>
                                   </p:stCondLst>
                                   <p:childTnLst>
                                     <p:set>
                                       <p:cBhvr>
-                                        <p:cTn id="76" dur="1" fill="hold">
+                                        <p:cTn id="72" dur="1" fill="hold">
                                           <p:stCondLst>
                                             <p:cond delay="0"/>
                                           </p:stCondLst>
@@ -13289,7 +14052,7 @@
                                     </p:set>
                                     <p:animEffect transition="in" filter="fade">
                                       <p:cBhvr>
-                                        <p:cTn id="77" dur="500"/>
+                                        <p:cTn id="73" dur="500"/>
                                         <p:tgtEl>
                                           <p:spTgt spid="45"/>
                                         </p:tgtEl>
@@ -13298,33 +14061,15 @@
                                   </p:childTnLst>
                                 </p:cTn>
                               </p:par>
-                            </p:childTnLst>
-                          </p:cTn>
-                        </p:par>
-                      </p:childTnLst>
-                    </p:cTn>
-                  </p:par>
-                  <p:par>
-                    <p:cTn id="78" fill="hold">
-                      <p:stCondLst>
-                        <p:cond delay="indefinite"/>
-                      </p:stCondLst>
-                      <p:childTnLst>
-                        <p:par>
-                          <p:cTn id="79" fill="hold">
-                            <p:stCondLst>
-                              <p:cond delay="0"/>
-                            </p:stCondLst>
-                            <p:childTnLst>
                               <p:par>
-                                <p:cTn id="80" presetID="10" presetClass="entr" presetSubtype="0" fill="hold" nodeType="clickEffect">
+                                <p:cTn id="74" presetID="10" presetClass="entr" presetSubtype="0" fill="hold" nodeType="withEffect">
                                   <p:stCondLst>
                                     <p:cond delay="0"/>
                                   </p:stCondLst>
                                   <p:childTnLst>
                                     <p:set>
                                       <p:cBhvr>
-                                        <p:cTn id="81" dur="1" fill="hold">
+                                        <p:cTn id="75" dur="1" fill="hold">
                                           <p:stCondLst>
                                             <p:cond delay="0"/>
                                           </p:stCondLst>
@@ -13342,7 +14087,7 @@
                                     </p:set>
                                     <p:animEffect transition="in" filter="fade">
                                       <p:cBhvr>
-                                        <p:cTn id="82" dur="500"/>
+                                        <p:cTn id="76" dur="500"/>
                                         <p:tgtEl>
                                           <p:spTgt spid="43"/>
                                         </p:tgtEl>
@@ -13352,14 +14097,14 @@
                                 </p:cTn>
                               </p:par>
                               <p:par>
-                                <p:cTn id="83" presetID="10" presetClass="entr" presetSubtype="0" fill="hold" grpId="0" nodeType="withEffect">
+                                <p:cTn id="77" presetID="10" presetClass="entr" presetSubtype="0" fill="hold" grpId="0" nodeType="withEffect">
                                   <p:stCondLst>
                                     <p:cond delay="0"/>
                                   </p:stCondLst>
                                   <p:childTnLst>
                                     <p:set>
                                       <p:cBhvr>
-                                        <p:cTn id="84" dur="1" fill="hold">
+                                        <p:cTn id="78" dur="1" fill="hold">
                                           <p:stCondLst>
                                             <p:cond delay="0"/>
                                           </p:stCondLst>
@@ -13377,7 +14122,7 @@
                                     </p:set>
                                     <p:animEffect transition="in" filter="fade">
                                       <p:cBhvr>
-                                        <p:cTn id="85" dur="500"/>
+                                        <p:cTn id="79" dur="500"/>
                                         <p:tgtEl>
                                           <p:spTgt spid="44"/>
                                         </p:tgtEl>
@@ -13534,6 +14279,199 @@
           <a:chExt cx="0" cy="0"/>
         </a:xfrm>
       </p:grpSpPr>
+      <p:sp>
+        <p:nvSpPr>
+          <p:cNvPr id="2" name="Title 1">
+            <a:extLst>
+              <a:ext uri="{FF2B5EF4-FFF2-40B4-BE49-F238E27FC236}">
+                <a16:creationId xmlns:a16="http://schemas.microsoft.com/office/drawing/2014/main" id="{9263F3F5-2D2A-A94B-AB1E-CEDD006C4E30}"/>
+              </a:ext>
+            </a:extLst>
+          </p:cNvPr>
+          <p:cNvSpPr>
+            <a:spLocks noGrp="1"/>
+          </p:cNvSpPr>
+          <p:nvPr>
+            <p:ph type="title"/>
+          </p:nvPr>
+        </p:nvSpPr>
+        <p:spPr/>
+        <p:txBody>
+          <a:bodyPr/>
+          <a:lstStyle/>
+          <a:p>
+            <a:r>
+              <a:rPr lang="en-US" dirty="0"/>
+              <a:t>Demos Used in this Presentation</a:t>
+            </a:r>
+          </a:p>
+        </p:txBody>
+      </p:sp>
+      <p:sp>
+        <p:nvSpPr>
+          <p:cNvPr id="4" name="Subtitle 3">
+            <a:extLst>
+              <a:ext uri="{FF2B5EF4-FFF2-40B4-BE49-F238E27FC236}">
+                <a16:creationId xmlns:a16="http://schemas.microsoft.com/office/drawing/2014/main" id="{738C4B4E-1843-064F-910C-6CBB524EBFB9}"/>
+              </a:ext>
+            </a:extLst>
+          </p:cNvPr>
+          <p:cNvSpPr>
+            <a:spLocks noGrp="1"/>
+          </p:cNvSpPr>
+          <p:nvPr>
+            <p:ph type="subTitle" idx="12"/>
+          </p:nvPr>
+        </p:nvSpPr>
+        <p:spPr/>
+        <p:txBody>
+          <a:bodyPr/>
+          <a:lstStyle/>
+          <a:p>
+            <a:endParaRPr lang="en-US"/>
+          </a:p>
+        </p:txBody>
+      </p:sp>
+      <p:pic>
+        <p:nvPicPr>
+          <p:cNvPr id="9" name="Picture 8">
+            <a:extLst>
+              <a:ext uri="{FF2B5EF4-FFF2-40B4-BE49-F238E27FC236}">
+                <a16:creationId xmlns:a16="http://schemas.microsoft.com/office/drawing/2014/main" id="{11A9431F-74A5-D944-9A70-DFA4955750EA}"/>
+              </a:ext>
+            </a:extLst>
+          </p:cNvPr>
+          <p:cNvPicPr>
+            <a:picLocks noChangeAspect="1"/>
+          </p:cNvPicPr>
+          <p:nvPr/>
+        </p:nvPicPr>
+        <p:blipFill>
+          <a:blip r:embed="rId3"/>
+          <a:srcRect/>
+          <a:stretch/>
+        </p:blipFill>
+        <p:spPr>
+          <a:xfrm>
+            <a:off x="289400" y="1373585"/>
+            <a:ext cx="5359046" cy="5247167"/>
+          </a:xfrm>
+          <a:prstGeom prst="rect">
+            <a:avLst/>
+          </a:prstGeom>
+        </p:spPr>
+      </p:pic>
+      <p:sp>
+        <p:nvSpPr>
+          <p:cNvPr id="17" name="TextBox 16">
+            <a:extLst>
+              <a:ext uri="{FF2B5EF4-FFF2-40B4-BE49-F238E27FC236}">
+                <a16:creationId xmlns:a16="http://schemas.microsoft.com/office/drawing/2014/main" id="{BA70F57C-22D7-7B4C-A44F-B4EF9BFF7982}"/>
+              </a:ext>
+            </a:extLst>
+          </p:cNvPr>
+          <p:cNvSpPr txBox="1"/>
+          <p:nvPr/>
+        </p:nvSpPr>
+        <p:spPr>
+          <a:xfrm>
+            <a:off x="6400834" y="2077115"/>
+            <a:ext cx="5359046" cy="646331"/>
+          </a:xfrm>
+          <a:prstGeom prst="rect">
+            <a:avLst/>
+          </a:prstGeom>
+          <a:noFill/>
+        </p:spPr>
+        <p:txBody>
+          <a:bodyPr wrap="square" rtlCol="0">
+            <a:spAutoFit/>
+          </a:bodyPr>
+          <a:lstStyle/>
+          <a:p>
+            <a:r>
+              <a:rPr lang="en-US" dirty="0"/>
+              <a:t>Integrate VS Code and Docker to use the container as the execution environment. </a:t>
+            </a:r>
+          </a:p>
+        </p:txBody>
+      </p:sp>
+      <p:sp>
+        <p:nvSpPr>
+          <p:cNvPr id="11" name="Left Arrow 10">
+            <a:extLst>
+              <a:ext uri="{FF2B5EF4-FFF2-40B4-BE49-F238E27FC236}">
+                <a16:creationId xmlns:a16="http://schemas.microsoft.com/office/drawing/2014/main" id="{A049CACB-5C1F-5C47-AA26-38AEE776A2EF}"/>
+              </a:ext>
+            </a:extLst>
+          </p:cNvPr>
+          <p:cNvSpPr/>
+          <p:nvPr/>
+        </p:nvSpPr>
+        <p:spPr>
+          <a:xfrm>
+            <a:off x="5405377" y="2285573"/>
+            <a:ext cx="995457" cy="214560"/>
+          </a:xfrm>
+          <a:prstGeom prst="leftArrow">
+            <a:avLst/>
+          </a:prstGeom>
+        </p:spPr>
+        <p:style>
+          <a:lnRef idx="2">
+            <a:schemeClr val="accent1">
+              <a:shade val="50000"/>
+            </a:schemeClr>
+          </a:lnRef>
+          <a:fillRef idx="1">
+            <a:schemeClr val="accent1"/>
+          </a:fillRef>
+          <a:effectRef idx="0">
+            <a:schemeClr val="accent1"/>
+          </a:effectRef>
+          <a:fontRef idx="minor">
+            <a:schemeClr val="lt1"/>
+          </a:fontRef>
+        </p:style>
+        <p:txBody>
+          <a:bodyPr rtlCol="0" anchor="ctr"/>
+          <a:lstStyle/>
+          <a:p>
+            <a:pPr algn="ctr"/>
+            <a:endParaRPr lang="en-US"/>
+          </a:p>
+        </p:txBody>
+      </p:sp>
+    </p:spTree>
+    <p:extLst>
+      <p:ext uri="{BB962C8B-B14F-4D97-AF65-F5344CB8AC3E}">
+        <p14:creationId xmlns:p14="http://schemas.microsoft.com/office/powerpoint/2010/main" val="2093545082"/>
+      </p:ext>
+    </p:extLst>
+  </p:cSld>
+  <p:clrMapOvr>
+    <a:masterClrMapping/>
+  </p:clrMapOvr>
+</p:sld>
+</file>
+
+<file path=ppt/slides/slide15.xml><?xml version="1.0" encoding="utf-8"?>
+<p:sld xmlns:a="http://schemas.openxmlformats.org/drawingml/2006/main" xmlns:r="http://schemas.openxmlformats.org/officeDocument/2006/relationships" xmlns:p="http://schemas.openxmlformats.org/presentationml/2006/main">
+  <p:cSld>
+    <p:spTree>
+      <p:nvGrpSpPr>
+        <p:cNvPr id="1" name=""/>
+        <p:cNvGrpSpPr/>
+        <p:nvPr/>
+      </p:nvGrpSpPr>
+      <p:grpSpPr>
+        <a:xfrm>
+          <a:off x="0" y="0"/>
+          <a:ext cx="0" cy="0"/>
+          <a:chOff x="0" y="0"/>
+          <a:chExt cx="0" cy="0"/>
+        </a:xfrm>
+      </p:grpSpPr>
       <p:pic>
         <p:nvPicPr>
           <p:cNvPr id="24" name="Content Placeholder 16">
@@ -13551,7 +14489,7 @@
           </p:nvPr>
         </p:nvPicPr>
         <p:blipFill>
-          <a:blip r:embed="rId2"/>
+          <a:blip r:embed="rId3"/>
           <a:srcRect/>
           <a:stretch/>
         </p:blipFill>
@@ -13719,7 +14657,7 @@
           <p:nvPr/>
         </p:nvPicPr>
         <p:blipFill>
-          <a:blip r:embed="rId3">
+          <a:blip r:embed="rId4">
             <a:extLst>
               <a:ext uri="{28A0092B-C50C-407E-A947-70E740481C1C}">
                 <a14:useLocalDpi xmlns:a14="http://schemas.microsoft.com/office/drawing/2010/main" val="0"/>
@@ -13786,7 +14724,7 @@
             <p:nvPr/>
           </p:nvPicPr>
           <p:blipFill>
-            <a:blip r:embed="rId4">
+            <a:blip r:embed="rId5">
               <a:extLst>
                 <a:ext uri="{28A0092B-C50C-407E-A947-70E740481C1C}">
                   <a14:useLocalDpi xmlns:a14="http://schemas.microsoft.com/office/drawing/2010/main" val="0"/>
@@ -13833,7 +14771,7 @@
             <p:nvPr/>
           </p:nvPicPr>
           <p:blipFill>
-            <a:blip r:embed="rId5">
+            <a:blip r:embed="rId6">
               <a:extLst>
                 <a:ext uri="{28A0092B-C50C-407E-A947-70E740481C1C}">
                   <a14:useLocalDpi xmlns:a14="http://schemas.microsoft.com/office/drawing/2010/main" val="0"/>
@@ -13924,7 +14862,7 @@
 </p:sld>
 </file>
 
-<file path=ppt/slides/slide15.xml><?xml version="1.0" encoding="utf-8"?>
+<file path=ppt/slides/slide16.xml><?xml version="1.0" encoding="utf-8"?>
 <p:sld xmlns:a="http://schemas.openxmlformats.org/drawingml/2006/main" xmlns:r="http://schemas.openxmlformats.org/officeDocument/2006/relationships" xmlns:p="http://schemas.openxmlformats.org/presentationml/2006/main">
   <p:cSld>
     <p:spTree>
@@ -14052,7 +14990,7 @@
             <a:fld id="{ABCABC6B-F667-1540-8370-D056DC2C0FCE}" type="slidenum">
               <a:rPr lang="en-US" smtClean="0"/>
               <a:pPr algn="l"/>
-              <a:t>15</a:t>
+              <a:t>16</a:t>
             </a:fld>
             <a:endParaRPr lang="en-US"/>
           </a:p>
@@ -15046,7 +15984,7 @@
 </p:sld>
 </file>
 
-<file path=ppt/slides/slide16.xml><?xml version="1.0" encoding="utf-8"?>
+<file path=ppt/slides/slide17.xml><?xml version="1.0" encoding="utf-8"?>
 <p:sld xmlns:a="http://schemas.openxmlformats.org/drawingml/2006/main" xmlns:r="http://schemas.openxmlformats.org/officeDocument/2006/relationships" xmlns:p="http://schemas.openxmlformats.org/presentationml/2006/main">
   <p:cSld>
     <p:spTree>
@@ -15739,7 +16677,7 @@
 </p:sld>
 </file>
 
-<file path=ppt/slides/slide17.xml><?xml version="1.0" encoding="utf-8"?>
+<file path=ppt/slides/slide18.xml><?xml version="1.0" encoding="utf-8"?>
 <p:sld xmlns:a="http://schemas.openxmlformats.org/drawingml/2006/main" xmlns:r="http://schemas.openxmlformats.org/officeDocument/2006/relationships" xmlns:p="http://schemas.openxmlformats.org/presentationml/2006/main">
   <p:cSld>
     <p:spTree>
@@ -15867,7 +16805,7 @@
             <a:fld id="{ABCABC6B-F667-1540-8370-D056DC2C0FCE}" type="slidenum">
               <a:rPr lang="en-US" smtClean="0"/>
               <a:pPr algn="l"/>
-              <a:t>17</a:t>
+              <a:t>18</a:t>
             </a:fld>
             <a:endParaRPr lang="en-US"/>
           </a:p>
@@ -16861,7 +17799,7 @@
 </p:sld>
 </file>
 
-<file path=ppt/slides/slide18.xml><?xml version="1.0" encoding="utf-8"?>
+<file path=ppt/slides/slide19.xml><?xml version="1.0" encoding="utf-8"?>
 <p:sld xmlns:a="http://schemas.openxmlformats.org/drawingml/2006/main" xmlns:r="http://schemas.openxmlformats.org/officeDocument/2006/relationships" xmlns:p="http://schemas.openxmlformats.org/presentationml/2006/main">
   <p:cSld>
     <p:spTree>
@@ -16965,7 +17903,147 @@
 </p:sld>
 </file>
 
-<file path=ppt/slides/slide19.xml><?xml version="1.0" encoding="utf-8"?>
+<file path=ppt/slides/slide2.xml><?xml version="1.0" encoding="utf-8"?>
+<p:sld xmlns:a="http://schemas.openxmlformats.org/drawingml/2006/main" xmlns:r="http://schemas.openxmlformats.org/officeDocument/2006/relationships" xmlns:p="http://schemas.openxmlformats.org/presentationml/2006/main">
+  <p:cSld>
+    <p:spTree>
+      <p:nvGrpSpPr>
+        <p:cNvPr id="1" name=""/>
+        <p:cNvGrpSpPr/>
+        <p:nvPr/>
+      </p:nvGrpSpPr>
+      <p:grpSpPr>
+        <a:xfrm>
+          <a:off x="0" y="0"/>
+          <a:ext cx="0" cy="0"/>
+          <a:chOff x="0" y="0"/>
+          <a:chExt cx="0" cy="0"/>
+        </a:xfrm>
+      </p:grpSpPr>
+      <p:sp>
+        <p:nvSpPr>
+          <p:cNvPr id="2" name="Title 1">
+            <a:extLst>
+              <a:ext uri="{FF2B5EF4-FFF2-40B4-BE49-F238E27FC236}">
+                <a16:creationId xmlns:a16="http://schemas.microsoft.com/office/drawing/2014/main" id="{93A59FDF-9CD3-9644-96C8-5055294543F5}"/>
+              </a:ext>
+            </a:extLst>
+          </p:cNvPr>
+          <p:cNvSpPr>
+            <a:spLocks noGrp="1"/>
+          </p:cNvSpPr>
+          <p:nvPr>
+            <p:ph type="title"/>
+          </p:nvPr>
+        </p:nvSpPr>
+        <p:spPr/>
+        <p:txBody>
+          <a:bodyPr/>
+          <a:lstStyle/>
+          <a:p>
+            <a:endParaRPr lang="en-US" dirty="0"/>
+          </a:p>
+        </p:txBody>
+      </p:sp>
+      <p:sp>
+        <p:nvSpPr>
+          <p:cNvPr id="3" name="Content Placeholder 2">
+            <a:extLst>
+              <a:ext uri="{FF2B5EF4-FFF2-40B4-BE49-F238E27FC236}">
+                <a16:creationId xmlns:a16="http://schemas.microsoft.com/office/drawing/2014/main" id="{8DA05F91-50A5-584A-9F8B-300D47C42E98}"/>
+              </a:ext>
+            </a:extLst>
+          </p:cNvPr>
+          <p:cNvSpPr>
+            <a:spLocks noGrp="1"/>
+          </p:cNvSpPr>
+          <p:nvPr>
+            <p:ph idx="1"/>
+          </p:nvPr>
+        </p:nvSpPr>
+        <p:spPr>
+          <a:xfrm>
+            <a:off x="697832" y="2683042"/>
+            <a:ext cx="10912642" cy="3263889"/>
+          </a:xfrm>
+        </p:spPr>
+        <p:txBody>
+          <a:bodyPr>
+            <a:normAutofit/>
+          </a:bodyPr>
+          <a:lstStyle/>
+          <a:p>
+            <a:pPr marL="51435" indent="0" algn="ctr">
+              <a:buNone/>
+            </a:pPr>
+            <a:r>
+              <a:rPr lang="en-US" sz="2800" dirty="0"/>
+              <a:t>Which of you can describe the </a:t>
+            </a:r>
+            <a:r>
+              <a:rPr lang="en-US" sz="2800" b="1" dirty="0"/>
+              <a:t>quality</a:t>
+            </a:r>
+            <a:r>
+              <a:rPr lang="en-US" sz="2800" dirty="0"/>
+              <a:t> of your data pipelines using the results of an </a:t>
+            </a:r>
+            <a:r>
+              <a:rPr lang="en-US" sz="2800" b="1" dirty="0"/>
+              <a:t>automated testing</a:t>
+            </a:r>
+            <a:r>
+              <a:rPr lang="en-US" sz="2800" dirty="0"/>
+              <a:t> process?</a:t>
+            </a:r>
+          </a:p>
+          <a:p>
+            <a:pPr marL="51435" indent="0" algn="ctr">
+              <a:buNone/>
+            </a:pPr>
+            <a:endParaRPr lang="en-US" sz="2800" dirty="0"/>
+          </a:p>
+        </p:txBody>
+      </p:sp>
+      <p:sp>
+        <p:nvSpPr>
+          <p:cNvPr id="5" name="Subtitle 4">
+            <a:extLst>
+              <a:ext uri="{FF2B5EF4-FFF2-40B4-BE49-F238E27FC236}">
+                <a16:creationId xmlns:a16="http://schemas.microsoft.com/office/drawing/2014/main" id="{F5D8EFF5-6690-0744-9AD1-55F23872229A}"/>
+              </a:ext>
+            </a:extLst>
+          </p:cNvPr>
+          <p:cNvSpPr>
+            <a:spLocks noGrp="1"/>
+          </p:cNvSpPr>
+          <p:nvPr>
+            <p:ph type="subTitle" idx="12"/>
+          </p:nvPr>
+        </p:nvSpPr>
+        <p:spPr/>
+        <p:txBody>
+          <a:bodyPr/>
+          <a:lstStyle/>
+          <a:p>
+            <a:endParaRPr lang="en-US"/>
+          </a:p>
+        </p:txBody>
+      </p:sp>
+    </p:spTree>
+    <p:extLst>
+      <p:ext uri="{BB962C8B-B14F-4D97-AF65-F5344CB8AC3E}">
+        <p14:creationId xmlns:p14="http://schemas.microsoft.com/office/powerpoint/2010/main" val="96293985"/>
+      </p:ext>
+    </p:extLst>
+  </p:cSld>
+  <p:clrMapOvr>
+    <a:masterClrMapping/>
+  </p:clrMapOvr>
+</p:sld>
+</file>
+
+<file path=ppt/slides/slide20.xml><?xml version="1.0" encoding="utf-8"?>
 <p:sld xmlns:a="http://schemas.openxmlformats.org/drawingml/2006/main" xmlns:r="http://schemas.openxmlformats.org/officeDocument/2006/relationships" xmlns:p="http://schemas.openxmlformats.org/presentationml/2006/main">
   <p:cSld>
     <p:spTree>
@@ -16999,7 +18077,7 @@
           </p:nvPr>
         </p:nvPicPr>
         <p:blipFill>
-          <a:blip r:embed="rId2"/>
+          <a:blip r:embed="rId3"/>
           <a:srcRect/>
           <a:stretch/>
         </p:blipFill>
@@ -17173,7 +18251,7 @@
           <p:nvPr/>
         </p:nvPicPr>
         <p:blipFill>
-          <a:blip r:embed="rId3">
+          <a:blip r:embed="rId4">
             <a:extLst>
               <a:ext uri="{28A0092B-C50C-407E-A947-70E740481C1C}">
                 <a14:useLocalDpi xmlns:a14="http://schemas.microsoft.com/office/drawing/2010/main" val="0"/>
@@ -17240,7 +18318,7 @@
             <p:nvPr/>
           </p:nvPicPr>
           <p:blipFill>
-            <a:blip r:embed="rId4">
+            <a:blip r:embed="rId5">
               <a:extLst>
                 <a:ext uri="{28A0092B-C50C-407E-A947-70E740481C1C}">
                   <a14:useLocalDpi xmlns:a14="http://schemas.microsoft.com/office/drawing/2010/main" val="0"/>
@@ -17287,7 +18365,7 @@
             <p:nvPr/>
           </p:nvPicPr>
           <p:blipFill>
-            <a:blip r:embed="rId5">
+            <a:blip r:embed="rId6">
               <a:extLst>
                 <a:ext uri="{28A0092B-C50C-407E-A947-70E740481C1C}">
                   <a14:useLocalDpi xmlns:a14="http://schemas.microsoft.com/office/drawing/2010/main" val="0"/>
@@ -17556,155 +18634,7 @@
 </p:sld>
 </file>
 
-<file path=ppt/slides/slide2.xml><?xml version="1.0" encoding="utf-8"?>
-<p:sld xmlns:a="http://schemas.openxmlformats.org/drawingml/2006/main" xmlns:r="http://schemas.openxmlformats.org/officeDocument/2006/relationships" xmlns:p="http://schemas.openxmlformats.org/presentationml/2006/main">
-  <p:cSld>
-    <p:spTree>
-      <p:nvGrpSpPr>
-        <p:cNvPr id="1" name=""/>
-        <p:cNvGrpSpPr/>
-        <p:nvPr/>
-      </p:nvGrpSpPr>
-      <p:grpSpPr>
-        <a:xfrm>
-          <a:off x="0" y="0"/>
-          <a:ext cx="0" cy="0"/>
-          <a:chOff x="0" y="0"/>
-          <a:chExt cx="0" cy="0"/>
-        </a:xfrm>
-      </p:grpSpPr>
-      <p:sp>
-        <p:nvSpPr>
-          <p:cNvPr id="2" name="Title 1">
-            <a:extLst>
-              <a:ext uri="{FF2B5EF4-FFF2-40B4-BE49-F238E27FC236}">
-                <a16:creationId xmlns:a16="http://schemas.microsoft.com/office/drawing/2014/main" id="{93A59FDF-9CD3-9644-96C8-5055294543F5}"/>
-              </a:ext>
-            </a:extLst>
-          </p:cNvPr>
-          <p:cNvSpPr>
-            <a:spLocks noGrp="1"/>
-          </p:cNvSpPr>
-          <p:nvPr>
-            <p:ph type="title"/>
-          </p:nvPr>
-        </p:nvSpPr>
-        <p:spPr/>
-        <p:txBody>
-          <a:bodyPr/>
-          <a:lstStyle/>
-          <a:p>
-            <a:endParaRPr lang="en-US" dirty="0"/>
-          </a:p>
-        </p:txBody>
-      </p:sp>
-      <p:sp>
-        <p:nvSpPr>
-          <p:cNvPr id="3" name="Content Placeholder 2">
-            <a:extLst>
-              <a:ext uri="{FF2B5EF4-FFF2-40B4-BE49-F238E27FC236}">
-                <a16:creationId xmlns:a16="http://schemas.microsoft.com/office/drawing/2014/main" id="{8DA05F91-50A5-584A-9F8B-300D47C42E98}"/>
-              </a:ext>
-            </a:extLst>
-          </p:cNvPr>
-          <p:cNvSpPr>
-            <a:spLocks noGrp="1"/>
-          </p:cNvSpPr>
-          <p:nvPr>
-            <p:ph idx="1"/>
-          </p:nvPr>
-        </p:nvSpPr>
-        <p:spPr>
-          <a:xfrm>
-            <a:off x="697832" y="2683042"/>
-            <a:ext cx="10912642" cy="3263889"/>
-          </a:xfrm>
-        </p:spPr>
-        <p:txBody>
-          <a:bodyPr>
-            <a:normAutofit/>
-          </a:bodyPr>
-          <a:lstStyle/>
-          <a:p>
-            <a:pPr marL="51435" indent="0" algn="ctr">
-              <a:buNone/>
-            </a:pPr>
-            <a:r>
-              <a:rPr lang="en-US" sz="2800" dirty="0"/>
-              <a:t>Do </a:t>
-            </a:r>
-            <a:r>
-              <a:rPr lang="en-US" sz="2800"/>
-              <a:t>you qualify </a:t>
-            </a:r>
-            <a:r>
-              <a:rPr lang="en-US" sz="2800" dirty="0"/>
-              <a:t>the </a:t>
-            </a:r>
-            <a:r>
-              <a:rPr lang="en-US" sz="2800" b="1" dirty="0"/>
-              <a:t>quality</a:t>
-            </a:r>
-            <a:r>
-              <a:rPr lang="en-US" sz="2800" dirty="0"/>
-              <a:t> of your data pipelines through the results of an </a:t>
-            </a:r>
-            <a:r>
-              <a:rPr lang="en-US" sz="2800" b="1" dirty="0"/>
-              <a:t>automated testing</a:t>
-            </a:r>
-            <a:r>
-              <a:rPr lang="en-US" sz="2800" dirty="0"/>
-              <a:t> process?</a:t>
-            </a:r>
-          </a:p>
-          <a:p>
-            <a:pPr marL="51435" indent="0" algn="ctr">
-              <a:buNone/>
-            </a:pPr>
-            <a:endParaRPr lang="en-US" sz="2800" dirty="0"/>
-          </a:p>
-        </p:txBody>
-      </p:sp>
-      <p:sp>
-        <p:nvSpPr>
-          <p:cNvPr id="5" name="Subtitle 4">
-            <a:extLst>
-              <a:ext uri="{FF2B5EF4-FFF2-40B4-BE49-F238E27FC236}">
-                <a16:creationId xmlns:a16="http://schemas.microsoft.com/office/drawing/2014/main" id="{F5D8EFF5-6690-0744-9AD1-55F23872229A}"/>
-              </a:ext>
-            </a:extLst>
-          </p:cNvPr>
-          <p:cNvSpPr>
-            <a:spLocks noGrp="1"/>
-          </p:cNvSpPr>
-          <p:nvPr>
-            <p:ph type="subTitle" idx="12"/>
-          </p:nvPr>
-        </p:nvSpPr>
-        <p:spPr/>
-        <p:txBody>
-          <a:bodyPr/>
-          <a:lstStyle/>
-          <a:p>
-            <a:endParaRPr lang="en-US"/>
-          </a:p>
-        </p:txBody>
-      </p:sp>
-    </p:spTree>
-    <p:extLst>
-      <p:ext uri="{BB962C8B-B14F-4D97-AF65-F5344CB8AC3E}">
-        <p14:creationId xmlns:p14="http://schemas.microsoft.com/office/powerpoint/2010/main" val="96293985"/>
-      </p:ext>
-    </p:extLst>
-  </p:cSld>
-  <p:clrMapOvr>
-    <a:masterClrMapping/>
-  </p:clrMapOvr>
-</p:sld>
-</file>
-
-<file path=ppt/slides/slide20.xml><?xml version="1.0" encoding="utf-8"?>
+<file path=ppt/slides/slide21.xml><?xml version="1.0" encoding="utf-8"?>
 <p:sld xmlns:a="http://schemas.openxmlformats.org/drawingml/2006/main" xmlns:r="http://schemas.openxmlformats.org/officeDocument/2006/relationships" xmlns:p="http://schemas.openxmlformats.org/presentationml/2006/main">
   <p:cSld>
     <p:spTree>
@@ -18806,6 +19736,46 @@
           </a:p>
         </p:txBody>
       </p:sp>
+      <p:sp>
+        <p:nvSpPr>
+          <p:cNvPr id="5" name="TextBox 4">
+            <a:extLst>
+              <a:ext uri="{FF2B5EF4-FFF2-40B4-BE49-F238E27FC236}">
+                <a16:creationId xmlns:a16="http://schemas.microsoft.com/office/drawing/2014/main" id="{915EB6A9-1849-AB24-3283-89ECD58A7BED}"/>
+              </a:ext>
+            </a:extLst>
+          </p:cNvPr>
+          <p:cNvSpPr txBox="1"/>
+          <p:nvPr/>
+        </p:nvSpPr>
+        <p:spPr>
+          <a:xfrm>
+            <a:off x="5173098" y="4158734"/>
+            <a:ext cx="990600" cy="369332"/>
+          </a:xfrm>
+          <a:prstGeom prst="rect">
+            <a:avLst/>
+          </a:prstGeom>
+          <a:noFill/>
+        </p:spPr>
+        <p:txBody>
+          <a:bodyPr wrap="square" rtlCol="0">
+            <a:spAutoFit/>
+          </a:bodyPr>
+          <a:lstStyle/>
+          <a:p>
+            <a:pPr algn="ctr"/>
+            <a:r>
+              <a:rPr lang="en-US" b="1" dirty="0">
+                <a:solidFill>
+                  <a:srgbClr val="FF0000"/>
+                </a:solidFill>
+              </a:rPr>
+              <a:t>UDF</a:t>
+            </a:r>
+          </a:p>
+        </p:txBody>
+      </p:sp>
     </p:spTree>
     <p:extLst>
       <p:ext uri="{BB962C8B-B14F-4D97-AF65-F5344CB8AC3E}">
@@ -19012,6 +19982,41 @@
                                   </p:childTnLst>
                                 </p:cTn>
                               </p:par>
+                              <p:par>
+                                <p:cTn id="21" presetID="10" presetClass="entr" presetSubtype="0" fill="hold" grpId="0" nodeType="withEffect">
+                                  <p:stCondLst>
+                                    <p:cond delay="0"/>
+                                  </p:stCondLst>
+                                  <p:childTnLst>
+                                    <p:set>
+                                      <p:cBhvr>
+                                        <p:cTn id="22" dur="1" fill="hold">
+                                          <p:stCondLst>
+                                            <p:cond delay="0"/>
+                                          </p:stCondLst>
+                                        </p:cTn>
+                                        <p:tgtEl>
+                                          <p:spTgt spid="5"/>
+                                        </p:tgtEl>
+                                        <p:attrNameLst>
+                                          <p:attrName>style.visibility</p:attrName>
+                                        </p:attrNameLst>
+                                      </p:cBhvr>
+                                      <p:to>
+                                        <p:strVal val="visible"/>
+                                      </p:to>
+                                    </p:set>
+                                    <p:animEffect transition="in" filter="fade">
+                                      <p:cBhvr>
+                                        <p:cTn id="23" dur="500"/>
+                                        <p:tgtEl>
+                                          <p:spTgt spid="5"/>
+                                        </p:tgtEl>
+                                      </p:cBhvr>
+                                    </p:animEffect>
+                                  </p:childTnLst>
+                                </p:cTn>
+                              </p:par>
                             </p:childTnLst>
                           </p:cTn>
                         </p:par>
@@ -19019,26 +20024,26 @@
                     </p:cTn>
                   </p:par>
                   <p:par>
-                    <p:cTn id="21" fill="hold">
+                    <p:cTn id="24" fill="hold">
                       <p:stCondLst>
                         <p:cond delay="indefinite"/>
                       </p:stCondLst>
                       <p:childTnLst>
                         <p:par>
-                          <p:cTn id="22" fill="hold">
+                          <p:cTn id="25" fill="hold">
                             <p:stCondLst>
                               <p:cond delay="0"/>
                             </p:stCondLst>
                             <p:childTnLst>
                               <p:par>
-                                <p:cTn id="23" presetID="10" presetClass="entr" presetSubtype="0" fill="hold" grpId="0" nodeType="clickEffect">
+                                <p:cTn id="26" presetID="10" presetClass="entr" presetSubtype="0" fill="hold" grpId="0" nodeType="clickEffect">
                                   <p:stCondLst>
                                     <p:cond delay="0"/>
                                   </p:stCondLst>
                                   <p:childTnLst>
                                     <p:set>
                                       <p:cBhvr>
-                                        <p:cTn id="24" dur="1" fill="hold">
+                                        <p:cTn id="27" dur="1" fill="hold">
                                           <p:stCondLst>
                                             <p:cond delay="0"/>
                                           </p:stCondLst>
@@ -19056,7 +20061,7 @@
                                     </p:set>
                                     <p:animEffect transition="in" filter="fade">
                                       <p:cBhvr>
-                                        <p:cTn id="25" dur="500"/>
+                                        <p:cTn id="28" dur="500"/>
                                         <p:tgtEl>
                                           <p:spTgt spid="11"/>
                                         </p:tgtEl>
@@ -19066,14 +20071,14 @@
                                 </p:cTn>
                               </p:par>
                               <p:par>
-                                <p:cTn id="26" presetID="10" presetClass="entr" presetSubtype="0" fill="hold" nodeType="withEffect">
+                                <p:cTn id="29" presetID="10" presetClass="entr" presetSubtype="0" fill="hold" nodeType="withEffect">
                                   <p:stCondLst>
                                     <p:cond delay="0"/>
                                   </p:stCondLst>
                                   <p:childTnLst>
                                     <p:set>
                                       <p:cBhvr>
-                                        <p:cTn id="27" dur="1" fill="hold">
+                                        <p:cTn id="30" dur="1" fill="hold">
                                           <p:stCondLst>
                                             <p:cond delay="0"/>
                                           </p:stCondLst>
@@ -19091,7 +20096,7 @@
                                     </p:set>
                                     <p:animEffect transition="in" filter="fade">
                                       <p:cBhvr>
-                                        <p:cTn id="28" dur="500"/>
+                                        <p:cTn id="31" dur="500"/>
                                         <p:tgtEl>
                                           <p:spTgt spid="8"/>
                                         </p:tgtEl>
@@ -19132,12 +20137,13 @@
       <p:bldP spid="9" grpId="0" animBg="1"/>
       <p:bldP spid="10" grpId="0"/>
       <p:bldP spid="11" grpId="0"/>
+      <p:bldP spid="5" grpId="0"/>
     </p:bldLst>
   </p:timing>
 </p:sld>
 </file>
 
-<file path=ppt/slides/slide21.xml><?xml version="1.0" encoding="utf-8"?>
+<file path=ppt/slides/slide22.xml><?xml version="1.0" encoding="utf-8"?>
 <p:sld xmlns:a="http://schemas.openxmlformats.org/drawingml/2006/main" xmlns:r="http://schemas.openxmlformats.org/officeDocument/2006/relationships" xmlns:p="http://schemas.openxmlformats.org/presentationml/2006/main">
   <p:cSld>
     <p:spTree>
@@ -20561,6 +21567,46 @@
           </a:p>
         </p:txBody>
       </p:sp>
+      <p:sp>
+        <p:nvSpPr>
+          <p:cNvPr id="13" name="TextBox 12">
+            <a:extLst>
+              <a:ext uri="{FF2B5EF4-FFF2-40B4-BE49-F238E27FC236}">
+                <a16:creationId xmlns:a16="http://schemas.microsoft.com/office/drawing/2014/main" id="{1E114E2D-6B10-78B9-9847-E0ABEF7FCC12}"/>
+              </a:ext>
+            </a:extLst>
+          </p:cNvPr>
+          <p:cNvSpPr txBox="1"/>
+          <p:nvPr/>
+        </p:nvSpPr>
+        <p:spPr>
+          <a:xfrm>
+            <a:off x="5024032" y="3318808"/>
+            <a:ext cx="990600" cy="369332"/>
+          </a:xfrm>
+          <a:prstGeom prst="rect">
+            <a:avLst/>
+          </a:prstGeom>
+          <a:noFill/>
+        </p:spPr>
+        <p:txBody>
+          <a:bodyPr wrap="square" rtlCol="0">
+            <a:spAutoFit/>
+          </a:bodyPr>
+          <a:lstStyle/>
+          <a:p>
+            <a:pPr algn="ctr"/>
+            <a:r>
+              <a:rPr lang="en-US" b="1" dirty="0">
+                <a:solidFill>
+                  <a:srgbClr val="FF0000"/>
+                </a:solidFill>
+              </a:rPr>
+              <a:t>UDF</a:t>
+            </a:r>
+          </a:p>
+        </p:txBody>
+      </p:sp>
     </p:spTree>
     <p:extLst>
       <p:ext uri="{BB962C8B-B14F-4D97-AF65-F5344CB8AC3E}">
@@ -20574,7 +21620,7 @@
 </p:sld>
 </file>
 
-<file path=ppt/slides/slide22.xml><?xml version="1.0" encoding="utf-8"?>
+<file path=ppt/slides/slide23.xml><?xml version="1.0" encoding="utf-8"?>
 <p:sld xmlns:a="http://schemas.openxmlformats.org/drawingml/2006/main" xmlns:r="http://schemas.openxmlformats.org/officeDocument/2006/relationships" xmlns:p="http://schemas.openxmlformats.org/presentationml/2006/main">
   <p:cSld>
     <p:spTree>
@@ -22901,7 +23947,7 @@
           <a:p>
             <a:r>
               <a:rPr lang="en-US" dirty="0"/>
-              <a:t>Two More Test Methods</a:t>
+              <a:t>Two Sample Test Methods</a:t>
             </a:r>
           </a:p>
         </p:txBody>
@@ -22944,7 +23990,7 @@
 </p:sld>
 </file>
 
-<file path=ppt/slides/slide23.xml><?xml version="1.0" encoding="utf-8"?>
+<file path=ppt/slides/slide24.xml><?xml version="1.0" encoding="utf-8"?>
 <p:sld xmlns:a="http://schemas.openxmlformats.org/drawingml/2006/main" xmlns:r="http://schemas.openxmlformats.org/officeDocument/2006/relationships" xmlns:p="http://schemas.openxmlformats.org/presentationml/2006/main">
   <p:cSld>
     <p:spTree>
@@ -22978,7 +24024,7 @@
           </p:nvPr>
         </p:nvPicPr>
         <p:blipFill>
-          <a:blip r:embed="rId2"/>
+          <a:blip r:embed="rId3"/>
           <a:srcRect/>
           <a:stretch/>
         </p:blipFill>
@@ -23152,7 +24198,7 @@
           <p:nvPr/>
         </p:nvPicPr>
         <p:blipFill>
-          <a:blip r:embed="rId3">
+          <a:blip r:embed="rId4">
             <a:extLst>
               <a:ext uri="{28A0092B-C50C-407E-A947-70E740481C1C}">
                 <a14:useLocalDpi xmlns:a14="http://schemas.microsoft.com/office/drawing/2010/main" val="0"/>
@@ -23219,7 +24265,7 @@
             <p:nvPr/>
           </p:nvPicPr>
           <p:blipFill>
-            <a:blip r:embed="rId4">
+            <a:blip r:embed="rId5">
               <a:extLst>
                 <a:ext uri="{28A0092B-C50C-407E-A947-70E740481C1C}">
                   <a14:useLocalDpi xmlns:a14="http://schemas.microsoft.com/office/drawing/2010/main" val="0"/>
@@ -23266,7 +24312,7 @@
             <p:nvPr/>
           </p:nvPicPr>
           <p:blipFill>
-            <a:blip r:embed="rId5">
+            <a:blip r:embed="rId6">
               <a:extLst>
                 <a:ext uri="{28A0092B-C50C-407E-A947-70E740481C1C}">
                   <a14:useLocalDpi xmlns:a14="http://schemas.microsoft.com/office/drawing/2010/main" val="0"/>
@@ -23413,7 +24459,7 @@
 </p:sld>
 </file>
 
-<file path=ppt/slides/slide24.xml><?xml version="1.0" encoding="utf-8"?>
+<file path=ppt/slides/slide25.xml><?xml version="1.0" encoding="utf-8"?>
 <p:sld xmlns:a="http://schemas.openxmlformats.org/drawingml/2006/main" xmlns:r="http://schemas.openxmlformats.org/officeDocument/2006/relationships" xmlns:p="http://schemas.openxmlformats.org/presentationml/2006/main">
   <p:cSld>
     <p:spTree>
@@ -25292,7 +26338,7 @@
 </p:sld>
 </file>
 
-<file path=ppt/slides/slide25.xml><?xml version="1.0" encoding="utf-8"?>
+<file path=ppt/slides/slide26.xml><?xml version="1.0" encoding="utf-8"?>
 <p:sld xmlns:a="http://schemas.openxmlformats.org/drawingml/2006/main" xmlns:r="http://schemas.openxmlformats.org/officeDocument/2006/relationships" xmlns:p="http://schemas.openxmlformats.org/presentationml/2006/main">
   <p:cSld>
     <p:spTree>
@@ -27135,7 +28181,7 @@
 </p:sld>
 </file>
 
-<file path=ppt/slides/slide26.xml><?xml version="1.0" encoding="utf-8"?>
+<file path=ppt/slides/slide27.xml><?xml version="1.0" encoding="utf-8"?>
 <p:sld xmlns:a="http://schemas.openxmlformats.org/drawingml/2006/main" xmlns:r="http://schemas.openxmlformats.org/officeDocument/2006/relationships" xmlns:p="http://schemas.openxmlformats.org/presentationml/2006/main">
   <p:cSld>
     <p:spTree>
@@ -27229,7 +28275,7 @@
 </p:sld>
 </file>
 
-<file path=ppt/slides/slide27.xml><?xml version="1.0" encoding="utf-8"?>
+<file path=ppt/slides/slide28.xml><?xml version="1.0" encoding="utf-8"?>
 <p:sld xmlns:a="http://schemas.openxmlformats.org/drawingml/2006/main" xmlns:r="http://schemas.openxmlformats.org/officeDocument/2006/relationships" xmlns:p="http://schemas.openxmlformats.org/presentationml/2006/main">
   <p:cSld>
     <p:spTree>
@@ -27698,7 +28744,7 @@
 </p:sld>
 </file>
 
-<file path=ppt/slides/slide28.xml><?xml version="1.0" encoding="utf-8"?>
+<file path=ppt/slides/slide29.xml><?xml version="1.0" encoding="utf-8"?>
 <p:sld xmlns:a="http://schemas.openxmlformats.org/drawingml/2006/main" xmlns:r="http://schemas.openxmlformats.org/officeDocument/2006/relationships" xmlns:p="http://schemas.openxmlformats.org/presentationml/2006/main">
   <p:cSld>
     <p:spTree>
@@ -28791,1276 +29837,6 @@
 </p:sld>
 </file>
 
-<file path=ppt/slides/slide29.xml><?xml version="1.0" encoding="utf-8"?>
-<p:sld xmlns:a="http://schemas.openxmlformats.org/drawingml/2006/main" xmlns:r="http://schemas.openxmlformats.org/officeDocument/2006/relationships" xmlns:p="http://schemas.openxmlformats.org/presentationml/2006/main">
-  <p:cSld>
-    <p:spTree>
-      <p:nvGrpSpPr>
-        <p:cNvPr id="1" name=""/>
-        <p:cNvGrpSpPr/>
-        <p:nvPr/>
-      </p:nvGrpSpPr>
-      <p:grpSpPr>
-        <a:xfrm>
-          <a:off x="0" y="0"/>
-          <a:ext cx="0" cy="0"/>
-          <a:chOff x="0" y="0"/>
-          <a:chExt cx="0" cy="0"/>
-        </a:xfrm>
-      </p:grpSpPr>
-      <p:sp>
-        <p:nvSpPr>
-          <p:cNvPr id="6" name="Text Placeholder 5">
-            <a:extLst>
-              <a:ext uri="{FF2B5EF4-FFF2-40B4-BE49-F238E27FC236}">
-                <a16:creationId xmlns:a16="http://schemas.microsoft.com/office/drawing/2014/main" id="{D596BC44-B590-1A4C-8CE8-9712079929D5}"/>
-              </a:ext>
-            </a:extLst>
-          </p:cNvPr>
-          <p:cNvSpPr>
-            <a:spLocks noGrp="1"/>
-          </p:cNvSpPr>
-          <p:nvPr>
-            <p:ph type="body" idx="1"/>
-          </p:nvPr>
-        </p:nvSpPr>
-        <p:spPr/>
-        <p:txBody>
-          <a:bodyPr/>
-          <a:lstStyle/>
-          <a:p>
-            <a:r>
-              <a:rPr lang="en-US" dirty="0"/>
-              <a:t>Sample Test (using </a:t>
-            </a:r>
-            <a:r>
-              <a:rPr lang="en-US" dirty="0" err="1"/>
-              <a:t>DataFrame</a:t>
-            </a:r>
-            <a:r>
-              <a:rPr lang="en-US" dirty="0"/>
-              <a:t> &amp; Glue)</a:t>
-            </a:r>
-          </a:p>
-        </p:txBody>
-      </p:sp>
-      <p:sp>
-        <p:nvSpPr>
-          <p:cNvPr id="7" name="Content Placeholder 6">
-            <a:extLst>
-              <a:ext uri="{FF2B5EF4-FFF2-40B4-BE49-F238E27FC236}">
-                <a16:creationId xmlns:a16="http://schemas.microsoft.com/office/drawing/2014/main" id="{3C05A6EB-3615-D549-B835-54ACE124683E}"/>
-              </a:ext>
-            </a:extLst>
-          </p:cNvPr>
-          <p:cNvSpPr>
-            <a:spLocks noGrp="1"/>
-          </p:cNvSpPr>
-          <p:nvPr>
-            <p:ph sz="half" idx="2"/>
-          </p:nvPr>
-        </p:nvSpPr>
-        <p:spPr/>
-        <p:txBody>
-          <a:bodyPr>
-            <a:normAutofit lnSpcReduction="10000"/>
-          </a:bodyPr>
-          <a:lstStyle/>
-          <a:p>
-            <a:pPr marL="51435" indent="0">
-              <a:buNone/>
-            </a:pPr>
-            <a:r>
-              <a:rPr lang="en-US" sz="1050" dirty="0">
-                <a:solidFill>
-                  <a:srgbClr val="0000FF"/>
-                </a:solidFill>
-                <a:latin typeface="Menlo" panose="020B0609030804020204" pitchFamily="49" charset="0"/>
-              </a:rPr>
-              <a:t>def</a:t>
-            </a:r>
-            <a:r>
-              <a:rPr lang="en-US" sz="1050" dirty="0">
-                <a:solidFill>
-                  <a:srgbClr val="000000"/>
-                </a:solidFill>
-                <a:latin typeface="Menlo" panose="020B0609030804020204" pitchFamily="49" charset="0"/>
-              </a:rPr>
-              <a:t> </a:t>
-            </a:r>
-            <a:r>
-              <a:rPr lang="en-US" sz="1050" dirty="0" err="1">
-                <a:solidFill>
-                  <a:srgbClr val="795E26"/>
-                </a:solidFill>
-                <a:latin typeface="Menlo" panose="020B0609030804020204" pitchFamily="49" charset="0"/>
-              </a:rPr>
-              <a:t>test_processYearRange_valid_twoYears</a:t>
-            </a:r>
-            <a:r>
-              <a:rPr lang="en-US" sz="1050" dirty="0">
-                <a:solidFill>
-                  <a:srgbClr val="000000"/>
-                </a:solidFill>
-                <a:latin typeface="Menlo" panose="020B0609030804020204" pitchFamily="49" charset="0"/>
-              </a:rPr>
-              <a:t>(</a:t>
-            </a:r>
-          </a:p>
-          <a:p>
-            <a:pPr marL="51435" indent="0">
-              <a:buNone/>
-            </a:pPr>
-            <a:r>
-              <a:rPr lang="en-US" sz="1050" dirty="0">
-                <a:solidFill>
-                  <a:srgbClr val="000000"/>
-                </a:solidFill>
-                <a:latin typeface="Menlo" panose="020B0609030804020204" pitchFamily="49" charset="0"/>
-              </a:rPr>
-              <a:t>  </a:t>
-            </a:r>
-            <a:r>
-              <a:rPr lang="en-US" sz="1050" dirty="0" err="1">
-                <a:solidFill>
-                  <a:srgbClr val="001080"/>
-                </a:solidFill>
-                <a:latin typeface="Menlo" panose="020B0609030804020204" pitchFamily="49" charset="0"/>
-              </a:rPr>
-              <a:t>spark_session</a:t>
-            </a:r>
-            <a:r>
-              <a:rPr lang="en-US" sz="1050" dirty="0">
-                <a:solidFill>
-                  <a:srgbClr val="000000"/>
-                </a:solidFill>
-                <a:latin typeface="Menlo" panose="020B0609030804020204" pitchFamily="49" charset="0"/>
-              </a:rPr>
-              <a:t>, </a:t>
-            </a:r>
-            <a:r>
-              <a:rPr lang="en-US" sz="1050" dirty="0" err="1">
-                <a:solidFill>
-                  <a:srgbClr val="001080"/>
-                </a:solidFill>
-                <a:latin typeface="Menlo" panose="020B0609030804020204" pitchFamily="49" charset="0"/>
-              </a:rPr>
-              <a:t>glue_context</a:t>
-            </a:r>
-            <a:r>
-              <a:rPr lang="en-US" sz="1050" dirty="0">
-                <a:solidFill>
-                  <a:srgbClr val="000000"/>
-                </a:solidFill>
-                <a:latin typeface="Menlo" panose="020B0609030804020204" pitchFamily="49" charset="0"/>
-              </a:rPr>
-              <a:t>, </a:t>
-            </a:r>
-            <a:r>
-              <a:rPr lang="en-US" sz="1050" dirty="0" err="1">
-                <a:solidFill>
-                  <a:srgbClr val="001080"/>
-                </a:solidFill>
-                <a:latin typeface="Menlo" panose="020B0609030804020204" pitchFamily="49" charset="0"/>
-              </a:rPr>
-              <a:t>carrier_input_schema</a:t>
-            </a:r>
-            <a:r>
-              <a:rPr lang="en-US" sz="1050" dirty="0">
-                <a:solidFill>
-                  <a:srgbClr val="000000"/>
-                </a:solidFill>
-                <a:latin typeface="Menlo" panose="020B0609030804020204" pitchFamily="49" charset="0"/>
-              </a:rPr>
-              <a:t>, </a:t>
-            </a:r>
-          </a:p>
-          <a:p>
-            <a:pPr marL="51435" indent="0">
-              <a:buNone/>
-            </a:pPr>
-            <a:r>
-              <a:rPr lang="en-US" sz="1050" dirty="0">
-                <a:solidFill>
-                  <a:srgbClr val="000000"/>
-                </a:solidFill>
-                <a:latin typeface="Menlo" panose="020B0609030804020204" pitchFamily="49" charset="0"/>
-              </a:rPr>
-              <a:t>  </a:t>
-            </a:r>
-            <a:r>
-              <a:rPr lang="en-US" sz="1050" dirty="0" err="1">
-                <a:solidFill>
-                  <a:srgbClr val="001080"/>
-                </a:solidFill>
-                <a:latin typeface="Menlo" panose="020B0609030804020204" pitchFamily="49" charset="0"/>
-              </a:rPr>
-              <a:t>carrier_output_schema</a:t>
-            </a:r>
-            <a:r>
-              <a:rPr lang="en-US" sz="1050" dirty="0">
-                <a:solidFill>
-                  <a:srgbClr val="000000"/>
-                </a:solidFill>
-                <a:latin typeface="Menlo" panose="020B0609030804020204" pitchFamily="49" charset="0"/>
-              </a:rPr>
-              <a:t>):</a:t>
-            </a:r>
-          </a:p>
-          <a:p>
-            <a:pPr marL="51435" indent="0">
-              <a:buNone/>
-            </a:pPr>
-            <a:endParaRPr lang="en-US" sz="1050" dirty="0">
-              <a:solidFill>
-                <a:srgbClr val="008000"/>
-              </a:solidFill>
-              <a:latin typeface="Menlo" panose="020B0609030804020204" pitchFamily="49" charset="0"/>
-            </a:endParaRPr>
-          </a:p>
-          <a:p>
-            <a:pPr marL="51435" indent="0">
-              <a:buNone/>
-            </a:pPr>
-            <a:r>
-              <a:rPr lang="en-US" sz="1050" dirty="0">
-                <a:solidFill>
-                  <a:srgbClr val="008000"/>
-                </a:solidFill>
-                <a:latin typeface="Menlo" panose="020B0609030804020204" pitchFamily="49" charset="0"/>
-              </a:rPr>
-              <a:t>  # given</a:t>
-            </a:r>
-            <a:endParaRPr lang="en-US" sz="1050" dirty="0">
-              <a:solidFill>
-                <a:srgbClr val="000000"/>
-              </a:solidFill>
-              <a:latin typeface="Menlo" panose="020B0609030804020204" pitchFamily="49" charset="0"/>
-            </a:endParaRPr>
-          </a:p>
-          <a:p>
-            <a:pPr marL="51435" indent="0">
-              <a:buNone/>
-            </a:pPr>
-            <a:r>
-              <a:rPr lang="en-US" sz="1050" dirty="0">
-                <a:solidFill>
-                  <a:srgbClr val="001080"/>
-                </a:solidFill>
-                <a:latin typeface="Menlo" panose="020B0609030804020204" pitchFamily="49" charset="0"/>
-              </a:rPr>
-              <a:t>  </a:t>
-            </a:r>
-            <a:r>
-              <a:rPr lang="en-US" sz="1050" dirty="0" err="1">
-                <a:solidFill>
-                  <a:srgbClr val="001080"/>
-                </a:solidFill>
-                <a:latin typeface="Menlo" panose="020B0609030804020204" pitchFamily="49" charset="0"/>
-              </a:rPr>
-              <a:t>input_data</a:t>
-            </a:r>
-            <a:r>
-              <a:rPr lang="en-US" sz="1050" dirty="0">
-                <a:solidFill>
-                  <a:srgbClr val="000000"/>
-                </a:solidFill>
-                <a:latin typeface="Menlo" panose="020B0609030804020204" pitchFamily="49" charset="0"/>
-              </a:rPr>
-              <a:t> = [</a:t>
-            </a:r>
-          </a:p>
-          <a:p>
-            <a:pPr marL="51435" indent="0">
-              <a:buNone/>
-            </a:pPr>
-            <a:r>
-              <a:rPr lang="en-US" sz="1050" dirty="0">
-                <a:solidFill>
-                  <a:srgbClr val="000000"/>
-                </a:solidFill>
-                <a:latin typeface="Menlo" panose="020B0609030804020204" pitchFamily="49" charset="0"/>
-              </a:rPr>
-              <a:t>    (</a:t>
-            </a:r>
-            <a:r>
-              <a:rPr lang="en-US" sz="1050" dirty="0">
-                <a:solidFill>
-                  <a:srgbClr val="A31515"/>
-                </a:solidFill>
-                <a:latin typeface="Menlo" panose="020B0609030804020204" pitchFamily="49" charset="0"/>
-              </a:rPr>
-              <a:t>'C01'</a:t>
-            </a:r>
-            <a:r>
-              <a:rPr lang="en-US" sz="1050" dirty="0">
-                <a:solidFill>
-                  <a:srgbClr val="000000"/>
-                </a:solidFill>
-                <a:latin typeface="Menlo" panose="020B0609030804020204" pitchFamily="49" charset="0"/>
-              </a:rPr>
-              <a:t>, </a:t>
-            </a:r>
-            <a:r>
-              <a:rPr lang="en-US" sz="1050" dirty="0">
-                <a:solidFill>
-                  <a:srgbClr val="A31515"/>
-                </a:solidFill>
-                <a:latin typeface="Menlo" panose="020B0609030804020204" pitchFamily="49" charset="0"/>
-              </a:rPr>
-              <a:t>'Carrier (2016 - 2020)’</a:t>
-            </a:r>
-            <a:r>
-              <a:rPr lang="en-US" sz="1050" dirty="0">
-                <a:solidFill>
-                  <a:srgbClr val="000000"/>
-                </a:solidFill>
-                <a:latin typeface="Menlo" panose="020B0609030804020204" pitchFamily="49" charset="0"/>
-              </a:rPr>
-              <a:t>),</a:t>
-            </a:r>
-          </a:p>
-          <a:p>
-            <a:pPr marL="51435" indent="0">
-              <a:buNone/>
-            </a:pPr>
-            <a:r>
-              <a:rPr lang="en-US" sz="1050" dirty="0">
-                <a:solidFill>
-                  <a:srgbClr val="000000"/>
-                </a:solidFill>
-                <a:latin typeface="Menlo" panose="020B0609030804020204" pitchFamily="49" charset="0"/>
-              </a:rPr>
-              <a:t>    (</a:t>
-            </a:r>
-            <a:r>
-              <a:rPr lang="en-US" sz="1050" dirty="0">
-                <a:solidFill>
-                  <a:srgbClr val="A31515"/>
-                </a:solidFill>
-                <a:latin typeface="Menlo" panose="020B0609030804020204" pitchFamily="49" charset="0"/>
-              </a:rPr>
-              <a:t>'C04'</a:t>
-            </a:r>
-            <a:r>
-              <a:rPr lang="en-US" sz="1050" dirty="0">
-                <a:solidFill>
-                  <a:srgbClr val="000000"/>
-                </a:solidFill>
-                <a:latin typeface="Menlo" panose="020B0609030804020204" pitchFamily="49" charset="0"/>
-              </a:rPr>
-              <a:t>, </a:t>
-            </a:r>
-            <a:r>
-              <a:rPr lang="en-US" sz="1050" dirty="0">
-                <a:solidFill>
-                  <a:srgbClr val="A31515"/>
-                </a:solidFill>
-                <a:latin typeface="Menlo" panose="020B0609030804020204" pitchFamily="49" charset="0"/>
-              </a:rPr>
-              <a:t>'Carrier (carrier) (2010 - 2016)’</a:t>
-            </a:r>
-            <a:r>
-              <a:rPr lang="en-US" sz="1050" dirty="0">
-                <a:solidFill>
-                  <a:srgbClr val="000000"/>
-                </a:solidFill>
-                <a:latin typeface="Menlo" panose="020B0609030804020204" pitchFamily="49" charset="0"/>
-              </a:rPr>
-              <a:t>)]</a:t>
-            </a:r>
-          </a:p>
-          <a:p>
-            <a:pPr marL="51435" indent="0">
-              <a:buNone/>
-            </a:pPr>
-            <a:r>
-              <a:rPr lang="en-US" sz="1050" dirty="0">
-                <a:solidFill>
-                  <a:srgbClr val="001080"/>
-                </a:solidFill>
-                <a:latin typeface="Menlo" panose="020B0609030804020204" pitchFamily="49" charset="0"/>
-              </a:rPr>
-              <a:t>    </a:t>
-            </a:r>
-            <a:r>
-              <a:rPr lang="en-US" sz="1050" dirty="0" err="1">
-                <a:solidFill>
-                  <a:srgbClr val="001080"/>
-                </a:solidFill>
-                <a:latin typeface="Menlo" panose="020B0609030804020204" pitchFamily="49" charset="0"/>
-              </a:rPr>
-              <a:t>input_df</a:t>
-            </a:r>
-            <a:r>
-              <a:rPr lang="en-US" sz="1050" dirty="0">
-                <a:solidFill>
-                  <a:srgbClr val="000000"/>
-                </a:solidFill>
-                <a:latin typeface="Menlo" panose="020B0609030804020204" pitchFamily="49" charset="0"/>
-              </a:rPr>
-              <a:t> = </a:t>
-            </a:r>
-            <a:r>
-              <a:rPr lang="en-US" sz="1050" dirty="0" err="1">
-                <a:solidFill>
-                  <a:srgbClr val="001080"/>
-                </a:solidFill>
-                <a:latin typeface="Menlo" panose="020B0609030804020204" pitchFamily="49" charset="0"/>
-              </a:rPr>
-              <a:t>spark_session</a:t>
-            </a:r>
-            <a:r>
-              <a:rPr lang="en-US" sz="1050" dirty="0" err="1">
-                <a:solidFill>
-                  <a:srgbClr val="000000"/>
-                </a:solidFill>
-                <a:latin typeface="Menlo" panose="020B0609030804020204" pitchFamily="49" charset="0"/>
-              </a:rPr>
-              <a:t>.createDataFrame</a:t>
-            </a:r>
-            <a:r>
-              <a:rPr lang="en-US" sz="1050" dirty="0">
-                <a:solidFill>
-                  <a:srgbClr val="000000"/>
-                </a:solidFill>
-                <a:latin typeface="Menlo" panose="020B0609030804020204" pitchFamily="49" charset="0"/>
-              </a:rPr>
-              <a:t>(</a:t>
-            </a:r>
-          </a:p>
-          <a:p>
-            <a:pPr marL="51435" indent="0">
-              <a:buNone/>
-            </a:pPr>
-            <a:r>
-              <a:rPr lang="en-US" sz="1050" dirty="0">
-                <a:solidFill>
-                  <a:srgbClr val="000000"/>
-                </a:solidFill>
-                <a:latin typeface="Menlo" panose="020B0609030804020204" pitchFamily="49" charset="0"/>
-              </a:rPr>
-              <a:t>      </a:t>
-            </a:r>
-            <a:r>
-              <a:rPr lang="en-US" sz="1050" dirty="0">
-                <a:solidFill>
-                  <a:srgbClr val="001080"/>
-                </a:solidFill>
-                <a:latin typeface="Menlo" panose="020B0609030804020204" pitchFamily="49" charset="0"/>
-              </a:rPr>
-              <a:t>data</a:t>
-            </a:r>
-            <a:r>
-              <a:rPr lang="en-US" sz="1050" dirty="0">
-                <a:solidFill>
-                  <a:srgbClr val="000000"/>
-                </a:solidFill>
-                <a:latin typeface="Menlo" panose="020B0609030804020204" pitchFamily="49" charset="0"/>
-              </a:rPr>
-              <a:t>=</a:t>
-            </a:r>
-            <a:r>
-              <a:rPr lang="en-US" sz="1050" dirty="0" err="1">
-                <a:solidFill>
-                  <a:srgbClr val="001080"/>
-                </a:solidFill>
-                <a:latin typeface="Menlo" panose="020B0609030804020204" pitchFamily="49" charset="0"/>
-              </a:rPr>
-              <a:t>input_data</a:t>
-            </a:r>
-            <a:r>
-              <a:rPr lang="en-US" sz="1050" dirty="0">
-                <a:solidFill>
-                  <a:srgbClr val="000000"/>
-                </a:solidFill>
-                <a:latin typeface="Menlo" panose="020B0609030804020204" pitchFamily="49" charset="0"/>
-              </a:rPr>
-              <a:t>, </a:t>
-            </a:r>
-            <a:r>
-              <a:rPr lang="en-US" sz="1050" dirty="0">
-                <a:solidFill>
-                  <a:srgbClr val="001080"/>
-                </a:solidFill>
-                <a:latin typeface="Menlo" panose="020B0609030804020204" pitchFamily="49" charset="0"/>
-              </a:rPr>
-              <a:t>schema</a:t>
-            </a:r>
-            <a:r>
-              <a:rPr lang="en-US" sz="1050" dirty="0">
-                <a:solidFill>
-                  <a:srgbClr val="000000"/>
-                </a:solidFill>
-                <a:latin typeface="Menlo" panose="020B0609030804020204" pitchFamily="49" charset="0"/>
-              </a:rPr>
-              <a:t>=</a:t>
-            </a:r>
-            <a:r>
-              <a:rPr lang="en-US" sz="1050" dirty="0" err="1">
-                <a:solidFill>
-                  <a:srgbClr val="001080"/>
-                </a:solidFill>
-                <a:latin typeface="Menlo" panose="020B0609030804020204" pitchFamily="49" charset="0"/>
-              </a:rPr>
-              <a:t>carrier_input_schema</a:t>
-            </a:r>
-            <a:r>
-              <a:rPr lang="en-US" sz="1050" dirty="0">
-                <a:solidFill>
-                  <a:srgbClr val="000000"/>
-                </a:solidFill>
-                <a:latin typeface="Menlo" panose="020B0609030804020204" pitchFamily="49" charset="0"/>
-              </a:rPr>
-              <a:t>)</a:t>
-            </a:r>
-          </a:p>
-          <a:p>
-            <a:pPr marL="51435" indent="0">
-              <a:buNone/>
-            </a:pPr>
-            <a:br>
-              <a:rPr lang="en-US" sz="1050" dirty="0">
-                <a:solidFill>
-                  <a:srgbClr val="000000"/>
-                </a:solidFill>
-                <a:latin typeface="Menlo" panose="020B0609030804020204" pitchFamily="49" charset="0"/>
-              </a:rPr>
-            </a:br>
-            <a:r>
-              <a:rPr lang="en-US" sz="1050" dirty="0">
-                <a:solidFill>
-                  <a:srgbClr val="000000"/>
-                </a:solidFill>
-                <a:latin typeface="Menlo" panose="020B0609030804020204" pitchFamily="49" charset="0"/>
-              </a:rPr>
-              <a:t>  </a:t>
-            </a:r>
-            <a:r>
-              <a:rPr lang="en-US" sz="1050" dirty="0" err="1">
-                <a:solidFill>
-                  <a:srgbClr val="001080"/>
-                </a:solidFill>
-                <a:latin typeface="Menlo" panose="020B0609030804020204" pitchFamily="49" charset="0"/>
-              </a:rPr>
-              <a:t>expected_df</a:t>
-            </a:r>
-            <a:r>
-              <a:rPr lang="en-US" sz="1050" dirty="0">
-                <a:solidFill>
-                  <a:srgbClr val="000000"/>
-                </a:solidFill>
-                <a:latin typeface="Menlo" panose="020B0609030804020204" pitchFamily="49" charset="0"/>
-              </a:rPr>
-              <a:t> = </a:t>
-            </a:r>
-            <a:r>
-              <a:rPr lang="en-US" sz="1050" dirty="0" err="1">
-                <a:solidFill>
-                  <a:srgbClr val="001080"/>
-                </a:solidFill>
-                <a:latin typeface="Menlo" panose="020B0609030804020204" pitchFamily="49" charset="0"/>
-              </a:rPr>
-              <a:t>spark_session</a:t>
-            </a:r>
-            <a:r>
-              <a:rPr lang="en-US" sz="1050" dirty="0" err="1">
-                <a:solidFill>
-                  <a:srgbClr val="000000"/>
-                </a:solidFill>
-                <a:latin typeface="Menlo" panose="020B0609030804020204" pitchFamily="49" charset="0"/>
-              </a:rPr>
-              <a:t>.createDataFrame</a:t>
-            </a:r>
-            <a:r>
-              <a:rPr lang="en-US" sz="1050" dirty="0">
-                <a:solidFill>
-                  <a:srgbClr val="000000"/>
-                </a:solidFill>
-                <a:latin typeface="Menlo" panose="020B0609030804020204" pitchFamily="49" charset="0"/>
-              </a:rPr>
-              <a:t>(</a:t>
-            </a:r>
-          </a:p>
-          <a:p>
-            <a:pPr marL="51435" indent="0">
-              <a:buNone/>
-            </a:pPr>
-            <a:r>
-              <a:rPr lang="en-US" sz="1050" dirty="0">
-                <a:solidFill>
-                  <a:srgbClr val="001080"/>
-                </a:solidFill>
-                <a:latin typeface="Menlo" panose="020B0609030804020204" pitchFamily="49" charset="0"/>
-              </a:rPr>
-              <a:t>    data</a:t>
-            </a:r>
-            <a:r>
-              <a:rPr lang="en-US" sz="1050" dirty="0">
-                <a:solidFill>
-                  <a:srgbClr val="000000"/>
-                </a:solidFill>
-                <a:latin typeface="Menlo" panose="020B0609030804020204" pitchFamily="49" charset="0"/>
-              </a:rPr>
-              <a:t>=[</a:t>
-            </a:r>
-          </a:p>
-          <a:p>
-            <a:pPr marL="51435" indent="0">
-              <a:buNone/>
-            </a:pPr>
-            <a:r>
-              <a:rPr lang="en-US" sz="1050" dirty="0">
-                <a:solidFill>
-                  <a:srgbClr val="000000"/>
-                </a:solidFill>
-                <a:latin typeface="Menlo" panose="020B0609030804020204" pitchFamily="49" charset="0"/>
-              </a:rPr>
-              <a:t>      (</a:t>
-            </a:r>
-            <a:r>
-              <a:rPr lang="en-US" sz="1050" dirty="0">
-                <a:solidFill>
-                  <a:srgbClr val="A31515"/>
-                </a:solidFill>
-                <a:latin typeface="Menlo" panose="020B0609030804020204" pitchFamily="49" charset="0"/>
-              </a:rPr>
-              <a:t>'C01'</a:t>
-            </a:r>
-            <a:r>
-              <a:rPr lang="en-US" sz="1050" dirty="0">
-                <a:solidFill>
-                  <a:srgbClr val="000000"/>
-                </a:solidFill>
-                <a:latin typeface="Menlo" panose="020B0609030804020204" pitchFamily="49" charset="0"/>
-              </a:rPr>
-              <a:t>, </a:t>
-            </a:r>
-            <a:r>
-              <a:rPr lang="en-US" sz="1050" dirty="0">
-                <a:solidFill>
-                  <a:srgbClr val="A31515"/>
-                </a:solidFill>
-                <a:latin typeface="Menlo" panose="020B0609030804020204" pitchFamily="49" charset="0"/>
-              </a:rPr>
-              <a:t>'Carrier (2016 - 2020)'</a:t>
-            </a:r>
-            <a:r>
-              <a:rPr lang="en-US" sz="1050" dirty="0">
-                <a:solidFill>
-                  <a:srgbClr val="000000"/>
-                </a:solidFill>
-                <a:latin typeface="Menlo" panose="020B0609030804020204" pitchFamily="49" charset="0"/>
-              </a:rPr>
-              <a:t>, </a:t>
-            </a:r>
-            <a:r>
-              <a:rPr lang="en-US" sz="1050" dirty="0">
-                <a:solidFill>
-                  <a:srgbClr val="098658"/>
-                </a:solidFill>
-                <a:latin typeface="Menlo" panose="020B0609030804020204" pitchFamily="49" charset="0"/>
-              </a:rPr>
-              <a:t>2016</a:t>
-            </a:r>
-            <a:r>
-              <a:rPr lang="en-US" sz="1050" dirty="0">
-                <a:solidFill>
-                  <a:srgbClr val="000000"/>
-                </a:solidFill>
-                <a:latin typeface="Menlo" panose="020B0609030804020204" pitchFamily="49" charset="0"/>
-              </a:rPr>
-              <a:t>, </a:t>
-            </a:r>
-            <a:r>
-              <a:rPr lang="en-US" sz="1050" dirty="0">
-                <a:solidFill>
-                  <a:srgbClr val="098658"/>
-                </a:solidFill>
-                <a:latin typeface="Menlo" panose="020B0609030804020204" pitchFamily="49" charset="0"/>
-              </a:rPr>
-              <a:t>2020</a:t>
-            </a:r>
-            <a:r>
-              <a:rPr lang="en-US" sz="1050" dirty="0">
-                <a:solidFill>
-                  <a:srgbClr val="000000"/>
-                </a:solidFill>
-                <a:latin typeface="Menlo" panose="020B0609030804020204" pitchFamily="49" charset="0"/>
-              </a:rPr>
-              <a:t>),</a:t>
-            </a:r>
-          </a:p>
-          <a:p>
-            <a:pPr marL="51435" indent="0">
-              <a:buNone/>
-            </a:pPr>
-            <a:r>
-              <a:rPr lang="en-US" sz="1050" dirty="0">
-                <a:solidFill>
-                  <a:srgbClr val="000000"/>
-                </a:solidFill>
-                <a:latin typeface="Menlo" panose="020B0609030804020204" pitchFamily="49" charset="0"/>
-              </a:rPr>
-              <a:t>      (</a:t>
-            </a:r>
-            <a:r>
-              <a:rPr lang="en-US" sz="1050" dirty="0">
-                <a:solidFill>
-                  <a:srgbClr val="A31515"/>
-                </a:solidFill>
-                <a:latin typeface="Menlo" panose="020B0609030804020204" pitchFamily="49" charset="0"/>
-              </a:rPr>
-              <a:t>'C04 '</a:t>
-            </a:r>
-            <a:r>
-              <a:rPr lang="en-US" sz="1050" dirty="0">
-                <a:solidFill>
-                  <a:srgbClr val="000000"/>
-                </a:solidFill>
-                <a:latin typeface="Menlo" panose="020B0609030804020204" pitchFamily="49" charset="0"/>
-              </a:rPr>
-              <a:t>, </a:t>
-            </a:r>
-            <a:r>
-              <a:rPr lang="en-US" sz="1050" dirty="0">
-                <a:solidFill>
-                  <a:srgbClr val="A31515"/>
-                </a:solidFill>
-                <a:latin typeface="Menlo" panose="020B0609030804020204" pitchFamily="49" charset="0"/>
-              </a:rPr>
-              <a:t>'Carrier (carrier) (2010 - 2016)'</a:t>
-            </a:r>
-            <a:r>
-              <a:rPr lang="en-US" sz="1050" dirty="0">
-                <a:solidFill>
-                  <a:srgbClr val="000000"/>
-                </a:solidFill>
-                <a:latin typeface="Menlo" panose="020B0609030804020204" pitchFamily="49" charset="0"/>
-              </a:rPr>
-              <a:t>, </a:t>
-            </a:r>
-            <a:r>
-              <a:rPr lang="en-US" sz="1050" dirty="0">
-                <a:solidFill>
-                  <a:srgbClr val="098658"/>
-                </a:solidFill>
-                <a:latin typeface="Menlo" panose="020B0609030804020204" pitchFamily="49" charset="0"/>
-              </a:rPr>
-              <a:t>2010</a:t>
-            </a:r>
-            <a:r>
-              <a:rPr lang="en-US" sz="1050" dirty="0">
-                <a:solidFill>
-                  <a:srgbClr val="000000"/>
-                </a:solidFill>
-                <a:latin typeface="Menlo" panose="020B0609030804020204" pitchFamily="49" charset="0"/>
-              </a:rPr>
-              <a:t>, </a:t>
-            </a:r>
-            <a:r>
-              <a:rPr lang="en-US" sz="1050" dirty="0">
-                <a:solidFill>
-                  <a:srgbClr val="098658"/>
-                </a:solidFill>
-                <a:latin typeface="Menlo" panose="020B0609030804020204" pitchFamily="49" charset="0"/>
-              </a:rPr>
-              <a:t>2016</a:t>
-            </a:r>
-            <a:r>
-              <a:rPr lang="en-US" sz="1050" dirty="0">
-                <a:solidFill>
-                  <a:srgbClr val="000000"/>
-                </a:solidFill>
-                <a:latin typeface="Menlo" panose="020B0609030804020204" pitchFamily="49" charset="0"/>
-              </a:rPr>
-              <a:t>)</a:t>
-            </a:r>
-          </a:p>
-          <a:p>
-            <a:pPr marL="51435" indent="0">
-              <a:buNone/>
-            </a:pPr>
-            <a:r>
-              <a:rPr lang="en-US" sz="1050" dirty="0">
-                <a:solidFill>
-                  <a:srgbClr val="000000"/>
-                </a:solidFill>
-                <a:latin typeface="Menlo" panose="020B0609030804020204" pitchFamily="49" charset="0"/>
-              </a:rPr>
-              <a:t>      ], </a:t>
-            </a:r>
-          </a:p>
-          <a:p>
-            <a:pPr marL="51435" indent="0">
-              <a:buNone/>
-            </a:pPr>
-            <a:r>
-              <a:rPr lang="en-US" sz="1050" dirty="0">
-                <a:solidFill>
-                  <a:srgbClr val="001080"/>
-                </a:solidFill>
-                <a:latin typeface="Menlo" panose="020B0609030804020204" pitchFamily="49" charset="0"/>
-              </a:rPr>
-              <a:t>      schema</a:t>
-            </a:r>
-            <a:r>
-              <a:rPr lang="en-US" sz="1050" dirty="0">
-                <a:solidFill>
-                  <a:srgbClr val="000000"/>
-                </a:solidFill>
-                <a:latin typeface="Menlo" panose="020B0609030804020204" pitchFamily="49" charset="0"/>
-              </a:rPr>
-              <a:t>=</a:t>
-            </a:r>
-            <a:r>
-              <a:rPr lang="en-US" sz="1050" dirty="0" err="1">
-                <a:solidFill>
-                  <a:srgbClr val="001080"/>
-                </a:solidFill>
-                <a:latin typeface="Menlo" panose="020B0609030804020204" pitchFamily="49" charset="0"/>
-              </a:rPr>
-              <a:t>carrier_output_schema</a:t>
-            </a:r>
-            <a:r>
-              <a:rPr lang="en-US" sz="1050" dirty="0">
-                <a:solidFill>
-                  <a:srgbClr val="000000"/>
-                </a:solidFill>
-                <a:latin typeface="Menlo" panose="020B0609030804020204" pitchFamily="49" charset="0"/>
-              </a:rPr>
-              <a:t>)</a:t>
-            </a:r>
-          </a:p>
-          <a:p>
-            <a:pPr marL="51435" indent="0">
-              <a:buNone/>
-            </a:pPr>
-            <a:br>
-              <a:rPr lang="en-US" sz="1050" dirty="0">
-                <a:solidFill>
-                  <a:srgbClr val="000000"/>
-                </a:solidFill>
-                <a:latin typeface="Menlo" panose="020B0609030804020204" pitchFamily="49" charset="0"/>
-              </a:rPr>
-            </a:br>
-            <a:r>
-              <a:rPr lang="en-US" sz="1050" dirty="0">
-                <a:solidFill>
-                  <a:srgbClr val="000000"/>
-                </a:solidFill>
-                <a:latin typeface="Menlo" panose="020B0609030804020204" pitchFamily="49" charset="0"/>
-              </a:rPr>
-              <a:t>  </a:t>
-            </a:r>
-            <a:r>
-              <a:rPr lang="en-US" sz="1050" dirty="0">
-                <a:solidFill>
-                  <a:srgbClr val="008000"/>
-                </a:solidFill>
-                <a:latin typeface="Menlo" panose="020B0609030804020204" pitchFamily="49" charset="0"/>
-              </a:rPr>
-              <a:t># when</a:t>
-            </a:r>
-            <a:endParaRPr lang="en-US" sz="1050" dirty="0">
-              <a:solidFill>
-                <a:srgbClr val="000000"/>
-              </a:solidFill>
-              <a:latin typeface="Menlo" panose="020B0609030804020204" pitchFamily="49" charset="0"/>
-            </a:endParaRPr>
-          </a:p>
-          <a:p>
-            <a:pPr marL="51435" indent="0">
-              <a:buNone/>
-            </a:pPr>
-            <a:r>
-              <a:rPr lang="en-US" sz="1050" dirty="0">
-                <a:solidFill>
-                  <a:srgbClr val="001080"/>
-                </a:solidFill>
-                <a:latin typeface="Menlo" panose="020B0609030804020204" pitchFamily="49" charset="0"/>
-              </a:rPr>
-              <a:t>  </a:t>
-            </a:r>
-            <a:r>
-              <a:rPr lang="en-US" sz="1050" dirty="0" err="1">
-                <a:solidFill>
-                  <a:srgbClr val="001080"/>
-                </a:solidFill>
-                <a:latin typeface="Menlo" panose="020B0609030804020204" pitchFamily="49" charset="0"/>
-              </a:rPr>
-              <a:t>actual_df</a:t>
-            </a:r>
-            <a:r>
-              <a:rPr lang="en-US" sz="1050" dirty="0">
-                <a:solidFill>
-                  <a:srgbClr val="000000"/>
-                </a:solidFill>
-                <a:latin typeface="Menlo" panose="020B0609030804020204" pitchFamily="49" charset="0"/>
-              </a:rPr>
-              <a:t> = </a:t>
-            </a:r>
-            <a:r>
-              <a:rPr lang="en-US" sz="1050" dirty="0" err="1">
-                <a:solidFill>
-                  <a:srgbClr val="795E26"/>
-                </a:solidFill>
-                <a:latin typeface="Menlo" panose="020B0609030804020204" pitchFamily="49" charset="0"/>
-              </a:rPr>
-              <a:t>processYearRange</a:t>
-            </a:r>
-            <a:r>
-              <a:rPr lang="en-US" sz="1050" dirty="0">
-                <a:solidFill>
-                  <a:srgbClr val="000000"/>
-                </a:solidFill>
-                <a:latin typeface="Menlo" panose="020B0609030804020204" pitchFamily="49" charset="0"/>
-              </a:rPr>
-              <a:t>(</a:t>
-            </a:r>
-            <a:r>
-              <a:rPr lang="en-US" sz="1050" dirty="0" err="1">
-                <a:solidFill>
-                  <a:srgbClr val="001080"/>
-                </a:solidFill>
-                <a:latin typeface="Menlo" panose="020B0609030804020204" pitchFamily="49" charset="0"/>
-              </a:rPr>
-              <a:t>input_df</a:t>
-            </a:r>
-            <a:r>
-              <a:rPr lang="en-US" sz="1050" dirty="0">
-                <a:solidFill>
-                  <a:srgbClr val="000000"/>
-                </a:solidFill>
-                <a:latin typeface="Menlo" panose="020B0609030804020204" pitchFamily="49" charset="0"/>
-              </a:rPr>
-              <a:t>, </a:t>
-            </a:r>
-            <a:r>
-              <a:rPr lang="en-US" sz="1050" dirty="0" err="1">
-                <a:solidFill>
-                  <a:srgbClr val="001080"/>
-                </a:solidFill>
-                <a:latin typeface="Menlo" panose="020B0609030804020204" pitchFamily="49" charset="0"/>
-              </a:rPr>
-              <a:t>glue_context</a:t>
-            </a:r>
-            <a:r>
-              <a:rPr lang="en-US" sz="1050" dirty="0">
-                <a:solidFill>
-                  <a:srgbClr val="000000"/>
-                </a:solidFill>
-                <a:latin typeface="Menlo" panose="020B0609030804020204" pitchFamily="49" charset="0"/>
-              </a:rPr>
-              <a:t>)</a:t>
-            </a:r>
-          </a:p>
-          <a:p>
-            <a:pPr marL="51435" indent="0">
-              <a:buNone/>
-            </a:pPr>
-            <a:br>
-              <a:rPr lang="en-US" sz="1050" dirty="0">
-                <a:solidFill>
-                  <a:srgbClr val="000000"/>
-                </a:solidFill>
-                <a:latin typeface="Menlo" panose="020B0609030804020204" pitchFamily="49" charset="0"/>
-              </a:rPr>
-            </a:br>
-            <a:r>
-              <a:rPr lang="en-US" sz="1050" dirty="0">
-                <a:solidFill>
-                  <a:srgbClr val="000000"/>
-                </a:solidFill>
-                <a:latin typeface="Menlo" panose="020B0609030804020204" pitchFamily="49" charset="0"/>
-              </a:rPr>
-              <a:t>  </a:t>
-            </a:r>
-            <a:r>
-              <a:rPr lang="en-US" sz="1050" dirty="0">
-                <a:solidFill>
-                  <a:srgbClr val="008000"/>
-                </a:solidFill>
-                <a:latin typeface="Menlo" panose="020B0609030804020204" pitchFamily="49" charset="0"/>
-              </a:rPr>
-              <a:t># then</a:t>
-            </a:r>
-            <a:endParaRPr lang="en-US" sz="1050" dirty="0">
-              <a:solidFill>
-                <a:srgbClr val="000000"/>
-              </a:solidFill>
-              <a:latin typeface="Menlo" panose="020B0609030804020204" pitchFamily="49" charset="0"/>
-            </a:endParaRPr>
-          </a:p>
-          <a:p>
-            <a:pPr marL="51435" indent="0">
-              <a:buNone/>
-            </a:pPr>
-            <a:r>
-              <a:rPr lang="en-US" sz="1050" dirty="0">
-                <a:solidFill>
-                  <a:srgbClr val="795E26"/>
-                </a:solidFill>
-                <a:latin typeface="Menlo" panose="020B0609030804020204" pitchFamily="49" charset="0"/>
-              </a:rPr>
-              <a:t>  </a:t>
-            </a:r>
-            <a:r>
-              <a:rPr lang="en-US" sz="1050" dirty="0" err="1">
-                <a:solidFill>
-                  <a:srgbClr val="795E26"/>
-                </a:solidFill>
-                <a:latin typeface="Menlo" panose="020B0609030804020204" pitchFamily="49" charset="0"/>
-              </a:rPr>
-              <a:t>assert_dataframes_equal</a:t>
-            </a:r>
-            <a:r>
-              <a:rPr lang="en-US" sz="1050" dirty="0">
-                <a:solidFill>
-                  <a:srgbClr val="000000"/>
-                </a:solidFill>
-                <a:latin typeface="Menlo" panose="020B0609030804020204" pitchFamily="49" charset="0"/>
-              </a:rPr>
-              <a:t>(</a:t>
-            </a:r>
-            <a:r>
-              <a:rPr lang="en-US" sz="1050" dirty="0" err="1">
-                <a:solidFill>
-                  <a:srgbClr val="001080"/>
-                </a:solidFill>
-                <a:latin typeface="Menlo" panose="020B0609030804020204" pitchFamily="49" charset="0"/>
-              </a:rPr>
-              <a:t>expected_df</a:t>
-            </a:r>
-            <a:r>
-              <a:rPr lang="en-US" sz="1050" dirty="0">
-                <a:solidFill>
-                  <a:srgbClr val="000000"/>
-                </a:solidFill>
-                <a:latin typeface="Menlo" panose="020B0609030804020204" pitchFamily="49" charset="0"/>
-              </a:rPr>
-              <a:t>, </a:t>
-            </a:r>
-            <a:r>
-              <a:rPr lang="en-US" sz="1050" dirty="0" err="1">
-                <a:solidFill>
-                  <a:srgbClr val="001080"/>
-                </a:solidFill>
-                <a:latin typeface="Menlo" panose="020B0609030804020204" pitchFamily="49" charset="0"/>
-              </a:rPr>
-              <a:t>actual_df</a:t>
-            </a:r>
-            <a:r>
-              <a:rPr lang="en-US" sz="1050" dirty="0">
-                <a:solidFill>
-                  <a:srgbClr val="000000"/>
-                </a:solidFill>
-                <a:latin typeface="Menlo" panose="020B0609030804020204" pitchFamily="49" charset="0"/>
-              </a:rPr>
-              <a:t>)</a:t>
-            </a:r>
-          </a:p>
-        </p:txBody>
-      </p:sp>
-      <p:sp>
-        <p:nvSpPr>
-          <p:cNvPr id="8" name="Text Placeholder 7">
-            <a:extLst>
-              <a:ext uri="{FF2B5EF4-FFF2-40B4-BE49-F238E27FC236}">
-                <a16:creationId xmlns:a16="http://schemas.microsoft.com/office/drawing/2014/main" id="{41C9A3C4-98A8-9C47-B0F4-C966C063F9A4}"/>
-              </a:ext>
-            </a:extLst>
-          </p:cNvPr>
-          <p:cNvSpPr>
-            <a:spLocks noGrp="1"/>
-          </p:cNvSpPr>
-          <p:nvPr>
-            <p:ph type="body" sz="quarter" idx="3"/>
-          </p:nvPr>
-        </p:nvSpPr>
-        <p:spPr/>
-        <p:txBody>
-          <a:bodyPr/>
-          <a:lstStyle/>
-          <a:p>
-            <a:r>
-              <a:rPr lang="en-US" dirty="0"/>
-              <a:t>A Few Notes</a:t>
-            </a:r>
-          </a:p>
-        </p:txBody>
-      </p:sp>
-      <p:sp>
-        <p:nvSpPr>
-          <p:cNvPr id="9" name="Content Placeholder 8">
-            <a:extLst>
-              <a:ext uri="{FF2B5EF4-FFF2-40B4-BE49-F238E27FC236}">
-                <a16:creationId xmlns:a16="http://schemas.microsoft.com/office/drawing/2014/main" id="{F4B8268A-1317-984D-BFCA-1DD30A1C039E}"/>
-              </a:ext>
-            </a:extLst>
-          </p:cNvPr>
-          <p:cNvSpPr>
-            <a:spLocks noGrp="1"/>
-          </p:cNvSpPr>
-          <p:nvPr>
-            <p:ph sz="quarter" idx="4"/>
-          </p:nvPr>
-        </p:nvSpPr>
-        <p:spPr/>
-        <p:txBody>
-          <a:bodyPr>
-            <a:normAutofit/>
-          </a:bodyPr>
-          <a:lstStyle/>
-          <a:p>
-            <a:pPr>
-              <a:buFont typeface="Arial" panose="020B0604020202020204" pitchFamily="34" charset="0"/>
-              <a:buChar char="•"/>
-            </a:pPr>
-            <a:r>
-              <a:rPr lang="en-US" dirty="0"/>
-              <a:t>This test starts with a </a:t>
-            </a:r>
-            <a:r>
-              <a:rPr lang="en-US" dirty="0" err="1"/>
-              <a:t>DataFrame</a:t>
-            </a:r>
-            <a:r>
-              <a:rPr lang="en-US" dirty="0"/>
-              <a:t> and not a </a:t>
-            </a:r>
-            <a:r>
-              <a:rPr lang="en-US" dirty="0" err="1"/>
-              <a:t>DynamicFrame</a:t>
-            </a:r>
-            <a:r>
-              <a:rPr lang="en-US" dirty="0"/>
-              <a:t> to show the similarity in test writing.</a:t>
-            </a:r>
-          </a:p>
-          <a:p>
-            <a:pPr>
-              <a:buFont typeface="Arial" panose="020B0604020202020204" pitchFamily="34" charset="0"/>
-              <a:buChar char="•"/>
-            </a:pPr>
-            <a:r>
-              <a:rPr lang="en-US" dirty="0"/>
-              <a:t>Normally </a:t>
-            </a:r>
-            <a:r>
-              <a:rPr lang="en-US" dirty="0" err="1"/>
-              <a:t>DynamicFrames</a:t>
-            </a:r>
-            <a:r>
-              <a:rPr lang="en-US" dirty="0"/>
-              <a:t> would be used exclusively.</a:t>
-            </a:r>
-          </a:p>
-          <a:p>
-            <a:pPr>
-              <a:buFont typeface="Arial" panose="020B0604020202020204" pitchFamily="34" charset="0"/>
-              <a:buChar char="•"/>
-            </a:pPr>
-            <a:r>
-              <a:rPr lang="en-US" dirty="0"/>
-              <a:t>Notice that the change is that </a:t>
-            </a:r>
-            <a:r>
-              <a:rPr lang="en-US" dirty="0" err="1"/>
-              <a:t>processYearRange</a:t>
-            </a:r>
-            <a:r>
-              <a:rPr lang="en-US" dirty="0"/>
-              <a:t>() takes in </a:t>
-            </a:r>
-            <a:r>
-              <a:rPr lang="en-US" dirty="0" err="1"/>
-              <a:t>glue_context</a:t>
-            </a:r>
-            <a:endParaRPr lang="en-US" dirty="0"/>
-          </a:p>
-          <a:p>
-            <a:pPr>
-              <a:buFont typeface="Arial" panose="020B0604020202020204" pitchFamily="34" charset="0"/>
-              <a:buChar char="•"/>
-            </a:pPr>
-            <a:r>
-              <a:rPr lang="en-US" dirty="0" err="1"/>
-              <a:t>GlueContext</a:t>
-            </a:r>
-            <a:r>
-              <a:rPr lang="en-US" dirty="0"/>
-              <a:t> will be used in the Docker container to leverage AWS Glue</a:t>
-            </a:r>
-          </a:p>
-        </p:txBody>
-      </p:sp>
-      <p:sp>
-        <p:nvSpPr>
-          <p:cNvPr id="5" name="Title 4">
-            <a:extLst>
-              <a:ext uri="{FF2B5EF4-FFF2-40B4-BE49-F238E27FC236}">
-                <a16:creationId xmlns:a16="http://schemas.microsoft.com/office/drawing/2014/main" id="{B237B974-FA91-6943-88FB-21024D267D42}"/>
-              </a:ext>
-            </a:extLst>
-          </p:cNvPr>
-          <p:cNvSpPr>
-            <a:spLocks noGrp="1"/>
-          </p:cNvSpPr>
-          <p:nvPr>
-            <p:ph type="title"/>
-          </p:nvPr>
-        </p:nvSpPr>
-        <p:spPr/>
-        <p:txBody>
-          <a:bodyPr/>
-          <a:lstStyle/>
-          <a:p>
-            <a:r>
-              <a:rPr lang="en-US" dirty="0"/>
-              <a:t>AWS Glue Test</a:t>
-            </a:r>
-          </a:p>
-        </p:txBody>
-      </p:sp>
-      <p:sp>
-        <p:nvSpPr>
-          <p:cNvPr id="10" name="Subtitle 9">
-            <a:extLst>
-              <a:ext uri="{FF2B5EF4-FFF2-40B4-BE49-F238E27FC236}">
-                <a16:creationId xmlns:a16="http://schemas.microsoft.com/office/drawing/2014/main" id="{4B4B37ED-EBA0-5F41-9300-B6896F5E0541}"/>
-              </a:ext>
-            </a:extLst>
-          </p:cNvPr>
-          <p:cNvSpPr>
-            <a:spLocks noGrp="1"/>
-          </p:cNvSpPr>
-          <p:nvPr>
-            <p:ph type="subTitle" idx="15"/>
-          </p:nvPr>
-        </p:nvSpPr>
-        <p:spPr/>
-        <p:txBody>
-          <a:bodyPr/>
-          <a:lstStyle/>
-          <a:p>
-            <a:endParaRPr lang="en-US" dirty="0"/>
-          </a:p>
-        </p:txBody>
-      </p:sp>
-    </p:spTree>
-    <p:extLst>
-      <p:ext uri="{BB962C8B-B14F-4D97-AF65-F5344CB8AC3E}">
-        <p14:creationId xmlns:p14="http://schemas.microsoft.com/office/powerpoint/2010/main" val="1817205972"/>
-      </p:ext>
-    </p:extLst>
-  </p:cSld>
-  <p:clrMapOvr>
-    <a:masterClrMapping/>
-  </p:clrMapOvr>
-</p:sld>
-</file>
-
 <file path=ppt/slides/slide3.xml><?xml version="1.0" encoding="utf-8"?>
 <p:sld xmlns:a="http://schemas.openxmlformats.org/drawingml/2006/main" xmlns:r="http://schemas.openxmlformats.org/officeDocument/2006/relationships" xmlns:p="http://schemas.openxmlformats.org/presentationml/2006/main">
   <p:cSld>
@@ -30132,7 +29908,7 @@
             </a:pPr>
             <a:r>
               <a:rPr lang="en-US" dirty="0"/>
-              <a:t>I need the ability to </a:t>
+              <a:t>Data Engineers need the ability to </a:t>
             </a:r>
             <a:r>
               <a:rPr lang="en-US" b="1" dirty="0"/>
@@ -30187,7 +29963,7 @@
             </a:pPr>
             <a:r>
               <a:rPr lang="en-US" dirty="0"/>
-              <a:t>Issues this demo addresses:</a:t>
+              <a:t>Issues this specific demo addresses:</a:t>
             </a:r>
           </a:p>
           <a:p>
@@ -30287,210 +30063,6 @@
     <p:extLst>
       <p:ext uri="{BB962C8B-B14F-4D97-AF65-F5344CB8AC3E}">
         <p14:creationId xmlns:p14="http://schemas.microsoft.com/office/powerpoint/2010/main" val="3926106370"/>
-      </p:ext>
-    </p:extLst>
-  </p:cSld>
-  <p:clrMapOvr>
-    <a:masterClrMapping/>
-  </p:clrMapOvr>
-</p:sld>
-</file>
-
-<file path=ppt/slides/slide30.xml><?xml version="1.0" encoding="utf-8"?>
-<p:sld xmlns:a="http://schemas.openxmlformats.org/drawingml/2006/main" xmlns:r="http://schemas.openxmlformats.org/officeDocument/2006/relationships" xmlns:p="http://schemas.openxmlformats.org/presentationml/2006/main">
-  <p:cSld>
-    <p:spTree>
-      <p:nvGrpSpPr>
-        <p:cNvPr id="1" name=""/>
-        <p:cNvGrpSpPr/>
-        <p:nvPr/>
-      </p:nvGrpSpPr>
-      <p:grpSpPr>
-        <a:xfrm>
-          <a:off x="0" y="0"/>
-          <a:ext cx="0" cy="0"/>
-          <a:chOff x="0" y="0"/>
-          <a:chExt cx="0" cy="0"/>
-        </a:xfrm>
-      </p:grpSpPr>
-      <p:sp>
-        <p:nvSpPr>
-          <p:cNvPr id="8" name="Title 7">
-            <a:extLst>
-              <a:ext uri="{FF2B5EF4-FFF2-40B4-BE49-F238E27FC236}">
-                <a16:creationId xmlns:a16="http://schemas.microsoft.com/office/drawing/2014/main" id="{A7FD581B-6292-774C-8675-53B73FFA25AE}"/>
-              </a:ext>
-            </a:extLst>
-          </p:cNvPr>
-          <p:cNvSpPr>
-            <a:spLocks noGrp="1"/>
-          </p:cNvSpPr>
-          <p:nvPr>
-            <p:ph type="title"/>
-          </p:nvPr>
-        </p:nvSpPr>
-        <p:spPr/>
-        <p:txBody>
-          <a:bodyPr/>
-          <a:lstStyle/>
-          <a:p>
-            <a:r>
-              <a:rPr lang="en-US" dirty="0"/>
-              <a:t>Review</a:t>
-            </a:r>
-          </a:p>
-        </p:txBody>
-      </p:sp>
-      <p:sp>
-        <p:nvSpPr>
-          <p:cNvPr id="9" name="Content Placeholder 8">
-            <a:extLst>
-              <a:ext uri="{FF2B5EF4-FFF2-40B4-BE49-F238E27FC236}">
-                <a16:creationId xmlns:a16="http://schemas.microsoft.com/office/drawing/2014/main" id="{62DF0390-5E4D-F449-92CE-9915BCFF6898}"/>
-              </a:ext>
-            </a:extLst>
-          </p:cNvPr>
-          <p:cNvSpPr>
-            <a:spLocks noGrp="1"/>
-          </p:cNvSpPr>
-          <p:nvPr>
-            <p:ph idx="1"/>
-          </p:nvPr>
-        </p:nvSpPr>
-        <p:spPr>
-          <a:xfrm>
-            <a:off x="289400" y="1460502"/>
-            <a:ext cx="11634376" cy="4486429"/>
-          </a:xfrm>
-        </p:spPr>
-        <p:txBody>
-          <a:bodyPr>
-            <a:normAutofit/>
-          </a:bodyPr>
-          <a:lstStyle/>
-          <a:p>
-            <a:pPr>
-              <a:lnSpc>
-                <a:spcPct val="150000"/>
-              </a:lnSpc>
-            </a:pPr>
-            <a:r>
-              <a:rPr lang="en-US" sz="2400" dirty="0"/>
-              <a:t>Docker is a great way to isolate development environments</a:t>
-            </a:r>
-          </a:p>
-          <a:p>
-            <a:pPr>
-              <a:lnSpc>
-                <a:spcPct val="150000"/>
-              </a:lnSpc>
-            </a:pPr>
-            <a:r>
-              <a:rPr lang="en-US" sz="2400" dirty="0"/>
-              <a:t>Dev IDEs can use the Docker containers as the python interpreter</a:t>
-            </a:r>
-          </a:p>
-          <a:p>
-            <a:pPr>
-              <a:lnSpc>
-                <a:spcPct val="150000"/>
-              </a:lnSpc>
-            </a:pPr>
-            <a:r>
-              <a:rPr lang="en-US" sz="2400" dirty="0"/>
-              <a:t>Design your pipelines by isolating transformations from integrations (I/O)</a:t>
-            </a:r>
-          </a:p>
-          <a:p>
-            <a:pPr>
-              <a:lnSpc>
-                <a:spcPct val="150000"/>
-              </a:lnSpc>
-            </a:pPr>
-            <a:r>
-              <a:rPr lang="en-US" sz="2400" dirty="0"/>
-              <a:t>Create testable scalar functions for business logic</a:t>
-            </a:r>
-          </a:p>
-          <a:p>
-            <a:pPr>
-              <a:lnSpc>
-                <a:spcPct val="150000"/>
-              </a:lnSpc>
-            </a:pPr>
-            <a:r>
-              <a:rPr lang="en-US" sz="2400" dirty="0"/>
-              <a:t>For Spark/Glue, define test data as input </a:t>
-            </a:r>
-            <a:r>
-              <a:rPr lang="en-US" sz="2400" dirty="0" err="1"/>
-              <a:t>DataFrames</a:t>
-            </a:r>
-            <a:r>
-              <a:rPr lang="en-US" sz="2400" dirty="0"/>
-              <a:t>/</a:t>
-            </a:r>
-            <a:r>
-              <a:rPr lang="en-US" sz="2400" dirty="0" err="1"/>
-              <a:t>DynamicFrames</a:t>
-            </a:r>
-            <a:endParaRPr lang="en-US" sz="2400" dirty="0"/>
-          </a:p>
-          <a:p>
-            <a:pPr>
-              <a:lnSpc>
-                <a:spcPct val="150000"/>
-              </a:lnSpc>
-            </a:pPr>
-            <a:r>
-              <a:rPr lang="en-US" sz="2400" dirty="0"/>
-              <a:t>Use fixtures for reusable resources like the </a:t>
-            </a:r>
-            <a:r>
-              <a:rPr lang="en-US" sz="2400" dirty="0" err="1"/>
-              <a:t>SparkSession</a:t>
-            </a:r>
-            <a:r>
-              <a:rPr lang="en-US" sz="2400" dirty="0"/>
-              <a:t> or </a:t>
-            </a:r>
-            <a:r>
-              <a:rPr lang="en-US" sz="2400" dirty="0" err="1"/>
-              <a:t>GlueContext</a:t>
-            </a:r>
-            <a:endParaRPr lang="en-US" sz="2400" dirty="0"/>
-          </a:p>
-        </p:txBody>
-      </p:sp>
-      <p:sp>
-        <p:nvSpPr>
-          <p:cNvPr id="10" name="Subtitle 9">
-            <a:extLst>
-              <a:ext uri="{FF2B5EF4-FFF2-40B4-BE49-F238E27FC236}">
-                <a16:creationId xmlns:a16="http://schemas.microsoft.com/office/drawing/2014/main" id="{91F175ED-1481-8B49-93C7-9FC2861AC2B5}"/>
-              </a:ext>
-            </a:extLst>
-          </p:cNvPr>
-          <p:cNvSpPr>
-            <a:spLocks noGrp="1"/>
-          </p:cNvSpPr>
-          <p:nvPr>
-            <p:ph type="subTitle" idx="12"/>
-          </p:nvPr>
-        </p:nvSpPr>
-        <p:spPr/>
-        <p:txBody>
-          <a:bodyPr/>
-          <a:lstStyle/>
-          <a:p>
-            <a:endParaRPr lang="en-US"/>
-          </a:p>
-        </p:txBody>
-      </p:sp>
-    </p:spTree>
-    <p:extLst>
-      <p:ext uri="{BB962C8B-B14F-4D97-AF65-F5344CB8AC3E}">
-        <p14:creationId xmlns:p14="http://schemas.microsoft.com/office/powerpoint/2010/main" val="241066208"/>
       </p:ext>
     </p:extLst>
   </p:cSld>
@@ -30518,7 +30090,7 @@
                             </p:stCondLst>
                             <p:childTnLst>
                               <p:par>
-                                <p:cTn id="5" presetID="10" presetClass="entr" presetSubtype="0" fill="hold" grpId="0" nodeType="clickEffect">
+                                <p:cTn id="5" presetID="10" presetClass="entr" presetSubtype="0" fill="hold" nodeType="clickEffect">
                                   <p:stCondLst>
                                     <p:cond delay="0"/>
                                   </p:stCondLst>
@@ -30531,9 +30103,9 @@
                                           </p:stCondLst>
                                         </p:cTn>
                                         <p:tgtEl>
-                                          <p:spTgt spid="9">
+                                          <p:spTgt spid="3">
                                             <p:txEl>
-                                              <p:pRg st="0" end="0"/>
+                                              <p:pRg st="2" end="2"/>
                                             </p:txEl>
                                           </p:spTgt>
                                         </p:tgtEl>
@@ -30549,129 +30121,7 @@
                                       <p:cBhvr>
                                         <p:cTn id="7" dur="500"/>
                                         <p:tgtEl>
-                                          <p:spTgt spid="9">
-                                            <p:txEl>
-                                              <p:pRg st="0" end="0"/>
-                                            </p:txEl>
-                                          </p:spTgt>
-                                        </p:tgtEl>
-                                      </p:cBhvr>
-                                    </p:animEffect>
-                                  </p:childTnLst>
-                                </p:cTn>
-                              </p:par>
-                            </p:childTnLst>
-                          </p:cTn>
-                        </p:par>
-                      </p:childTnLst>
-                    </p:cTn>
-                  </p:par>
-                  <p:par>
-                    <p:cTn id="8" fill="hold">
-                      <p:stCondLst>
-                        <p:cond delay="indefinite"/>
-                      </p:stCondLst>
-                      <p:childTnLst>
-                        <p:par>
-                          <p:cTn id="9" fill="hold">
-                            <p:stCondLst>
-                              <p:cond delay="0"/>
-                            </p:stCondLst>
-                            <p:childTnLst>
-                              <p:par>
-                                <p:cTn id="10" presetID="10" presetClass="entr" presetSubtype="0" fill="hold" grpId="0" nodeType="clickEffect">
-                                  <p:stCondLst>
-                                    <p:cond delay="0"/>
-                                  </p:stCondLst>
-                                  <p:childTnLst>
-                                    <p:set>
-                                      <p:cBhvr>
-                                        <p:cTn id="11" dur="1" fill="hold">
-                                          <p:stCondLst>
-                                            <p:cond delay="0"/>
-                                          </p:stCondLst>
-                                        </p:cTn>
-                                        <p:tgtEl>
-                                          <p:spTgt spid="9">
-                                            <p:txEl>
-                                              <p:pRg st="1" end="1"/>
-                                            </p:txEl>
-                                          </p:spTgt>
-                                        </p:tgtEl>
-                                        <p:attrNameLst>
-                                          <p:attrName>style.visibility</p:attrName>
-                                        </p:attrNameLst>
-                                      </p:cBhvr>
-                                      <p:to>
-                                        <p:strVal val="visible"/>
-                                      </p:to>
-                                    </p:set>
-                                    <p:animEffect transition="in" filter="fade">
-                                      <p:cBhvr>
-                                        <p:cTn id="12" dur="500"/>
-                                        <p:tgtEl>
-                                          <p:spTgt spid="9">
-                                            <p:txEl>
-                                              <p:pRg st="1" end="1"/>
-                                            </p:txEl>
-                                          </p:spTgt>
-                                        </p:tgtEl>
-                                      </p:cBhvr>
-                                    </p:animEffect>
-                                  </p:childTnLst>
-                                </p:cTn>
-                              </p:par>
-                            </p:childTnLst>
-                          </p:cTn>
-                        </p:par>
-                      </p:childTnLst>
-                    </p:cTn>
-                  </p:par>
-                  <p:par>
-                    <p:cTn id="13" fill="hold">
-                      <p:stCondLst>
-                        <p:cond delay="indefinite"/>
-                      </p:stCondLst>
-                      <p:childTnLst>
-                        <p:par>
-                          <p:cTn id="14" fill="hold">
-                            <p:stCondLst>
-                              <p:cond delay="0"/>
-                            </p:stCondLst>
-                            <p:childTnLst>
-                              <p:par>
-                                <p:cTn id="15" presetID="10" presetClass="entr" presetSubtype="0" fill="hold" grpId="0" nodeType="clickEffect">
-                                  <p:stCondLst>
-                                    <p:cond delay="0"/>
-                                  </p:stCondLst>
-                                  <p:childTnLst>
-                                    <p:set>
-                                      <p:cBhvr>
-                                        <p:cTn id="16" dur="1" fill="hold">
-                                          <p:stCondLst>
-                                            <p:cond delay="0"/>
-                                          </p:stCondLst>
-                                        </p:cTn>
-                                        <p:tgtEl>
-                                          <p:spTgt spid="9">
-                                            <p:txEl>
-                                              <p:pRg st="2" end="2"/>
-                                            </p:txEl>
-                                          </p:spTgt>
-                                        </p:tgtEl>
-                                        <p:attrNameLst>
-                                          <p:attrName>style.visibility</p:attrName>
-                                        </p:attrNameLst>
-                                      </p:cBhvr>
-                                      <p:to>
-                                        <p:strVal val="visible"/>
-                                      </p:to>
-                                    </p:set>
-                                    <p:animEffect transition="in" filter="fade">
-                                      <p:cBhvr>
-                                        <p:cTn id="17" dur="500"/>
-                                        <p:tgtEl>
-                                          <p:spTgt spid="9">
+                                          <p:spTgt spid="3">
                                             <p:txEl>
                                               <p:pRg st="2" end="2"/>
                                             </p:txEl>
@@ -30682,39 +30132,21 @@
                                   </p:childTnLst>
                                 </p:cTn>
                               </p:par>
-                            </p:childTnLst>
-                          </p:cTn>
-                        </p:par>
-                      </p:childTnLst>
-                    </p:cTn>
-                  </p:par>
-                  <p:par>
-                    <p:cTn id="18" fill="hold">
-                      <p:stCondLst>
-                        <p:cond delay="indefinite"/>
-                      </p:stCondLst>
-                      <p:childTnLst>
-                        <p:par>
-                          <p:cTn id="19" fill="hold">
-                            <p:stCondLst>
-                              <p:cond delay="0"/>
-                            </p:stCondLst>
-                            <p:childTnLst>
                               <p:par>
-                                <p:cTn id="20" presetID="10" presetClass="entr" presetSubtype="0" fill="hold" grpId="0" nodeType="clickEffect">
+                                <p:cTn id="8" presetID="10" presetClass="entr" presetSubtype="0" fill="hold" nodeType="withEffect">
                                   <p:stCondLst>
                                     <p:cond delay="0"/>
                                   </p:stCondLst>
                                   <p:childTnLst>
                                     <p:set>
                                       <p:cBhvr>
-                                        <p:cTn id="21" dur="1" fill="hold">
+                                        <p:cTn id="9" dur="1" fill="hold">
                                           <p:stCondLst>
                                             <p:cond delay="0"/>
                                           </p:stCondLst>
                                         </p:cTn>
                                         <p:tgtEl>
-                                          <p:spTgt spid="9">
+                                          <p:spTgt spid="3">
                                             <p:txEl>
                                               <p:pRg st="3" end="3"/>
                                             </p:txEl>
@@ -30730,9 +30162,9 @@
                                     </p:set>
                                     <p:animEffect transition="in" filter="fade">
                                       <p:cBhvr>
-                                        <p:cTn id="22" dur="500"/>
+                                        <p:cTn id="10" dur="500"/>
                                         <p:tgtEl>
-                                          <p:spTgt spid="9">
+                                          <p:spTgt spid="3">
                                             <p:txEl>
                                               <p:pRg st="3" end="3"/>
                                             </p:txEl>
@@ -30743,39 +30175,21 @@
                                   </p:childTnLst>
                                 </p:cTn>
                               </p:par>
-                            </p:childTnLst>
-                          </p:cTn>
-                        </p:par>
-                      </p:childTnLst>
-                    </p:cTn>
-                  </p:par>
-                  <p:par>
-                    <p:cTn id="23" fill="hold">
-                      <p:stCondLst>
-                        <p:cond delay="indefinite"/>
-                      </p:stCondLst>
-                      <p:childTnLst>
-                        <p:par>
-                          <p:cTn id="24" fill="hold">
-                            <p:stCondLst>
-                              <p:cond delay="0"/>
-                            </p:stCondLst>
-                            <p:childTnLst>
                               <p:par>
-                                <p:cTn id="25" presetID="10" presetClass="entr" presetSubtype="0" fill="hold" grpId="0" nodeType="clickEffect">
+                                <p:cTn id="11" presetID="10" presetClass="entr" presetSubtype="0" fill="hold" nodeType="withEffect">
                                   <p:stCondLst>
                                     <p:cond delay="0"/>
                                   </p:stCondLst>
                                   <p:childTnLst>
                                     <p:set>
                                       <p:cBhvr>
-                                        <p:cTn id="26" dur="1" fill="hold">
+                                        <p:cTn id="12" dur="1" fill="hold">
                                           <p:stCondLst>
                                             <p:cond delay="0"/>
                                           </p:stCondLst>
                                         </p:cTn>
                                         <p:tgtEl>
-                                          <p:spTgt spid="9">
+                                          <p:spTgt spid="3">
                                             <p:txEl>
                                               <p:pRg st="4" end="4"/>
                                             </p:txEl>
@@ -30791,9 +30205,9 @@
                                     </p:set>
                                     <p:animEffect transition="in" filter="fade">
                                       <p:cBhvr>
-                                        <p:cTn id="27" dur="500"/>
+                                        <p:cTn id="13" dur="500"/>
                                         <p:tgtEl>
-                                          <p:spTgt spid="9">
+                                          <p:spTgt spid="3">
                                             <p:txEl>
                                               <p:pRg st="4" end="4"/>
                                             </p:txEl>
@@ -30804,39 +30218,21 @@
                                   </p:childTnLst>
                                 </p:cTn>
                               </p:par>
-                            </p:childTnLst>
-                          </p:cTn>
-                        </p:par>
-                      </p:childTnLst>
-                    </p:cTn>
-                  </p:par>
-                  <p:par>
-                    <p:cTn id="28" fill="hold">
-                      <p:stCondLst>
-                        <p:cond delay="indefinite"/>
-                      </p:stCondLst>
-                      <p:childTnLst>
-                        <p:par>
-                          <p:cTn id="29" fill="hold">
-                            <p:stCondLst>
-                              <p:cond delay="0"/>
-                            </p:stCondLst>
-                            <p:childTnLst>
                               <p:par>
-                                <p:cTn id="30" presetID="10" presetClass="entr" presetSubtype="0" fill="hold" grpId="0" nodeType="clickEffect">
+                                <p:cTn id="14" presetID="10" presetClass="entr" presetSubtype="0" fill="hold" nodeType="withEffect">
                                   <p:stCondLst>
                                     <p:cond delay="0"/>
                                   </p:stCondLst>
                                   <p:childTnLst>
                                     <p:set>
                                       <p:cBhvr>
-                                        <p:cTn id="31" dur="1" fill="hold">
+                                        <p:cTn id="15" dur="1" fill="hold">
                                           <p:stCondLst>
                                             <p:cond delay="0"/>
                                           </p:stCondLst>
                                         </p:cTn>
                                         <p:tgtEl>
-                                          <p:spTgt spid="9">
+                                          <p:spTgt spid="3">
                                             <p:txEl>
                                               <p:pRg st="5" end="5"/>
                                             </p:txEl>
@@ -30852,11 +30248,54 @@
                                     </p:set>
                                     <p:animEffect transition="in" filter="fade">
                                       <p:cBhvr>
-                                        <p:cTn id="32" dur="500"/>
+                                        <p:cTn id="16" dur="500"/>
                                         <p:tgtEl>
-                                          <p:spTgt spid="9">
+                                          <p:spTgt spid="3">
                                             <p:txEl>
                                               <p:pRg st="5" end="5"/>
+                                            </p:txEl>
+                                          </p:spTgt>
+                                        </p:tgtEl>
+                                      </p:cBhvr>
+                                    </p:animEffect>
+                                  </p:childTnLst>
+                                </p:cTn>
+                              </p:par>
+                              <p:par>
+                                <p:cTn id="17" presetID="10" presetClass="entr" presetSubtype="0" fill="hold" nodeType="withEffect">
+                                  <p:stCondLst>
+                                    <p:cond delay="0"/>
+                                  </p:stCondLst>
+                                  <p:childTnLst>
+                                    <p:set>
+                                      <p:cBhvr>
+                                        <p:cTn id="18" dur="1" fill="hold">
+                                          <p:stCondLst>
+                                            <p:cond delay="0"/>
+                                          </p:stCondLst>
+                                        </p:cTn>
+                                        <p:tgtEl>
+                                          <p:spTgt spid="3">
+                                            <p:txEl>
+                                              <p:pRg st="6" end="6"/>
+                                            </p:txEl>
+                                          </p:spTgt>
+                                        </p:tgtEl>
+                                        <p:attrNameLst>
+                                          <p:attrName>style.visibility</p:attrName>
+                                        </p:attrNameLst>
+                                      </p:cBhvr>
+                                      <p:to>
+                                        <p:strVal val="visible"/>
+                                      </p:to>
+                                    </p:set>
+                                    <p:animEffect transition="in" filter="fade">
+                                      <p:cBhvr>
+                                        <p:cTn id="19" dur="500"/>
+                                        <p:tgtEl>
+                                          <p:spTgt spid="3">
+                                            <p:txEl>
+                                              <p:pRg st="6" end="6"/>
                                             </p:txEl>
                                           </p:spTgt>
                                         </p:tgtEl>
@@ -30892,10 +30331,1277 @@
         </p:cTn>
       </p:par>
     </p:tnLst>
-    <p:bldLst>
-      <p:bldP spid="9" grpId="0" build="p"/>
-    </p:bldLst>
   </p:timing>
+</p:sld>
+</file>
+
+<file path=ppt/slides/slide30.xml><?xml version="1.0" encoding="utf-8"?>
+<p:sld xmlns:a="http://schemas.openxmlformats.org/drawingml/2006/main" xmlns:r="http://schemas.openxmlformats.org/officeDocument/2006/relationships" xmlns:p="http://schemas.openxmlformats.org/presentationml/2006/main">
+  <p:cSld>
+    <p:spTree>
+      <p:nvGrpSpPr>
+        <p:cNvPr id="1" name=""/>
+        <p:cNvGrpSpPr/>
+        <p:nvPr/>
+      </p:nvGrpSpPr>
+      <p:grpSpPr>
+        <a:xfrm>
+          <a:off x="0" y="0"/>
+          <a:ext cx="0" cy="0"/>
+          <a:chOff x="0" y="0"/>
+          <a:chExt cx="0" cy="0"/>
+        </a:xfrm>
+      </p:grpSpPr>
+      <p:sp>
+        <p:nvSpPr>
+          <p:cNvPr id="6" name="Text Placeholder 5">
+            <a:extLst>
+              <a:ext uri="{FF2B5EF4-FFF2-40B4-BE49-F238E27FC236}">
+                <a16:creationId xmlns:a16="http://schemas.microsoft.com/office/drawing/2014/main" id="{D596BC44-B590-1A4C-8CE8-9712079929D5}"/>
+              </a:ext>
+            </a:extLst>
+          </p:cNvPr>
+          <p:cNvSpPr>
+            <a:spLocks noGrp="1"/>
+          </p:cNvSpPr>
+          <p:nvPr>
+            <p:ph type="body" idx="1"/>
+          </p:nvPr>
+        </p:nvSpPr>
+        <p:spPr/>
+        <p:txBody>
+          <a:bodyPr/>
+          <a:lstStyle/>
+          <a:p>
+            <a:r>
+              <a:rPr lang="en-US" dirty="0"/>
+              <a:t>Sample Test (using </a:t>
+            </a:r>
+            <a:r>
+              <a:rPr lang="en-US" dirty="0" err="1"/>
+              <a:t>DataFrame</a:t>
+            </a:r>
+            <a:r>
+              <a:rPr lang="en-US" dirty="0"/>
+              <a:t> &amp; Glue)</a:t>
+            </a:r>
+          </a:p>
+        </p:txBody>
+      </p:sp>
+      <p:sp>
+        <p:nvSpPr>
+          <p:cNvPr id="7" name="Content Placeholder 6">
+            <a:extLst>
+              <a:ext uri="{FF2B5EF4-FFF2-40B4-BE49-F238E27FC236}">
+                <a16:creationId xmlns:a16="http://schemas.microsoft.com/office/drawing/2014/main" id="{3C05A6EB-3615-D549-B835-54ACE124683E}"/>
+              </a:ext>
+            </a:extLst>
+          </p:cNvPr>
+          <p:cNvSpPr>
+            <a:spLocks noGrp="1"/>
+          </p:cNvSpPr>
+          <p:nvPr>
+            <p:ph sz="half" idx="2"/>
+          </p:nvPr>
+        </p:nvSpPr>
+        <p:spPr/>
+        <p:txBody>
+          <a:bodyPr>
+            <a:normAutofit lnSpcReduction="10000"/>
+          </a:bodyPr>
+          <a:lstStyle/>
+          <a:p>
+            <a:pPr marL="51435" indent="0">
+              <a:buNone/>
+            </a:pPr>
+            <a:r>
+              <a:rPr lang="en-US" sz="1050" dirty="0">
+                <a:solidFill>
+                  <a:srgbClr val="0000FF"/>
+                </a:solidFill>
+                <a:latin typeface="Menlo" panose="020B0609030804020204" pitchFamily="49" charset="0"/>
+              </a:rPr>
+              <a:t>def</a:t>
+            </a:r>
+            <a:r>
+              <a:rPr lang="en-US" sz="1050" dirty="0">
+                <a:solidFill>
+                  <a:srgbClr val="000000"/>
+                </a:solidFill>
+                <a:latin typeface="Menlo" panose="020B0609030804020204" pitchFamily="49" charset="0"/>
+              </a:rPr>
+              <a:t> </a:t>
+            </a:r>
+            <a:r>
+              <a:rPr lang="en-US" sz="1050" dirty="0" err="1">
+                <a:solidFill>
+                  <a:srgbClr val="795E26"/>
+                </a:solidFill>
+                <a:latin typeface="Menlo" panose="020B0609030804020204" pitchFamily="49" charset="0"/>
+              </a:rPr>
+              <a:t>test_processYearRange_valid_twoYears</a:t>
+            </a:r>
+            <a:r>
+              <a:rPr lang="en-US" sz="1050" dirty="0">
+                <a:solidFill>
+                  <a:srgbClr val="000000"/>
+                </a:solidFill>
+                <a:latin typeface="Menlo" panose="020B0609030804020204" pitchFamily="49" charset="0"/>
+              </a:rPr>
+              <a:t>(</a:t>
+            </a:r>
+          </a:p>
+          <a:p>
+            <a:pPr marL="51435" indent="0">
+              <a:buNone/>
+            </a:pPr>
+            <a:r>
+              <a:rPr lang="en-US" sz="1050" dirty="0">
+                <a:solidFill>
+                  <a:srgbClr val="000000"/>
+                </a:solidFill>
+                <a:latin typeface="Menlo" panose="020B0609030804020204" pitchFamily="49" charset="0"/>
+              </a:rPr>
+              <a:t>  </a:t>
+            </a:r>
+            <a:r>
+              <a:rPr lang="en-US" sz="1050" dirty="0" err="1">
+                <a:solidFill>
+                  <a:srgbClr val="001080"/>
+                </a:solidFill>
+                <a:latin typeface="Menlo" panose="020B0609030804020204" pitchFamily="49" charset="0"/>
+              </a:rPr>
+              <a:t>spark_session</a:t>
+            </a:r>
+            <a:r>
+              <a:rPr lang="en-US" sz="1050" dirty="0">
+                <a:solidFill>
+                  <a:srgbClr val="000000"/>
+                </a:solidFill>
+                <a:latin typeface="Menlo" panose="020B0609030804020204" pitchFamily="49" charset="0"/>
+              </a:rPr>
+              <a:t>, </a:t>
+            </a:r>
+            <a:r>
+              <a:rPr lang="en-US" sz="1050" dirty="0" err="1">
+                <a:solidFill>
+                  <a:srgbClr val="001080"/>
+                </a:solidFill>
+                <a:latin typeface="Menlo" panose="020B0609030804020204" pitchFamily="49" charset="0"/>
+              </a:rPr>
+              <a:t>glue_context</a:t>
+            </a:r>
+            <a:r>
+              <a:rPr lang="en-US" sz="1050" dirty="0">
+                <a:solidFill>
+                  <a:srgbClr val="000000"/>
+                </a:solidFill>
+                <a:latin typeface="Menlo" panose="020B0609030804020204" pitchFamily="49" charset="0"/>
+              </a:rPr>
+              <a:t>, </a:t>
+            </a:r>
+            <a:r>
+              <a:rPr lang="en-US" sz="1050" dirty="0" err="1">
+                <a:solidFill>
+                  <a:srgbClr val="001080"/>
+                </a:solidFill>
+                <a:latin typeface="Menlo" panose="020B0609030804020204" pitchFamily="49" charset="0"/>
+              </a:rPr>
+              <a:t>carrier_input_schema</a:t>
+            </a:r>
+            <a:r>
+              <a:rPr lang="en-US" sz="1050" dirty="0">
+                <a:solidFill>
+                  <a:srgbClr val="000000"/>
+                </a:solidFill>
+                <a:latin typeface="Menlo" panose="020B0609030804020204" pitchFamily="49" charset="0"/>
+              </a:rPr>
+              <a:t>, </a:t>
+            </a:r>
+          </a:p>
+          <a:p>
+            <a:pPr marL="51435" indent="0">
+              <a:buNone/>
+            </a:pPr>
+            <a:r>
+              <a:rPr lang="en-US" sz="1050" dirty="0">
+                <a:solidFill>
+                  <a:srgbClr val="000000"/>
+                </a:solidFill>
+                <a:latin typeface="Menlo" panose="020B0609030804020204" pitchFamily="49" charset="0"/>
+              </a:rPr>
+              <a:t>  </a:t>
+            </a:r>
+            <a:r>
+              <a:rPr lang="en-US" sz="1050" dirty="0" err="1">
+                <a:solidFill>
+                  <a:srgbClr val="001080"/>
+                </a:solidFill>
+                <a:latin typeface="Menlo" panose="020B0609030804020204" pitchFamily="49" charset="0"/>
+              </a:rPr>
+              <a:t>carrier_output_schema</a:t>
+            </a:r>
+            <a:r>
+              <a:rPr lang="en-US" sz="1050" dirty="0">
+                <a:solidFill>
+                  <a:srgbClr val="000000"/>
+                </a:solidFill>
+                <a:latin typeface="Menlo" panose="020B0609030804020204" pitchFamily="49" charset="0"/>
+              </a:rPr>
+              <a:t>):</a:t>
+            </a:r>
+          </a:p>
+          <a:p>
+            <a:pPr marL="51435" indent="0">
+              <a:buNone/>
+            </a:pPr>
+            <a:endParaRPr lang="en-US" sz="1050" dirty="0">
+              <a:solidFill>
+                <a:srgbClr val="008000"/>
+              </a:solidFill>
+              <a:latin typeface="Menlo" panose="020B0609030804020204" pitchFamily="49" charset="0"/>
+            </a:endParaRPr>
+          </a:p>
+          <a:p>
+            <a:pPr marL="51435" indent="0">
+              <a:buNone/>
+            </a:pPr>
+            <a:r>
+              <a:rPr lang="en-US" sz="1050" dirty="0">
+                <a:solidFill>
+                  <a:srgbClr val="008000"/>
+                </a:solidFill>
+                <a:latin typeface="Menlo" panose="020B0609030804020204" pitchFamily="49" charset="0"/>
+              </a:rPr>
+              <a:t>  # given</a:t>
+            </a:r>
+            <a:endParaRPr lang="en-US" sz="1050" dirty="0">
+              <a:solidFill>
+                <a:srgbClr val="000000"/>
+              </a:solidFill>
+              <a:latin typeface="Menlo" panose="020B0609030804020204" pitchFamily="49" charset="0"/>
+            </a:endParaRPr>
+          </a:p>
+          <a:p>
+            <a:pPr marL="51435" indent="0">
+              <a:buNone/>
+            </a:pPr>
+            <a:r>
+              <a:rPr lang="en-US" sz="1050" dirty="0">
+                <a:solidFill>
+                  <a:srgbClr val="001080"/>
+                </a:solidFill>
+                <a:latin typeface="Menlo" panose="020B0609030804020204" pitchFamily="49" charset="0"/>
+              </a:rPr>
+              <a:t>  </a:t>
+            </a:r>
+            <a:r>
+              <a:rPr lang="en-US" sz="1050" dirty="0" err="1">
+                <a:solidFill>
+                  <a:srgbClr val="001080"/>
+                </a:solidFill>
+                <a:latin typeface="Menlo" panose="020B0609030804020204" pitchFamily="49" charset="0"/>
+              </a:rPr>
+              <a:t>input_data</a:t>
+            </a:r>
+            <a:r>
+              <a:rPr lang="en-US" sz="1050" dirty="0">
+                <a:solidFill>
+                  <a:srgbClr val="000000"/>
+                </a:solidFill>
+                <a:latin typeface="Menlo" panose="020B0609030804020204" pitchFamily="49" charset="0"/>
+              </a:rPr>
+              <a:t> = [</a:t>
+            </a:r>
+          </a:p>
+          <a:p>
+            <a:pPr marL="51435" indent="0">
+              <a:buNone/>
+            </a:pPr>
+            <a:r>
+              <a:rPr lang="en-US" sz="1050" dirty="0">
+                <a:solidFill>
+                  <a:srgbClr val="000000"/>
+                </a:solidFill>
+                <a:latin typeface="Menlo" panose="020B0609030804020204" pitchFamily="49" charset="0"/>
+              </a:rPr>
+              <a:t>    (</a:t>
+            </a:r>
+            <a:r>
+              <a:rPr lang="en-US" sz="1050" dirty="0">
+                <a:solidFill>
+                  <a:srgbClr val="A31515"/>
+                </a:solidFill>
+                <a:latin typeface="Menlo" panose="020B0609030804020204" pitchFamily="49" charset="0"/>
+              </a:rPr>
+              <a:t>'C01'</a:t>
+            </a:r>
+            <a:r>
+              <a:rPr lang="en-US" sz="1050" dirty="0">
+                <a:solidFill>
+                  <a:srgbClr val="000000"/>
+                </a:solidFill>
+                <a:latin typeface="Menlo" panose="020B0609030804020204" pitchFamily="49" charset="0"/>
+              </a:rPr>
+              <a:t>, </a:t>
+            </a:r>
+            <a:r>
+              <a:rPr lang="en-US" sz="1050" dirty="0">
+                <a:solidFill>
+                  <a:srgbClr val="A31515"/>
+                </a:solidFill>
+                <a:latin typeface="Menlo" panose="020B0609030804020204" pitchFamily="49" charset="0"/>
+              </a:rPr>
+              <a:t>'Carrier (2016 - 2020)’</a:t>
+            </a:r>
+            <a:r>
+              <a:rPr lang="en-US" sz="1050" dirty="0">
+                <a:solidFill>
+                  <a:srgbClr val="000000"/>
+                </a:solidFill>
+                <a:latin typeface="Menlo" panose="020B0609030804020204" pitchFamily="49" charset="0"/>
+              </a:rPr>
+              <a:t>),</a:t>
+            </a:r>
+          </a:p>
+          <a:p>
+            <a:pPr marL="51435" indent="0">
+              <a:buNone/>
+            </a:pPr>
+            <a:r>
+              <a:rPr lang="en-US" sz="1050" dirty="0">
+                <a:solidFill>
+                  <a:srgbClr val="000000"/>
+                </a:solidFill>
+                <a:latin typeface="Menlo" panose="020B0609030804020204" pitchFamily="49" charset="0"/>
+              </a:rPr>
+              <a:t>    (</a:t>
+            </a:r>
+            <a:r>
+              <a:rPr lang="en-US" sz="1050" dirty="0">
+                <a:solidFill>
+                  <a:srgbClr val="A31515"/>
+                </a:solidFill>
+                <a:latin typeface="Menlo" panose="020B0609030804020204" pitchFamily="49" charset="0"/>
+              </a:rPr>
+              <a:t>'C04'</a:t>
+            </a:r>
+            <a:r>
+              <a:rPr lang="en-US" sz="1050" dirty="0">
+                <a:solidFill>
+                  <a:srgbClr val="000000"/>
+                </a:solidFill>
+                <a:latin typeface="Menlo" panose="020B0609030804020204" pitchFamily="49" charset="0"/>
+              </a:rPr>
+              <a:t>, </a:t>
+            </a:r>
+            <a:r>
+              <a:rPr lang="en-US" sz="1050" dirty="0">
+                <a:solidFill>
+                  <a:srgbClr val="A31515"/>
+                </a:solidFill>
+                <a:latin typeface="Menlo" panose="020B0609030804020204" pitchFamily="49" charset="0"/>
+              </a:rPr>
+              <a:t>'Carrier (carrier) (2010 - 2016)’</a:t>
+            </a:r>
+            <a:r>
+              <a:rPr lang="en-US" sz="1050" dirty="0">
+                <a:solidFill>
+                  <a:srgbClr val="000000"/>
+                </a:solidFill>
+                <a:latin typeface="Menlo" panose="020B0609030804020204" pitchFamily="49" charset="0"/>
+              </a:rPr>
+              <a:t>)]</a:t>
+            </a:r>
+          </a:p>
+          <a:p>
+            <a:pPr marL="51435" indent="0">
+              <a:buNone/>
+            </a:pPr>
+            <a:r>
+              <a:rPr lang="en-US" sz="1050" dirty="0">
+                <a:solidFill>
+                  <a:srgbClr val="001080"/>
+                </a:solidFill>
+                <a:latin typeface="Menlo" panose="020B0609030804020204" pitchFamily="49" charset="0"/>
+              </a:rPr>
+              <a:t>    </a:t>
+            </a:r>
+            <a:r>
+              <a:rPr lang="en-US" sz="1050" dirty="0" err="1">
+                <a:solidFill>
+                  <a:srgbClr val="001080"/>
+                </a:solidFill>
+                <a:latin typeface="Menlo" panose="020B0609030804020204" pitchFamily="49" charset="0"/>
+              </a:rPr>
+              <a:t>input_df</a:t>
+            </a:r>
+            <a:r>
+              <a:rPr lang="en-US" sz="1050" dirty="0">
+                <a:solidFill>
+                  <a:srgbClr val="000000"/>
+                </a:solidFill>
+                <a:latin typeface="Menlo" panose="020B0609030804020204" pitchFamily="49" charset="0"/>
+              </a:rPr>
+              <a:t> = </a:t>
+            </a:r>
+            <a:r>
+              <a:rPr lang="en-US" sz="1050" dirty="0" err="1">
+                <a:solidFill>
+                  <a:srgbClr val="001080"/>
+                </a:solidFill>
+                <a:latin typeface="Menlo" panose="020B0609030804020204" pitchFamily="49" charset="0"/>
+              </a:rPr>
+              <a:t>spark_session</a:t>
+            </a:r>
+            <a:r>
+              <a:rPr lang="en-US" sz="1050" dirty="0" err="1">
+                <a:solidFill>
+                  <a:srgbClr val="000000"/>
+                </a:solidFill>
+                <a:latin typeface="Menlo" panose="020B0609030804020204" pitchFamily="49" charset="0"/>
+              </a:rPr>
+              <a:t>.createDataFrame</a:t>
+            </a:r>
+            <a:r>
+              <a:rPr lang="en-US" sz="1050" dirty="0">
+                <a:solidFill>
+                  <a:srgbClr val="000000"/>
+                </a:solidFill>
+                <a:latin typeface="Menlo" panose="020B0609030804020204" pitchFamily="49" charset="0"/>
+              </a:rPr>
+              <a:t>(</a:t>
+            </a:r>
+          </a:p>
+          <a:p>
+            <a:pPr marL="51435" indent="0">
+              <a:buNone/>
+            </a:pPr>
+            <a:r>
+              <a:rPr lang="en-US" sz="1050" dirty="0">
+                <a:solidFill>
+                  <a:srgbClr val="000000"/>
+                </a:solidFill>
+                <a:latin typeface="Menlo" panose="020B0609030804020204" pitchFamily="49" charset="0"/>
+              </a:rPr>
+              <a:t>      </a:t>
+            </a:r>
+            <a:r>
+              <a:rPr lang="en-US" sz="1050" dirty="0">
+                <a:solidFill>
+                  <a:srgbClr val="001080"/>
+                </a:solidFill>
+                <a:latin typeface="Menlo" panose="020B0609030804020204" pitchFamily="49" charset="0"/>
+              </a:rPr>
+              <a:t>data</a:t>
+            </a:r>
+            <a:r>
+              <a:rPr lang="en-US" sz="1050" dirty="0">
+                <a:solidFill>
+                  <a:srgbClr val="000000"/>
+                </a:solidFill>
+                <a:latin typeface="Menlo" panose="020B0609030804020204" pitchFamily="49" charset="0"/>
+              </a:rPr>
+              <a:t>=</a:t>
+            </a:r>
+            <a:r>
+              <a:rPr lang="en-US" sz="1050" dirty="0" err="1">
+                <a:solidFill>
+                  <a:srgbClr val="001080"/>
+                </a:solidFill>
+                <a:latin typeface="Menlo" panose="020B0609030804020204" pitchFamily="49" charset="0"/>
+              </a:rPr>
+              <a:t>input_data</a:t>
+            </a:r>
+            <a:r>
+              <a:rPr lang="en-US" sz="1050" dirty="0">
+                <a:solidFill>
+                  <a:srgbClr val="000000"/>
+                </a:solidFill>
+                <a:latin typeface="Menlo" panose="020B0609030804020204" pitchFamily="49" charset="0"/>
+              </a:rPr>
+              <a:t>, </a:t>
+            </a:r>
+            <a:r>
+              <a:rPr lang="en-US" sz="1050" dirty="0">
+                <a:solidFill>
+                  <a:srgbClr val="001080"/>
+                </a:solidFill>
+                <a:latin typeface="Menlo" panose="020B0609030804020204" pitchFamily="49" charset="0"/>
+              </a:rPr>
+              <a:t>schema</a:t>
+            </a:r>
+            <a:r>
+              <a:rPr lang="en-US" sz="1050" dirty="0">
+                <a:solidFill>
+                  <a:srgbClr val="000000"/>
+                </a:solidFill>
+                <a:latin typeface="Menlo" panose="020B0609030804020204" pitchFamily="49" charset="0"/>
+              </a:rPr>
+              <a:t>=</a:t>
+            </a:r>
+            <a:r>
+              <a:rPr lang="en-US" sz="1050" dirty="0" err="1">
+                <a:solidFill>
+                  <a:srgbClr val="001080"/>
+                </a:solidFill>
+                <a:latin typeface="Menlo" panose="020B0609030804020204" pitchFamily="49" charset="0"/>
+              </a:rPr>
+              <a:t>carrier_input_schema</a:t>
+            </a:r>
+            <a:r>
+              <a:rPr lang="en-US" sz="1050" dirty="0">
+                <a:solidFill>
+                  <a:srgbClr val="000000"/>
+                </a:solidFill>
+                <a:latin typeface="Menlo" panose="020B0609030804020204" pitchFamily="49" charset="0"/>
+              </a:rPr>
+              <a:t>)</a:t>
+            </a:r>
+          </a:p>
+          <a:p>
+            <a:pPr marL="51435" indent="0">
+              <a:buNone/>
+            </a:pPr>
+            <a:br>
+              <a:rPr lang="en-US" sz="1050" dirty="0">
+                <a:solidFill>
+                  <a:srgbClr val="000000"/>
+                </a:solidFill>
+                <a:latin typeface="Menlo" panose="020B0609030804020204" pitchFamily="49" charset="0"/>
+              </a:rPr>
+            </a:br>
+            <a:r>
+              <a:rPr lang="en-US" sz="1050" dirty="0">
+                <a:solidFill>
+                  <a:srgbClr val="000000"/>
+                </a:solidFill>
+                <a:latin typeface="Menlo" panose="020B0609030804020204" pitchFamily="49" charset="0"/>
+              </a:rPr>
+              <a:t>  </a:t>
+            </a:r>
+            <a:r>
+              <a:rPr lang="en-US" sz="1050" dirty="0" err="1">
+                <a:solidFill>
+                  <a:srgbClr val="001080"/>
+                </a:solidFill>
+                <a:latin typeface="Menlo" panose="020B0609030804020204" pitchFamily="49" charset="0"/>
+              </a:rPr>
+              <a:t>expected_df</a:t>
+            </a:r>
+            <a:r>
+              <a:rPr lang="en-US" sz="1050" dirty="0">
+                <a:solidFill>
+                  <a:srgbClr val="000000"/>
+                </a:solidFill>
+                <a:latin typeface="Menlo" panose="020B0609030804020204" pitchFamily="49" charset="0"/>
+              </a:rPr>
+              <a:t> = </a:t>
+            </a:r>
+            <a:r>
+              <a:rPr lang="en-US" sz="1050" dirty="0" err="1">
+                <a:solidFill>
+                  <a:srgbClr val="001080"/>
+                </a:solidFill>
+                <a:latin typeface="Menlo" panose="020B0609030804020204" pitchFamily="49" charset="0"/>
+              </a:rPr>
+              <a:t>spark_session</a:t>
+            </a:r>
+            <a:r>
+              <a:rPr lang="en-US" sz="1050" dirty="0" err="1">
+                <a:solidFill>
+                  <a:srgbClr val="000000"/>
+                </a:solidFill>
+                <a:latin typeface="Menlo" panose="020B0609030804020204" pitchFamily="49" charset="0"/>
+              </a:rPr>
+              <a:t>.createDataFrame</a:t>
+            </a:r>
+            <a:r>
+              <a:rPr lang="en-US" sz="1050" dirty="0">
+                <a:solidFill>
+                  <a:srgbClr val="000000"/>
+                </a:solidFill>
+                <a:latin typeface="Menlo" panose="020B0609030804020204" pitchFamily="49" charset="0"/>
+              </a:rPr>
+              <a:t>(</a:t>
+            </a:r>
+          </a:p>
+          <a:p>
+            <a:pPr marL="51435" indent="0">
+              <a:buNone/>
+            </a:pPr>
+            <a:r>
+              <a:rPr lang="en-US" sz="1050" dirty="0">
+                <a:solidFill>
+                  <a:srgbClr val="001080"/>
+                </a:solidFill>
+                <a:latin typeface="Menlo" panose="020B0609030804020204" pitchFamily="49" charset="0"/>
+              </a:rPr>
+              <a:t>    data</a:t>
+            </a:r>
+            <a:r>
+              <a:rPr lang="en-US" sz="1050" dirty="0">
+                <a:solidFill>
+                  <a:srgbClr val="000000"/>
+                </a:solidFill>
+                <a:latin typeface="Menlo" panose="020B0609030804020204" pitchFamily="49" charset="0"/>
+              </a:rPr>
+              <a:t>=[</a:t>
+            </a:r>
+          </a:p>
+          <a:p>
+            <a:pPr marL="51435" indent="0">
+              <a:buNone/>
+            </a:pPr>
+            <a:r>
+              <a:rPr lang="en-US" sz="1050" dirty="0">
+                <a:solidFill>
+                  <a:srgbClr val="000000"/>
+                </a:solidFill>
+                <a:latin typeface="Menlo" panose="020B0609030804020204" pitchFamily="49" charset="0"/>
+              </a:rPr>
+              <a:t>      (</a:t>
+            </a:r>
+            <a:r>
+              <a:rPr lang="en-US" sz="1050" dirty="0">
+                <a:solidFill>
+                  <a:srgbClr val="A31515"/>
+                </a:solidFill>
+                <a:latin typeface="Menlo" panose="020B0609030804020204" pitchFamily="49" charset="0"/>
+              </a:rPr>
+              <a:t>'C01'</a:t>
+            </a:r>
+            <a:r>
+              <a:rPr lang="en-US" sz="1050" dirty="0">
+                <a:solidFill>
+                  <a:srgbClr val="000000"/>
+                </a:solidFill>
+                <a:latin typeface="Menlo" panose="020B0609030804020204" pitchFamily="49" charset="0"/>
+              </a:rPr>
+              <a:t>, </a:t>
+            </a:r>
+            <a:r>
+              <a:rPr lang="en-US" sz="1050" dirty="0">
+                <a:solidFill>
+                  <a:srgbClr val="A31515"/>
+                </a:solidFill>
+                <a:latin typeface="Menlo" panose="020B0609030804020204" pitchFamily="49" charset="0"/>
+              </a:rPr>
+              <a:t>'Carrier (2016 - 2020)'</a:t>
+            </a:r>
+            <a:r>
+              <a:rPr lang="en-US" sz="1050" dirty="0">
+                <a:solidFill>
+                  <a:srgbClr val="000000"/>
+                </a:solidFill>
+                <a:latin typeface="Menlo" panose="020B0609030804020204" pitchFamily="49" charset="0"/>
+              </a:rPr>
+              <a:t>, </a:t>
+            </a:r>
+            <a:r>
+              <a:rPr lang="en-US" sz="1050" dirty="0">
+                <a:solidFill>
+                  <a:srgbClr val="098658"/>
+                </a:solidFill>
+                <a:latin typeface="Menlo" panose="020B0609030804020204" pitchFamily="49" charset="0"/>
+              </a:rPr>
+              <a:t>2016</a:t>
+            </a:r>
+            <a:r>
+              <a:rPr lang="en-US" sz="1050" dirty="0">
+                <a:solidFill>
+                  <a:srgbClr val="000000"/>
+                </a:solidFill>
+                <a:latin typeface="Menlo" panose="020B0609030804020204" pitchFamily="49" charset="0"/>
+              </a:rPr>
+              <a:t>, </a:t>
+            </a:r>
+            <a:r>
+              <a:rPr lang="en-US" sz="1050" dirty="0">
+                <a:solidFill>
+                  <a:srgbClr val="098658"/>
+                </a:solidFill>
+                <a:latin typeface="Menlo" panose="020B0609030804020204" pitchFamily="49" charset="0"/>
+              </a:rPr>
+              <a:t>2020</a:t>
+            </a:r>
+            <a:r>
+              <a:rPr lang="en-US" sz="1050" dirty="0">
+                <a:solidFill>
+                  <a:srgbClr val="000000"/>
+                </a:solidFill>
+                <a:latin typeface="Menlo" panose="020B0609030804020204" pitchFamily="49" charset="0"/>
+              </a:rPr>
+              <a:t>),</a:t>
+            </a:r>
+          </a:p>
+          <a:p>
+            <a:pPr marL="51435" indent="0">
+              <a:buNone/>
+            </a:pPr>
+            <a:r>
+              <a:rPr lang="en-US" sz="1050" dirty="0">
+                <a:solidFill>
+                  <a:srgbClr val="000000"/>
+                </a:solidFill>
+                <a:latin typeface="Menlo" panose="020B0609030804020204" pitchFamily="49" charset="0"/>
+              </a:rPr>
+              <a:t>      (</a:t>
+            </a:r>
+            <a:r>
+              <a:rPr lang="en-US" sz="1050" dirty="0">
+                <a:solidFill>
+                  <a:srgbClr val="A31515"/>
+                </a:solidFill>
+                <a:latin typeface="Menlo" panose="020B0609030804020204" pitchFamily="49" charset="0"/>
+              </a:rPr>
+              <a:t>'C04 '</a:t>
+            </a:r>
+            <a:r>
+              <a:rPr lang="en-US" sz="1050" dirty="0">
+                <a:solidFill>
+                  <a:srgbClr val="000000"/>
+                </a:solidFill>
+                <a:latin typeface="Menlo" panose="020B0609030804020204" pitchFamily="49" charset="0"/>
+              </a:rPr>
+              <a:t>, </a:t>
+            </a:r>
+            <a:r>
+              <a:rPr lang="en-US" sz="1050" dirty="0">
+                <a:solidFill>
+                  <a:srgbClr val="A31515"/>
+                </a:solidFill>
+                <a:latin typeface="Menlo" panose="020B0609030804020204" pitchFamily="49" charset="0"/>
+              </a:rPr>
+              <a:t>'Carrier (carrier) (2010 - 2016)'</a:t>
+            </a:r>
+            <a:r>
+              <a:rPr lang="en-US" sz="1050" dirty="0">
+                <a:solidFill>
+                  <a:srgbClr val="000000"/>
+                </a:solidFill>
+                <a:latin typeface="Menlo" panose="020B0609030804020204" pitchFamily="49" charset="0"/>
+              </a:rPr>
+              <a:t>, </a:t>
+            </a:r>
+            <a:r>
+              <a:rPr lang="en-US" sz="1050" dirty="0">
+                <a:solidFill>
+                  <a:srgbClr val="098658"/>
+                </a:solidFill>
+                <a:latin typeface="Menlo" panose="020B0609030804020204" pitchFamily="49" charset="0"/>
+              </a:rPr>
+              <a:t>2010</a:t>
+            </a:r>
+            <a:r>
+              <a:rPr lang="en-US" sz="1050" dirty="0">
+                <a:solidFill>
+                  <a:srgbClr val="000000"/>
+                </a:solidFill>
+                <a:latin typeface="Menlo" panose="020B0609030804020204" pitchFamily="49" charset="0"/>
+              </a:rPr>
+              <a:t>, </a:t>
+            </a:r>
+            <a:r>
+              <a:rPr lang="en-US" sz="1050" dirty="0">
+                <a:solidFill>
+                  <a:srgbClr val="098658"/>
+                </a:solidFill>
+                <a:latin typeface="Menlo" panose="020B0609030804020204" pitchFamily="49" charset="0"/>
+              </a:rPr>
+              <a:t>2016</a:t>
+            </a:r>
+            <a:r>
+              <a:rPr lang="en-US" sz="1050" dirty="0">
+                <a:solidFill>
+                  <a:srgbClr val="000000"/>
+                </a:solidFill>
+                <a:latin typeface="Menlo" panose="020B0609030804020204" pitchFamily="49" charset="0"/>
+              </a:rPr>
+              <a:t>)</a:t>
+            </a:r>
+          </a:p>
+          <a:p>
+            <a:pPr marL="51435" indent="0">
+              <a:buNone/>
+            </a:pPr>
+            <a:r>
+              <a:rPr lang="en-US" sz="1050" dirty="0">
+                <a:solidFill>
+                  <a:srgbClr val="000000"/>
+                </a:solidFill>
+                <a:latin typeface="Menlo" panose="020B0609030804020204" pitchFamily="49" charset="0"/>
+              </a:rPr>
+              <a:t>      ], </a:t>
+            </a:r>
+          </a:p>
+          <a:p>
+            <a:pPr marL="51435" indent="0">
+              <a:buNone/>
+            </a:pPr>
+            <a:r>
+              <a:rPr lang="en-US" sz="1050" dirty="0">
+                <a:solidFill>
+                  <a:srgbClr val="001080"/>
+                </a:solidFill>
+                <a:latin typeface="Menlo" panose="020B0609030804020204" pitchFamily="49" charset="0"/>
+              </a:rPr>
+              <a:t>      schema</a:t>
+            </a:r>
+            <a:r>
+              <a:rPr lang="en-US" sz="1050" dirty="0">
+                <a:solidFill>
+                  <a:srgbClr val="000000"/>
+                </a:solidFill>
+                <a:latin typeface="Menlo" panose="020B0609030804020204" pitchFamily="49" charset="0"/>
+              </a:rPr>
+              <a:t>=</a:t>
+            </a:r>
+            <a:r>
+              <a:rPr lang="en-US" sz="1050" dirty="0" err="1">
+                <a:solidFill>
+                  <a:srgbClr val="001080"/>
+                </a:solidFill>
+                <a:latin typeface="Menlo" panose="020B0609030804020204" pitchFamily="49" charset="0"/>
+              </a:rPr>
+              <a:t>carrier_output_schema</a:t>
+            </a:r>
+            <a:r>
+              <a:rPr lang="en-US" sz="1050" dirty="0">
+                <a:solidFill>
+                  <a:srgbClr val="000000"/>
+                </a:solidFill>
+                <a:latin typeface="Menlo" panose="020B0609030804020204" pitchFamily="49" charset="0"/>
+              </a:rPr>
+              <a:t>)</a:t>
+            </a:r>
+          </a:p>
+          <a:p>
+            <a:pPr marL="51435" indent="0">
+              <a:buNone/>
+            </a:pPr>
+            <a:br>
+              <a:rPr lang="en-US" sz="1050" dirty="0">
+                <a:solidFill>
+                  <a:srgbClr val="000000"/>
+                </a:solidFill>
+                <a:latin typeface="Menlo" panose="020B0609030804020204" pitchFamily="49" charset="0"/>
+              </a:rPr>
+            </a:br>
+            <a:r>
+              <a:rPr lang="en-US" sz="1050" dirty="0">
+                <a:solidFill>
+                  <a:srgbClr val="000000"/>
+                </a:solidFill>
+                <a:latin typeface="Menlo" panose="020B0609030804020204" pitchFamily="49" charset="0"/>
+              </a:rPr>
+              <a:t>  </a:t>
+            </a:r>
+            <a:r>
+              <a:rPr lang="en-US" sz="1050" dirty="0">
+                <a:solidFill>
+                  <a:srgbClr val="008000"/>
+                </a:solidFill>
+                <a:latin typeface="Menlo" panose="020B0609030804020204" pitchFamily="49" charset="0"/>
+              </a:rPr>
+              <a:t># when</a:t>
+            </a:r>
+            <a:endParaRPr lang="en-US" sz="1050" dirty="0">
+              <a:solidFill>
+                <a:srgbClr val="000000"/>
+              </a:solidFill>
+              <a:latin typeface="Menlo" panose="020B0609030804020204" pitchFamily="49" charset="0"/>
+            </a:endParaRPr>
+          </a:p>
+          <a:p>
+            <a:pPr marL="51435" indent="0">
+              <a:buNone/>
+            </a:pPr>
+            <a:r>
+              <a:rPr lang="en-US" sz="1050" dirty="0">
+                <a:solidFill>
+                  <a:srgbClr val="001080"/>
+                </a:solidFill>
+                <a:latin typeface="Menlo" panose="020B0609030804020204" pitchFamily="49" charset="0"/>
+              </a:rPr>
+              <a:t>  </a:t>
+            </a:r>
+            <a:r>
+              <a:rPr lang="en-US" sz="1050" dirty="0" err="1">
+                <a:solidFill>
+                  <a:srgbClr val="001080"/>
+                </a:solidFill>
+                <a:latin typeface="Menlo" panose="020B0609030804020204" pitchFamily="49" charset="0"/>
+              </a:rPr>
+              <a:t>actual_df</a:t>
+            </a:r>
+            <a:r>
+              <a:rPr lang="en-US" sz="1050" dirty="0">
+                <a:solidFill>
+                  <a:srgbClr val="000000"/>
+                </a:solidFill>
+                <a:latin typeface="Menlo" panose="020B0609030804020204" pitchFamily="49" charset="0"/>
+              </a:rPr>
+              <a:t> = </a:t>
+            </a:r>
+            <a:r>
+              <a:rPr lang="en-US" sz="1050" dirty="0" err="1">
+                <a:solidFill>
+                  <a:srgbClr val="795E26"/>
+                </a:solidFill>
+                <a:latin typeface="Menlo" panose="020B0609030804020204" pitchFamily="49" charset="0"/>
+              </a:rPr>
+              <a:t>processYearRange</a:t>
+            </a:r>
+            <a:r>
+              <a:rPr lang="en-US" sz="1050" dirty="0">
+                <a:solidFill>
+                  <a:srgbClr val="000000"/>
+                </a:solidFill>
+                <a:latin typeface="Menlo" panose="020B0609030804020204" pitchFamily="49" charset="0"/>
+              </a:rPr>
+              <a:t>(</a:t>
+            </a:r>
+            <a:r>
+              <a:rPr lang="en-US" sz="1050" dirty="0" err="1">
+                <a:solidFill>
+                  <a:srgbClr val="001080"/>
+                </a:solidFill>
+                <a:latin typeface="Menlo" panose="020B0609030804020204" pitchFamily="49" charset="0"/>
+              </a:rPr>
+              <a:t>input_df</a:t>
+            </a:r>
+            <a:r>
+              <a:rPr lang="en-US" sz="1050" dirty="0">
+                <a:solidFill>
+                  <a:srgbClr val="000000"/>
+                </a:solidFill>
+                <a:latin typeface="Menlo" panose="020B0609030804020204" pitchFamily="49" charset="0"/>
+              </a:rPr>
+              <a:t>, </a:t>
+            </a:r>
+            <a:r>
+              <a:rPr lang="en-US" sz="1050" dirty="0" err="1">
+                <a:solidFill>
+                  <a:srgbClr val="001080"/>
+                </a:solidFill>
+                <a:latin typeface="Menlo" panose="020B0609030804020204" pitchFamily="49" charset="0"/>
+              </a:rPr>
+              <a:t>glue_context</a:t>
+            </a:r>
+            <a:r>
+              <a:rPr lang="en-US" sz="1050" dirty="0">
+                <a:solidFill>
+                  <a:srgbClr val="000000"/>
+                </a:solidFill>
+                <a:latin typeface="Menlo" panose="020B0609030804020204" pitchFamily="49" charset="0"/>
+              </a:rPr>
+              <a:t>)</a:t>
+            </a:r>
+          </a:p>
+          <a:p>
+            <a:pPr marL="51435" indent="0">
+              <a:buNone/>
+            </a:pPr>
+            <a:br>
+              <a:rPr lang="en-US" sz="1050" dirty="0">
+                <a:solidFill>
+                  <a:srgbClr val="000000"/>
+                </a:solidFill>
+                <a:latin typeface="Menlo" panose="020B0609030804020204" pitchFamily="49" charset="0"/>
+              </a:rPr>
+            </a:br>
+            <a:r>
+              <a:rPr lang="en-US" sz="1050" dirty="0">
+                <a:solidFill>
+                  <a:srgbClr val="000000"/>
+                </a:solidFill>
+                <a:latin typeface="Menlo" panose="020B0609030804020204" pitchFamily="49" charset="0"/>
+              </a:rPr>
+              <a:t>  </a:t>
+            </a:r>
+            <a:r>
+              <a:rPr lang="en-US" sz="1050" dirty="0">
+                <a:solidFill>
+                  <a:srgbClr val="008000"/>
+                </a:solidFill>
+                <a:latin typeface="Menlo" panose="020B0609030804020204" pitchFamily="49" charset="0"/>
+              </a:rPr>
+              <a:t># then</a:t>
+            </a:r>
+            <a:endParaRPr lang="en-US" sz="1050" dirty="0">
+              <a:solidFill>
+                <a:srgbClr val="000000"/>
+              </a:solidFill>
+              <a:latin typeface="Menlo" panose="020B0609030804020204" pitchFamily="49" charset="0"/>
+            </a:endParaRPr>
+          </a:p>
+          <a:p>
+            <a:pPr marL="51435" indent="0">
+              <a:buNone/>
+            </a:pPr>
+            <a:r>
+              <a:rPr lang="en-US" sz="1050" dirty="0">
+                <a:solidFill>
+                  <a:srgbClr val="795E26"/>
+                </a:solidFill>
+                <a:latin typeface="Menlo" panose="020B0609030804020204" pitchFamily="49" charset="0"/>
+              </a:rPr>
+              <a:t>  </a:t>
+            </a:r>
+            <a:r>
+              <a:rPr lang="en-US" sz="1050" dirty="0" err="1">
+                <a:solidFill>
+                  <a:srgbClr val="795E26"/>
+                </a:solidFill>
+                <a:latin typeface="Menlo" panose="020B0609030804020204" pitchFamily="49" charset="0"/>
+              </a:rPr>
+              <a:t>assert_dataframes_equal</a:t>
+            </a:r>
+            <a:r>
+              <a:rPr lang="en-US" sz="1050" dirty="0">
+                <a:solidFill>
+                  <a:srgbClr val="000000"/>
+                </a:solidFill>
+                <a:latin typeface="Menlo" panose="020B0609030804020204" pitchFamily="49" charset="0"/>
+              </a:rPr>
+              <a:t>(</a:t>
+            </a:r>
+            <a:r>
+              <a:rPr lang="en-US" sz="1050" dirty="0" err="1">
+                <a:solidFill>
+                  <a:srgbClr val="001080"/>
+                </a:solidFill>
+                <a:latin typeface="Menlo" panose="020B0609030804020204" pitchFamily="49" charset="0"/>
+              </a:rPr>
+              <a:t>expected_df</a:t>
+            </a:r>
+            <a:r>
+              <a:rPr lang="en-US" sz="1050" dirty="0">
+                <a:solidFill>
+                  <a:srgbClr val="000000"/>
+                </a:solidFill>
+                <a:latin typeface="Menlo" panose="020B0609030804020204" pitchFamily="49" charset="0"/>
+              </a:rPr>
+              <a:t>, </a:t>
+            </a:r>
+            <a:r>
+              <a:rPr lang="en-US" sz="1050" dirty="0" err="1">
+                <a:solidFill>
+                  <a:srgbClr val="001080"/>
+                </a:solidFill>
+                <a:latin typeface="Menlo" panose="020B0609030804020204" pitchFamily="49" charset="0"/>
+              </a:rPr>
+              <a:t>actual_df</a:t>
+            </a:r>
+            <a:r>
+              <a:rPr lang="en-US" sz="1050" dirty="0">
+                <a:solidFill>
+                  <a:srgbClr val="000000"/>
+                </a:solidFill>
+                <a:latin typeface="Menlo" panose="020B0609030804020204" pitchFamily="49" charset="0"/>
+              </a:rPr>
+              <a:t>)</a:t>
+            </a:r>
+          </a:p>
+        </p:txBody>
+      </p:sp>
+      <p:sp>
+        <p:nvSpPr>
+          <p:cNvPr id="8" name="Text Placeholder 7">
+            <a:extLst>
+              <a:ext uri="{FF2B5EF4-FFF2-40B4-BE49-F238E27FC236}">
+                <a16:creationId xmlns:a16="http://schemas.microsoft.com/office/drawing/2014/main" id="{41C9A3C4-98A8-9C47-B0F4-C966C063F9A4}"/>
+              </a:ext>
+            </a:extLst>
+          </p:cNvPr>
+          <p:cNvSpPr>
+            <a:spLocks noGrp="1"/>
+          </p:cNvSpPr>
+          <p:nvPr>
+            <p:ph type="body" sz="quarter" idx="3"/>
+          </p:nvPr>
+        </p:nvSpPr>
+        <p:spPr/>
+        <p:txBody>
+          <a:bodyPr/>
+          <a:lstStyle/>
+          <a:p>
+            <a:r>
+              <a:rPr lang="en-US" dirty="0"/>
+              <a:t>A Few Notes</a:t>
+            </a:r>
+          </a:p>
+        </p:txBody>
+      </p:sp>
+      <p:sp>
+        <p:nvSpPr>
+          <p:cNvPr id="9" name="Content Placeholder 8">
+            <a:extLst>
+              <a:ext uri="{FF2B5EF4-FFF2-40B4-BE49-F238E27FC236}">
+                <a16:creationId xmlns:a16="http://schemas.microsoft.com/office/drawing/2014/main" id="{F4B8268A-1317-984D-BFCA-1DD30A1C039E}"/>
+              </a:ext>
+            </a:extLst>
+          </p:cNvPr>
+          <p:cNvSpPr>
+            <a:spLocks noGrp="1"/>
+          </p:cNvSpPr>
+          <p:nvPr>
+            <p:ph sz="quarter" idx="4"/>
+          </p:nvPr>
+        </p:nvSpPr>
+        <p:spPr/>
+        <p:txBody>
+          <a:bodyPr>
+            <a:normAutofit/>
+          </a:bodyPr>
+          <a:lstStyle/>
+          <a:p>
+            <a:pPr>
+              <a:buFont typeface="Arial" panose="020B0604020202020204" pitchFamily="34" charset="0"/>
+              <a:buChar char="•"/>
+            </a:pPr>
+            <a:r>
+              <a:rPr lang="en-US" dirty="0"/>
+              <a:t>This test starts with a </a:t>
+            </a:r>
+            <a:r>
+              <a:rPr lang="en-US" dirty="0" err="1"/>
+              <a:t>DataFrame</a:t>
+            </a:r>
+            <a:r>
+              <a:rPr lang="en-US" dirty="0"/>
+              <a:t> and not a </a:t>
+            </a:r>
+            <a:r>
+              <a:rPr lang="en-US" dirty="0" err="1"/>
+              <a:t>DynamicFrame</a:t>
+            </a:r>
+            <a:r>
+              <a:rPr lang="en-US" dirty="0"/>
+              <a:t> to show the similarity in test writing.</a:t>
+            </a:r>
+          </a:p>
+          <a:p>
+            <a:pPr>
+              <a:buFont typeface="Arial" panose="020B0604020202020204" pitchFamily="34" charset="0"/>
+              <a:buChar char="•"/>
+            </a:pPr>
+            <a:r>
+              <a:rPr lang="en-US" dirty="0"/>
+              <a:t>Normally </a:t>
+            </a:r>
+            <a:r>
+              <a:rPr lang="en-US" dirty="0" err="1"/>
+              <a:t>DynamicFrames</a:t>
+            </a:r>
+            <a:r>
+              <a:rPr lang="en-US" dirty="0"/>
+              <a:t> would be used exclusively.</a:t>
+            </a:r>
+          </a:p>
+          <a:p>
+            <a:pPr>
+              <a:buFont typeface="Arial" panose="020B0604020202020204" pitchFamily="34" charset="0"/>
+              <a:buChar char="•"/>
+            </a:pPr>
+            <a:r>
+              <a:rPr lang="en-US" dirty="0"/>
+              <a:t>Notice that the change is that </a:t>
+            </a:r>
+            <a:r>
+              <a:rPr lang="en-US" dirty="0" err="1"/>
+              <a:t>processYearRange</a:t>
+            </a:r>
+            <a:r>
+              <a:rPr lang="en-US" dirty="0"/>
+              <a:t>() takes in </a:t>
+            </a:r>
+            <a:r>
+              <a:rPr lang="en-US" dirty="0" err="1"/>
+              <a:t>glue_context</a:t>
+            </a:r>
+            <a:endParaRPr lang="en-US" dirty="0"/>
+          </a:p>
+          <a:p>
+            <a:pPr>
+              <a:buFont typeface="Arial" panose="020B0604020202020204" pitchFamily="34" charset="0"/>
+              <a:buChar char="•"/>
+            </a:pPr>
+            <a:r>
+              <a:rPr lang="en-US" dirty="0" err="1"/>
+              <a:t>GlueContext</a:t>
+            </a:r>
+            <a:r>
+              <a:rPr lang="en-US" dirty="0"/>
+              <a:t> will be used in the Docker container to leverage AWS Glue</a:t>
+            </a:r>
+          </a:p>
+        </p:txBody>
+      </p:sp>
+      <p:sp>
+        <p:nvSpPr>
+          <p:cNvPr id="5" name="Title 4">
+            <a:extLst>
+              <a:ext uri="{FF2B5EF4-FFF2-40B4-BE49-F238E27FC236}">
+                <a16:creationId xmlns:a16="http://schemas.microsoft.com/office/drawing/2014/main" id="{B237B974-FA91-6943-88FB-21024D267D42}"/>
+              </a:ext>
+            </a:extLst>
+          </p:cNvPr>
+          <p:cNvSpPr>
+            <a:spLocks noGrp="1"/>
+          </p:cNvSpPr>
+          <p:nvPr>
+            <p:ph type="title"/>
+          </p:nvPr>
+        </p:nvSpPr>
+        <p:spPr/>
+        <p:txBody>
+          <a:bodyPr/>
+          <a:lstStyle/>
+          <a:p>
+            <a:r>
+              <a:rPr lang="en-US" dirty="0"/>
+              <a:t>AWS Glue Test</a:t>
+            </a:r>
+          </a:p>
+        </p:txBody>
+      </p:sp>
+      <p:sp>
+        <p:nvSpPr>
+          <p:cNvPr id="10" name="Subtitle 9">
+            <a:extLst>
+              <a:ext uri="{FF2B5EF4-FFF2-40B4-BE49-F238E27FC236}">
+                <a16:creationId xmlns:a16="http://schemas.microsoft.com/office/drawing/2014/main" id="{4B4B37ED-EBA0-5F41-9300-B6896F5E0541}"/>
+              </a:ext>
+            </a:extLst>
+          </p:cNvPr>
+          <p:cNvSpPr>
+            <a:spLocks noGrp="1"/>
+          </p:cNvSpPr>
+          <p:nvPr>
+            <p:ph type="subTitle" idx="15"/>
+          </p:nvPr>
+        </p:nvSpPr>
+        <p:spPr/>
+        <p:txBody>
+          <a:bodyPr/>
+          <a:lstStyle/>
+          <a:p>
+            <a:endParaRPr lang="en-US" dirty="0"/>
+          </a:p>
+        </p:txBody>
+      </p:sp>
+    </p:spTree>
+    <p:extLst>
+      <p:ext uri="{BB962C8B-B14F-4D97-AF65-F5344CB8AC3E}">
+        <p14:creationId xmlns:p14="http://schemas.microsoft.com/office/powerpoint/2010/main" val="1817205972"/>
+      </p:ext>
+    </p:extLst>
+  </p:cSld>
+  <p:clrMapOvr>
+    <a:masterClrMapping/>
+  </p:clrMapOvr>
 </p:sld>
 </file>
 
@@ -30939,7 +31645,7 @@
           <a:p>
             <a:r>
               <a:rPr lang="en-US" dirty="0"/>
-              <a:t>Next Steps &amp; Challenges</a:t>
+              <a:t>Review</a:t>
             </a:r>
           </a:p>
         </p:txBody>
@@ -30979,7 +31685,7 @@
             </a:pPr>
             <a:r>
               <a:rPr lang="en-US" sz="2400" dirty="0"/>
-              <a:t>Use more efficient code organization for tests (no copy/paste)</a:t>
+              <a:t>Docker is a great way to isolate development environments</a:t>
             </a:r>
           </a:p>
           <a:p>
@@ -30990,7 +31696,7 @@
             </a:pPr>
             <a:r>
               <a:rPr lang="en-US" sz="2400" dirty="0"/>
-              <a:t>Explore other Glue APIs</a:t>
+              <a:t>Dev IDEs can use the Docker containers as the python interpreter</a:t>
             </a:r>
           </a:p>
           <a:p>
@@ -31001,7 +31707,7 @@
             </a:pPr>
             <a:r>
               <a:rPr lang="en-US" sz="2400" dirty="0"/>
-              <a:t>Implement tests using S3 and other integrations</a:t>
+              <a:t>Design your pipelines by isolating transformations from integrations (I/O)</a:t>
             </a:r>
           </a:p>
           <a:p>
@@ -31012,7 +31718,7 @@
             </a:pPr>
             <a:r>
               <a:rPr lang="en-US" sz="2400" dirty="0"/>
-              <a:t>Configure the IDE to be able to debug tests</a:t>
+              <a:t>Create testable scalar functions for business logic</a:t>
             </a:r>
           </a:p>
           <a:p>
@@ -31023,8 +31729,21 @@
             </a:pPr>
             <a:r>
               <a:rPr lang="en-US" sz="2400" dirty="0"/>
-              <a:t>As ELT/ETL gets more complex, the test automation gets more difficult</a:t>
-            </a:r>
+              <a:t>For Spark/Glue, define test data as input </a:t>
+            </a:r>
+            <a:r>
+              <a:rPr lang="en-US" sz="2400" dirty="0" err="1"/>
+              <a:t>DataFrames</a:t>
+            </a:r>
+            <a:r>
+              <a:rPr lang="en-US" sz="2400" dirty="0"/>
+              <a:t>/</a:t>
+            </a:r>
+            <a:r>
+              <a:rPr lang="en-US" sz="2400" dirty="0" err="1"/>
+              <a:t>DynamicFrames</a:t>
+            </a:r>
+            <a:endParaRPr lang="en-US" sz="2400" dirty="0"/>
           </a:p>
           <a:p>
             <a:pPr>
@@ -31034,8 +31753,21 @@
             </a:pPr>
             <a:r>
               <a:rPr lang="en-US" sz="2400" dirty="0"/>
-              <a:t>Testing is a very complex skill that requires practice</a:t>
-            </a:r>
+              <a:t>Use fixtures for reusable resources like the </a:t>
+            </a:r>
+            <a:r>
+              <a:rPr lang="en-US" sz="2400" dirty="0" err="1"/>
+              <a:t>SparkSession</a:t>
+            </a:r>
+            <a:r>
+              <a:rPr lang="en-US" sz="2400" dirty="0"/>
+              <a:t> or </a:t>
+            </a:r>
+            <a:r>
+              <a:rPr lang="en-US" sz="2400" dirty="0" err="1"/>
+              <a:t>GlueContext</a:t>
+            </a:r>
+            <a:endParaRPr lang="en-US" sz="2400" dirty="0"/>
           </a:p>
         </p:txBody>
       </p:sp>
@@ -31067,7 +31799,7 @@
     </p:spTree>
     <p:extLst>
       <p:ext uri="{BB962C8B-B14F-4D97-AF65-F5344CB8AC3E}">
-        <p14:creationId xmlns:p14="http://schemas.microsoft.com/office/powerpoint/2010/main" val="3894305117"/>
+        <p14:creationId xmlns:p14="http://schemas.microsoft.com/office/powerpoint/2010/main" val="241066208"/>
       </p:ext>
     </p:extLst>
   </p:cSld>
@@ -31495,6 +32227,583 @@
       </p:grpSpPr>
       <p:sp>
         <p:nvSpPr>
+          <p:cNvPr id="8" name="Title 7">
+            <a:extLst>
+              <a:ext uri="{FF2B5EF4-FFF2-40B4-BE49-F238E27FC236}">
+                <a16:creationId xmlns:a16="http://schemas.microsoft.com/office/drawing/2014/main" id="{A7FD581B-6292-774C-8675-53B73FFA25AE}"/>
+              </a:ext>
+            </a:extLst>
+          </p:cNvPr>
+          <p:cNvSpPr>
+            <a:spLocks noGrp="1"/>
+          </p:cNvSpPr>
+          <p:nvPr>
+            <p:ph type="title"/>
+          </p:nvPr>
+        </p:nvSpPr>
+        <p:spPr/>
+        <p:txBody>
+          <a:bodyPr/>
+          <a:lstStyle/>
+          <a:p>
+            <a:r>
+              <a:rPr lang="en-US" dirty="0"/>
+              <a:t>Next Steps &amp; Challenges</a:t>
+            </a:r>
+          </a:p>
+        </p:txBody>
+      </p:sp>
+      <p:sp>
+        <p:nvSpPr>
+          <p:cNvPr id="9" name="Content Placeholder 8">
+            <a:extLst>
+              <a:ext uri="{FF2B5EF4-FFF2-40B4-BE49-F238E27FC236}">
+                <a16:creationId xmlns:a16="http://schemas.microsoft.com/office/drawing/2014/main" id="{62DF0390-5E4D-F449-92CE-9915BCFF6898}"/>
+              </a:ext>
+            </a:extLst>
+          </p:cNvPr>
+          <p:cNvSpPr>
+            <a:spLocks noGrp="1"/>
+          </p:cNvSpPr>
+          <p:nvPr>
+            <p:ph idx="1"/>
+          </p:nvPr>
+        </p:nvSpPr>
+        <p:spPr>
+          <a:xfrm>
+            <a:off x="289400" y="1460502"/>
+            <a:ext cx="11634376" cy="4486429"/>
+          </a:xfrm>
+        </p:spPr>
+        <p:txBody>
+          <a:bodyPr>
+            <a:normAutofit/>
+          </a:bodyPr>
+          <a:lstStyle/>
+          <a:p>
+            <a:pPr>
+              <a:lnSpc>
+                <a:spcPct val="150000"/>
+              </a:lnSpc>
+            </a:pPr>
+            <a:r>
+              <a:rPr lang="en-US" sz="2400" dirty="0"/>
+              <a:t>Use more efficient code organization for tests (no copy/paste)</a:t>
+            </a:r>
+          </a:p>
+          <a:p>
+            <a:pPr>
+              <a:lnSpc>
+                <a:spcPct val="150000"/>
+              </a:lnSpc>
+            </a:pPr>
+            <a:r>
+              <a:rPr lang="en-US" sz="2400" dirty="0"/>
+              <a:t>Explore other Glue APIs</a:t>
+            </a:r>
+          </a:p>
+          <a:p>
+            <a:pPr>
+              <a:lnSpc>
+                <a:spcPct val="150000"/>
+              </a:lnSpc>
+            </a:pPr>
+            <a:r>
+              <a:rPr lang="en-US" sz="2400" dirty="0"/>
+              <a:t>Implement tests using S3 and other integrations</a:t>
+            </a:r>
+          </a:p>
+          <a:p>
+            <a:pPr>
+              <a:lnSpc>
+                <a:spcPct val="150000"/>
+              </a:lnSpc>
+            </a:pPr>
+            <a:r>
+              <a:rPr lang="en-US" sz="2400" dirty="0"/>
+              <a:t>Configure the IDE to be able to debug tests</a:t>
+            </a:r>
+          </a:p>
+          <a:p>
+            <a:pPr>
+              <a:lnSpc>
+                <a:spcPct val="150000"/>
+              </a:lnSpc>
+            </a:pPr>
+            <a:r>
+              <a:rPr lang="en-US" sz="2400" dirty="0"/>
+              <a:t>As ELT/ETL gets more complex, the test automation gets more difficult</a:t>
+            </a:r>
+          </a:p>
+          <a:p>
+            <a:pPr>
+              <a:lnSpc>
+                <a:spcPct val="150000"/>
+              </a:lnSpc>
+            </a:pPr>
+            <a:r>
+              <a:rPr lang="en-US" sz="2400" dirty="0"/>
+              <a:t>Testing is a very complex skill that requires practice</a:t>
+            </a:r>
+          </a:p>
+        </p:txBody>
+      </p:sp>
+      <p:sp>
+        <p:nvSpPr>
+          <p:cNvPr id="10" name="Subtitle 9">
+            <a:extLst>
+              <a:ext uri="{FF2B5EF4-FFF2-40B4-BE49-F238E27FC236}">
+                <a16:creationId xmlns:a16="http://schemas.microsoft.com/office/drawing/2014/main" id="{91F175ED-1481-8B49-93C7-9FC2861AC2B5}"/>
+              </a:ext>
+            </a:extLst>
+          </p:cNvPr>
+          <p:cNvSpPr>
+            <a:spLocks noGrp="1"/>
+          </p:cNvSpPr>
+          <p:nvPr>
+            <p:ph type="subTitle" idx="12"/>
+          </p:nvPr>
+        </p:nvSpPr>
+        <p:spPr/>
+        <p:txBody>
+          <a:bodyPr/>
+          <a:lstStyle/>
+          <a:p>
+            <a:endParaRPr lang="en-US"/>
+          </a:p>
+        </p:txBody>
+      </p:sp>
+    </p:spTree>
+    <p:extLst>
+      <p:ext uri="{BB962C8B-B14F-4D97-AF65-F5344CB8AC3E}">
+        <p14:creationId xmlns:p14="http://schemas.microsoft.com/office/powerpoint/2010/main" val="3894305117"/>
+      </p:ext>
+    </p:extLst>
+  </p:cSld>
+  <p:clrMapOvr>
+    <a:masterClrMapping/>
+  </p:clrMapOvr>
+  <p:timing>
+    <p:tnLst>
+      <p:par>
+        <p:cTn id="1" dur="indefinite" restart="never" nodeType="tmRoot">
+          <p:childTnLst>
+            <p:seq concurrent="1" nextAc="seek">
+              <p:cTn id="2" dur="indefinite" nodeType="mainSeq">
+                <p:childTnLst>
+                  <p:par>
+                    <p:cTn id="3" fill="hold">
+                      <p:stCondLst>
+                        <p:cond delay="indefinite"/>
+                      </p:stCondLst>
+                      <p:childTnLst>
+                        <p:par>
+                          <p:cTn id="4" fill="hold">
+                            <p:stCondLst>
+                              <p:cond delay="0"/>
+                            </p:stCondLst>
+                            <p:childTnLst>
+                              <p:par>
+                                <p:cTn id="5" presetID="10" presetClass="entr" presetSubtype="0" fill="hold" grpId="0" nodeType="clickEffect">
+                                  <p:stCondLst>
+                                    <p:cond delay="0"/>
+                                  </p:stCondLst>
+                                  <p:childTnLst>
+                                    <p:set>
+                                      <p:cBhvr>
+                                        <p:cTn id="6" dur="1" fill="hold">
+                                          <p:stCondLst>
+                                            <p:cond delay="0"/>
+                                          </p:stCondLst>
+                                        </p:cTn>
+                                        <p:tgtEl>
+                                          <p:spTgt spid="9">
+                                            <p:txEl>
+                                              <p:pRg st="0" end="0"/>
+                                            </p:txEl>
+                                          </p:spTgt>
+                                        </p:tgtEl>
+                                        <p:attrNameLst>
+                                          <p:attrName>style.visibility</p:attrName>
+                                        </p:attrNameLst>
+                                      </p:cBhvr>
+                                      <p:to>
+                                        <p:strVal val="visible"/>
+                                      </p:to>
+                                    </p:set>
+                                    <p:animEffect transition="in" filter="fade">
+                                      <p:cBhvr>
+                                        <p:cTn id="7" dur="500"/>
+                                        <p:tgtEl>
+                                          <p:spTgt spid="9">
+                                            <p:txEl>
+                                              <p:pRg st="0" end="0"/>
+                                            </p:txEl>
+                                          </p:spTgt>
+                                        </p:tgtEl>
+                                      </p:cBhvr>
+                                    </p:animEffect>
+                                  </p:childTnLst>
+                                </p:cTn>
+                              </p:par>
+                            </p:childTnLst>
+                          </p:cTn>
+                        </p:par>
+                      </p:childTnLst>
+                    </p:cTn>
+                  </p:par>
+                  <p:par>
+                    <p:cTn id="8" fill="hold">
+                      <p:stCondLst>
+                        <p:cond delay="indefinite"/>
+                      </p:stCondLst>
+                      <p:childTnLst>
+                        <p:par>
+                          <p:cTn id="9" fill="hold">
+                            <p:stCondLst>
+                              <p:cond delay="0"/>
+                            </p:stCondLst>
+                            <p:childTnLst>
+                              <p:par>
+                                <p:cTn id="10" presetID="10" presetClass="entr" presetSubtype="0" fill="hold" grpId="0" nodeType="clickEffect">
+                                  <p:stCondLst>
+                                    <p:cond delay="0"/>
+                                  </p:stCondLst>
+                                  <p:childTnLst>
+                                    <p:set>
+                                      <p:cBhvr>
+                                        <p:cTn id="11" dur="1" fill="hold">
+                                          <p:stCondLst>
+                                            <p:cond delay="0"/>
+                                          </p:stCondLst>
+                                        </p:cTn>
+                                        <p:tgtEl>
+                                          <p:spTgt spid="9">
+                                            <p:txEl>
+                                              <p:pRg st="1" end="1"/>
+                                            </p:txEl>
+                                          </p:spTgt>
+                                        </p:tgtEl>
+                                        <p:attrNameLst>
+                                          <p:attrName>style.visibility</p:attrName>
+                                        </p:attrNameLst>
+                                      </p:cBhvr>
+                                      <p:to>
+                                        <p:strVal val="visible"/>
+                                      </p:to>
+                                    </p:set>
+                                    <p:animEffect transition="in" filter="fade">
+                                      <p:cBhvr>
+                                        <p:cTn id="12" dur="500"/>
+                                        <p:tgtEl>
+                                          <p:spTgt spid="9">
+                                            <p:txEl>
+                                              <p:pRg st="1" end="1"/>
+                                            </p:txEl>
+                                          </p:spTgt>
+                                        </p:tgtEl>
+                                      </p:cBhvr>
+                                    </p:animEffect>
+                                  </p:childTnLst>
+                                </p:cTn>
+                              </p:par>
+                            </p:childTnLst>
+                          </p:cTn>
+                        </p:par>
+                      </p:childTnLst>
+                    </p:cTn>
+                  </p:par>
+                  <p:par>
+                    <p:cTn id="13" fill="hold">
+                      <p:stCondLst>
+                        <p:cond delay="indefinite"/>
+                      </p:stCondLst>
+                      <p:childTnLst>
+                        <p:par>
+                          <p:cTn id="14" fill="hold">
+                            <p:stCondLst>
+                              <p:cond delay="0"/>
+                            </p:stCondLst>
+                            <p:childTnLst>
+                              <p:par>
+                                <p:cTn id="15" presetID="10" presetClass="entr" presetSubtype="0" fill="hold" grpId="0" nodeType="clickEffect">
+                                  <p:stCondLst>
+                                    <p:cond delay="0"/>
+                                  </p:stCondLst>
+                                  <p:childTnLst>
+                                    <p:set>
+                                      <p:cBhvr>
+                                        <p:cTn id="16" dur="1" fill="hold">
+                                          <p:stCondLst>
+                                            <p:cond delay="0"/>
+                                          </p:stCondLst>
+                                        </p:cTn>
+                                        <p:tgtEl>
+                                          <p:spTgt spid="9">
+                                            <p:txEl>
+                                              <p:pRg st="2" end="2"/>
+                                            </p:txEl>
+                                          </p:spTgt>
+                                        </p:tgtEl>
+                                        <p:attrNameLst>
+                                          <p:attrName>style.visibility</p:attrName>
+                                        </p:attrNameLst>
+                                      </p:cBhvr>
+                                      <p:to>
+                                        <p:strVal val="visible"/>
+                                      </p:to>
+                                    </p:set>
+                                    <p:animEffect transition="in" filter="fade">
+                                      <p:cBhvr>
+                                        <p:cTn id="17" dur="500"/>
+                                        <p:tgtEl>
+                                          <p:spTgt spid="9">
+                                            <p:txEl>
+                                              <p:pRg st="2" end="2"/>
+                                            </p:txEl>
+                                          </p:spTgt>
+                                        </p:tgtEl>
+                                      </p:cBhvr>
+                                    </p:animEffect>
+                                  </p:childTnLst>
+                                </p:cTn>
+                              </p:par>
+                            </p:childTnLst>
+                          </p:cTn>
+                        </p:par>
+                      </p:childTnLst>
+                    </p:cTn>
+                  </p:par>
+                  <p:par>
+                    <p:cTn id="18" fill="hold">
+                      <p:stCondLst>
+                        <p:cond delay="indefinite"/>
+                      </p:stCondLst>
+                      <p:childTnLst>
+                        <p:par>
+                          <p:cTn id="19" fill="hold">
+                            <p:stCondLst>
+                              <p:cond delay="0"/>
+                            </p:stCondLst>
+                            <p:childTnLst>
+                              <p:par>
+                                <p:cTn id="20" presetID="10" presetClass="entr" presetSubtype="0" fill="hold" grpId="0" nodeType="clickEffect">
+                                  <p:stCondLst>
+                                    <p:cond delay="0"/>
+                                  </p:stCondLst>
+                                  <p:childTnLst>
+                                    <p:set>
+                                      <p:cBhvr>
+                                        <p:cTn id="21" dur="1" fill="hold">
+                                          <p:stCondLst>
+                                            <p:cond delay="0"/>
+                                          </p:stCondLst>
+                                        </p:cTn>
+                                        <p:tgtEl>
+                                          <p:spTgt spid="9">
+                                            <p:txEl>
+                                              <p:pRg st="3" end="3"/>
+                                            </p:txEl>
+                                          </p:spTgt>
+                                        </p:tgtEl>
+                                        <p:attrNameLst>
+                                          <p:attrName>style.visibility</p:attrName>
+                                        </p:attrNameLst>
+                                      </p:cBhvr>
+                                      <p:to>
+                                        <p:strVal val="visible"/>
+                                      </p:to>
+                                    </p:set>
+                                    <p:animEffect transition="in" filter="fade">
+                                      <p:cBhvr>
+                                        <p:cTn id="22" dur="500"/>
+                                        <p:tgtEl>
+                                          <p:spTgt spid="9">
+                                            <p:txEl>
+                                              <p:pRg st="3" end="3"/>
+                                            </p:txEl>
+                                          </p:spTgt>
+                                        </p:tgtEl>
+                                      </p:cBhvr>
+                                    </p:animEffect>
+                                  </p:childTnLst>
+                                </p:cTn>
+                              </p:par>
+                            </p:childTnLst>
+                          </p:cTn>
+                        </p:par>
+                      </p:childTnLst>
+                    </p:cTn>
+                  </p:par>
+                  <p:par>
+                    <p:cTn id="23" fill="hold">
+                      <p:stCondLst>
+                        <p:cond delay="indefinite"/>
+                      </p:stCondLst>
+                      <p:childTnLst>
+                        <p:par>
+                          <p:cTn id="24" fill="hold">
+                            <p:stCondLst>
+                              <p:cond delay="0"/>
+                            </p:stCondLst>
+                            <p:childTnLst>
+                              <p:par>
+                                <p:cTn id="25" presetID="10" presetClass="entr" presetSubtype="0" fill="hold" grpId="0" nodeType="clickEffect">
+                                  <p:stCondLst>
+                                    <p:cond delay="0"/>
+                                  </p:stCondLst>
+                                  <p:childTnLst>
+                                    <p:set>
+                                      <p:cBhvr>
+                                        <p:cTn id="26" dur="1" fill="hold">
+                                          <p:stCondLst>
+                                            <p:cond delay="0"/>
+                                          </p:stCondLst>
+                                        </p:cTn>
+                                        <p:tgtEl>
+                                          <p:spTgt spid="9">
+                                            <p:txEl>
+                                              <p:pRg st="4" end="4"/>
+                                            </p:txEl>
+                                          </p:spTgt>
+                                        </p:tgtEl>
+                                        <p:attrNameLst>
+                                          <p:attrName>style.visibility</p:attrName>
+                                        </p:attrNameLst>
+                                      </p:cBhvr>
+                                      <p:to>
+                                        <p:strVal val="visible"/>
+                                      </p:to>
+                                    </p:set>
+                                    <p:animEffect transition="in" filter="fade">
+                                      <p:cBhvr>
+                                        <p:cTn id="27" dur="500"/>
+                                        <p:tgtEl>
+                                          <p:spTgt spid="9">
+                                            <p:txEl>
+                                              <p:pRg st="4" end="4"/>
+                                            </p:txEl>
+                                          </p:spTgt>
+                                        </p:tgtEl>
+                                      </p:cBhvr>
+                                    </p:animEffect>
+                                  </p:childTnLst>
+                                </p:cTn>
+                              </p:par>
+                            </p:childTnLst>
+                          </p:cTn>
+                        </p:par>
+                      </p:childTnLst>
+                    </p:cTn>
+                  </p:par>
+                  <p:par>
+                    <p:cTn id="28" fill="hold">
+                      <p:stCondLst>
+                        <p:cond delay="indefinite"/>
+                      </p:stCondLst>
+                      <p:childTnLst>
+                        <p:par>
+                          <p:cTn id="29" fill="hold">
+                            <p:stCondLst>
+                              <p:cond delay="0"/>
+                            </p:stCondLst>
+                            <p:childTnLst>
+                              <p:par>
+                                <p:cTn id="30" presetID="10" presetClass="entr" presetSubtype="0" fill="hold" grpId="0" nodeType="clickEffect">
+                                  <p:stCondLst>
+                                    <p:cond delay="0"/>
+                                  </p:stCondLst>
+                                  <p:childTnLst>
+                                    <p:set>
+                                      <p:cBhvr>
+                                        <p:cTn id="31" dur="1" fill="hold">
+                                          <p:stCondLst>
+                                            <p:cond delay="0"/>
+                                          </p:stCondLst>
+                                        </p:cTn>
+                                        <p:tgtEl>
+                                          <p:spTgt spid="9">
+                                            <p:txEl>
+                                              <p:pRg st="5" end="5"/>
+                                            </p:txEl>
+                                          </p:spTgt>
+                                        </p:tgtEl>
+                                        <p:attrNameLst>
+                                          <p:attrName>style.visibility</p:attrName>
+                                        </p:attrNameLst>
+                                      </p:cBhvr>
+                                      <p:to>
+                                        <p:strVal val="visible"/>
+                                      </p:to>
+                                    </p:set>
+                                    <p:animEffect transition="in" filter="fade">
+                                      <p:cBhvr>
+                                        <p:cTn id="32" dur="500"/>
+                                        <p:tgtEl>
+                                          <p:spTgt spid="9">
+                                            <p:txEl>
+                                              <p:pRg st="5" end="5"/>
+                                            </p:txEl>
+                                          </p:spTgt>
+                                        </p:tgtEl>
+                                      </p:cBhvr>
+                                    </p:animEffect>
+                                  </p:childTnLst>
+                                </p:cTn>
+                              </p:par>
+                            </p:childTnLst>
+                          </p:cTn>
+                        </p:par>
+                      </p:childTnLst>
+                    </p:cTn>
+                  </p:par>
+                </p:childTnLst>
+              </p:cTn>
+              <p:prevCondLst>
+                <p:cond evt="onPrev" delay="0">
+                  <p:tgtEl>
+                    <p:sldTgt/>
+                  </p:tgtEl>
+                </p:cond>
+              </p:prevCondLst>
+              <p:nextCondLst>
+                <p:cond evt="onNext" delay="0">
+                  <p:tgtEl>
+                    <p:sldTgt/>
+                  </p:tgtEl>
+                </p:cond>
+              </p:nextCondLst>
+            </p:seq>
+          </p:childTnLst>
+        </p:cTn>
+      </p:par>
+    </p:tnLst>
+    <p:bldLst>
+      <p:bldP spid="9" grpId="0" build="p"/>
+    </p:bldLst>
+  </p:timing>
+</p:sld>
+</file>
+
+<file path=ppt/slides/slide33.xml><?xml version="1.0" encoding="utf-8"?>
+<p:sld xmlns:a="http://schemas.openxmlformats.org/drawingml/2006/main" xmlns:r="http://schemas.openxmlformats.org/officeDocument/2006/relationships" xmlns:p="http://schemas.openxmlformats.org/presentationml/2006/main">
+  <p:cSld>
+    <p:spTree>
+      <p:nvGrpSpPr>
+        <p:cNvPr id="1" name=""/>
+        <p:cNvGrpSpPr/>
+        <p:nvPr/>
+      </p:nvGrpSpPr>
+      <p:grpSpPr>
+        <a:xfrm>
+          <a:off x="0" y="0"/>
+          <a:ext cx="0" cy="0"/>
+          <a:chOff x="0" y="0"/>
+          <a:chExt cx="0" cy="0"/>
+        </a:xfrm>
+      </p:grpSpPr>
+      <p:sp>
+        <p:nvSpPr>
           <p:cNvPr id="2" name="Title 1">
             <a:extLst>
               <a:ext uri="{FF2B5EF4-FFF2-40B4-BE49-F238E27FC236}">
@@ -31559,7 +32868,7 @@
 </p:sld>
 </file>
 
-<file path=ppt/slides/slide33.xml><?xml version="1.0" encoding="utf-8"?>
+<file path=ppt/slides/slide34.xml><?xml version="1.0" encoding="utf-8"?>
 <p:sld xmlns:a="http://schemas.openxmlformats.org/drawingml/2006/main" xmlns:r="http://schemas.openxmlformats.org/officeDocument/2006/relationships" xmlns:p="http://schemas.openxmlformats.org/presentationml/2006/main">
   <p:cSld>
     <p:spTree>
@@ -31836,7 +33145,7 @@
 </p:sld>
 </file>
 
-<file path=ppt/slides/slide34.xml><?xml version="1.0" encoding="utf-8"?>
+<file path=ppt/slides/slide35.xml><?xml version="1.0" encoding="utf-8"?>
 <p:sld xmlns:a="http://schemas.openxmlformats.org/drawingml/2006/main" xmlns:r="http://schemas.openxmlformats.org/officeDocument/2006/relationships" xmlns:p="http://schemas.openxmlformats.org/presentationml/2006/main">
   <p:cSld>
     <p:spTree>
@@ -31962,7 +33271,7 @@
 </p:sld>
 </file>
 
-<file path=ppt/slides/slide35.xml><?xml version="1.0" encoding="utf-8"?>
+<file path=ppt/slides/slide36.xml><?xml version="1.0" encoding="utf-8"?>
 <p:sld xmlns:a="http://schemas.openxmlformats.org/drawingml/2006/main" xmlns:r="http://schemas.openxmlformats.org/officeDocument/2006/relationships" xmlns:p="http://schemas.openxmlformats.org/presentationml/2006/main">
   <p:cSld>
     <p:spTree>
@@ -32032,7 +33341,15 @@
             </a:pPr>
             <a:r>
               <a:rPr lang="en-US" sz="4400" dirty="0"/>
-              <a:t>If you can “find time” to support defects and product issues, you can </a:t>
+              <a:t>If you can “find time” to support defects </a:t>
+            </a:r>
+            <a:r>
+              <a:rPr lang="en-US" sz="4400"/>
+              <a:t>and production </a:t>
+            </a:r>
+            <a:r>
+              <a:rPr lang="en-US" sz="4400" dirty="0"/>
+              <a:t>issues, you can </a:t>
             </a:r>
             <a:r>
               <a:rPr lang="en-US" sz="4400" b="1" dirty="0"/>
@@ -32083,7 +33400,7 @@
 </p:sld>
 </file>
 
-<file path=ppt/slides/slide36.xml><?xml version="1.0" encoding="utf-8"?>
+<file path=ppt/slides/slide37.xml><?xml version="1.0" encoding="utf-8"?>
 <p:sld xmlns:a="http://schemas.openxmlformats.org/drawingml/2006/main" xmlns:r="http://schemas.openxmlformats.org/officeDocument/2006/relationships" xmlns:p="http://schemas.openxmlformats.org/presentationml/2006/main">
   <p:cSld>
     <p:spTree>
@@ -32414,6 +33731,113 @@
           </a:prstGeom>
         </p:spPr>
       </p:pic>
+      <p:sp>
+        <p:nvSpPr>
+          <p:cNvPr id="10" name="Rectangle 9">
+            <a:extLst>
+              <a:ext uri="{FF2B5EF4-FFF2-40B4-BE49-F238E27FC236}">
+                <a16:creationId xmlns:a16="http://schemas.microsoft.com/office/drawing/2014/main" id="{551218E3-93B8-F46D-F857-070DCD377AA8}"/>
+              </a:ext>
+            </a:extLst>
+          </p:cNvPr>
+          <p:cNvSpPr/>
+          <p:nvPr/>
+        </p:nvSpPr>
+        <p:spPr>
+          <a:xfrm>
+            <a:off x="3913423" y="1386840"/>
+            <a:ext cx="1920619" cy="4759961"/>
+          </a:xfrm>
+          <a:prstGeom prst="rect">
+            <a:avLst/>
+          </a:prstGeom>
+          <a:solidFill>
+            <a:srgbClr val="FF0000">
+              <a:alpha val="9804"/>
+            </a:srgbClr>
+          </a:solidFill>
+          <a:ln w="38100">
+            <a:solidFill>
+              <a:srgbClr val="FF0000"/>
+            </a:solidFill>
+          </a:ln>
+        </p:spPr>
+        <p:style>
+          <a:lnRef idx="2">
+            <a:schemeClr val="accent1">
+              <a:shade val="50000"/>
+            </a:schemeClr>
+          </a:lnRef>
+          <a:fillRef idx="1">
+            <a:schemeClr val="accent1"/>
+          </a:fillRef>
+          <a:effectRef idx="0">
+            <a:schemeClr val="accent1"/>
+          </a:effectRef>
+          <a:fontRef idx="minor">
+            <a:schemeClr val="lt1"/>
+          </a:fontRef>
+        </p:style>
+        <p:txBody>
+          <a:bodyPr rtlCol="0" anchor="t"/>
+          <a:lstStyle/>
+          <a:p>
+            <a:pPr algn="ctr"/>
+            <a:r>
+              <a:rPr lang="en-US" b="1" dirty="0">
+                <a:solidFill>
+                  <a:srgbClr val="FF0000"/>
+                </a:solidFill>
+              </a:rPr>
+              <a:t>MUST Be Installed</a:t>
+            </a:r>
+          </a:p>
+        </p:txBody>
+      </p:sp>
+      <p:sp>
+        <p:nvSpPr>
+          <p:cNvPr id="3" name="5-Point Star 2">
+            <a:extLst>
+              <a:ext uri="{FF2B5EF4-FFF2-40B4-BE49-F238E27FC236}">
+                <a16:creationId xmlns:a16="http://schemas.microsoft.com/office/drawing/2014/main" id="{EF2060A2-D806-AA2F-64F1-EEBDF849ED88}"/>
+              </a:ext>
+            </a:extLst>
+          </p:cNvPr>
+          <p:cNvSpPr/>
+          <p:nvPr/>
+        </p:nvSpPr>
+        <p:spPr>
+          <a:xfrm>
+            <a:off x="9396575" y="1244789"/>
+            <a:ext cx="1438894" cy="1239331"/>
+          </a:xfrm>
+          <a:prstGeom prst="star5">
+            <a:avLst/>
+          </a:prstGeom>
+        </p:spPr>
+        <p:style>
+          <a:lnRef idx="0">
+            <a:schemeClr val="accent4"/>
+          </a:lnRef>
+          <a:fillRef idx="3">
+            <a:schemeClr val="accent4"/>
+          </a:fillRef>
+          <a:effectRef idx="3">
+            <a:schemeClr val="accent4"/>
+          </a:effectRef>
+          <a:fontRef idx="minor">
+            <a:schemeClr val="lt1"/>
+          </a:fontRef>
+        </p:style>
+        <p:txBody>
+          <a:bodyPr rtlCol="0" anchor="ctr"/>
+          <a:lstStyle/>
+          <a:p>
+            <a:pPr algn="ctr"/>
+            <a:endParaRPr lang="en-US"/>
+          </a:p>
+        </p:txBody>
+      </p:sp>
     </p:spTree>
     <p:extLst>
       <p:ext uri="{BB962C8B-B14F-4D97-AF65-F5344CB8AC3E}">
@@ -32498,7 +33922,7 @@
                             </p:stCondLst>
                             <p:childTnLst>
                               <p:par>
-                                <p:cTn id="10" presetID="10" presetClass="entr" presetSubtype="0" fill="hold" nodeType="clickEffect">
+                                <p:cTn id="10" presetID="10" presetClass="entr" presetSubtype="0" fill="hold" grpId="0" nodeType="clickEffect">
                                   <p:stCondLst>
                                     <p:cond delay="0"/>
                                   </p:stCondLst>
@@ -32506,6 +33930,94 @@
                                     <p:set>
                                       <p:cBhvr>
                                         <p:cTn id="11" dur="1" fill="hold">
+                                          <p:stCondLst>
+                                            <p:cond delay="0"/>
+                                          </p:stCondLst>
+                                        </p:cTn>
+                                        <p:tgtEl>
+                                          <p:spTgt spid="10"/>
+                                        </p:tgtEl>
+                                        <p:attrNameLst>
+                                          <p:attrName>style.visibility</p:attrName>
+                                        </p:attrNameLst>
+                                      </p:cBhvr>
+                                      <p:to>
+                                        <p:strVal val="visible"/>
+                                      </p:to>
+                                    </p:set>
+                                    <p:animEffect transition="in" filter="fade">
+                                      <p:cBhvr>
+                                        <p:cTn id="12" dur="500"/>
+                                        <p:tgtEl>
+                                          <p:spTgt spid="10"/>
+                                        </p:tgtEl>
+                                      </p:cBhvr>
+                                    </p:animEffect>
+                                  </p:childTnLst>
+                                </p:cTn>
+                              </p:par>
+                              <p:par>
+                                <p:cTn id="13" presetID="10" presetClass="exit" presetSubtype="0" fill="hold" grpId="1" nodeType="withEffect">
+                                  <p:stCondLst>
+                                    <p:cond delay="0"/>
+                                  </p:stCondLst>
+                                  <p:childTnLst>
+                                    <p:animEffect transition="out" filter="fade">
+                                      <p:cBhvr>
+                                        <p:cTn id="14" dur="500"/>
+                                        <p:tgtEl>
+                                          <p:spTgt spid="10"/>
+                                        </p:tgtEl>
+                                      </p:cBhvr>
+                                    </p:animEffect>
+                                    <p:set>
+                                      <p:cBhvr>
+                                        <p:cTn id="15" dur="1" fill="hold">
+                                          <p:stCondLst>
+                                            <p:cond delay="499"/>
+                                          </p:stCondLst>
+                                        </p:cTn>
+                                        <p:tgtEl>
+                                          <p:spTgt spid="10"/>
+                                        </p:tgtEl>
+                                        <p:attrNameLst>
+                                          <p:attrName>style.visibility</p:attrName>
+                                        </p:attrNameLst>
+                                      </p:cBhvr>
+                                      <p:to>
+                                        <p:strVal val="hidden"/>
+                                      </p:to>
+                                    </p:set>
+                                  </p:childTnLst>
+                                </p:cTn>
+                              </p:par>
+                            </p:childTnLst>
+                          </p:cTn>
+                        </p:par>
+                      </p:childTnLst>
+                    </p:cTn>
+                  </p:par>
+                  <p:par>
+                    <p:cTn id="16" fill="hold">
+                      <p:stCondLst>
+                        <p:cond delay="indefinite"/>
+                      </p:stCondLst>
+                      <p:childTnLst>
+                        <p:par>
+                          <p:cTn id="17" fill="hold">
+                            <p:stCondLst>
+                              <p:cond delay="0"/>
+                            </p:stCondLst>
+                            <p:childTnLst>
+                              <p:par>
+                                <p:cTn id="18" presetID="10" presetClass="entr" presetSubtype="0" fill="hold" nodeType="clickEffect">
+                                  <p:stCondLst>
+                                    <p:cond delay="0"/>
+                                  </p:stCondLst>
+                                  <p:childTnLst>
+                                    <p:set>
+                                      <p:cBhvr>
+                                        <p:cTn id="19" dur="1" fill="hold">
                                           <p:stCondLst>
                                             <p:cond delay="0"/>
                                           </p:stCondLst>
@@ -32523,7 +34035,7 @@
                                     </p:set>
                                     <p:animEffect transition="in" filter="fade">
                                       <p:cBhvr>
-                                        <p:cTn id="12" dur="500"/>
+                                        <p:cTn id="20" dur="500"/>
                                         <p:tgtEl>
                                           <p:spTgt spid="9"/>
                                         </p:tgtEl>
@@ -32559,6 +34071,10 @@
         </p:cTn>
       </p:par>
     </p:tnLst>
+    <p:bldLst>
+      <p:bldP spid="10" grpId="0" animBg="1"/>
+      <p:bldP spid="10" grpId="1" animBg="1"/>
+    </p:bldLst>
   </p:timing>
 </p:sld>
 </file>
@@ -34987,6 +36503,502 @@
   <p:clrMapOvr>
     <a:masterClrMapping/>
   </p:clrMapOvr>
+  <p:timing>
+    <p:tnLst>
+      <p:par>
+        <p:cTn id="1" dur="indefinite" restart="never" nodeType="tmRoot">
+          <p:childTnLst>
+            <p:seq concurrent="1" nextAc="seek">
+              <p:cTn id="2" dur="indefinite" nodeType="mainSeq">
+                <p:childTnLst>
+                  <p:par>
+                    <p:cTn id="3" fill="hold">
+                      <p:stCondLst>
+                        <p:cond delay="indefinite"/>
+                      </p:stCondLst>
+                      <p:childTnLst>
+                        <p:par>
+                          <p:cTn id="4" fill="hold">
+                            <p:stCondLst>
+                              <p:cond delay="0"/>
+                            </p:stCondLst>
+                            <p:childTnLst>
+                              <p:par>
+                                <p:cTn id="5" presetID="10" presetClass="entr" presetSubtype="0" fill="hold" nodeType="clickEffect">
+                                  <p:stCondLst>
+                                    <p:cond delay="0"/>
+                                  </p:stCondLst>
+                                  <p:childTnLst>
+                                    <p:set>
+                                      <p:cBhvr>
+                                        <p:cTn id="6" dur="1" fill="hold">
+                                          <p:stCondLst>
+                                            <p:cond delay="0"/>
+                                          </p:stCondLst>
+                                        </p:cTn>
+                                        <p:tgtEl>
+                                          <p:spTgt spid="5">
+                                            <p:txEl>
+                                              <p:pRg st="0" end="0"/>
+                                            </p:txEl>
+                                          </p:spTgt>
+                                        </p:tgtEl>
+                                        <p:attrNameLst>
+                                          <p:attrName>style.visibility</p:attrName>
+                                        </p:attrNameLst>
+                                      </p:cBhvr>
+                                      <p:to>
+                                        <p:strVal val="visible"/>
+                                      </p:to>
+                                    </p:set>
+                                    <p:animEffect transition="in" filter="fade">
+                                      <p:cBhvr>
+                                        <p:cTn id="7" dur="500"/>
+                                        <p:tgtEl>
+                                          <p:spTgt spid="5">
+                                            <p:txEl>
+                                              <p:pRg st="0" end="0"/>
+                                            </p:txEl>
+                                          </p:spTgt>
+                                        </p:tgtEl>
+                                      </p:cBhvr>
+                                    </p:animEffect>
+                                  </p:childTnLst>
+                                </p:cTn>
+                              </p:par>
+                              <p:par>
+                                <p:cTn id="8" presetID="10" presetClass="entr" presetSubtype="0" fill="hold" nodeType="withEffect">
+                                  <p:stCondLst>
+                                    <p:cond delay="0"/>
+                                  </p:stCondLst>
+                                  <p:childTnLst>
+                                    <p:set>
+                                      <p:cBhvr>
+                                        <p:cTn id="9" dur="1" fill="hold">
+                                          <p:stCondLst>
+                                            <p:cond delay="0"/>
+                                          </p:stCondLst>
+                                        </p:cTn>
+                                        <p:tgtEl>
+                                          <p:spTgt spid="5">
+                                            <p:txEl>
+                                              <p:pRg st="1" end="1"/>
+                                            </p:txEl>
+                                          </p:spTgt>
+                                        </p:tgtEl>
+                                        <p:attrNameLst>
+                                          <p:attrName>style.visibility</p:attrName>
+                                        </p:attrNameLst>
+                                      </p:cBhvr>
+                                      <p:to>
+                                        <p:strVal val="visible"/>
+                                      </p:to>
+                                    </p:set>
+                                    <p:animEffect transition="in" filter="fade">
+                                      <p:cBhvr>
+                                        <p:cTn id="10" dur="500"/>
+                                        <p:tgtEl>
+                                          <p:spTgt spid="5">
+                                            <p:txEl>
+                                              <p:pRg st="1" end="1"/>
+                                            </p:txEl>
+                                          </p:spTgt>
+                                        </p:tgtEl>
+                                      </p:cBhvr>
+                                    </p:animEffect>
+                                  </p:childTnLst>
+                                </p:cTn>
+                              </p:par>
+                            </p:childTnLst>
+                          </p:cTn>
+                        </p:par>
+                      </p:childTnLst>
+                    </p:cTn>
+                  </p:par>
+                  <p:par>
+                    <p:cTn id="11" fill="hold">
+                      <p:stCondLst>
+                        <p:cond delay="indefinite"/>
+                      </p:stCondLst>
+                      <p:childTnLst>
+                        <p:par>
+                          <p:cTn id="12" fill="hold">
+                            <p:stCondLst>
+                              <p:cond delay="0"/>
+                            </p:stCondLst>
+                            <p:childTnLst>
+                              <p:par>
+                                <p:cTn id="13" presetID="10" presetClass="entr" presetSubtype="0" fill="hold" nodeType="clickEffect">
+                                  <p:stCondLst>
+                                    <p:cond delay="0"/>
+                                  </p:stCondLst>
+                                  <p:childTnLst>
+                                    <p:set>
+                                      <p:cBhvr>
+                                        <p:cTn id="14" dur="1" fill="hold">
+                                          <p:stCondLst>
+                                            <p:cond delay="0"/>
+                                          </p:stCondLst>
+                                        </p:cTn>
+                                        <p:tgtEl>
+                                          <p:spTgt spid="5">
+                                            <p:txEl>
+                                              <p:pRg st="3" end="3"/>
+                                            </p:txEl>
+                                          </p:spTgt>
+                                        </p:tgtEl>
+                                        <p:attrNameLst>
+                                          <p:attrName>style.visibility</p:attrName>
+                                        </p:attrNameLst>
+                                      </p:cBhvr>
+                                      <p:to>
+                                        <p:strVal val="visible"/>
+                                      </p:to>
+                                    </p:set>
+                                    <p:animEffect transition="in" filter="fade">
+                                      <p:cBhvr>
+                                        <p:cTn id="15" dur="500"/>
+                                        <p:tgtEl>
+                                          <p:spTgt spid="5">
+                                            <p:txEl>
+                                              <p:pRg st="3" end="3"/>
+                                            </p:txEl>
+                                          </p:spTgt>
+                                        </p:tgtEl>
+                                      </p:cBhvr>
+                                    </p:animEffect>
+                                  </p:childTnLst>
+                                </p:cTn>
+                              </p:par>
+                              <p:par>
+                                <p:cTn id="16" presetID="10" presetClass="entr" presetSubtype="0" fill="hold" nodeType="withEffect">
+                                  <p:stCondLst>
+                                    <p:cond delay="0"/>
+                                  </p:stCondLst>
+                                  <p:childTnLst>
+                                    <p:set>
+                                      <p:cBhvr>
+                                        <p:cTn id="17" dur="1" fill="hold">
+                                          <p:stCondLst>
+                                            <p:cond delay="0"/>
+                                          </p:stCondLst>
+                                        </p:cTn>
+                                        <p:tgtEl>
+                                          <p:spTgt spid="5">
+                                            <p:txEl>
+                                              <p:pRg st="4" end="4"/>
+                                            </p:txEl>
+                                          </p:spTgt>
+                                        </p:tgtEl>
+                                        <p:attrNameLst>
+                                          <p:attrName>style.visibility</p:attrName>
+                                        </p:attrNameLst>
+                                      </p:cBhvr>
+                                      <p:to>
+                                        <p:strVal val="visible"/>
+                                      </p:to>
+                                    </p:set>
+                                    <p:animEffect transition="in" filter="fade">
+                                      <p:cBhvr>
+                                        <p:cTn id="18" dur="500"/>
+                                        <p:tgtEl>
+                                          <p:spTgt spid="5">
+                                            <p:txEl>
+                                              <p:pRg st="4" end="4"/>
+                                            </p:txEl>
+                                          </p:spTgt>
+                                        </p:tgtEl>
+                                      </p:cBhvr>
+                                    </p:animEffect>
+                                  </p:childTnLst>
+                                </p:cTn>
+                              </p:par>
+                              <p:par>
+                                <p:cTn id="19" presetID="10" presetClass="entr" presetSubtype="0" fill="hold" nodeType="withEffect">
+                                  <p:stCondLst>
+                                    <p:cond delay="0"/>
+                                  </p:stCondLst>
+                                  <p:childTnLst>
+                                    <p:set>
+                                      <p:cBhvr>
+                                        <p:cTn id="20" dur="1" fill="hold">
+                                          <p:stCondLst>
+                                            <p:cond delay="0"/>
+                                          </p:stCondLst>
+                                        </p:cTn>
+                                        <p:tgtEl>
+                                          <p:spTgt spid="5">
+                                            <p:txEl>
+                                              <p:pRg st="6" end="6"/>
+                                            </p:txEl>
+                                          </p:spTgt>
+                                        </p:tgtEl>
+                                        <p:attrNameLst>
+                                          <p:attrName>style.visibility</p:attrName>
+                                        </p:attrNameLst>
+                                      </p:cBhvr>
+                                      <p:to>
+                                        <p:strVal val="visible"/>
+                                      </p:to>
+                                    </p:set>
+                                    <p:animEffect transition="in" filter="fade">
+                                      <p:cBhvr>
+                                        <p:cTn id="21" dur="500"/>
+                                        <p:tgtEl>
+                                          <p:spTgt spid="5">
+                                            <p:txEl>
+                                              <p:pRg st="6" end="6"/>
+                                            </p:txEl>
+                                          </p:spTgt>
+                                        </p:tgtEl>
+                                      </p:cBhvr>
+                                    </p:animEffect>
+                                  </p:childTnLst>
+                                </p:cTn>
+                              </p:par>
+                              <p:par>
+                                <p:cTn id="22" presetID="10" presetClass="entr" presetSubtype="0" fill="hold" nodeType="withEffect">
+                                  <p:stCondLst>
+                                    <p:cond delay="0"/>
+                                  </p:stCondLst>
+                                  <p:childTnLst>
+                                    <p:set>
+                                      <p:cBhvr>
+                                        <p:cTn id="23" dur="1" fill="hold">
+                                          <p:stCondLst>
+                                            <p:cond delay="0"/>
+                                          </p:stCondLst>
+                                        </p:cTn>
+                                        <p:tgtEl>
+                                          <p:spTgt spid="5">
+                                            <p:txEl>
+                                              <p:pRg st="7" end="7"/>
+                                            </p:txEl>
+                                          </p:spTgt>
+                                        </p:tgtEl>
+                                        <p:attrNameLst>
+                                          <p:attrName>style.visibility</p:attrName>
+                                        </p:attrNameLst>
+                                      </p:cBhvr>
+                                      <p:to>
+                                        <p:strVal val="visible"/>
+                                      </p:to>
+                                    </p:set>
+                                    <p:animEffect transition="in" filter="fade">
+                                      <p:cBhvr>
+                                        <p:cTn id="24" dur="500"/>
+                                        <p:tgtEl>
+                                          <p:spTgt spid="5">
+                                            <p:txEl>
+                                              <p:pRg st="7" end="7"/>
+                                            </p:txEl>
+                                          </p:spTgt>
+                                        </p:tgtEl>
+                                      </p:cBhvr>
+                                    </p:animEffect>
+                                  </p:childTnLst>
+                                </p:cTn>
+                              </p:par>
+                              <p:par>
+                                <p:cTn id="25" presetID="10" presetClass="entr" presetSubtype="0" fill="hold" nodeType="withEffect">
+                                  <p:stCondLst>
+                                    <p:cond delay="0"/>
+                                  </p:stCondLst>
+                                  <p:childTnLst>
+                                    <p:set>
+                                      <p:cBhvr>
+                                        <p:cTn id="26" dur="1" fill="hold">
+                                          <p:stCondLst>
+                                            <p:cond delay="0"/>
+                                          </p:stCondLst>
+                                        </p:cTn>
+                                        <p:tgtEl>
+                                          <p:spTgt spid="5">
+                                            <p:txEl>
+                                              <p:pRg st="9" end="9"/>
+                                            </p:txEl>
+                                          </p:spTgt>
+                                        </p:tgtEl>
+                                        <p:attrNameLst>
+                                          <p:attrName>style.visibility</p:attrName>
+                                        </p:attrNameLst>
+                                      </p:cBhvr>
+                                      <p:to>
+                                        <p:strVal val="visible"/>
+                                      </p:to>
+                                    </p:set>
+                                    <p:animEffect transition="in" filter="fade">
+                                      <p:cBhvr>
+                                        <p:cTn id="27" dur="500"/>
+                                        <p:tgtEl>
+                                          <p:spTgt spid="5">
+                                            <p:txEl>
+                                              <p:pRg st="9" end="9"/>
+                                            </p:txEl>
+                                          </p:spTgt>
+                                        </p:tgtEl>
+                                      </p:cBhvr>
+                                    </p:animEffect>
+                                  </p:childTnLst>
+                                </p:cTn>
+                              </p:par>
+                              <p:par>
+                                <p:cTn id="28" presetID="10" presetClass="entr" presetSubtype="0" fill="hold" nodeType="withEffect">
+                                  <p:stCondLst>
+                                    <p:cond delay="0"/>
+                                  </p:stCondLst>
+                                  <p:childTnLst>
+                                    <p:set>
+                                      <p:cBhvr>
+                                        <p:cTn id="29" dur="1" fill="hold">
+                                          <p:stCondLst>
+                                            <p:cond delay="0"/>
+                                          </p:stCondLst>
+                                        </p:cTn>
+                                        <p:tgtEl>
+                                          <p:spTgt spid="5">
+                                            <p:txEl>
+                                              <p:pRg st="10" end="10"/>
+                                            </p:txEl>
+                                          </p:spTgt>
+                                        </p:tgtEl>
+                                        <p:attrNameLst>
+                                          <p:attrName>style.visibility</p:attrName>
+                                        </p:attrNameLst>
+                                      </p:cBhvr>
+                                      <p:to>
+                                        <p:strVal val="visible"/>
+                                      </p:to>
+                                    </p:set>
+                                    <p:animEffect transition="in" filter="fade">
+                                      <p:cBhvr>
+                                        <p:cTn id="30" dur="500"/>
+                                        <p:tgtEl>
+                                          <p:spTgt spid="5">
+                                            <p:txEl>
+                                              <p:pRg st="10" end="10"/>
+                                            </p:txEl>
+                                          </p:spTgt>
+                                        </p:tgtEl>
+                                      </p:cBhvr>
+                                    </p:animEffect>
+                                  </p:childTnLst>
+                                </p:cTn>
+                              </p:par>
+                              <p:par>
+                                <p:cTn id="31" presetID="10" presetClass="entr" presetSubtype="0" fill="hold" nodeType="withEffect">
+                                  <p:stCondLst>
+                                    <p:cond delay="0"/>
+                                  </p:stCondLst>
+                                  <p:childTnLst>
+                                    <p:set>
+                                      <p:cBhvr>
+                                        <p:cTn id="32" dur="1" fill="hold">
+                                          <p:stCondLst>
+                                            <p:cond delay="0"/>
+                                          </p:stCondLst>
+                                        </p:cTn>
+                                        <p:tgtEl>
+                                          <p:spTgt spid="5">
+                                            <p:txEl>
+                                              <p:pRg st="12" end="12"/>
+                                            </p:txEl>
+                                          </p:spTgt>
+                                        </p:tgtEl>
+                                        <p:attrNameLst>
+                                          <p:attrName>style.visibility</p:attrName>
+                                        </p:attrNameLst>
+                                      </p:cBhvr>
+                                      <p:to>
+                                        <p:strVal val="visible"/>
+                                      </p:to>
+                                    </p:set>
+                                    <p:animEffect transition="in" filter="fade">
+                                      <p:cBhvr>
+                                        <p:cTn id="33" dur="500"/>
+                                        <p:tgtEl>
+                                          <p:spTgt spid="5">
+                                            <p:txEl>
+                                              <p:pRg st="12" end="12"/>
+                                            </p:txEl>
+                                          </p:spTgt>
+                                        </p:tgtEl>
+                                      </p:cBhvr>
+                                    </p:animEffect>
+                                  </p:childTnLst>
+                                </p:cTn>
+                              </p:par>
+                              <p:par>
+                                <p:cTn id="34" presetID="10" presetClass="entr" presetSubtype="0" fill="hold" nodeType="withEffect">
+                                  <p:stCondLst>
+                                    <p:cond delay="0"/>
+                                  </p:stCondLst>
+                                  <p:childTnLst>
+                                    <p:set>
+                                      <p:cBhvr>
+                                        <p:cTn id="35" dur="1" fill="hold">
+                                          <p:stCondLst>
+                                            <p:cond delay="0"/>
+                                          </p:stCondLst>
+                                        </p:cTn>
+                                        <p:tgtEl>
+                                          <p:spTgt spid="5">
+                                            <p:txEl>
+                                              <p:pRg st="13" end="13"/>
+                                            </p:txEl>
+                                          </p:spTgt>
+                                        </p:tgtEl>
+                                        <p:attrNameLst>
+                                          <p:attrName>style.visibility</p:attrName>
+                                        </p:attrNameLst>
+                                      </p:cBhvr>
+                                      <p:to>
+                                        <p:strVal val="visible"/>
+                                      </p:to>
+                                    </p:set>
+                                    <p:animEffect transition="in" filter="fade">
+                                      <p:cBhvr>
+                                        <p:cTn id="36" dur="500"/>
+                                        <p:tgtEl>
+                                          <p:spTgt spid="5">
+                                            <p:txEl>
+                                              <p:pRg st="13" end="13"/>
+                                            </p:txEl>
+                                          </p:spTgt>
+                                        </p:tgtEl>
+                                      </p:cBhvr>
+                                    </p:animEffect>
+                                  </p:childTnLst>
+                                </p:cTn>
+                              </p:par>
+                            </p:childTnLst>
+                          </p:cTn>
+                        </p:par>
+                      </p:childTnLst>
+                    </p:cTn>
+                  </p:par>
+                </p:childTnLst>
+              </p:cTn>
+              <p:prevCondLst>
+                <p:cond evt="onPrev" delay="0">
+                  <p:tgtEl>
+                    <p:sldTgt/>
+                  </p:tgtEl>
+                </p:cond>
+              </p:prevCondLst>
+              <p:nextCondLst>
+                <p:cond evt="onNext" delay="0">
+                  <p:tgtEl>
+                    <p:sldTgt/>
+                  </p:tgtEl>
+                </p:cond>
+              </p:nextCondLst>
+            </p:seq>
+          </p:childTnLst>
+        </p:cTn>
+      </p:par>
+    </p:tnLst>
+  </p:timing>
 </p:sld>
 </file>
 
@@ -35204,7 +37216,7 @@
           <p:nvPr/>
         </p:nvPicPr>
         <p:blipFill>
-          <a:blip r:embed="rId2"/>
+          <a:blip r:embed="rId3"/>
           <a:srcRect/>
           <a:stretch/>
         </p:blipFill>
@@ -35876,7 +37888,7 @@
           </p:nvPr>
         </p:nvPicPr>
         <p:blipFill>
-          <a:blip r:embed="rId2"/>
+          <a:blip r:embed="rId3"/>
           <a:srcRect/>
           <a:stretch/>
         </p:blipFill>
@@ -36764,33 +38776,15 @@
                                   </p:childTnLst>
                                 </p:cTn>
                               </p:par>
-                            </p:childTnLst>
-                          </p:cTn>
-                        </p:par>
-                      </p:childTnLst>
-                    </p:cTn>
-                  </p:par>
-                  <p:par>
-                    <p:cTn id="43" fill="hold">
-                      <p:stCondLst>
-                        <p:cond delay="indefinite"/>
-                      </p:stCondLst>
-                      <p:childTnLst>
-                        <p:par>
-                          <p:cTn id="44" fill="hold">
-                            <p:stCondLst>
-                              <p:cond delay="0"/>
-                            </p:stCondLst>
-                            <p:childTnLst>
                               <p:par>
-                                <p:cTn id="45" presetID="10" presetClass="entr" presetSubtype="0" fill="hold" grpId="0" nodeType="clickEffect">
+                                <p:cTn id="43" presetID="10" presetClass="entr" presetSubtype="0" fill="hold" grpId="0" nodeType="withEffect">
                                   <p:stCondLst>
                                     <p:cond delay="0"/>
                                   </p:stCondLst>
                                   <p:childTnLst>
                                     <p:set>
                                       <p:cBhvr>
-                                        <p:cTn id="46" dur="1" fill="hold">
+                                        <p:cTn id="44" dur="1" fill="hold">
                                           <p:stCondLst>
                                             <p:cond delay="0"/>
                                           </p:stCondLst>
@@ -36812,7 +38806,7 @@
                                     </p:set>
                                     <p:animEffect transition="in" filter="fade">
                                       <p:cBhvr>
-                                        <p:cTn id="47" dur="500"/>
+                                        <p:cTn id="45" dur="500"/>
                                         <p:tgtEl>
                                           <p:spTgt spid="13">
                                             <p:txEl>
@@ -36832,26 +38826,26 @@
                     </p:cTn>
                   </p:par>
                   <p:par>
-                    <p:cTn id="48" fill="hold">
+                    <p:cTn id="46" fill="hold">
                       <p:stCondLst>
                         <p:cond delay="indefinite"/>
                       </p:stCondLst>
                       <p:childTnLst>
                         <p:par>
-                          <p:cTn id="49" fill="hold">
+                          <p:cTn id="47" fill="hold">
                             <p:stCondLst>
                               <p:cond delay="0"/>
                             </p:stCondLst>
                             <p:childTnLst>
                               <p:par>
-                                <p:cTn id="50" presetID="10" presetClass="entr" presetSubtype="0" fill="hold" grpId="0" nodeType="clickEffect">
+                                <p:cTn id="48" presetID="10" presetClass="entr" presetSubtype="0" fill="hold" grpId="0" nodeType="clickEffect">
                                   <p:stCondLst>
                                     <p:cond delay="0"/>
                                   </p:stCondLst>
                                   <p:childTnLst>
                                     <p:set>
                                       <p:cBhvr>
-                                        <p:cTn id="51" dur="1" fill="hold">
+                                        <p:cTn id="49" dur="1" fill="hold">
                                           <p:stCondLst>
                                             <p:cond delay="0"/>
                                           </p:stCondLst>
@@ -36873,7 +38867,7 @@
                                     </p:set>
                                     <p:animEffect transition="in" filter="fade">
                                       <p:cBhvr>
-                                        <p:cTn id="52" dur="500"/>
+                                        <p:cTn id="50" dur="500"/>
                                         <p:tgtEl>
                                           <p:spTgt spid="13">
                                             <p:txEl>
@@ -36887,14 +38881,14 @@
                                 </p:cTn>
                               </p:par>
                               <p:par>
-                                <p:cTn id="53" presetID="10" presetClass="exit" presetSubtype="0" fill="hold" grpId="1" nodeType="withEffect">
+                                <p:cTn id="51" presetID="10" presetClass="exit" presetSubtype="0" fill="hold" grpId="1" nodeType="withEffect">
                                   <p:stCondLst>
                                     <p:cond delay="0"/>
                                   </p:stCondLst>
                                   <p:childTnLst>
                                     <p:animEffect transition="out" filter="fade">
                                       <p:cBhvr>
-                                        <p:cTn id="54" dur="500"/>
+                                        <p:cTn id="52" dur="500"/>
                                         <p:tgtEl>
                                           <p:spTgt spid="18"/>
                                         </p:tgtEl>
@@ -36902,7 +38896,7 @@
                                     </p:animEffect>
                                     <p:set>
                                       <p:cBhvr>
-                                        <p:cTn id="55" dur="1" fill="hold">
+                                        <p:cTn id="53" dur="1" fill="hold">
                                           <p:stCondLst>
                                             <p:cond delay="499"/>
                                           </p:stCondLst>

--- a/tdde-py-pyspark-glue-docker-vscode.pptx
+++ b/tdde-py-pyspark-glue-docker-vscode.pptx
@@ -233,7 +233,7 @@
           <a:p>
             <a:fld id="{E4717DEE-46D0-684B-93A0-8B8798D63DB0}" type="datetimeFigureOut">
               <a:rPr lang="en-US" smtClean="0"/>
-              <a:t>5/23/22</a:t>
+              <a:t>5/24/22</a:t>
             </a:fld>
             <a:endParaRPr lang="en-US"/>
           </a:p>
@@ -3506,7 +3506,7 @@
           <a:p>
             <a:fld id="{B6A499C5-BDF4-3F4E-9DE4-A0FD3AB4C7AD}" type="datetimeFigureOut">
               <a:rPr lang="en-US" smtClean="0"/>
-              <a:t>5/23/22</a:t>
+              <a:t>5/24/22</a:t>
             </a:fld>
             <a:endParaRPr lang="en-US"/>
           </a:p>
@@ -3728,7 +3728,7 @@
           <a:p>
             <a:fld id="{B6A499C5-BDF4-3F4E-9DE4-A0FD3AB4C7AD}" type="datetimeFigureOut">
               <a:rPr lang="en-US" smtClean="0"/>
-              <a:t>5/23/22</a:t>
+              <a:t>5/24/22</a:t>
             </a:fld>
             <a:endParaRPr lang="en-US"/>
           </a:p>
@@ -4269,7 +4269,7 @@
           <a:p>
             <a:fld id="{B6A499C5-BDF4-3F4E-9DE4-A0FD3AB4C7AD}" type="datetimeFigureOut">
               <a:rPr lang="en-US" smtClean="0"/>
-              <a:t>5/23/22</a:t>
+              <a:t>5/24/22</a:t>
             </a:fld>
             <a:endParaRPr lang="en-US"/>
           </a:p>
@@ -5235,7 +5235,7 @@
           <a:p>
             <a:fld id="{B6A499C5-BDF4-3F4E-9DE4-A0FD3AB4C7AD}" type="datetimeFigureOut">
               <a:rPr lang="en-US" smtClean="0"/>
-              <a:t>5/23/22</a:t>
+              <a:t>5/24/22</a:t>
             </a:fld>
             <a:endParaRPr lang="en-US"/>
           </a:p>
@@ -5891,7 +5891,7 @@
           <a:p>
             <a:fld id="{B6A499C5-BDF4-3F4E-9DE4-A0FD3AB4C7AD}" type="datetimeFigureOut">
               <a:rPr lang="en-US" smtClean="0"/>
-              <a:t>5/23/22</a:t>
+              <a:t>5/24/22</a:t>
             </a:fld>
             <a:endParaRPr lang="en-US"/>
           </a:p>
@@ -6201,7 +6201,7 @@
           <a:p>
             <a:fld id="{B6A499C5-BDF4-3F4E-9DE4-A0FD3AB4C7AD}" type="datetimeFigureOut">
               <a:rPr lang="en-US" smtClean="0"/>
-              <a:t>5/23/22</a:t>
+              <a:t>5/24/22</a:t>
             </a:fld>
             <a:endParaRPr lang="en-US"/>
           </a:p>
@@ -6452,7 +6452,7 @@
           <a:p>
             <a:fld id="{B6A499C5-BDF4-3F4E-9DE4-A0FD3AB4C7AD}" type="datetimeFigureOut">
               <a:rPr lang="en-US" smtClean="0"/>
-              <a:t>5/23/22</a:t>
+              <a:t>5/24/22</a:t>
             </a:fld>
             <a:endParaRPr lang="en-US"/>
           </a:p>
@@ -9567,7 +9567,7 @@
           <a:p>
             <a:fld id="{B6A499C5-BDF4-3F4E-9DE4-A0FD3AB4C7AD}" type="datetimeFigureOut">
               <a:rPr lang="en-US" smtClean="0"/>
-              <a:t>5/23/22</a:t>
+              <a:t>5/24/22</a:t>
             </a:fld>
             <a:endParaRPr lang="en-US"/>
           </a:p>
@@ -9847,7 +9847,7 @@
           <a:p>
             <a:fld id="{B6A499C5-BDF4-3F4E-9DE4-A0FD3AB4C7AD}" type="datetimeFigureOut">
               <a:rPr lang="en-US" smtClean="0"/>
-              <a:t>5/23/22</a:t>
+              <a:t>5/24/22</a:t>
             </a:fld>
             <a:endParaRPr lang="en-US"/>
           </a:p>
@@ -33433,7 +33433,12 @@
             <p:ph type="title"/>
           </p:nvPr>
         </p:nvSpPr>
-        <p:spPr/>
+        <p:spPr>
+          <a:xfrm>
+            <a:off x="577516" y="2452909"/>
+            <a:ext cx="11036968" cy="712745"/>
+          </a:xfrm>
+        </p:spPr>
         <p:txBody>
           <a:bodyPr/>
           <a:lstStyle/>
@@ -33464,7 +33469,7 @@
         <p:spPr>
           <a:xfrm>
             <a:off x="1678195" y="3892451"/>
-            <a:ext cx="8849956" cy="769441"/>
+            <a:ext cx="8849956" cy="1508105"/>
           </a:xfrm>
           <a:prstGeom prst="rect">
             <a:avLst/>
@@ -33478,8 +33483,22 @@
           <a:lstStyle/>
           <a:p>
             <a:r>
+              <a:rPr lang="en-US" dirty="0" err="1"/>
+              <a:t>Github</a:t>
+            </a:r>
+            <a:r>
               <a:rPr lang="en-US" dirty="0"/>
-              <a:t>https://</a:t>
+              <a:t> </a:t>
+            </a:r>
+            <a:r>
+              <a:rPr lang="en-US" dirty="0">
+                <a:sym typeface="Wingdings" pitchFamily="2" charset="2"/>
+              </a:rPr>
+              <a:t></a:t>
+            </a:r>
+            <a:r>
+              <a:rPr lang="en-US" dirty="0"/>
+              <a:t> https://</a:t>
             </a:r>
             <a:r>
               <a:rPr lang="en-US" dirty="0" err="1"/>
@@ -33500,6 +33519,38 @@
             <a:r>
               <a:rPr lang="en-US" dirty="0" err="1"/>
               <a:t>tdde-py-pyspark</a:t>
+            </a:r>
+            <a:endParaRPr lang="en-US" dirty="0"/>
+          </a:p>
+          <a:p>
+            <a:endParaRPr lang="en-US" dirty="0"/>
+          </a:p>
+          <a:p>
+            <a:r>
+              <a:rPr lang="en-US" dirty="0"/>
+              <a:t>LinkedIn </a:t>
+            </a:r>
+            <a:r>
+              <a:rPr lang="en-US" dirty="0">
+                <a:sym typeface="Wingdings" pitchFamily="2" charset="2"/>
+              </a:rPr>
+              <a:t></a:t>
+            </a:r>
+            <a:r>
+              <a:rPr lang="en-US" dirty="0"/>
+              <a:t> https://</a:t>
+            </a:r>
+            <a:r>
+              <a:rPr lang="en-US" dirty="0" err="1"/>
+              <a:t>www.linkedin.com</a:t>
+            </a:r>
+            <a:r>
+              <a:rPr lang="en-US" dirty="0"/>
+              <a:t>/my/</a:t>
+            </a:r>
+            <a:r>
+              <a:rPr lang="en-US" dirty="0" err="1"/>
+              <a:t>donaldsawyer</a:t>
             </a:r>
             <a:endParaRPr lang="en-US" dirty="0"/>
           </a:p>

--- a/tdde-py-pyspark-glue-docker-vscode.pptx
+++ b/tdde-py-pyspark-glue-docker-vscode.pptx
@@ -544,79 +544,7 @@
           <a:bodyPr/>
           <a:lstStyle/>
           <a:p>
-            <a:r>
-              <a:rPr lang="en-US" dirty="0"/>
-              <a:t>Read problem statement.</a:t>
-            </a:r>
-          </a:p>
-          <a:p>
-            <a:r>
-              <a:rPr lang="en-US" dirty="0"/>
-              <a:t>(CLICK)</a:t>
-            </a:r>
-          </a:p>
-          <a:p>
-            <a:r>
-              <a:rPr lang="en-US" dirty="0"/>
-              <a:t>I wanted to demonstrate some of these concepts with a demo that addressed</a:t>
-            </a:r>
-          </a:p>
-          <a:p>
-            <a:pPr marL="228600" indent="-228600">
-              <a:buFont typeface="+mj-lt"/>
-              <a:buAutoNum type="arabicPeriod"/>
-            </a:pPr>
-            <a:r>
-              <a:rPr lang="en-US" dirty="0"/>
-              <a:t>Developing pipelines locally with common tech that require distributed frameworks</a:t>
-            </a:r>
-          </a:p>
-          <a:p>
-            <a:pPr marL="228600" indent="-228600">
-              <a:buFont typeface="+mj-lt"/>
-              <a:buAutoNum type="arabicPeriod"/>
-            </a:pPr>
-            <a:r>
-              <a:rPr lang="en-US" dirty="0"/>
-              <a:t>Use docker for as much of the development as possible because it makes CI/CD easier</a:t>
-            </a:r>
-          </a:p>
-          <a:p>
-            <a:pPr marL="228600" indent="-228600">
-              <a:buFont typeface="+mj-lt"/>
-              <a:buAutoNum type="arabicPeriod"/>
-            </a:pPr>
-            <a:r>
-              <a:rPr lang="en-US" dirty="0"/>
-              <a:t>Use an IDE other than PyCharm</a:t>
-            </a:r>
-          </a:p>
-          <a:p>
-            <a:pPr marL="228600" indent="-228600">
-              <a:buFont typeface="+mj-lt"/>
-              <a:buAutoNum type="arabicPeriod"/>
-            </a:pPr>
-            <a:r>
-              <a:rPr lang="en-US" dirty="0"/>
-              <a:t>Show how to design code to separate integration from unit tests</a:t>
-            </a:r>
-          </a:p>
-          <a:p>
-            <a:pPr marL="0" indent="0">
-              <a:buFont typeface="+mj-lt"/>
-              <a:buNone/>
-            </a:pPr>
             <a:endParaRPr lang="en-US" dirty="0"/>
-          </a:p>
-          <a:p>
-            <a:pPr marL="0" indent="0">
-              <a:buFont typeface="+mj-lt"/>
-              <a:buNone/>
-            </a:pPr>
-            <a:r>
-              <a:rPr lang="en-US" dirty="0"/>
-              <a:t>NOTE: these are common situations that come up, even if your stack is not the same as this exact stack. You have to challenge yourself to find novel solutions to your development needs.</a:t>
-            </a:r>
           </a:p>
         </p:txBody>
       </p:sp>
@@ -637,7 +565,7 @@
           <a:p>
             <a:fld id="{B8E637B9-F140-B64D-9222-01A1EC37811D}" type="slidenum">
               <a:rPr lang="en-US" smtClean="0"/>
-              <a:t>3</a:t>
+              <a:t>1</a:t>
             </a:fld>
             <a:endParaRPr lang="en-US"/>
           </a:p>
@@ -646,7 +574,7 @@
     </p:spTree>
     <p:extLst>
       <p:ext uri="{BB962C8B-B14F-4D97-AF65-F5344CB8AC3E}">
-        <p14:creationId xmlns:p14="http://schemas.microsoft.com/office/powerpoint/2010/main" val="3066641218"/>
+        <p14:creationId xmlns:p14="http://schemas.microsoft.com/office/powerpoint/2010/main" val="1924910992"/>
       </p:ext>
     </p:extLst>
   </p:cSld>
@@ -700,10 +628,30 @@
           <a:bodyPr/>
           <a:lstStyle/>
           <a:p>
+            <a:pPr marL="0" marR="0" lvl="0" indent="0" algn="l" defTabSz="914400" rtl="0" eaLnBrk="1" fontAlgn="auto" latinLnBrk="0" hangingPunct="1">
+              <a:lnSpc>
+                <a:spcPct val="100000"/>
+              </a:lnSpc>
+              <a:spcBef>
+                <a:spcPts val="0"/>
+              </a:spcBef>
+              <a:spcAft>
+                <a:spcPts val="0"/>
+              </a:spcAft>
+              <a:buClrTx/>
+              <a:buSzTx/>
+              <a:buFontTx/>
+              <a:buNone/>
+              <a:tabLst/>
+              <a:defRPr/>
+            </a:pPr>
             <a:r>
               <a:rPr lang="en-US" dirty="0"/>
-              <a:t>Isolate the scalar business logic from the transformation path. This can follow the traditional TDD path because no other frameworks are needed.</a:t>
-            </a:r>
+              <a:t>BEFORE showing the testing demos, I want to show you how to connect VS Code to the Docker image.</a:t>
+            </a:r>
+          </a:p>
+          <a:p>
+            <a:endParaRPr lang="en-US" dirty="0"/>
           </a:p>
         </p:txBody>
       </p:sp>
@@ -724,7 +672,7 @@
           <a:p>
             <a:fld id="{B8E637B9-F140-B64D-9222-01A1EC37811D}" type="slidenum">
               <a:rPr lang="en-US" smtClean="0"/>
-              <a:t>15</a:t>
+              <a:t>14</a:t>
             </a:fld>
             <a:endParaRPr lang="en-US"/>
           </a:p>
@@ -733,7 +681,7 @@
     </p:spTree>
     <p:extLst>
       <p:ext uri="{BB962C8B-B14F-4D97-AF65-F5344CB8AC3E}">
-        <p14:creationId xmlns:p14="http://schemas.microsoft.com/office/powerpoint/2010/main" val="2729762264"/>
+        <p14:creationId xmlns:p14="http://schemas.microsoft.com/office/powerpoint/2010/main" val="964687084"/>
       </p:ext>
     </p:extLst>
   </p:cSld>
@@ -787,9 +735,10 @@
           <a:bodyPr/>
           <a:lstStyle/>
           <a:p>
-            <a:endParaRPr lang="en-US" dirty="0">
-              <a:cs typeface="Calibri"/>
-            </a:endParaRPr>
+            <a:r>
+              <a:rPr lang="en-US" dirty="0"/>
+              <a:t>Isolate the scalar business logic from the transformation path. This can follow the traditional TDD path because no other frameworks are needed.</a:t>
+            </a:r>
           </a:p>
         </p:txBody>
       </p:sp>
@@ -808,9 +757,9 @@
           <a:bodyPr/>
           <a:lstStyle/>
           <a:p>
-            <a:fld id="{172E2218-332F-2046-8919-12C975A973BC}" type="slidenum">
+            <a:fld id="{B8E637B9-F140-B64D-9222-01A1EC37811D}" type="slidenum">
               <a:rPr lang="en-US" smtClean="0"/>
-              <a:t>16</a:t>
+              <a:t>15</a:t>
             </a:fld>
             <a:endParaRPr lang="en-US"/>
           </a:p>
@@ -819,7 +768,7 @@
     </p:spTree>
     <p:extLst>
       <p:ext uri="{BB962C8B-B14F-4D97-AF65-F5344CB8AC3E}">
-        <p14:creationId xmlns:p14="http://schemas.microsoft.com/office/powerpoint/2010/main" val="941714137"/>
+        <p14:creationId xmlns:p14="http://schemas.microsoft.com/office/powerpoint/2010/main" val="2729762264"/>
       </p:ext>
     </p:extLst>
   </p:cSld>
@@ -896,7 +845,7 @@
           <a:p>
             <a:fld id="{172E2218-332F-2046-8919-12C975A973BC}" type="slidenum">
               <a:rPr lang="en-US" smtClean="0"/>
-              <a:t>18</a:t>
+              <a:t>16</a:t>
             </a:fld>
             <a:endParaRPr lang="en-US"/>
           </a:p>
@@ -905,7 +854,7 @@
     </p:spTree>
     <p:extLst>
       <p:ext uri="{BB962C8B-B14F-4D97-AF65-F5344CB8AC3E}">
-        <p14:creationId xmlns:p14="http://schemas.microsoft.com/office/powerpoint/2010/main" val="4084167933"/>
+        <p14:creationId xmlns:p14="http://schemas.microsoft.com/office/powerpoint/2010/main" val="941714137"/>
       </p:ext>
     </p:extLst>
   </p:cSld>
@@ -959,10 +908,9 @@
           <a:bodyPr/>
           <a:lstStyle/>
           <a:p>
-            <a:r>
-              <a:rPr lang="en-US" dirty="0"/>
-              <a:t>Next screen shows the methodology.</a:t>
-            </a:r>
+            <a:endParaRPr lang="en-US" dirty="0">
+              <a:cs typeface="Calibri"/>
+            </a:endParaRPr>
           </a:p>
         </p:txBody>
       </p:sp>
@@ -981,9 +929,9 @@
           <a:bodyPr/>
           <a:lstStyle/>
           <a:p>
-            <a:fld id="{B8E637B9-F140-B64D-9222-01A1EC37811D}" type="slidenum">
+            <a:fld id="{172E2218-332F-2046-8919-12C975A973BC}" type="slidenum">
               <a:rPr lang="en-US" smtClean="0"/>
-              <a:t>20</a:t>
+              <a:t>18</a:t>
             </a:fld>
             <a:endParaRPr lang="en-US"/>
           </a:p>
@@ -992,7 +940,7 @@
     </p:spTree>
     <p:extLst>
       <p:ext uri="{BB962C8B-B14F-4D97-AF65-F5344CB8AC3E}">
-        <p14:creationId xmlns:p14="http://schemas.microsoft.com/office/powerpoint/2010/main" val="2913080025"/>
+        <p14:creationId xmlns:p14="http://schemas.microsoft.com/office/powerpoint/2010/main" val="4084167933"/>
       </p:ext>
     </p:extLst>
   </p:cSld>
@@ -1048,113 +996,8 @@
           <a:p>
             <a:r>
               <a:rPr lang="en-US" dirty="0"/>
-              <a:t>A UDF is a function that allows for operation on a row in a </a:t>
-            </a:r>
-            <a:r>
-              <a:rPr lang="en-US" dirty="0" err="1"/>
-              <a:t>dataframe</a:t>
-            </a:r>
-            <a:r>
-              <a:rPr lang="en-US" dirty="0"/>
-              <a:t> – in this case, takes a column and computes another.</a:t>
-            </a:r>
-          </a:p>
-          <a:p>
-            <a:r>
-              <a:rPr lang="en-US" dirty="0"/>
-              <a:t>(click)</a:t>
-            </a:r>
-          </a:p>
-          <a:p>
-            <a:r>
-              <a:rPr lang="en-US" dirty="0"/>
-              <a:t>Create a </a:t>
-            </a:r>
-            <a:r>
-              <a:rPr lang="en-US" dirty="0" err="1"/>
-              <a:t>DataFrame</a:t>
-            </a:r>
-            <a:r>
-              <a:rPr lang="en-US" dirty="0"/>
-              <a:t> that has the “input value” and the expected output.</a:t>
-            </a:r>
-          </a:p>
-          <a:p>
-            <a:r>
-              <a:rPr lang="en-US" dirty="0"/>
-              <a:t>(click)</a:t>
-            </a:r>
-          </a:p>
-          <a:p>
-            <a:r>
-              <a:rPr lang="en-US" dirty="0"/>
-              <a:t>Execute the UDF, which will use the previously tested python function.</a:t>
-            </a:r>
-          </a:p>
-          <a:p>
-            <a:r>
-              <a:rPr lang="en-US" dirty="0"/>
-              <a:t>(click)</a:t>
-            </a:r>
-          </a:p>
-          <a:p>
-            <a:r>
-              <a:rPr lang="en-US" dirty="0"/>
-              <a:t>Validate the new column (actual) is equal to “expected”</a:t>
-            </a:r>
-          </a:p>
-          <a:p>
-            <a:endParaRPr lang="en-US" dirty="0"/>
-          </a:p>
-          <a:p>
-            <a:r>
-              <a:rPr lang="en-US" dirty="0"/>
-              <a:t>NOTE: When testing a UDF, you don’t need to use the exact shape of the </a:t>
-            </a:r>
-            <a:r>
-              <a:rPr lang="en-US" dirty="0" err="1"/>
-              <a:t>dataframe</a:t>
-            </a:r>
-            <a:r>
-              <a:rPr lang="en-US" dirty="0"/>
-              <a:t> that you expect in prod because you’re just testing the function operation.</a:t>
-            </a:r>
-          </a:p>
-          <a:p>
-            <a:endParaRPr lang="en-US" dirty="0"/>
-          </a:p>
-          <a:p>
-            <a:r>
-              <a:rPr lang="en-US" dirty="0"/>
-              <a:t>PERFORM DEMO</a:t>
-            </a:r>
-          </a:p>
-          <a:p>
-            <a:r>
-              <a:rPr lang="en-US" dirty="0"/>
-              <a:t> * Show the test case functions (show data, execution, assertion)</a:t>
-            </a:r>
-          </a:p>
-          <a:p>
-            <a:r>
-              <a:rPr lang="en-US" dirty="0"/>
-              <a:t> * Show the fixtures</a:t>
-            </a:r>
-          </a:p>
-          <a:p>
-            <a:r>
-              <a:rPr lang="en-US" dirty="0"/>
-              <a:t> * Show the UDF</a:t>
-            </a:r>
-          </a:p>
-          <a:p>
-            <a:r>
-              <a:rPr lang="en-US" dirty="0"/>
-              <a:t> * execute UDF</a:t>
-            </a:r>
-          </a:p>
-          <a:p>
-            <a:endParaRPr lang="en-US" dirty="0"/>
+              <a:t>Next screen shows the methodology.</a:t>
+            </a:r>
           </a:p>
         </p:txBody>
       </p:sp>
@@ -1175,7 +1018,7 @@
           <a:p>
             <a:fld id="{B8E637B9-F140-B64D-9222-01A1EC37811D}" type="slidenum">
               <a:rPr lang="en-US" smtClean="0"/>
-              <a:t>21</a:t>
+              <a:t>20</a:t>
             </a:fld>
             <a:endParaRPr lang="en-US"/>
           </a:p>
@@ -1184,7 +1027,7 @@
     </p:spTree>
     <p:extLst>
       <p:ext uri="{BB962C8B-B14F-4D97-AF65-F5344CB8AC3E}">
-        <p14:creationId xmlns:p14="http://schemas.microsoft.com/office/powerpoint/2010/main" val="2175822475"/>
+        <p14:creationId xmlns:p14="http://schemas.microsoft.com/office/powerpoint/2010/main" val="2913080025"/>
       </p:ext>
     </p:extLst>
   </p:cSld>
@@ -1240,7 +1083,7 @@
           <a:p>
             <a:r>
               <a:rPr lang="en-US" dirty="0"/>
-              <a:t>Show that all test cases can be included in the same </a:t>
+              <a:t>A UDF is a function that allows for operation on a row in a </a:t>
             </a:r>
             <a:r>
               <a:rPr lang="en-US" dirty="0" err="1"/>
@@ -1248,13 +1091,69 @@
             </a:r>
             <a:r>
               <a:rPr lang="en-US" dirty="0"/>
-              <a:t>, but this makes debugging much </a:t>
-            </a:r>
-            <a:r>
-              <a:rPr lang="en-US"/>
-              <a:t>more challenging.</a:t>
-            </a:r>
+              <a:t> – in this case, takes a column and computes another.</a:t>
+            </a:r>
+          </a:p>
+          <a:p>
+            <a:r>
+              <a:rPr lang="en-US" dirty="0"/>
+              <a:t>(click)</a:t>
+            </a:r>
+          </a:p>
+          <a:p>
+            <a:r>
+              <a:rPr lang="en-US" dirty="0"/>
+              <a:t>Create a </a:t>
+            </a:r>
+            <a:r>
+              <a:rPr lang="en-US" dirty="0" err="1"/>
+              <a:t>DataFrame</a:t>
+            </a:r>
+            <a:r>
+              <a:rPr lang="en-US" dirty="0"/>
+              <a:t> that has the “input value” and the expected output.</a:t>
+            </a:r>
+          </a:p>
+          <a:p>
+            <a:r>
+              <a:rPr lang="en-US" dirty="0"/>
+              <a:t>(click)</a:t>
+            </a:r>
+          </a:p>
+          <a:p>
+            <a:r>
+              <a:rPr lang="en-US" dirty="0"/>
+              <a:t>Execute the UDF, which will use the previously tested python function.</a:t>
+            </a:r>
+          </a:p>
+          <a:p>
+            <a:r>
+              <a:rPr lang="en-US" dirty="0"/>
+              <a:t>(click)</a:t>
+            </a:r>
+          </a:p>
+          <a:p>
+            <a:r>
+              <a:rPr lang="en-US" dirty="0"/>
+              <a:t>Validate the new column (actual) is equal to “expected”</a:t>
+            </a:r>
+          </a:p>
+          <a:p>
             <a:endParaRPr lang="en-US" dirty="0"/>
+          </a:p>
+          <a:p>
+            <a:r>
+              <a:rPr lang="en-US" dirty="0"/>
+              <a:t>NOTE: When testing a UDF, you don’t need to use the exact shape of the </a:t>
+            </a:r>
+            <a:r>
+              <a:rPr lang="en-US" dirty="0" err="1"/>
+              <a:t>dataframe</a:t>
+            </a:r>
+            <a:r>
+              <a:rPr lang="en-US" dirty="0"/>
+              <a:t> that you expect in prod because you’re just testing the function operation.</a:t>
+            </a:r>
           </a:p>
           <a:p>
             <a:endParaRPr lang="en-US" dirty="0"/>
@@ -1269,6 +1168,12 @@
             <a:r>
               <a:rPr lang="en-US" dirty="0"/>
               <a:t> * Show the test case functions (show data, execution, assertion)</a:t>
+            </a:r>
+          </a:p>
+          <a:p>
+            <a:r>
+              <a:rPr lang="en-US" dirty="0"/>
+              <a:t> * Show the fixtures</a:t>
             </a:r>
           </a:p>
           <a:p>
@@ -1305,7 +1210,7 @@
           <a:p>
             <a:fld id="{B8E637B9-F140-B64D-9222-01A1EC37811D}" type="slidenum">
               <a:rPr lang="en-US" smtClean="0"/>
-              <a:t>22</a:t>
+              <a:t>21</a:t>
             </a:fld>
             <a:endParaRPr lang="en-US"/>
           </a:p>
@@ -1314,7 +1219,7 @@
     </p:spTree>
     <p:extLst>
       <p:ext uri="{BB962C8B-B14F-4D97-AF65-F5344CB8AC3E}">
-        <p14:creationId xmlns:p14="http://schemas.microsoft.com/office/powerpoint/2010/main" val="1004873646"/>
+        <p14:creationId xmlns:p14="http://schemas.microsoft.com/office/powerpoint/2010/main" val="2175822475"/>
       </p:ext>
     </p:extLst>
   </p:cSld>
@@ -1370,7 +1275,7 @@
           <a:p>
             <a:r>
               <a:rPr lang="en-US" dirty="0"/>
-              <a:t>Now we have a functional parser function, functional UDF transformation function, now let’s use them to compute the new </a:t>
+              <a:t>Show that all test cases can be included in the same </a:t>
             </a:r>
             <a:r>
               <a:rPr lang="en-US" dirty="0" err="1"/>
@@ -1378,40 +1283,43 @@
             </a:r>
             <a:r>
               <a:rPr lang="en-US" dirty="0"/>
-              <a:t>.</a:t>
-            </a:r>
-          </a:p>
-          <a:p>
+              <a:t>, but this makes debugging much </a:t>
+            </a:r>
+            <a:r>
+              <a:rPr lang="en-US"/>
+              <a:t>more challenging.</a:t>
+            </a:r>
             <a:endParaRPr lang="en-US" dirty="0"/>
           </a:p>
           <a:p>
+            <a:endParaRPr lang="en-US" dirty="0"/>
+          </a:p>
+          <a:p>
             <a:r>
               <a:rPr lang="en-US" dirty="0"/>
-              <a:t>Notice that all the functionality before this is tested, so </a:t>
-            </a:r>
-            <a:r>
-              <a:rPr lang="en-US" dirty="0" err="1"/>
-              <a:t>dataframe</a:t>
-            </a:r>
+              <a:t>PERFORM DEMO</a:t>
+            </a:r>
+          </a:p>
+          <a:p>
             <a:r>
               <a:rPr lang="en-US" dirty="0"/>
-              <a:t> manipulations can reuse the functionality with high confidence.</a:t>
+              <a:t> * Show the test case functions (show data, execution, assertion)</a:t>
+            </a:r>
+          </a:p>
+          <a:p>
+            <a:r>
+              <a:rPr lang="en-US" dirty="0"/>
+              <a:t> * Show the UDF</a:t>
+            </a:r>
+          </a:p>
+          <a:p>
+            <a:r>
+              <a:rPr lang="en-US" dirty="0"/>
+              <a:t> * execute UDF</a:t>
             </a:r>
           </a:p>
           <a:p>
             <a:endParaRPr lang="en-US" dirty="0"/>
-          </a:p>
-          <a:p>
-            <a:r>
-              <a:rPr lang="en-US" dirty="0"/>
-              <a:t>I’ll go through the process visually before showing the code.</a:t>
-            </a:r>
-          </a:p>
-          <a:p>
-            <a:r>
-              <a:rPr lang="en-US" dirty="0"/>
-              <a:t>(CLICK)</a:t>
-            </a:r>
           </a:p>
         </p:txBody>
       </p:sp>
@@ -1432,7 +1340,7 @@
           <a:p>
             <a:fld id="{B8E637B9-F140-B64D-9222-01A1EC37811D}" type="slidenum">
               <a:rPr lang="en-US" smtClean="0"/>
-              <a:t>24</a:t>
+              <a:t>22</a:t>
             </a:fld>
             <a:endParaRPr lang="en-US"/>
           </a:p>
@@ -1441,7 +1349,7 @@
     </p:spTree>
     <p:extLst>
       <p:ext uri="{BB962C8B-B14F-4D97-AF65-F5344CB8AC3E}">
-        <p14:creationId xmlns:p14="http://schemas.microsoft.com/office/powerpoint/2010/main" val="2747324035"/>
+        <p14:creationId xmlns:p14="http://schemas.microsoft.com/office/powerpoint/2010/main" val="1004873646"/>
       </p:ext>
     </p:extLst>
   </p:cSld>
@@ -1497,92 +1405,48 @@
           <a:p>
             <a:r>
               <a:rPr lang="en-US" dirty="0"/>
-              <a:t>Start with an input </a:t>
+              <a:t>Now we have a functional parser function, functional UDF transformation function, now let’s use them to compute the new </a:t>
             </a:r>
             <a:r>
               <a:rPr lang="en-US" dirty="0" err="1"/>
               <a:t>dataframe</a:t>
             </a:r>
+            <a:r>
+              <a:rPr lang="en-US" dirty="0"/>
+              <a:t>.</a:t>
+            </a:r>
+          </a:p>
+          <a:p>
             <a:endParaRPr lang="en-US" dirty="0"/>
           </a:p>
           <a:p>
             <a:r>
               <a:rPr lang="en-US" dirty="0"/>
-              <a:t>(click)</a:t>
-            </a:r>
-          </a:p>
-          <a:p>
-            <a:r>
-              <a:rPr lang="en-US" dirty="0"/>
-              <a:t>Define the expected output as a </a:t>
+              <a:t>Notice that all the functionality before this is tested, so </a:t>
             </a:r>
             <a:r>
               <a:rPr lang="en-US" dirty="0" err="1"/>
               <a:t>dataframe</a:t>
             </a:r>
+            <a:r>
+              <a:rPr lang="en-US" dirty="0"/>
+              <a:t> manipulations can reuse the functionality with high confidence.</a:t>
+            </a:r>
+          </a:p>
+          <a:p>
             <a:endParaRPr lang="en-US" dirty="0"/>
           </a:p>
           <a:p>
             <a:r>
               <a:rPr lang="en-US" dirty="0"/>
-              <a:t>(click)</a:t>
+              <a:t>I’ll go through the process visually before showing the code.</a:t>
             </a:r>
           </a:p>
           <a:p>
             <a:r>
               <a:rPr lang="en-US" dirty="0"/>
-              <a:t>Run the transformation function</a:t>
-            </a:r>
-          </a:p>
-          <a:p>
-            <a:r>
-              <a:rPr lang="en-US" dirty="0"/>
-              <a:t>(click)</a:t>
-            </a:r>
-          </a:p>
-          <a:p>
-            <a:r>
-              <a:rPr lang="en-US" dirty="0"/>
-              <a:t>Compare the actual vs. expected</a:t>
-            </a:r>
-          </a:p>
-          <a:p>
-            <a:endParaRPr lang="en-US" dirty="0"/>
-          </a:p>
-          <a:p>
-            <a:r>
-              <a:rPr lang="en-US" dirty="0"/>
-              <a:t>PERFORM DEMO</a:t>
-            </a:r>
-          </a:p>
-          <a:p>
-            <a:r>
-              <a:rPr lang="en-US" dirty="0"/>
-              <a:t> * Show the test case functions (show data, execution, assertion)</a:t>
-            </a:r>
-          </a:p>
-          <a:p>
-            <a:r>
-              <a:rPr lang="en-US" dirty="0"/>
-              <a:t> * Show the fixtures</a:t>
-            </a:r>
-          </a:p>
-          <a:p>
-            <a:r>
-              <a:rPr lang="en-US" dirty="0"/>
-              <a:t> * Show the </a:t>
-            </a:r>
-            <a:r>
-              <a:rPr lang="en-US" dirty="0" err="1"/>
-              <a:t>dataframe</a:t>
-            </a:r>
-            <a:r>
-              <a:rPr lang="en-US" dirty="0"/>
-              <a:t> comparison</a:t>
-            </a:r>
-          </a:p>
-          <a:p>
-            <a:endParaRPr lang="en-US" dirty="0"/>
+              <a:t>(CLICK)</a:t>
+            </a:r>
           </a:p>
         </p:txBody>
       </p:sp>
@@ -1603,7 +1467,7 @@
           <a:p>
             <a:fld id="{B8E637B9-F140-B64D-9222-01A1EC37811D}" type="slidenum">
               <a:rPr lang="en-US" smtClean="0"/>
-              <a:t>25</a:t>
+              <a:t>24</a:t>
             </a:fld>
             <a:endParaRPr lang="en-US"/>
           </a:p>
@@ -1612,7 +1476,7 @@
     </p:spTree>
     <p:extLst>
       <p:ext uri="{BB962C8B-B14F-4D97-AF65-F5344CB8AC3E}">
-        <p14:creationId xmlns:p14="http://schemas.microsoft.com/office/powerpoint/2010/main" val="3621176428"/>
+        <p14:creationId xmlns:p14="http://schemas.microsoft.com/office/powerpoint/2010/main" val="2747324035"/>
       </p:ext>
     </p:extLst>
   </p:cSld>
@@ -1668,16 +1532,13 @@
           <a:p>
             <a:r>
               <a:rPr lang="en-US" dirty="0"/>
-              <a:t>Create a </a:t>
+              <a:t>Start with an input </a:t>
             </a:r>
             <a:r>
               <a:rPr lang="en-US" dirty="0" err="1"/>
-              <a:t>DataFrame</a:t>
-            </a:r>
-            <a:r>
-              <a:rPr lang="en-US" dirty="0"/>
-              <a:t> that has the “input value” and the expected output</a:t>
-            </a:r>
+              <a:t>dataframe</a:t>
+            </a:r>
+            <a:endParaRPr lang="en-US" dirty="0"/>
           </a:p>
           <a:p>
             <a:r>
@@ -1688,8 +1549,13 @@
           <a:p>
             <a:r>
               <a:rPr lang="en-US" dirty="0"/>
-              <a:t>Execute the UDF</a:t>
-            </a:r>
+              <a:t>Define the expected output as a </a:t>
+            </a:r>
+            <a:r>
+              <a:rPr lang="en-US" dirty="0" err="1"/>
+              <a:t>dataframe</a:t>
+            </a:r>
+            <a:endParaRPr lang="en-US" dirty="0"/>
           </a:p>
           <a:p>
             <a:r>
@@ -1700,7 +1566,19 @@
           <a:p>
             <a:r>
               <a:rPr lang="en-US" dirty="0"/>
-              <a:t>Validate the new column (actual) is equal to “expected”</a:t>
+              <a:t>Run the transformation function</a:t>
+            </a:r>
+          </a:p>
+          <a:p>
+            <a:r>
+              <a:rPr lang="en-US" dirty="0"/>
+              <a:t>(click)</a:t>
+            </a:r>
+          </a:p>
+          <a:p>
+            <a:r>
+              <a:rPr lang="en-US" dirty="0"/>
+              <a:t>Compare the actual vs. expected</a:t>
             </a:r>
           </a:p>
           <a:p>
@@ -1709,7 +1587,25 @@
           <a:p>
             <a:r>
               <a:rPr lang="en-US" dirty="0"/>
-              <a:t>NOTE: When testing a UDF, you don’t need to use the exact shape of the </a:t>
+              <a:t>PERFORM DEMO</a:t>
+            </a:r>
+          </a:p>
+          <a:p>
+            <a:r>
+              <a:rPr lang="en-US" dirty="0"/>
+              <a:t> * Show the test case functions (show data, execution, assertion)</a:t>
+            </a:r>
+          </a:p>
+          <a:p>
+            <a:r>
+              <a:rPr lang="en-US" dirty="0"/>
+              <a:t> * Show the fixtures</a:t>
+            </a:r>
+          </a:p>
+          <a:p>
+            <a:r>
+              <a:rPr lang="en-US" dirty="0"/>
+              <a:t> * Show the </a:t>
             </a:r>
             <a:r>
               <a:rPr lang="en-US" dirty="0" err="1"/>
@@ -1717,38 +1613,8 @@
             </a:r>
             <a:r>
               <a:rPr lang="en-US" dirty="0"/>
-              <a:t> that you expect in prod because you’re just testing the function operation.</a:t>
-            </a:r>
-          </a:p>
-          <a:p>
-            <a:endParaRPr lang="en-US" dirty="0"/>
-          </a:p>
-          <a:p>
-            <a:r>
-              <a:rPr lang="en-US" dirty="0"/>
-              <a:t>PERFORM DEMO</a:t>
-            </a:r>
-          </a:p>
-          <a:p>
-            <a:r>
-              <a:rPr lang="en-US" dirty="0"/>
-              <a:t> * Show the test case functions (show data, execution, assertion)</a:t>
-            </a:r>
-          </a:p>
-          <a:p>
-            <a:r>
-              <a:rPr lang="en-US" dirty="0"/>
-              <a:t> * Show the fixtures</a:t>
-            </a:r>
-          </a:p>
-          <a:p>
-            <a:r>
-              <a:rPr lang="en-US" dirty="0"/>
-              <a:t> * </a:t>
-            </a:r>
-          </a:p>
-          <a:p>
-            <a:endParaRPr lang="en-US" dirty="0"/>
+              <a:t> comparison</a:t>
+            </a:r>
           </a:p>
           <a:p>
             <a:endParaRPr lang="en-US" dirty="0"/>
@@ -1772,7 +1638,7 @@
           <a:p>
             <a:fld id="{B8E637B9-F140-B64D-9222-01A1EC37811D}" type="slidenum">
               <a:rPr lang="en-US" smtClean="0"/>
-              <a:t>30</a:t>
+              <a:t>25</a:t>
             </a:fld>
             <a:endParaRPr lang="en-US"/>
           </a:p>
@@ -1781,7 +1647,7 @@
     </p:spTree>
     <p:extLst>
       <p:ext uri="{BB962C8B-B14F-4D97-AF65-F5344CB8AC3E}">
-        <p14:creationId xmlns:p14="http://schemas.microsoft.com/office/powerpoint/2010/main" val="10777986"/>
+        <p14:creationId xmlns:p14="http://schemas.microsoft.com/office/powerpoint/2010/main" val="3621176428"/>
       </p:ext>
     </p:extLst>
   </p:cSld>
@@ -1837,16 +1703,90 @@
           <a:p>
             <a:r>
               <a:rPr lang="en-US" dirty="0"/>
-              <a:t>You now have an initial look into setting up and leveraging a local development environment for python, </a:t>
+              <a:t>Create a </a:t>
             </a:r>
             <a:r>
               <a:rPr lang="en-US" dirty="0" err="1"/>
-              <a:t>pyspark</a:t>
+              <a:t>DataFrame</a:t>
             </a:r>
             <a:r>
               <a:rPr lang="en-US" dirty="0"/>
-              <a:t>, and glue development.</a:t>
-            </a:r>
+              <a:t> that has the “input value” and the expected output</a:t>
+            </a:r>
+          </a:p>
+          <a:p>
+            <a:r>
+              <a:rPr lang="en-US" dirty="0"/>
+              <a:t>(click)</a:t>
+            </a:r>
+          </a:p>
+          <a:p>
+            <a:r>
+              <a:rPr lang="en-US" dirty="0"/>
+              <a:t>Execute the UDF</a:t>
+            </a:r>
+          </a:p>
+          <a:p>
+            <a:r>
+              <a:rPr lang="en-US" dirty="0"/>
+              <a:t>(click)</a:t>
+            </a:r>
+          </a:p>
+          <a:p>
+            <a:r>
+              <a:rPr lang="en-US" dirty="0"/>
+              <a:t>Validate the new column (actual) is equal to “expected”</a:t>
+            </a:r>
+          </a:p>
+          <a:p>
+            <a:endParaRPr lang="en-US" dirty="0"/>
+          </a:p>
+          <a:p>
+            <a:r>
+              <a:rPr lang="en-US" dirty="0"/>
+              <a:t>NOTE: When testing a UDF, you don’t need to use the exact shape of the </a:t>
+            </a:r>
+            <a:r>
+              <a:rPr lang="en-US" dirty="0" err="1"/>
+              <a:t>dataframe</a:t>
+            </a:r>
+            <a:r>
+              <a:rPr lang="en-US" dirty="0"/>
+              <a:t> that you expect in prod because you’re just testing the function operation.</a:t>
+            </a:r>
+          </a:p>
+          <a:p>
+            <a:endParaRPr lang="en-US" dirty="0"/>
+          </a:p>
+          <a:p>
+            <a:r>
+              <a:rPr lang="en-US" dirty="0"/>
+              <a:t>PERFORM DEMO</a:t>
+            </a:r>
+          </a:p>
+          <a:p>
+            <a:r>
+              <a:rPr lang="en-US" dirty="0"/>
+              <a:t> * Show the test case functions (show data, execution, assertion)</a:t>
+            </a:r>
+          </a:p>
+          <a:p>
+            <a:r>
+              <a:rPr lang="en-US" dirty="0"/>
+              <a:t> * Show the fixtures</a:t>
+            </a:r>
+          </a:p>
+          <a:p>
+            <a:r>
+              <a:rPr lang="en-US" dirty="0"/>
+              <a:t> * </a:t>
+            </a:r>
+          </a:p>
+          <a:p>
+            <a:endParaRPr lang="en-US" dirty="0"/>
+          </a:p>
+          <a:p>
+            <a:endParaRPr lang="en-US" dirty="0"/>
           </a:p>
         </p:txBody>
       </p:sp>
@@ -1867,7 +1807,7 @@
           <a:p>
             <a:fld id="{B8E637B9-F140-B64D-9222-01A1EC37811D}" type="slidenum">
               <a:rPr lang="en-US" smtClean="0"/>
-              <a:t>31</a:t>
+              <a:t>30</a:t>
             </a:fld>
             <a:endParaRPr lang="en-US"/>
           </a:p>
@@ -1876,7 +1816,7 @@
     </p:spTree>
     <p:extLst>
       <p:ext uri="{BB962C8B-B14F-4D97-AF65-F5344CB8AC3E}">
-        <p14:creationId xmlns:p14="http://schemas.microsoft.com/office/powerpoint/2010/main" val="448986334"/>
+        <p14:creationId xmlns:p14="http://schemas.microsoft.com/office/powerpoint/2010/main" val="10777986"/>
       </p:ext>
     </p:extLst>
   </p:cSld>
@@ -1930,129 +1870,79 @@
           <a:bodyPr/>
           <a:lstStyle/>
           <a:p>
-            <a:pPr marL="0" marR="0" lvl="0" indent="0" algn="l" defTabSz="914400" rtl="0" eaLnBrk="1" fontAlgn="auto" latinLnBrk="0" hangingPunct="1">
-              <a:lnSpc>
-                <a:spcPct val="100000"/>
-              </a:lnSpc>
-              <a:spcBef>
-                <a:spcPts val="0"/>
-              </a:spcBef>
-              <a:spcAft>
-                <a:spcPts val="0"/>
-              </a:spcAft>
-              <a:buClrTx/>
-              <a:buSzTx/>
-              <a:buFontTx/>
+            <a:r>
+              <a:rPr lang="en-US" dirty="0"/>
+              <a:t>Read problem statement.</a:t>
+            </a:r>
+          </a:p>
+          <a:p>
+            <a:r>
+              <a:rPr lang="en-US" dirty="0"/>
+              <a:t>(CLICK)</a:t>
+            </a:r>
+          </a:p>
+          <a:p>
+            <a:r>
+              <a:rPr lang="en-US" dirty="0"/>
+              <a:t>I wanted to demonstrate some of these concepts with a demo that addressed</a:t>
+            </a:r>
+          </a:p>
+          <a:p>
+            <a:pPr marL="228600" indent="-228600">
+              <a:buFont typeface="+mj-lt"/>
+              <a:buAutoNum type="arabicPeriod"/>
+            </a:pPr>
+            <a:r>
+              <a:rPr lang="en-US" dirty="0"/>
+              <a:t>Developing pipelines locally with common tech that require distributed frameworks</a:t>
+            </a:r>
+          </a:p>
+          <a:p>
+            <a:pPr marL="228600" indent="-228600">
+              <a:buFont typeface="+mj-lt"/>
+              <a:buAutoNum type="arabicPeriod"/>
+            </a:pPr>
+            <a:r>
+              <a:rPr lang="en-US" dirty="0"/>
+              <a:t>Use docker for as much of the development as possible because it makes CI/CD easier</a:t>
+            </a:r>
+          </a:p>
+          <a:p>
+            <a:pPr marL="228600" indent="-228600">
+              <a:buFont typeface="+mj-lt"/>
+              <a:buAutoNum type="arabicPeriod"/>
+            </a:pPr>
+            <a:r>
+              <a:rPr lang="en-US" dirty="0"/>
+              <a:t>Use an IDE other than PyCharm</a:t>
+            </a:r>
+          </a:p>
+          <a:p>
+            <a:pPr marL="228600" indent="-228600">
+              <a:buFont typeface="+mj-lt"/>
+              <a:buAutoNum type="arabicPeriod"/>
+            </a:pPr>
+            <a:r>
+              <a:rPr lang="en-US" dirty="0"/>
+              <a:t>Show how to design code to separate integration from unit tests</a:t>
+            </a:r>
+          </a:p>
+          <a:p>
+            <a:pPr marL="0" indent="0">
+              <a:buFont typeface="+mj-lt"/>
               <a:buNone/>
-              <a:tabLst/>
-              <a:defRPr/>
-            </a:pPr>
-            <a:r>
-              <a:rPr lang="en-US" dirty="0"/>
-              <a:t>The holy grail of testing – isolating it.</a:t>
-            </a:r>
-          </a:p>
-          <a:p>
-            <a:pPr marL="0" marR="0" lvl="0" indent="0" algn="l" defTabSz="914400" rtl="0" eaLnBrk="1" fontAlgn="auto" latinLnBrk="0" hangingPunct="1">
-              <a:lnSpc>
-                <a:spcPct val="100000"/>
-              </a:lnSpc>
-              <a:spcBef>
-                <a:spcPts val="0"/>
-              </a:spcBef>
-              <a:spcAft>
-                <a:spcPts val="0"/>
-              </a:spcAft>
-              <a:buClrTx/>
-              <a:buSzTx/>
-              <a:buFontTx/>
-              <a:buNone/>
-              <a:tabLst/>
-              <a:defRPr/>
             </a:pPr>
             <a:endParaRPr lang="en-US" dirty="0"/>
           </a:p>
           <a:p>
-            <a:pPr marL="0" marR="0" lvl="0" indent="0" algn="l" defTabSz="914400" rtl="0" eaLnBrk="1" fontAlgn="auto" latinLnBrk="0" hangingPunct="1">
-              <a:lnSpc>
-                <a:spcPct val="100000"/>
-              </a:lnSpc>
-              <a:spcBef>
-                <a:spcPts val="0"/>
-              </a:spcBef>
-              <a:spcAft>
-                <a:spcPts val="0"/>
-              </a:spcAft>
-              <a:buClrTx/>
-              <a:buSzTx/>
-              <a:buFontTx/>
+            <a:pPr marL="0" indent="0">
+              <a:buFont typeface="+mj-lt"/>
               <a:buNone/>
-              <a:tabLst/>
-              <a:defRPr/>
             </a:pPr>
             <a:r>
               <a:rPr lang="en-US" dirty="0"/>
-              <a:t>Local means you will be able to do it on a build server. How to get to a local development environment?</a:t>
-            </a:r>
-          </a:p>
-          <a:p>
-            <a:pPr marL="0" marR="0" lvl="0" indent="0" algn="l" defTabSz="914400" rtl="0" eaLnBrk="1" fontAlgn="auto" latinLnBrk="0" hangingPunct="1">
-              <a:lnSpc>
-                <a:spcPct val="100000"/>
-              </a:lnSpc>
-              <a:spcBef>
-                <a:spcPts val="0"/>
-              </a:spcBef>
-              <a:spcAft>
-                <a:spcPts val="0"/>
-              </a:spcAft>
-              <a:buClrTx/>
-              <a:buSzTx/>
-              <a:buFontTx/>
-              <a:buNone/>
-              <a:tabLst/>
-              <a:defRPr/>
-            </a:pPr>
-            <a:endParaRPr lang="en-US" dirty="0"/>
-          </a:p>
-          <a:p>
-            <a:r>
-              <a:rPr lang="en-US" dirty="0"/>
-              <a:t>(CLICK)</a:t>
-            </a:r>
-          </a:p>
-          <a:p>
-            <a:r>
-              <a:rPr lang="en-US" dirty="0"/>
-              <a:t>Option 1: requires build server to be “built”.</a:t>
-            </a:r>
-          </a:p>
-          <a:p>
-            <a:r>
-              <a:rPr lang="en-US" dirty="0"/>
-              <a:t>(CLICK)</a:t>
-            </a:r>
-          </a:p>
-          <a:p>
-            <a:r>
-              <a:rPr lang="en-US" dirty="0"/>
-              <a:t>You have to install the tools and “set up” the machine.</a:t>
-            </a:r>
-          </a:p>
-          <a:p>
-            <a:r>
-              <a:rPr lang="en-US" dirty="0"/>
-              <a:t>(CLICK)</a:t>
-            </a:r>
-          </a:p>
-          <a:p>
-            <a:r>
-              <a:rPr lang="en-US" dirty="0"/>
-              <a:t>Option 2: allows build to be repeatable, isolated, and portable.</a:t>
-            </a:r>
-          </a:p>
-          <a:p>
-            <a:endParaRPr lang="en-US" dirty="0"/>
+              <a:t>NOTE: these are common situations that come up, even if your stack is not the same as this exact stack. You have to challenge yourself to find novel solutions to your development needs.</a:t>
+            </a:r>
           </a:p>
         </p:txBody>
       </p:sp>
@@ -2073,7 +1963,7 @@
           <a:p>
             <a:fld id="{B8E637B9-F140-B64D-9222-01A1EC37811D}" type="slidenum">
               <a:rPr lang="en-US" smtClean="0"/>
-              <a:t>4</a:t>
+              <a:t>3</a:t>
             </a:fld>
             <a:endParaRPr lang="en-US"/>
           </a:p>
@@ -2082,7 +1972,7 @@
     </p:spTree>
     <p:extLst>
       <p:ext uri="{BB962C8B-B14F-4D97-AF65-F5344CB8AC3E}">
-        <p14:creationId xmlns:p14="http://schemas.microsoft.com/office/powerpoint/2010/main" val="183174194"/>
+        <p14:creationId xmlns:p14="http://schemas.microsoft.com/office/powerpoint/2010/main" val="3066641218"/>
       </p:ext>
     </p:extLst>
   </p:cSld>
@@ -2146,11 +2036,7 @@
             </a:r>
             <a:r>
               <a:rPr lang="en-US" dirty="0"/>
-              <a:t>, and </a:t>
-            </a:r>
-            <a:r>
-              <a:rPr lang="en-US"/>
-              <a:t>glue development.</a:t>
+              <a:t>, and glue development.</a:t>
             </a:r>
           </a:p>
         </p:txBody>
@@ -2172,6 +2058,105 @@
           <a:p>
             <a:fld id="{B8E637B9-F140-B64D-9222-01A1EC37811D}" type="slidenum">
               <a:rPr lang="en-US" smtClean="0"/>
+              <a:t>31</a:t>
+            </a:fld>
+            <a:endParaRPr lang="en-US"/>
+          </a:p>
+        </p:txBody>
+      </p:sp>
+    </p:spTree>
+    <p:extLst>
+      <p:ext uri="{BB962C8B-B14F-4D97-AF65-F5344CB8AC3E}">
+        <p14:creationId xmlns:p14="http://schemas.microsoft.com/office/powerpoint/2010/main" val="448986334"/>
+      </p:ext>
+    </p:extLst>
+  </p:cSld>
+  <p:clrMapOvr>
+    <a:masterClrMapping/>
+  </p:clrMapOvr>
+</p:notes>
+</file>
+
+<file path=ppt/notesSlides/notesSlide21.xml><?xml version="1.0" encoding="utf-8"?>
+<p:notes xmlns:a="http://schemas.openxmlformats.org/drawingml/2006/main" xmlns:r="http://schemas.openxmlformats.org/officeDocument/2006/relationships" xmlns:p="http://schemas.openxmlformats.org/presentationml/2006/main">
+  <p:cSld>
+    <p:spTree>
+      <p:nvGrpSpPr>
+        <p:cNvPr id="1" name=""/>
+        <p:cNvGrpSpPr/>
+        <p:nvPr/>
+      </p:nvGrpSpPr>
+      <p:grpSpPr>
+        <a:xfrm>
+          <a:off x="0" y="0"/>
+          <a:ext cx="0" cy="0"/>
+          <a:chOff x="0" y="0"/>
+          <a:chExt cx="0" cy="0"/>
+        </a:xfrm>
+      </p:grpSpPr>
+      <p:sp>
+        <p:nvSpPr>
+          <p:cNvPr id="2" name="Slide Image Placeholder 1"/>
+          <p:cNvSpPr>
+            <a:spLocks noGrp="1" noRot="1" noChangeAspect="1"/>
+          </p:cNvSpPr>
+          <p:nvPr>
+            <p:ph type="sldImg"/>
+          </p:nvPr>
+        </p:nvSpPr>
+        <p:spPr/>
+      </p:sp>
+      <p:sp>
+        <p:nvSpPr>
+          <p:cNvPr id="3" name="Notes Placeholder 2"/>
+          <p:cNvSpPr>
+            <a:spLocks noGrp="1"/>
+          </p:cNvSpPr>
+          <p:nvPr>
+            <p:ph type="body" idx="1"/>
+          </p:nvPr>
+        </p:nvSpPr>
+        <p:spPr/>
+        <p:txBody>
+          <a:bodyPr/>
+          <a:lstStyle/>
+          <a:p>
+            <a:r>
+              <a:rPr lang="en-US" dirty="0"/>
+              <a:t>You now have an initial look into setting up and leveraging a local development environment for python, </a:t>
+            </a:r>
+            <a:r>
+              <a:rPr lang="en-US" dirty="0" err="1"/>
+              <a:t>pyspark</a:t>
+            </a:r>
+            <a:r>
+              <a:rPr lang="en-US" dirty="0"/>
+              <a:t>, and </a:t>
+            </a:r>
+            <a:r>
+              <a:rPr lang="en-US"/>
+              <a:t>glue development.</a:t>
+            </a:r>
+          </a:p>
+        </p:txBody>
+      </p:sp>
+      <p:sp>
+        <p:nvSpPr>
+          <p:cNvPr id="4" name="Slide Number Placeholder 3"/>
+          <p:cNvSpPr>
+            <a:spLocks noGrp="1"/>
+          </p:cNvSpPr>
+          <p:nvPr>
+            <p:ph type="sldNum" sz="quarter" idx="5"/>
+          </p:nvPr>
+        </p:nvSpPr>
+        <p:spPr/>
+        <p:txBody>
+          <a:bodyPr/>
+          <a:lstStyle/>
+          <a:p>
+            <a:fld id="{B8E637B9-F140-B64D-9222-01A1EC37811D}" type="slidenum">
+              <a:rPr lang="en-US" smtClean="0"/>
               <a:t>32</a:t>
             </a:fld>
             <a:endParaRPr lang="en-US"/>
@@ -2192,6 +2177,212 @@
 </file>
 
 <file path=ppt/notesSlides/notesSlide3.xml><?xml version="1.0" encoding="utf-8"?>
+<p:notes xmlns:a="http://schemas.openxmlformats.org/drawingml/2006/main" xmlns:r="http://schemas.openxmlformats.org/officeDocument/2006/relationships" xmlns:p="http://schemas.openxmlformats.org/presentationml/2006/main">
+  <p:cSld>
+    <p:spTree>
+      <p:nvGrpSpPr>
+        <p:cNvPr id="1" name=""/>
+        <p:cNvGrpSpPr/>
+        <p:nvPr/>
+      </p:nvGrpSpPr>
+      <p:grpSpPr>
+        <a:xfrm>
+          <a:off x="0" y="0"/>
+          <a:ext cx="0" cy="0"/>
+          <a:chOff x="0" y="0"/>
+          <a:chExt cx="0" cy="0"/>
+        </a:xfrm>
+      </p:grpSpPr>
+      <p:sp>
+        <p:nvSpPr>
+          <p:cNvPr id="2" name="Slide Image Placeholder 1"/>
+          <p:cNvSpPr>
+            <a:spLocks noGrp="1" noRot="1" noChangeAspect="1"/>
+          </p:cNvSpPr>
+          <p:nvPr>
+            <p:ph type="sldImg"/>
+          </p:nvPr>
+        </p:nvSpPr>
+        <p:spPr/>
+      </p:sp>
+      <p:sp>
+        <p:nvSpPr>
+          <p:cNvPr id="3" name="Notes Placeholder 2"/>
+          <p:cNvSpPr>
+            <a:spLocks noGrp="1"/>
+          </p:cNvSpPr>
+          <p:nvPr>
+            <p:ph type="body" idx="1"/>
+          </p:nvPr>
+        </p:nvSpPr>
+        <p:spPr/>
+        <p:txBody>
+          <a:bodyPr/>
+          <a:lstStyle/>
+          <a:p>
+            <a:pPr marL="0" marR="0" lvl="0" indent="0" algn="l" defTabSz="914400" rtl="0" eaLnBrk="1" fontAlgn="auto" latinLnBrk="0" hangingPunct="1">
+              <a:lnSpc>
+                <a:spcPct val="100000"/>
+              </a:lnSpc>
+              <a:spcBef>
+                <a:spcPts val="0"/>
+              </a:spcBef>
+              <a:spcAft>
+                <a:spcPts val="0"/>
+              </a:spcAft>
+              <a:buClrTx/>
+              <a:buSzTx/>
+              <a:buFontTx/>
+              <a:buNone/>
+              <a:tabLst/>
+              <a:defRPr/>
+            </a:pPr>
+            <a:r>
+              <a:rPr lang="en-US" dirty="0"/>
+              <a:t>The holy grail of testing – isolating it.</a:t>
+            </a:r>
+          </a:p>
+          <a:p>
+            <a:pPr marL="0" marR="0" lvl="0" indent="0" algn="l" defTabSz="914400" rtl="0" eaLnBrk="1" fontAlgn="auto" latinLnBrk="0" hangingPunct="1">
+              <a:lnSpc>
+                <a:spcPct val="100000"/>
+              </a:lnSpc>
+              <a:spcBef>
+                <a:spcPts val="0"/>
+              </a:spcBef>
+              <a:spcAft>
+                <a:spcPts val="0"/>
+              </a:spcAft>
+              <a:buClrTx/>
+              <a:buSzTx/>
+              <a:buFontTx/>
+              <a:buNone/>
+              <a:tabLst/>
+              <a:defRPr/>
+            </a:pPr>
+            <a:endParaRPr lang="en-US" dirty="0"/>
+          </a:p>
+          <a:p>
+            <a:pPr marL="0" marR="0" lvl="0" indent="0" algn="l" defTabSz="914400" rtl="0" eaLnBrk="1" fontAlgn="auto" latinLnBrk="0" hangingPunct="1">
+              <a:lnSpc>
+                <a:spcPct val="100000"/>
+              </a:lnSpc>
+              <a:spcBef>
+                <a:spcPts val="0"/>
+              </a:spcBef>
+              <a:spcAft>
+                <a:spcPts val="0"/>
+              </a:spcAft>
+              <a:buClrTx/>
+              <a:buSzTx/>
+              <a:buFontTx/>
+              <a:buNone/>
+              <a:tabLst/>
+              <a:defRPr/>
+            </a:pPr>
+            <a:r>
+              <a:rPr lang="en-US" dirty="0"/>
+              <a:t>Local means you will be able to do it on a build server. How to get to a local development environment?</a:t>
+            </a:r>
+          </a:p>
+          <a:p>
+            <a:pPr marL="0" marR="0" lvl="0" indent="0" algn="l" defTabSz="914400" rtl="0" eaLnBrk="1" fontAlgn="auto" latinLnBrk="0" hangingPunct="1">
+              <a:lnSpc>
+                <a:spcPct val="100000"/>
+              </a:lnSpc>
+              <a:spcBef>
+                <a:spcPts val="0"/>
+              </a:spcBef>
+              <a:spcAft>
+                <a:spcPts val="0"/>
+              </a:spcAft>
+              <a:buClrTx/>
+              <a:buSzTx/>
+              <a:buFontTx/>
+              <a:buNone/>
+              <a:tabLst/>
+              <a:defRPr/>
+            </a:pPr>
+            <a:endParaRPr lang="en-US" dirty="0"/>
+          </a:p>
+          <a:p>
+            <a:r>
+              <a:rPr lang="en-US" dirty="0"/>
+              <a:t>(CLICK)</a:t>
+            </a:r>
+          </a:p>
+          <a:p>
+            <a:r>
+              <a:rPr lang="en-US" dirty="0"/>
+              <a:t>Option 1: requires build server to be “built”.</a:t>
+            </a:r>
+          </a:p>
+          <a:p>
+            <a:r>
+              <a:rPr lang="en-US" dirty="0"/>
+              <a:t>(CLICK)</a:t>
+            </a:r>
+          </a:p>
+          <a:p>
+            <a:r>
+              <a:rPr lang="en-US" dirty="0"/>
+              <a:t>You have to install the tools and “set up” the machine.</a:t>
+            </a:r>
+          </a:p>
+          <a:p>
+            <a:r>
+              <a:rPr lang="en-US" dirty="0"/>
+              <a:t>(CLICK)</a:t>
+            </a:r>
+          </a:p>
+          <a:p>
+            <a:r>
+              <a:rPr lang="en-US" dirty="0"/>
+              <a:t>Option 2: allows build to be repeatable, isolated, and portable.</a:t>
+            </a:r>
+          </a:p>
+          <a:p>
+            <a:endParaRPr lang="en-US" dirty="0"/>
+          </a:p>
+        </p:txBody>
+      </p:sp>
+      <p:sp>
+        <p:nvSpPr>
+          <p:cNvPr id="4" name="Slide Number Placeholder 3"/>
+          <p:cNvSpPr>
+            <a:spLocks noGrp="1"/>
+          </p:cNvSpPr>
+          <p:nvPr>
+            <p:ph type="sldNum" sz="quarter" idx="5"/>
+          </p:nvPr>
+        </p:nvSpPr>
+        <p:spPr/>
+        <p:txBody>
+          <a:bodyPr/>
+          <a:lstStyle/>
+          <a:p>
+            <a:fld id="{B8E637B9-F140-B64D-9222-01A1EC37811D}" type="slidenum">
+              <a:rPr lang="en-US" smtClean="0"/>
+              <a:t>4</a:t>
+            </a:fld>
+            <a:endParaRPr lang="en-US"/>
+          </a:p>
+        </p:txBody>
+      </p:sp>
+    </p:spTree>
+    <p:extLst>
+      <p:ext uri="{BB962C8B-B14F-4D97-AF65-F5344CB8AC3E}">
+        <p14:creationId xmlns:p14="http://schemas.microsoft.com/office/powerpoint/2010/main" val="183174194"/>
+      </p:ext>
+    </p:extLst>
+  </p:cSld>
+  <p:clrMapOvr>
+    <a:masterClrMapping/>
+  </p:clrMapOvr>
+</p:notes>
+</file>
+
+<file path=ppt/notesSlides/notesSlide4.xml><?xml version="1.0" encoding="utf-8"?>
 <p:notes xmlns:a="http://schemas.openxmlformats.org/drawingml/2006/main" xmlns:r="http://schemas.openxmlformats.org/officeDocument/2006/relationships" xmlns:p="http://schemas.openxmlformats.org/presentationml/2006/main" showMasterSp="0" showMasterPhAnim="0">
   <p:cSld>
     <p:spTree>
@@ -2295,90 +2486,6 @@
 </p:notes>
 </file>
 
-<file path=ppt/notesSlides/notesSlide4.xml><?xml version="1.0" encoding="utf-8"?>
-<p:notes xmlns:a="http://schemas.openxmlformats.org/drawingml/2006/main" xmlns:r="http://schemas.openxmlformats.org/officeDocument/2006/relationships" xmlns:p="http://schemas.openxmlformats.org/presentationml/2006/main">
-  <p:cSld>
-    <p:spTree>
-      <p:nvGrpSpPr>
-        <p:cNvPr id="1" name=""/>
-        <p:cNvGrpSpPr/>
-        <p:nvPr/>
-      </p:nvGrpSpPr>
-      <p:grpSpPr>
-        <a:xfrm>
-          <a:off x="0" y="0"/>
-          <a:ext cx="0" cy="0"/>
-          <a:chOff x="0" y="0"/>
-          <a:chExt cx="0" cy="0"/>
-        </a:xfrm>
-      </p:grpSpPr>
-      <p:sp>
-        <p:nvSpPr>
-          <p:cNvPr id="2" name="Slide Image Placeholder 1"/>
-          <p:cNvSpPr>
-            <a:spLocks noGrp="1" noRot="1" noChangeAspect="1"/>
-          </p:cNvSpPr>
-          <p:nvPr>
-            <p:ph type="sldImg"/>
-          </p:nvPr>
-        </p:nvSpPr>
-        <p:spPr/>
-      </p:sp>
-      <p:sp>
-        <p:nvSpPr>
-          <p:cNvPr id="3" name="Notes Placeholder 2"/>
-          <p:cNvSpPr>
-            <a:spLocks noGrp="1"/>
-          </p:cNvSpPr>
-          <p:nvPr>
-            <p:ph type="body" idx="1"/>
-          </p:nvPr>
-        </p:nvSpPr>
-        <p:spPr/>
-        <p:txBody>
-          <a:bodyPr/>
-          <a:lstStyle/>
-          <a:p>
-            <a:endParaRPr lang="en-US" dirty="0"/>
-          </a:p>
-        </p:txBody>
-      </p:sp>
-      <p:sp>
-        <p:nvSpPr>
-          <p:cNvPr id="4" name="Slide Number Placeholder 3"/>
-          <p:cNvSpPr>
-            <a:spLocks noGrp="1"/>
-          </p:cNvSpPr>
-          <p:nvPr>
-            <p:ph type="sldNum" sz="quarter" idx="5"/>
-          </p:nvPr>
-        </p:nvSpPr>
-        <p:spPr/>
-        <p:txBody>
-          <a:bodyPr/>
-          <a:lstStyle/>
-          <a:p>
-            <a:fld id="{B8E637B9-F140-B64D-9222-01A1EC37811D}" type="slidenum">
-              <a:rPr lang="en-US" smtClean="0"/>
-              <a:t>8</a:t>
-            </a:fld>
-            <a:endParaRPr lang="en-US"/>
-          </a:p>
-        </p:txBody>
-      </p:sp>
-    </p:spTree>
-    <p:extLst>
-      <p:ext uri="{BB962C8B-B14F-4D97-AF65-F5344CB8AC3E}">
-        <p14:creationId xmlns:p14="http://schemas.microsoft.com/office/powerpoint/2010/main" val="3336020681"/>
-      </p:ext>
-    </p:extLst>
-  </p:cSld>
-  <p:clrMapOvr>
-    <a:masterClrMapping/>
-  </p:clrMapOvr>
-</p:notes>
-</file>
-
 <file path=ppt/notesSlides/notesSlide5.xml><?xml version="1.0" encoding="utf-8"?>
 <p:notes xmlns:a="http://schemas.openxmlformats.org/drawingml/2006/main" xmlns:r="http://schemas.openxmlformats.org/officeDocument/2006/relationships" xmlns:p="http://schemas.openxmlformats.org/presentationml/2006/main">
   <p:cSld>
@@ -2423,109 +2530,7 @@
           <a:bodyPr/>
           <a:lstStyle/>
           <a:p>
-            <a:r>
-              <a:rPr lang="en-US" dirty="0"/>
-              <a:t>This demo will center around airline carrier data that has two columns: carrier code and a description string.</a:t>
-            </a:r>
-          </a:p>
-          <a:p>
-            <a:r>
-              <a:rPr lang="en-US" dirty="0"/>
-              <a:t>(CLICK)</a:t>
-            </a:r>
-          </a:p>
-          <a:p>
-            <a:r>
-              <a:rPr lang="en-US" dirty="0"/>
-              <a:t>Here are some example values. We want to parse the start/end years as part of the pipeline.</a:t>
-            </a:r>
-          </a:p>
-          <a:p>
-            <a:r>
-              <a:rPr lang="en-US" dirty="0"/>
-              <a:t>(CLICK)</a:t>
-            </a:r>
-          </a:p>
-          <a:p>
-            <a:r>
-              <a:rPr lang="en-US" dirty="0"/>
-              <a:t>So, the process is to </a:t>
-            </a:r>
-          </a:p>
-          <a:p>
-            <a:pPr marL="228600" indent="-228600">
-              <a:buFont typeface="+mj-lt"/>
-              <a:buAutoNum type="arabicPeriod"/>
-            </a:pPr>
-            <a:r>
-              <a:rPr lang="en-US" dirty="0"/>
-              <a:t>Read the carrier csv data and parse the start/end years (CLICK)</a:t>
-            </a:r>
-          </a:p>
-          <a:p>
-            <a:pPr marL="228600" indent="-228600">
-              <a:buFont typeface="+mj-lt"/>
-              <a:buAutoNum type="arabicPeriod"/>
-            </a:pPr>
-            <a:r>
-              <a:rPr lang="en-US" dirty="0"/>
-              <a:t>Add the start/end years as new columns ((CLICK)</a:t>
-            </a:r>
-          </a:p>
-          <a:p>
-            <a:pPr marL="228600" indent="-228600">
-              <a:buFont typeface="+mj-lt"/>
-              <a:buAutoNum type="arabicPeriod"/>
-            </a:pPr>
-            <a:r>
-              <a:rPr lang="en-US" dirty="0"/>
-              <a:t>Replace empty start and end years with 1900 and 9999, respectively (CLICK)</a:t>
-            </a:r>
-          </a:p>
-          <a:p>
-            <a:pPr marL="228600" indent="-228600">
-              <a:buFont typeface="+mj-lt"/>
-              <a:buAutoNum type="arabicPeriod"/>
-            </a:pPr>
-            <a:r>
-              <a:rPr lang="en-US" dirty="0"/>
-              <a:t>Any invalid data should get a -1 for the start and end years</a:t>
-            </a:r>
-          </a:p>
-          <a:p>
-            <a:pPr marL="0" indent="0">
-              <a:buFont typeface="+mj-lt"/>
-              <a:buNone/>
-            </a:pPr>
             <a:endParaRPr lang="en-US" dirty="0"/>
-          </a:p>
-          <a:p>
-            <a:pPr marL="0" indent="0">
-              <a:buFont typeface="+mj-lt"/>
-              <a:buNone/>
-            </a:pPr>
-            <a:r>
-              <a:rPr lang="en-US" dirty="0"/>
-              <a:t>AT THE END, we’ll have a </a:t>
-            </a:r>
-            <a:r>
-              <a:rPr lang="en-US" dirty="0" err="1"/>
-              <a:t>dataframe</a:t>
-            </a:r>
-            <a:r>
-              <a:rPr lang="en-US" dirty="0"/>
-              <a:t> with two new columns, which can be persisted.</a:t>
-            </a:r>
-          </a:p>
-          <a:p>
-            <a:pPr marL="0" indent="0">
-              <a:buFont typeface="+mj-lt"/>
-              <a:buNone/>
-            </a:pPr>
-            <a:r>
-              <a:rPr lang="en-US" dirty="0"/>
-              <a:t>(CLICK)</a:t>
-            </a:r>
           </a:p>
         </p:txBody>
       </p:sp>
@@ -2546,7 +2551,7 @@
           <a:p>
             <a:fld id="{B8E637B9-F140-B64D-9222-01A1EC37811D}" type="slidenum">
               <a:rPr lang="en-US" smtClean="0"/>
-              <a:t>9</a:t>
+              <a:t>8</a:t>
             </a:fld>
             <a:endParaRPr lang="en-US"/>
           </a:p>
@@ -2555,7 +2560,7 @@
     </p:spTree>
     <p:extLst>
       <p:ext uri="{BB962C8B-B14F-4D97-AF65-F5344CB8AC3E}">
-        <p14:creationId xmlns:p14="http://schemas.microsoft.com/office/powerpoint/2010/main" val="1404924347"/>
+        <p14:creationId xmlns:p14="http://schemas.microsoft.com/office/powerpoint/2010/main" val="3336020681"/>
       </p:ext>
     </p:extLst>
   </p:cSld>
@@ -2611,16 +2616,7 @@
           <a:p>
             <a:r>
               <a:rPr lang="en-US" dirty="0"/>
-              <a:t>In order to perform local/unit testing, you’ll need to design your pipeline to separate out the transformation logic from the other integrations, like system I/O.</a:t>
-            </a:r>
-          </a:p>
-          <a:p>
-            <a:endParaRPr lang="en-US" dirty="0"/>
-          </a:p>
-          <a:p>
-            <a:r>
-              <a:rPr lang="en-US" dirty="0"/>
-              <a:t>The I/O is considered integration testing</a:t>
+              <a:t>This demo will center around airline carrier data that has two columns: carrier code and a description string.</a:t>
             </a:r>
           </a:p>
           <a:p>
@@ -2632,7 +2628,76 @@
           <a:p>
             <a:r>
               <a:rPr lang="en-US" dirty="0"/>
-              <a:t>The transformations are considered unit tests, so isolate the transformation logic by designing the middle portion to start with a </a:t>
+              <a:t>Here are some example values. We want to parse the start/end years as part of the pipeline.</a:t>
+            </a:r>
+          </a:p>
+          <a:p>
+            <a:r>
+              <a:rPr lang="en-US" dirty="0"/>
+              <a:t>(CLICK)</a:t>
+            </a:r>
+          </a:p>
+          <a:p>
+            <a:r>
+              <a:rPr lang="en-US" dirty="0"/>
+              <a:t>So, the process is to </a:t>
+            </a:r>
+          </a:p>
+          <a:p>
+            <a:pPr marL="228600" indent="-228600">
+              <a:buFont typeface="+mj-lt"/>
+              <a:buAutoNum type="arabicPeriod"/>
+            </a:pPr>
+            <a:r>
+              <a:rPr lang="en-US" dirty="0"/>
+              <a:t>Read the carrier csv data and parse the start/end years (CLICK)</a:t>
+            </a:r>
+          </a:p>
+          <a:p>
+            <a:pPr marL="228600" indent="-228600">
+              <a:buFont typeface="+mj-lt"/>
+              <a:buAutoNum type="arabicPeriod"/>
+            </a:pPr>
+            <a:r>
+              <a:rPr lang="en-US" dirty="0"/>
+              <a:t>Add the start/end years as new columns ((CLICK)</a:t>
+            </a:r>
+          </a:p>
+          <a:p>
+            <a:pPr marL="228600" indent="-228600">
+              <a:buFont typeface="+mj-lt"/>
+              <a:buAutoNum type="arabicPeriod"/>
+            </a:pPr>
+            <a:r>
+              <a:rPr lang="en-US" dirty="0"/>
+              <a:t>Replace empty start and end years with 1900 and 9999, respectively (CLICK)</a:t>
+            </a:r>
+          </a:p>
+          <a:p>
+            <a:pPr marL="228600" indent="-228600">
+              <a:buFont typeface="+mj-lt"/>
+              <a:buAutoNum type="arabicPeriod"/>
+            </a:pPr>
+            <a:r>
+              <a:rPr lang="en-US" dirty="0"/>
+              <a:t>Any invalid data should get a -1 for the start and end years</a:t>
+            </a:r>
+          </a:p>
+          <a:p>
+            <a:pPr marL="0" indent="0">
+              <a:buFont typeface="+mj-lt"/>
+              <a:buNone/>
+            </a:pPr>
+            <a:endParaRPr lang="en-US" dirty="0"/>
+          </a:p>
+          <a:p>
+            <a:pPr marL="0" indent="0">
+              <a:buFont typeface="+mj-lt"/>
+              <a:buNone/>
+            </a:pPr>
+            <a:r>
+              <a:rPr lang="en-US" dirty="0"/>
+              <a:t>AT THE END, we’ll have a </a:t>
             </a:r>
             <a:r>
               <a:rPr lang="en-US" dirty="0" err="1"/>
@@ -2640,7 +2705,17 @@
             </a:r>
             <a:r>
               <a:rPr lang="en-US" dirty="0"/>
-              <a:t> or other data structure, and end with a similar data structure.</a:t>
+              <a:t> with two new columns, which can be persisted.</a:t>
+            </a:r>
+          </a:p>
+          <a:p>
+            <a:pPr marL="0" indent="0">
+              <a:buFont typeface="+mj-lt"/>
+              <a:buNone/>
+            </a:pPr>
+            <a:r>
+              <a:rPr lang="en-US" dirty="0"/>
+              <a:t>(CLICK)</a:t>
             </a:r>
           </a:p>
         </p:txBody>
@@ -2662,7 +2737,7 @@
           <a:p>
             <a:fld id="{B8E637B9-F140-B64D-9222-01A1EC37811D}" type="slidenum">
               <a:rPr lang="en-US" smtClean="0"/>
-              <a:t>10</a:t>
+              <a:t>9</a:t>
             </a:fld>
             <a:endParaRPr lang="en-US"/>
           </a:p>
@@ -2671,7 +2746,7 @@
     </p:spTree>
     <p:extLst>
       <p:ext uri="{BB962C8B-B14F-4D97-AF65-F5344CB8AC3E}">
-        <p14:creationId xmlns:p14="http://schemas.microsoft.com/office/powerpoint/2010/main" val="2142744850"/>
+        <p14:creationId xmlns:p14="http://schemas.microsoft.com/office/powerpoint/2010/main" val="1404924347"/>
       </p:ext>
     </p:extLst>
   </p:cSld>
@@ -2726,30 +2801,38 @@
           <a:lstStyle/>
           <a:p>
             <a:r>
-              <a:rPr lang="en-US" dirty="0">
-                <a:cs typeface="+mn-lt"/>
-              </a:rPr>
-              <a:t>Go over how on TDD</a:t>
-            </a:r>
-            <a:br>
-              <a:rPr lang="en-US" dirty="0">
-                <a:cs typeface="+mn-lt"/>
-              </a:rPr>
-            </a:br>
-            <a:br>
-              <a:rPr lang="en-US" dirty="0">
-                <a:cs typeface="+mn-lt"/>
-              </a:rPr>
-            </a:br>
-            <a:r>
-              <a:rPr lang="en-US" dirty="0">
-                <a:cs typeface="+mn-lt"/>
-              </a:rPr>
-              <a:t>I won’t cover the why’s of the TDD methodology, but this is my preferred method of development and learning new languages.</a:t>
-            </a:r>
-            <a:endParaRPr lang="en-US" dirty="0">
-              <a:cs typeface="Calibri"/>
-            </a:endParaRPr>
+              <a:rPr lang="en-US" dirty="0"/>
+              <a:t>In order to perform local/unit testing, you’ll need to design your pipeline to separate out the transformation logic from the other integrations, like system I/O.</a:t>
+            </a:r>
+          </a:p>
+          <a:p>
+            <a:endParaRPr lang="en-US" dirty="0"/>
+          </a:p>
+          <a:p>
+            <a:r>
+              <a:rPr lang="en-US" dirty="0"/>
+              <a:t>The I/O is considered integration testing</a:t>
+            </a:r>
+          </a:p>
+          <a:p>
+            <a:r>
+              <a:rPr lang="en-US" dirty="0"/>
+              <a:t>(CLICK)</a:t>
+            </a:r>
+          </a:p>
+          <a:p>
+            <a:r>
+              <a:rPr lang="en-US" dirty="0"/>
+              <a:t>The transformations are considered unit tests, so isolate the transformation logic by designing the middle portion to start with a </a:t>
+            </a:r>
+            <a:r>
+              <a:rPr lang="en-US" dirty="0" err="1"/>
+              <a:t>dataframe</a:t>
+            </a:r>
+            <a:r>
+              <a:rPr lang="en-US" dirty="0"/>
+              <a:t> or other data structure, and end with a similar data structure.</a:t>
+            </a:r>
           </a:p>
         </p:txBody>
       </p:sp>
@@ -2768,9 +2851,9 @@
           <a:bodyPr/>
           <a:lstStyle/>
           <a:p>
-            <a:fld id="{172E2218-332F-2046-8919-12C975A973BC}" type="slidenum">
+            <a:fld id="{B8E637B9-F140-B64D-9222-01A1EC37811D}" type="slidenum">
               <a:rPr lang="en-US" smtClean="0"/>
-              <a:t>12</a:t>
+              <a:t>10</a:t>
             </a:fld>
             <a:endParaRPr lang="en-US"/>
           </a:p>
@@ -2779,7 +2862,7 @@
     </p:spTree>
     <p:extLst>
       <p:ext uri="{BB962C8B-B14F-4D97-AF65-F5344CB8AC3E}">
-        <p14:creationId xmlns:p14="http://schemas.microsoft.com/office/powerpoint/2010/main" val="656999697"/>
+        <p14:creationId xmlns:p14="http://schemas.microsoft.com/office/powerpoint/2010/main" val="2142744850"/>
       </p:ext>
     </p:extLst>
   </p:cSld>
@@ -2833,7 +2916,31 @@
           <a:bodyPr/>
           <a:lstStyle/>
           <a:p>
-            <a:endParaRPr lang="en-US" dirty="0"/>
+            <a:r>
+              <a:rPr lang="en-US" dirty="0">
+                <a:cs typeface="+mn-lt"/>
+              </a:rPr>
+              <a:t>Go over how on TDD</a:t>
+            </a:r>
+            <a:br>
+              <a:rPr lang="en-US" dirty="0">
+                <a:cs typeface="+mn-lt"/>
+              </a:rPr>
+            </a:br>
+            <a:br>
+              <a:rPr lang="en-US" dirty="0">
+                <a:cs typeface="+mn-lt"/>
+              </a:rPr>
+            </a:br>
+            <a:r>
+              <a:rPr lang="en-US" dirty="0">
+                <a:cs typeface="+mn-lt"/>
+              </a:rPr>
+              <a:t>I won’t cover the why’s of the TDD methodology, but this is my preferred method of development and learning new languages.</a:t>
+            </a:r>
+            <a:endParaRPr lang="en-US" dirty="0">
+              <a:cs typeface="Calibri"/>
+            </a:endParaRPr>
           </a:p>
         </p:txBody>
       </p:sp>
@@ -2852,9 +2959,9 @@
           <a:bodyPr/>
           <a:lstStyle/>
           <a:p>
-            <a:fld id="{B8E637B9-F140-B64D-9222-01A1EC37811D}" type="slidenum">
+            <a:fld id="{172E2218-332F-2046-8919-12C975A973BC}" type="slidenum">
               <a:rPr lang="en-US" smtClean="0"/>
-              <a:t>13</a:t>
+              <a:t>12</a:t>
             </a:fld>
             <a:endParaRPr lang="en-US"/>
           </a:p>
@@ -2863,7 +2970,7 @@
     </p:spTree>
     <p:extLst>
       <p:ext uri="{BB962C8B-B14F-4D97-AF65-F5344CB8AC3E}">
-        <p14:creationId xmlns:p14="http://schemas.microsoft.com/office/powerpoint/2010/main" val="906442768"/>
+        <p14:creationId xmlns:p14="http://schemas.microsoft.com/office/powerpoint/2010/main" val="656999697"/>
       </p:ext>
     </p:extLst>
   </p:cSld>
@@ -2917,29 +3024,6 @@
           <a:bodyPr/>
           <a:lstStyle/>
           <a:p>
-            <a:pPr marL="0" marR="0" lvl="0" indent="0" algn="l" defTabSz="914400" rtl="0" eaLnBrk="1" fontAlgn="auto" latinLnBrk="0" hangingPunct="1">
-              <a:lnSpc>
-                <a:spcPct val="100000"/>
-              </a:lnSpc>
-              <a:spcBef>
-                <a:spcPts val="0"/>
-              </a:spcBef>
-              <a:spcAft>
-                <a:spcPts val="0"/>
-              </a:spcAft>
-              <a:buClrTx/>
-              <a:buSzTx/>
-              <a:buFontTx/>
-              <a:buNone/>
-              <a:tabLst/>
-              <a:defRPr/>
-            </a:pPr>
-            <a:r>
-              <a:rPr lang="en-US" dirty="0"/>
-              <a:t>BEFORE showing the testing demos, I want to show you how to connect VS Code to the Docker image.</a:t>
-            </a:r>
-          </a:p>
-          <a:p>
             <a:endParaRPr lang="en-US" dirty="0"/>
           </a:p>
         </p:txBody>
@@ -2961,7 +3045,7 @@
           <a:p>
             <a:fld id="{B8E637B9-F140-B64D-9222-01A1EC37811D}" type="slidenum">
               <a:rPr lang="en-US" smtClean="0"/>
-              <a:t>14</a:t>
+              <a:t>13</a:t>
             </a:fld>
             <a:endParaRPr lang="en-US"/>
           </a:p>
@@ -2970,7 +3054,7 @@
     </p:spTree>
     <p:extLst>
       <p:ext uri="{BB962C8B-B14F-4D97-AF65-F5344CB8AC3E}">
-        <p14:creationId xmlns:p14="http://schemas.microsoft.com/office/powerpoint/2010/main" val="964687084"/>
+        <p14:creationId xmlns:p14="http://schemas.microsoft.com/office/powerpoint/2010/main" val="906442768"/>
       </p:ext>
     </p:extLst>
   </p:cSld>
@@ -32288,6 +32372,25 @@
             </a:pPr>
             <a:r>
               <a:rPr lang="en-US" sz="2400" dirty="0"/>
+              <a:t>The Docker setup was not as easy as hoped (see </a:t>
+            </a:r>
+            <a:r>
+              <a:rPr lang="en-US" sz="2400" dirty="0" err="1"/>
+              <a:t>Readme.md</a:t>
+            </a:r>
+            <a:r>
+              <a:rPr lang="en-US" sz="2400"/>
+              <a:t>)</a:t>
+            </a:r>
+          </a:p>
+          <a:p>
+            <a:pPr>
+              <a:lnSpc>
+                <a:spcPct val="150000"/>
+              </a:lnSpc>
+            </a:pPr>
+            <a:r>
+              <a:rPr lang="en-US" sz="2400" dirty="0"/>
               <a:t>Use more efficient code organization for tests (no copy/paste)</a:t>
             </a:r>
           </a:p>
@@ -32757,6 +32860,67 @@
                       </p:childTnLst>
                     </p:cTn>
                   </p:par>
+                  <p:par>
+                    <p:cTn id="33" fill="hold">
+                      <p:stCondLst>
+                        <p:cond delay="indefinite"/>
+                      </p:stCondLst>
+                      <p:childTnLst>
+                        <p:par>
+                          <p:cTn id="34" fill="hold">
+                            <p:stCondLst>
+                              <p:cond delay="0"/>
+                            </p:stCondLst>
+                            <p:childTnLst>
+                              <p:par>
+                                <p:cTn id="35" presetID="10" presetClass="entr" presetSubtype="0" fill="hold" grpId="0" nodeType="clickEffect">
+                                  <p:stCondLst>
+                                    <p:cond delay="0"/>
+                                  </p:stCondLst>
+                                  <p:childTnLst>
+                                    <p:set>
+                                      <p:cBhvr>
+                                        <p:cTn id="36" dur="1" fill="hold">
+                                          <p:stCondLst>
+                                            <p:cond delay="0"/>
+                                          </p:stCondLst>
+                                        </p:cTn>
+                                        <p:tgtEl>
+                                          <p:spTgt spid="9">
+                                            <p:txEl>
+                                              <p:pRg st="6" end="6"/>
+                                            </p:txEl>
+                                          </p:spTgt>
+                                        </p:tgtEl>
+                                        <p:attrNameLst>
+                                          <p:attrName>style.visibility</p:attrName>
+                                        </p:attrNameLst>
+                                      </p:cBhvr>
+                                      <p:to>
+                                        <p:strVal val="visible"/>
+                                      </p:to>
+                                    </p:set>
+                                    <p:animEffect transition="in" filter="fade">
+                                      <p:cBhvr>
+                                        <p:cTn id="37" dur="500"/>
+                                        <p:tgtEl>
+                                          <p:spTgt spid="9">
+                                            <p:txEl>
+                                              <p:pRg st="6" end="6"/>
+                                            </p:txEl>
+                                          </p:spTgt>
+                                        </p:tgtEl>
+                                      </p:cBhvr>
+                                    </p:animEffect>
+                                  </p:childTnLst>
+                                </p:cTn>
+                              </p:par>
+                            </p:childTnLst>
+                          </p:cTn>
+                        </p:par>
+                      </p:childTnLst>
+                    </p:cTn>
+                  </p:par>
                 </p:childTnLst>
               </p:cTn>
               <p:prevCondLst>
@@ -34095,6 +34259,41 @@
                                   </p:childTnLst>
                                 </p:cTn>
                               </p:par>
+                              <p:par>
+                                <p:cTn id="21" presetID="10" presetClass="entr" presetSubtype="0" fill="hold" grpId="0" nodeType="withEffect">
+                                  <p:stCondLst>
+                                    <p:cond delay="0"/>
+                                  </p:stCondLst>
+                                  <p:childTnLst>
+                                    <p:set>
+                                      <p:cBhvr>
+                                        <p:cTn id="22" dur="1" fill="hold">
+                                          <p:stCondLst>
+                                            <p:cond delay="0"/>
+                                          </p:stCondLst>
+                                        </p:cTn>
+                                        <p:tgtEl>
+                                          <p:spTgt spid="3"/>
+                                        </p:tgtEl>
+                                        <p:attrNameLst>
+                                          <p:attrName>style.visibility</p:attrName>
+                                        </p:attrNameLst>
+                                      </p:cBhvr>
+                                      <p:to>
+                                        <p:strVal val="visible"/>
+                                      </p:to>
+                                    </p:set>
+                                    <p:animEffect transition="in" filter="fade">
+                                      <p:cBhvr>
+                                        <p:cTn id="23" dur="500"/>
+                                        <p:tgtEl>
+                                          <p:spTgt spid="3"/>
+                                        </p:tgtEl>
+                                      </p:cBhvr>
+                                    </p:animEffect>
+                                  </p:childTnLst>
+                                </p:cTn>
+                              </p:par>
                             </p:childTnLst>
                           </p:cTn>
                         </p:par>
@@ -34125,6 +34324,7 @@
     <p:bldLst>
       <p:bldP spid="10" grpId="0" animBg="1"/>
       <p:bldP spid="10" grpId="1" animBg="1"/>
+      <p:bldP spid="3" grpId="0" animBg="1"/>
     </p:bldLst>
   </p:timing>
 </p:sld>
